--- a/doc/intro/slides/lesson_01_intro.pptx
+++ b/doc/intro/slides/lesson_01_intro.pptx
@@ -5,7 +5,7 @@
     <p:sldMasterId id="2147483648" r:id="rId1"/>
   </p:sldMasterIdLst>
   <p:notesMasterIdLst>
-    <p:notesMasterId r:id="rId49"/>
+    <p:notesMasterId r:id="rId48"/>
   </p:notesMasterIdLst>
   <p:sldIdLst>
     <p:sldId id="256" r:id="rId2"/>
@@ -54,7 +54,6 @@
     <p:sldId id="302" r:id="rId45"/>
     <p:sldId id="303" r:id="rId46"/>
     <p:sldId id="271" r:id="rId47"/>
-    <p:sldId id="304" r:id="rId48"/>
   </p:sldIdLst>
   <p:sldSz cx="12192000" cy="6858000"/>
   <p:notesSz cx="6858000" cy="9144000"/>
@@ -243,7 +242,7 @@
           <a:p>
             <a:fld id="{9B5B52BA-3295-0343-9E28-A260A811DD10}" type="datetimeFigureOut">
               <a:rPr lang="en-US" smtClean="0"/>
-              <a:t>12/19/17</a:t>
+              <a:t>12/21/17</a:t>
             </a:fld>
             <a:endParaRPr lang="en-US"/>
           </a:p>
@@ -642,7 +641,7 @@
           <a:p>
             <a:fld id="{04F1D4A2-813C-F741-B481-C92B3A596030}" type="datetimeFigureOut">
               <a:rPr lang="en-US" smtClean="0"/>
-              <a:t>12/19/17</a:t>
+              <a:t>12/21/17</a:t>
             </a:fld>
             <a:endParaRPr lang="en-US"/>
           </a:p>
@@ -812,7 +811,7 @@
           <a:p>
             <a:fld id="{04F1D4A2-813C-F741-B481-C92B3A596030}" type="datetimeFigureOut">
               <a:rPr lang="en-US" smtClean="0"/>
-              <a:t>12/19/17</a:t>
+              <a:t>12/21/17</a:t>
             </a:fld>
             <a:endParaRPr lang="en-US"/>
           </a:p>
@@ -992,7 +991,7 @@
           <a:p>
             <a:fld id="{04F1D4A2-813C-F741-B481-C92B3A596030}" type="datetimeFigureOut">
               <a:rPr lang="en-US" smtClean="0"/>
-              <a:t>12/19/17</a:t>
+              <a:t>12/21/17</a:t>
             </a:fld>
             <a:endParaRPr lang="en-US"/>
           </a:p>
@@ -1325,7 +1324,7 @@
           <a:p>
             <a:fld id="{04F1D4A2-813C-F741-B481-C92B3A596030}" type="datetimeFigureOut">
               <a:rPr lang="en-US" smtClean="0"/>
-              <a:t>12/19/17</a:t>
+              <a:t>12/21/17</a:t>
             </a:fld>
             <a:endParaRPr lang="en-US"/>
           </a:p>
@@ -1571,7 +1570,7 @@
           <a:p>
             <a:fld id="{04F1D4A2-813C-F741-B481-C92B3A596030}" type="datetimeFigureOut">
               <a:rPr lang="en-US" smtClean="0"/>
-              <a:t>12/19/17</a:t>
+              <a:t>12/21/17</a:t>
             </a:fld>
             <a:endParaRPr lang="en-US"/>
           </a:p>
@@ -1803,7 +1802,7 @@
           <a:p>
             <a:fld id="{04F1D4A2-813C-F741-B481-C92B3A596030}" type="datetimeFigureOut">
               <a:rPr lang="en-US" smtClean="0"/>
-              <a:t>12/19/17</a:t>
+              <a:t>12/21/17</a:t>
             </a:fld>
             <a:endParaRPr lang="en-US"/>
           </a:p>
@@ -2170,7 +2169,7 @@
           <a:p>
             <a:fld id="{04F1D4A2-813C-F741-B481-C92B3A596030}" type="datetimeFigureOut">
               <a:rPr lang="en-US" smtClean="0"/>
-              <a:t>12/19/17</a:t>
+              <a:t>12/21/17</a:t>
             </a:fld>
             <a:endParaRPr lang="en-US"/>
           </a:p>
@@ -2288,7 +2287,7 @@
           <a:p>
             <a:fld id="{04F1D4A2-813C-F741-B481-C92B3A596030}" type="datetimeFigureOut">
               <a:rPr lang="en-US" smtClean="0"/>
-              <a:t>12/19/17</a:t>
+              <a:t>12/21/17</a:t>
             </a:fld>
             <a:endParaRPr lang="en-US"/>
           </a:p>
@@ -2383,7 +2382,7 @@
           <a:p>
             <a:fld id="{04F1D4A2-813C-F741-B481-C92B3A596030}" type="datetimeFigureOut">
               <a:rPr lang="en-US" smtClean="0"/>
-              <a:t>12/19/17</a:t>
+              <a:t>12/21/17</a:t>
             </a:fld>
             <a:endParaRPr lang="en-US"/>
           </a:p>
@@ -2660,7 +2659,7 @@
           <a:p>
             <a:fld id="{04F1D4A2-813C-F741-B481-C92B3A596030}" type="datetimeFigureOut">
               <a:rPr lang="en-US" smtClean="0"/>
-              <a:t>12/19/17</a:t>
+              <a:t>12/21/17</a:t>
             </a:fld>
             <a:endParaRPr lang="en-US"/>
           </a:p>
@@ -2913,7 +2912,7 @@
           <a:p>
             <a:fld id="{04F1D4A2-813C-F741-B481-C92B3A596030}" type="datetimeFigureOut">
               <a:rPr lang="en-US" smtClean="0"/>
-              <a:t>12/19/17</a:t>
+              <a:t>12/21/17</a:t>
             </a:fld>
             <a:endParaRPr lang="en-US"/>
           </a:p>
@@ -3126,7 +3125,7 @@
           <a:p>
             <a:fld id="{04F1D4A2-813C-F741-B481-C92B3A596030}" type="datetimeFigureOut">
               <a:rPr lang="en-US" smtClean="0"/>
-              <a:t>12/19/17</a:t>
+              <a:t>12/21/17</a:t>
             </a:fld>
             <a:endParaRPr lang="en-US"/>
           </a:p>
@@ -3686,15 +3685,7 @@
           <a:p>
             <a:r>
               <a:rPr lang="en-US" dirty="0" smtClean="0"/>
-              <a:t>In autumn 2017 </a:t>
-            </a:r>
-            <a:r>
-              <a:rPr lang="en-US" dirty="0" smtClean="0"/>
-              <a:t>many new </a:t>
-            </a:r>
-            <a:r>
-              <a:rPr lang="en-US" dirty="0" smtClean="0"/>
-              <a:t>versions came out, but not stable/</a:t>
+              <a:t>In autumn 2017 many new versions came out, but not stable/</a:t>
             </a:r>
             <a:r>
               <a:rPr lang="en-US" dirty="0"/>
@@ -3702,11 +3693,7 @@
             </a:r>
             <a:r>
               <a:rPr lang="en-US" dirty="0" smtClean="0"/>
-              <a:t>idely supported </a:t>
-            </a:r>
-            <a:r>
-              <a:rPr lang="en-US" dirty="0" smtClean="0"/>
-              <a:t>yet</a:t>
+              <a:t>idely supported yet</a:t>
             </a:r>
           </a:p>
           <a:p>
@@ -3727,15 +3714,7 @@
             </a:r>
             <a:r>
               <a:rPr lang="en-US" dirty="0" smtClean="0"/>
-              <a:t> u</a:t>
-            </a:r>
-            <a:r>
-              <a:rPr lang="en-US" dirty="0" smtClean="0"/>
-              <a:t>sing </a:t>
-            </a:r>
-            <a:r>
-              <a:rPr lang="en-US" dirty="0" smtClean="0"/>
-              <a:t>Java 8 instead of 9</a:t>
+              <a:t> using Java 8 instead of 9</a:t>
             </a:r>
           </a:p>
           <a:p>
@@ -3749,11 +3728,7 @@
             </a:r>
             <a:r>
               <a:rPr lang="en-US" dirty="0" smtClean="0"/>
-              <a:t>JEE 7 instead of </a:t>
-            </a:r>
-            <a:r>
-              <a:rPr lang="en-US" dirty="0" smtClean="0"/>
-              <a:t>8</a:t>
+              <a:t>JEE 7 instead of 8</a:t>
             </a:r>
           </a:p>
           <a:p>
@@ -3769,7 +3744,6 @@
               <a:rPr lang="en-US" dirty="0" smtClean="0"/>
               <a:t>sing Spring 4 instead of 5</a:t>
             </a:r>
-            <a:endParaRPr lang="en-US" dirty="0" smtClean="0"/>
           </a:p>
           <a:p>
             <a:r>
@@ -3937,15 +3911,7 @@
           <a:p>
             <a:r>
               <a:rPr lang="en-US" dirty="0" smtClean="0"/>
-              <a:t>Java Enterprise Edition (</a:t>
-            </a:r>
-            <a:r>
-              <a:rPr lang="en-US" dirty="0" smtClean="0"/>
-              <a:t>Java EE</a:t>
-            </a:r>
-            <a:r>
-              <a:rPr lang="en-US" dirty="0" smtClean="0"/>
-              <a:t>)</a:t>
+              <a:t>Java Enterprise Edition (Java EE)</a:t>
             </a:r>
             <a:endParaRPr lang="en-US" dirty="0"/>
           </a:p>
@@ -4017,15 +3983,7 @@
           <a:p>
             <a:r>
               <a:rPr lang="en-US" dirty="0" smtClean="0"/>
-              <a:t>What is </a:t>
-            </a:r>
-            <a:r>
-              <a:rPr lang="en-US" dirty="0" smtClean="0"/>
-              <a:t>Java EE</a:t>
-            </a:r>
-            <a:r>
-              <a:rPr lang="en-US" dirty="0" smtClean="0"/>
-              <a:t>?</a:t>
+              <a:t>What is Java EE?</a:t>
             </a:r>
             <a:endParaRPr lang="en-US" dirty="0"/>
           </a:p>
@@ -4537,7 +4495,6 @@
               <a:rPr lang="en-US" dirty="0" smtClean="0"/>
               <a:t> and WebLogic</a:t>
             </a:r>
-            <a:endParaRPr lang="en-US" dirty="0" smtClean="0"/>
           </a:p>
           <a:p>
             <a:pPr lvl="1"/>
@@ -7382,15 +7339,7 @@
           <a:p>
             <a:r>
               <a:rPr lang="en-US" sz="3600" dirty="0" smtClean="0"/>
-              <a:t>If everything is configured, </a:t>
-            </a:r>
-            <a:r>
-              <a:rPr lang="en-US" sz="3600" dirty="0" smtClean="0"/>
-              <a:t>run </a:t>
-            </a:r>
-            <a:r>
-              <a:rPr lang="en-US" sz="3600" dirty="0" smtClean="0"/>
-              <a:t>“</a:t>
+              <a:t>If everything is configured, run “</a:t>
             </a:r>
             <a:r>
               <a:rPr lang="en-US" sz="3600" dirty="0" err="1" smtClean="0"/>
@@ -7598,17 +7547,8 @@
           <a:p>
             <a:r>
               <a:rPr lang="en-US" i="1" dirty="0" smtClean="0"/>
-              <a:t>Note</a:t>
-            </a:r>
-            <a:r>
-              <a:rPr lang="en-US" i="1" dirty="0" smtClean="0"/>
-              <a:t>: pull often, as material can get updated throughout the </a:t>
-            </a:r>
-            <a:r>
-              <a:rPr lang="en-US" i="1" dirty="0" smtClean="0"/>
-              <a:t>course</a:t>
-            </a:r>
-            <a:endParaRPr lang="en-US" i="1" dirty="0" smtClean="0"/>
+              <a:t>Note: pull often, as material can get updated throughout the course</a:t>
+            </a:r>
           </a:p>
           <a:p>
             <a:r>
@@ -7624,11 +7564,7 @@
             <a:pPr lvl="1"/>
             <a:r>
               <a:rPr lang="en-US" dirty="0" smtClean="0"/>
-              <a:t>Chapters </a:t>
-            </a:r>
-            <a:r>
-              <a:rPr lang="en-US" dirty="0" smtClean="0"/>
-              <a:t>1-11</a:t>
+              <a:t>Chapters 1-11</a:t>
             </a:r>
           </a:p>
           <a:p>
@@ -7637,7 +7573,6 @@
               <a:rPr lang="en-US" dirty="0" smtClean="0"/>
               <a:t>Useful to have, but not essential</a:t>
             </a:r>
-            <a:endParaRPr lang="en-US" dirty="0" smtClean="0"/>
           </a:p>
           <a:p>
             <a:endParaRPr lang="en-US" dirty="0"/>
@@ -11684,7 +11619,7 @@
         </p:spPr>
         <p:txBody>
           <a:bodyPr>
-            <a:normAutofit lnSpcReduction="10000"/>
+            <a:normAutofit fontScale="92500" lnSpcReduction="20000"/>
           </a:bodyPr>
           <a:lstStyle/>
           <a:p>
@@ -11696,11 +11631,7 @@
           <a:p>
             <a:r>
               <a:rPr lang="en-US" b="1" dirty="0" smtClean="0"/>
-              <a:t>i</a:t>
-            </a:r>
-            <a:r>
-              <a:rPr lang="en-US" b="1" dirty="0" smtClean="0"/>
-              <a:t>ntro/</a:t>
+              <a:t>intro/</a:t>
             </a:r>
             <a:r>
               <a:rPr lang="en-US" b="1" dirty="0" err="1" smtClean="0"/>
@@ -11885,7 +11816,21 @@
             </a:r>
             <a:r>
               <a:rPr lang="en-US" dirty="0" smtClean="0"/>
-              <a:t>Transient, etc.</a:t>
+              <a:t>Transient, etc</a:t>
+            </a:r>
+            <a:r>
+              <a:rPr lang="en-US" dirty="0" smtClean="0"/>
+              <a:t>.</a:t>
+            </a:r>
+          </a:p>
+          <a:p>
+            <a:r>
+              <a:rPr lang="en-US" dirty="0" smtClean="0"/>
+              <a:t>Exercises for Lesson 01 (</a:t>
+            </a:r>
+            <a:r>
+              <a:rPr lang="en-US" smtClean="0"/>
+              <a:t>see documentation)</a:t>
             </a:r>
             <a:endParaRPr lang="en-US" dirty="0"/>
           </a:p>
@@ -11895,82 +11840,6 @@
     <p:extLst>
       <p:ext uri="{BB962C8B-B14F-4D97-AF65-F5344CB8AC3E}">
         <p14:creationId xmlns:p14="http://schemas.microsoft.com/office/powerpoint/2010/main" val="1023732187"/>
-      </p:ext>
-    </p:extLst>
-  </p:cSld>
-  <p:clrMapOvr>
-    <a:masterClrMapping/>
-  </p:clrMapOvr>
-</p:sld>
-</file>
-
-<file path=ppt/slides/slide47.xml><?xml version="1.0" encoding="utf-8"?>
-<p:sld xmlns:a="http://schemas.openxmlformats.org/drawingml/2006/main" xmlns:r="http://schemas.openxmlformats.org/officeDocument/2006/relationships" xmlns:p="http://schemas.openxmlformats.org/presentationml/2006/main">
-  <p:cSld>
-    <p:spTree>
-      <p:nvGrpSpPr>
-        <p:cNvPr id="1" name=""/>
-        <p:cNvGrpSpPr/>
-        <p:nvPr/>
-      </p:nvGrpSpPr>
-      <p:grpSpPr>
-        <a:xfrm>
-          <a:off x="0" y="0"/>
-          <a:ext cx="0" cy="0"/>
-          <a:chOff x="0" y="0"/>
-          <a:chExt cx="0" cy="0"/>
-        </a:xfrm>
-      </p:grpSpPr>
-      <p:sp>
-        <p:nvSpPr>
-          <p:cNvPr id="2" name="Title 1"/>
-          <p:cNvSpPr>
-            <a:spLocks noGrp="1"/>
-          </p:cNvSpPr>
-          <p:nvPr>
-            <p:ph type="title"/>
-          </p:nvPr>
-        </p:nvSpPr>
-        <p:spPr/>
-        <p:txBody>
-          <a:bodyPr/>
-          <a:lstStyle/>
-          <a:p>
-            <a:r>
-              <a:rPr lang="en-US" dirty="0" smtClean="0"/>
-              <a:t>Exercises</a:t>
-            </a:r>
-            <a:endParaRPr lang="en-US" dirty="0"/>
-          </a:p>
-        </p:txBody>
-      </p:sp>
-      <p:sp>
-        <p:nvSpPr>
-          <p:cNvPr id="3" name="Content Placeholder 2"/>
-          <p:cNvSpPr>
-            <a:spLocks noGrp="1"/>
-          </p:cNvSpPr>
-          <p:nvPr>
-            <p:ph idx="1"/>
-          </p:nvPr>
-        </p:nvSpPr>
-        <p:spPr/>
-        <p:txBody>
-          <a:bodyPr/>
-          <a:lstStyle/>
-          <a:p>
-            <a:r>
-              <a:rPr lang="en-US" dirty="0" smtClean="0"/>
-              <a:t>TODO</a:t>
-            </a:r>
-            <a:endParaRPr lang="en-US" dirty="0"/>
-          </a:p>
-        </p:txBody>
-      </p:sp>
-    </p:spTree>
-    <p:extLst>
-      <p:ext uri="{BB962C8B-B14F-4D97-AF65-F5344CB8AC3E}">
-        <p14:creationId xmlns:p14="http://schemas.microsoft.com/office/powerpoint/2010/main" val="863369404"/>
       </p:ext>
     </p:extLst>
   </p:cSld>
@@ -12201,7 +12070,6 @@
               <a:rPr lang="en-US" dirty="0" smtClean="0"/>
               <a:t>Think about Google, Amazon, Facebook, Netflix, etc. </a:t>
             </a:r>
-            <a:endParaRPr lang="en-US" dirty="0" smtClean="0"/>
           </a:p>
           <a:p>
             <a:r>
@@ -12468,17 +12336,12 @@
           <a:p>
             <a:r>
               <a:rPr lang="en-US" dirty="0" smtClean="0"/>
-              <a:t>Testing</a:t>
-            </a:r>
-            <a:r>
-              <a:rPr lang="en-US" dirty="0" smtClean="0"/>
-              <a:t>: </a:t>
+              <a:t>Testing: </a:t>
             </a:r>
             <a:r>
               <a:rPr lang="en-US" b="1" dirty="0" smtClean="0"/>
               <a:t>Selenium</a:t>
             </a:r>
-            <a:endParaRPr lang="en-US" b="1" dirty="0" smtClean="0"/>
           </a:p>
           <a:p>
             <a:r>

--- a/doc/intro/slides/lesson_01_intro.pptx
+++ b/doc/intro/slides/lesson_01_intro.pptx
@@ -5,7 +5,7 @@
     <p:sldMasterId id="2147483648" r:id="rId1"/>
   </p:sldMasterIdLst>
   <p:notesMasterIdLst>
-    <p:notesMasterId r:id="rId48"/>
+    <p:notesMasterId r:id="rId49"/>
   </p:notesMasterIdLst>
   <p:sldIdLst>
     <p:sldId id="256" r:id="rId2"/>
@@ -45,15 +45,16 @@
     <p:sldId id="296" r:id="rId36"/>
     <p:sldId id="297" r:id="rId37"/>
     <p:sldId id="298" r:id="rId38"/>
-    <p:sldId id="301" r:id="rId39"/>
-    <p:sldId id="293" r:id="rId40"/>
-    <p:sldId id="299" r:id="rId41"/>
-    <p:sldId id="295" r:id="rId42"/>
-    <p:sldId id="270" r:id="rId43"/>
-    <p:sldId id="300" r:id="rId44"/>
-    <p:sldId id="302" r:id="rId45"/>
-    <p:sldId id="303" r:id="rId46"/>
-    <p:sldId id="271" r:id="rId47"/>
+    <p:sldId id="304" r:id="rId39"/>
+    <p:sldId id="301" r:id="rId40"/>
+    <p:sldId id="293" r:id="rId41"/>
+    <p:sldId id="299" r:id="rId42"/>
+    <p:sldId id="295" r:id="rId43"/>
+    <p:sldId id="270" r:id="rId44"/>
+    <p:sldId id="300" r:id="rId45"/>
+    <p:sldId id="302" r:id="rId46"/>
+    <p:sldId id="303" r:id="rId47"/>
+    <p:sldId id="271" r:id="rId48"/>
   </p:sldIdLst>
   <p:sldSz cx="12192000" cy="6858000"/>
   <p:notesSz cx="6858000" cy="9144000"/>
@@ -242,7 +243,7 @@
           <a:p>
             <a:fld id="{9B5B52BA-3295-0343-9E28-A260A811DD10}" type="datetimeFigureOut">
               <a:rPr lang="en-US" smtClean="0"/>
-              <a:t>12/21/17</a:t>
+              <a:t>12/28/17</a:t>
             </a:fld>
             <a:endParaRPr lang="en-US"/>
           </a:p>
@@ -641,7 +642,7 @@
           <a:p>
             <a:fld id="{04F1D4A2-813C-F741-B481-C92B3A596030}" type="datetimeFigureOut">
               <a:rPr lang="en-US" smtClean="0"/>
-              <a:t>12/21/17</a:t>
+              <a:t>12/28/17</a:t>
             </a:fld>
             <a:endParaRPr lang="en-US"/>
           </a:p>
@@ -811,7 +812,7 @@
           <a:p>
             <a:fld id="{04F1D4A2-813C-F741-B481-C92B3A596030}" type="datetimeFigureOut">
               <a:rPr lang="en-US" smtClean="0"/>
-              <a:t>12/21/17</a:t>
+              <a:t>12/28/17</a:t>
             </a:fld>
             <a:endParaRPr lang="en-US"/>
           </a:p>
@@ -991,7 +992,7 @@
           <a:p>
             <a:fld id="{04F1D4A2-813C-F741-B481-C92B3A596030}" type="datetimeFigureOut">
               <a:rPr lang="en-US" smtClean="0"/>
-              <a:t>12/21/17</a:t>
+              <a:t>12/28/17</a:t>
             </a:fld>
             <a:endParaRPr lang="en-US"/>
           </a:p>
@@ -1324,7 +1325,7 @@
           <a:p>
             <a:fld id="{04F1D4A2-813C-F741-B481-C92B3A596030}" type="datetimeFigureOut">
               <a:rPr lang="en-US" smtClean="0"/>
-              <a:t>12/21/17</a:t>
+              <a:t>12/28/17</a:t>
             </a:fld>
             <a:endParaRPr lang="en-US"/>
           </a:p>
@@ -1570,7 +1571,7 @@
           <a:p>
             <a:fld id="{04F1D4A2-813C-F741-B481-C92B3A596030}" type="datetimeFigureOut">
               <a:rPr lang="en-US" smtClean="0"/>
-              <a:t>12/21/17</a:t>
+              <a:t>12/28/17</a:t>
             </a:fld>
             <a:endParaRPr lang="en-US"/>
           </a:p>
@@ -1802,7 +1803,7 @@
           <a:p>
             <a:fld id="{04F1D4A2-813C-F741-B481-C92B3A596030}" type="datetimeFigureOut">
               <a:rPr lang="en-US" smtClean="0"/>
-              <a:t>12/21/17</a:t>
+              <a:t>12/28/17</a:t>
             </a:fld>
             <a:endParaRPr lang="en-US"/>
           </a:p>
@@ -2169,7 +2170,7 @@
           <a:p>
             <a:fld id="{04F1D4A2-813C-F741-B481-C92B3A596030}" type="datetimeFigureOut">
               <a:rPr lang="en-US" smtClean="0"/>
-              <a:t>12/21/17</a:t>
+              <a:t>12/28/17</a:t>
             </a:fld>
             <a:endParaRPr lang="en-US"/>
           </a:p>
@@ -2287,7 +2288,7 @@
           <a:p>
             <a:fld id="{04F1D4A2-813C-F741-B481-C92B3A596030}" type="datetimeFigureOut">
               <a:rPr lang="en-US" smtClean="0"/>
-              <a:t>12/21/17</a:t>
+              <a:t>12/28/17</a:t>
             </a:fld>
             <a:endParaRPr lang="en-US"/>
           </a:p>
@@ -2382,7 +2383,7 @@
           <a:p>
             <a:fld id="{04F1D4A2-813C-F741-B481-C92B3A596030}" type="datetimeFigureOut">
               <a:rPr lang="en-US" smtClean="0"/>
-              <a:t>12/21/17</a:t>
+              <a:t>12/28/17</a:t>
             </a:fld>
             <a:endParaRPr lang="en-US"/>
           </a:p>
@@ -2659,7 +2660,7 @@
           <a:p>
             <a:fld id="{04F1D4A2-813C-F741-B481-C92B3A596030}" type="datetimeFigureOut">
               <a:rPr lang="en-US" smtClean="0"/>
-              <a:t>12/21/17</a:t>
+              <a:t>12/28/17</a:t>
             </a:fld>
             <a:endParaRPr lang="en-US"/>
           </a:p>
@@ -2912,7 +2913,7 @@
           <a:p>
             <a:fld id="{04F1D4A2-813C-F741-B481-C92B3A596030}" type="datetimeFigureOut">
               <a:rPr lang="en-US" smtClean="0"/>
-              <a:t>12/21/17</a:t>
+              <a:t>12/28/17</a:t>
             </a:fld>
             <a:endParaRPr lang="en-US"/>
           </a:p>
@@ -3125,7 +3126,7 @@
           <a:p>
             <a:fld id="{04F1D4A2-813C-F741-B481-C92B3A596030}" type="datetimeFigureOut">
               <a:rPr lang="en-US" smtClean="0"/>
-              <a:t>12/21/17</a:t>
+              <a:t>12/28/17</a:t>
             </a:fld>
             <a:endParaRPr lang="en-US"/>
           </a:p>
@@ -9465,7 +9466,7 @@
           <a:p>
             <a:r>
               <a:rPr lang="en-US" dirty="0" smtClean="0"/>
-              <a:t>Properties ${}</a:t>
+              <a:t>Transitive Dependencies</a:t>
             </a:r>
             <a:endParaRPr lang="en-US" dirty="0"/>
           </a:p>
@@ -9473,658 +9474,115 @@
       </p:sp>
       <p:sp>
         <p:nvSpPr>
-          <p:cNvPr id="5" name="TextBox 4"/>
-          <p:cNvSpPr txBox="1"/>
-          <p:nvPr/>
+          <p:cNvPr id="3" name="Content Placeholder 2"/>
+          <p:cNvSpPr>
+            <a:spLocks noGrp="1"/>
+          </p:cNvSpPr>
+          <p:nvPr>
+            <p:ph idx="1"/>
+          </p:nvPr>
         </p:nvSpPr>
         <p:spPr>
           <a:xfrm>
-            <a:off x="405516" y="1757239"/>
-            <a:ext cx="6221447" cy="3539430"/>
+            <a:off x="282387" y="2129958"/>
+            <a:ext cx="5881871" cy="4664822"/>
+          </a:xfrm>
+        </p:spPr>
+        <p:txBody>
+          <a:bodyPr>
+            <a:normAutofit fontScale="85000" lnSpcReduction="20000"/>
+          </a:bodyPr>
+          <a:lstStyle/>
+          <a:p>
+            <a:r>
+              <a:rPr lang="en-US" dirty="0" smtClean="0"/>
+              <a:t>A dependency JAR can have its own dependencies. </a:t>
+            </a:r>
+          </a:p>
+          <a:p>
+            <a:r>
+              <a:rPr lang="en-US" dirty="0" smtClean="0"/>
+              <a:t>And these  transitive dependencies can have their own dependencies, and so on</a:t>
+            </a:r>
+            <a:r>
+              <a:rPr lang="mr-IN" dirty="0" smtClean="0"/>
+              <a:t>…</a:t>
+            </a:r>
+            <a:endParaRPr lang="en-US" dirty="0" smtClean="0"/>
+          </a:p>
+          <a:p>
+            <a:r>
+              <a:rPr lang="en-US" dirty="0" smtClean="0"/>
+              <a:t>Can use IntelliJ “Maven Projects” view to see exactly what is used in a module</a:t>
+            </a:r>
+          </a:p>
+          <a:p>
+            <a:r>
+              <a:rPr lang="en-US" dirty="0" smtClean="0"/>
+              <a:t>For example: </a:t>
+            </a:r>
+            <a:r>
+              <a:rPr lang="en-US" i="1" dirty="0" smtClean="0"/>
+              <a:t>hibernate-core</a:t>
+            </a:r>
+            <a:r>
+              <a:rPr lang="en-US" dirty="0" smtClean="0"/>
+              <a:t> pulls in </a:t>
+            </a:r>
+            <a:r>
+              <a:rPr lang="en-US" i="1" dirty="0" smtClean="0"/>
+              <a:t>hibernate-commons-annotations</a:t>
+            </a:r>
+            <a:r>
+              <a:rPr lang="en-US" dirty="0" smtClean="0"/>
+              <a:t>, which pulls in </a:t>
+            </a:r>
+            <a:r>
+              <a:rPr lang="en-US" i="1" dirty="0" err="1" smtClean="0"/>
+              <a:t>jboss</a:t>
+            </a:r>
+            <a:r>
+              <a:rPr lang="en-US" i="1" dirty="0" smtClean="0"/>
+              <a:t>-logging</a:t>
+            </a:r>
+            <a:endParaRPr lang="en-US" dirty="0"/>
+          </a:p>
+        </p:txBody>
+      </p:sp>
+      <p:pic>
+        <p:nvPicPr>
+          <p:cNvPr id="4" name="Picture 3"/>
+          <p:cNvPicPr>
+            <a:picLocks noChangeAspect="1"/>
+          </p:cNvPicPr>
+          <p:nvPr/>
+        </p:nvPicPr>
+        <p:blipFill>
+          <a:blip r:embed="rId2" cstate="screen">
+            <a:extLst>
+              <a:ext uri="{28A0092B-C50C-407E-A947-70E740481C1C}">
+                <a14:useLocalDpi xmlns:a14="http://schemas.microsoft.com/office/drawing/2010/main"/>
+              </a:ext>
+            </a:extLst>
+          </a:blip>
+          <a:stretch>
+            <a:fillRect/>
+          </a:stretch>
+        </p:blipFill>
+        <p:spPr>
+          <a:xfrm>
+            <a:off x="6277611" y="2393575"/>
+            <a:ext cx="5914389" cy="3845859"/>
           </a:xfrm>
           <a:prstGeom prst="rect">
             <a:avLst/>
           </a:prstGeom>
-          <a:noFill/>
         </p:spPr>
-        <p:txBody>
-          <a:bodyPr wrap="none" rtlCol="0">
-            <a:spAutoFit/>
-          </a:bodyPr>
-          <a:lstStyle/>
-          <a:p>
-            <a:r>
-              <a:rPr lang="en-US" sz="1400" dirty="0"/>
-              <a:t>&lt;</a:t>
-            </a:r>
-            <a:r>
-              <a:rPr lang="en-US" sz="1400" b="1" dirty="0"/>
-              <a:t>properties</a:t>
-            </a:r>
-            <a:r>
-              <a:rPr lang="en-US" sz="1400" dirty="0"/>
-              <a:t>&gt;</a:t>
-            </a:r>
-            <a:br>
-              <a:rPr lang="en-US" sz="1400" dirty="0"/>
-            </a:br>
-            <a:r>
-              <a:rPr lang="en-US" sz="1400" dirty="0"/>
-              <a:t>    &lt;</a:t>
-            </a:r>
-            <a:r>
-              <a:rPr lang="en-US" sz="1400" b="1" dirty="0" err="1"/>
-              <a:t>project.build.sourceEncoding</a:t>
-            </a:r>
-            <a:r>
-              <a:rPr lang="en-US" sz="1400" dirty="0"/>
-              <a:t>&gt;UTF-8&lt;/</a:t>
-            </a:r>
-            <a:r>
-              <a:rPr lang="en-US" sz="1400" b="1" dirty="0" err="1"/>
-              <a:t>project.build.sourceEncoding</a:t>
-            </a:r>
-            <a:r>
-              <a:rPr lang="en-US" sz="1400" dirty="0"/>
-              <a:t>&gt;</a:t>
-            </a:r>
-            <a:br>
-              <a:rPr lang="en-US" sz="1400" dirty="0"/>
-            </a:br>
-            <a:r>
-              <a:rPr lang="en-US" sz="1400" dirty="0"/>
-              <a:t>    &lt;</a:t>
-            </a:r>
-            <a:r>
-              <a:rPr lang="en-US" sz="1400" b="1" dirty="0" err="1"/>
-              <a:t>project.build.sourceEncoding</a:t>
-            </a:r>
-            <a:r>
-              <a:rPr lang="en-US" sz="1400" dirty="0"/>
-              <a:t>&gt;UTF-8&lt;/</a:t>
-            </a:r>
-            <a:r>
-              <a:rPr lang="en-US" sz="1400" b="1" dirty="0" err="1"/>
-              <a:t>project.build.sourceEncoding</a:t>
-            </a:r>
-            <a:r>
-              <a:rPr lang="en-US" sz="1400" dirty="0"/>
-              <a:t>&gt;</a:t>
-            </a:r>
-            <a:br>
-              <a:rPr lang="en-US" sz="1400" dirty="0"/>
-            </a:br>
-            <a:r>
-              <a:rPr lang="en-US" sz="1400" dirty="0"/>
-              <a:t>    &lt;</a:t>
-            </a:r>
-            <a:r>
-              <a:rPr lang="en-US" sz="1400" b="1" dirty="0" err="1"/>
-              <a:t>project.reporting.outputEncoding</a:t>
-            </a:r>
-            <a:r>
-              <a:rPr lang="en-US" sz="1400" dirty="0"/>
-              <a:t>&gt;UTF-8&lt;/</a:t>
-            </a:r>
-            <a:r>
-              <a:rPr lang="en-US" sz="1400" b="1" dirty="0" err="1"/>
-              <a:t>project.reporting.outputEncoding</a:t>
-            </a:r>
-            <a:r>
-              <a:rPr lang="en-US" sz="1400" dirty="0"/>
-              <a:t>&gt;</a:t>
-            </a:r>
-            <a:br>
-              <a:rPr lang="en-US" sz="1400" dirty="0"/>
-            </a:br>
-            <a:r>
-              <a:rPr lang="en-US" sz="1400" dirty="0"/>
-              <a:t>    &lt;</a:t>
-            </a:r>
-            <a:r>
-              <a:rPr lang="en-US" sz="1400" b="1" dirty="0"/>
-              <a:t>fs</a:t>
-            </a:r>
-            <a:r>
-              <a:rPr lang="en-US" sz="1400" dirty="0"/>
-              <a:t>&gt;${</a:t>
-            </a:r>
-            <a:r>
-              <a:rPr lang="en-US" sz="1400" dirty="0" err="1"/>
-              <a:t>file.separator</a:t>
-            </a:r>
-            <a:r>
-              <a:rPr lang="en-US" sz="1400" dirty="0"/>
-              <a:t>}&lt;/</a:t>
-            </a:r>
-            <a:r>
-              <a:rPr lang="en-US" sz="1400" b="1" dirty="0"/>
-              <a:t>fs</a:t>
-            </a:r>
-            <a:r>
-              <a:rPr lang="en-US" sz="1400" dirty="0"/>
-              <a:t>&gt;</a:t>
-            </a:r>
-            <a:br>
-              <a:rPr lang="en-US" sz="1400" dirty="0"/>
-            </a:br>
-            <a:r>
-              <a:rPr lang="en-US" sz="1400" dirty="0"/>
-              <a:t>    &lt;</a:t>
-            </a:r>
-            <a:r>
-              <a:rPr lang="en-US" sz="1400" b="1" dirty="0" err="1"/>
-              <a:t>version.java</a:t>
-            </a:r>
-            <a:r>
-              <a:rPr lang="en-US" sz="1400" dirty="0"/>
-              <a:t>&gt;1.8&lt;/</a:t>
-            </a:r>
-            <a:r>
-              <a:rPr lang="en-US" sz="1400" b="1" dirty="0" err="1"/>
-              <a:t>version.java</a:t>
-            </a:r>
-            <a:r>
-              <a:rPr lang="en-US" sz="1400" dirty="0"/>
-              <a:t>&gt;</a:t>
-            </a:r>
-            <a:br>
-              <a:rPr lang="en-US" sz="1400" dirty="0"/>
-            </a:br>
-            <a:r>
-              <a:rPr lang="en-US" sz="1400" dirty="0"/>
-              <a:t>    &lt;</a:t>
-            </a:r>
-            <a:r>
-              <a:rPr lang="en-US" sz="1400" b="1" dirty="0" err="1"/>
-              <a:t>version.jacoco</a:t>
-            </a:r>
-            <a:r>
-              <a:rPr lang="en-US" sz="1400" dirty="0"/>
-              <a:t>&gt;0.7.9&lt;/</a:t>
-            </a:r>
-            <a:r>
-              <a:rPr lang="en-US" sz="1400" b="1" dirty="0" err="1"/>
-              <a:t>version.jacoco</a:t>
-            </a:r>
-            <a:r>
-              <a:rPr lang="en-US" sz="1400" dirty="0"/>
-              <a:t>&gt;</a:t>
-            </a:r>
-            <a:br>
-              <a:rPr lang="en-US" sz="1400" dirty="0"/>
-            </a:br>
-            <a:r>
-              <a:rPr lang="en-US" sz="1400" dirty="0"/>
-              <a:t>    &lt;</a:t>
-            </a:r>
-            <a:r>
-              <a:rPr lang="en-US" sz="1400" b="1" dirty="0" err="1"/>
-              <a:t>version.javax.el</a:t>
-            </a:r>
-            <a:r>
-              <a:rPr lang="en-US" sz="1400" dirty="0"/>
-              <a:t>&gt;2.2.4&lt;/</a:t>
-            </a:r>
-            <a:r>
-              <a:rPr lang="en-US" sz="1400" b="1" dirty="0" err="1"/>
-              <a:t>version.javax.el</a:t>
-            </a:r>
-            <a:r>
-              <a:rPr lang="en-US" sz="1400" dirty="0"/>
-              <a:t>&gt;</a:t>
-            </a:r>
-            <a:br>
-              <a:rPr lang="en-US" sz="1400" dirty="0"/>
-            </a:br>
-            <a:r>
-              <a:rPr lang="en-US" sz="1400" dirty="0"/>
-              <a:t>    &lt;</a:t>
-            </a:r>
-            <a:r>
-              <a:rPr lang="en-US" sz="1400" b="1" dirty="0" err="1"/>
-              <a:t>version.hibernate.jpa</a:t>
-            </a:r>
-            <a:r>
-              <a:rPr lang="en-US" sz="1400" dirty="0"/>
-              <a:t>&gt;1.0.0.Final&lt;/</a:t>
-            </a:r>
-            <a:r>
-              <a:rPr lang="en-US" sz="1400" b="1" dirty="0" err="1"/>
-              <a:t>version.hibernate.jpa</a:t>
-            </a:r>
-            <a:r>
-              <a:rPr lang="en-US" sz="1400" dirty="0"/>
-              <a:t>&gt;</a:t>
-            </a:r>
-            <a:br>
-              <a:rPr lang="en-US" sz="1400" dirty="0"/>
-            </a:br>
-            <a:r>
-              <a:rPr lang="en-US" sz="1400" dirty="0"/>
-              <a:t>    &lt;</a:t>
-            </a:r>
-            <a:r>
-              <a:rPr lang="en-US" sz="1400" b="1" dirty="0" err="1"/>
-              <a:t>version.hibernate.core</a:t>
-            </a:r>
-            <a:r>
-              <a:rPr lang="en-US" sz="1400" dirty="0"/>
-              <a:t>&gt;5.2.9.Final&lt;/</a:t>
-            </a:r>
-            <a:r>
-              <a:rPr lang="en-US" sz="1400" b="1" dirty="0" err="1"/>
-              <a:t>version.hibernate.core</a:t>
-            </a:r>
-            <a:r>
-              <a:rPr lang="en-US" sz="1400" dirty="0"/>
-              <a:t>&gt;</a:t>
-            </a:r>
-            <a:br>
-              <a:rPr lang="en-US" sz="1400" dirty="0"/>
-            </a:br>
-            <a:r>
-              <a:rPr lang="en-US" sz="1400" dirty="0"/>
-              <a:t>    &lt;</a:t>
-            </a:r>
-            <a:r>
-              <a:rPr lang="en-US" sz="1400" b="1" dirty="0" err="1"/>
-              <a:t>version.hibernate.validator</a:t>
-            </a:r>
-            <a:r>
-              <a:rPr lang="en-US" sz="1400" dirty="0"/>
-              <a:t>&gt;5.3.4.Final&lt;/</a:t>
-            </a:r>
-            <a:r>
-              <a:rPr lang="en-US" sz="1400" b="1" dirty="0" err="1"/>
-              <a:t>version.hibernate.validator</a:t>
-            </a:r>
-            <a:r>
-              <a:rPr lang="en-US" sz="1400" dirty="0"/>
-              <a:t>&gt;</a:t>
-            </a:r>
-            <a:br>
-              <a:rPr lang="en-US" sz="1400" dirty="0"/>
-            </a:br>
-            <a:r>
-              <a:rPr lang="en-US" sz="1400" dirty="0"/>
-              <a:t>    &lt;</a:t>
-            </a:r>
-            <a:r>
-              <a:rPr lang="en-US" sz="1400" b="1" dirty="0"/>
-              <a:t>version.h2</a:t>
-            </a:r>
-            <a:r>
-              <a:rPr lang="en-US" sz="1400" dirty="0"/>
-              <a:t>&gt;1.4.194&lt;/</a:t>
-            </a:r>
-            <a:r>
-              <a:rPr lang="en-US" sz="1400" b="1" dirty="0"/>
-              <a:t>version.h2</a:t>
-            </a:r>
-            <a:r>
-              <a:rPr lang="en-US" sz="1400" dirty="0"/>
-              <a:t>&gt;</a:t>
-            </a:r>
-            <a:br>
-              <a:rPr lang="en-US" sz="1400" dirty="0"/>
-            </a:br>
-            <a:r>
-              <a:rPr lang="en-US" sz="1400" dirty="0"/>
-              <a:t>    &lt;</a:t>
-            </a:r>
-            <a:r>
-              <a:rPr lang="en-US" sz="1400" b="1" dirty="0" err="1"/>
-              <a:t>version.postgres</a:t>
-            </a:r>
-            <a:r>
-              <a:rPr lang="en-US" sz="1400" dirty="0"/>
-              <a:t>&gt;42.1.4&lt;/</a:t>
-            </a:r>
-            <a:r>
-              <a:rPr lang="en-US" sz="1400" b="1" dirty="0" err="1"/>
-              <a:t>version.postgres</a:t>
-            </a:r>
-            <a:r>
-              <a:rPr lang="en-US" sz="1400" dirty="0"/>
-              <a:t>&gt;</a:t>
-            </a:r>
-            <a:br>
-              <a:rPr lang="en-US" sz="1400" dirty="0"/>
-            </a:br>
-            <a:r>
-              <a:rPr lang="en-US" sz="1400" dirty="0"/>
-              <a:t>    &lt;</a:t>
-            </a:r>
-            <a:r>
-              <a:rPr lang="en-US" sz="1400" b="1" dirty="0" err="1"/>
-              <a:t>version.resteasy</a:t>
-            </a:r>
-            <a:r>
-              <a:rPr lang="en-US" sz="1400" dirty="0"/>
-              <a:t>&gt;3.1.3.Final&lt;/</a:t>
-            </a:r>
-            <a:r>
-              <a:rPr lang="en-US" sz="1400" b="1" dirty="0" err="1"/>
-              <a:t>version.resteasy</a:t>
-            </a:r>
-            <a:r>
-              <a:rPr lang="en-US" sz="1400" dirty="0"/>
-              <a:t>&gt;</a:t>
-            </a:r>
-            <a:br>
-              <a:rPr lang="en-US" sz="1400" dirty="0"/>
-            </a:br>
-            <a:r>
-              <a:rPr lang="en-US" sz="1400" dirty="0"/>
-              <a:t>    &lt;</a:t>
-            </a:r>
-            <a:r>
-              <a:rPr lang="en-US" sz="1400" b="1" dirty="0" err="1"/>
-              <a:t>version.testcontainers</a:t>
-            </a:r>
-            <a:r>
-              <a:rPr lang="en-US" sz="1400" dirty="0"/>
-              <a:t>&gt;1.4.3&lt;/</a:t>
-            </a:r>
-            <a:r>
-              <a:rPr lang="en-US" sz="1400" b="1" dirty="0" err="1"/>
-              <a:t>version.testcontainers</a:t>
-            </a:r>
-            <a:r>
-              <a:rPr lang="en-US" sz="1400" dirty="0"/>
-              <a:t>&gt;</a:t>
-            </a:r>
-            <a:br>
-              <a:rPr lang="en-US" sz="1400" dirty="0"/>
-            </a:br>
-            <a:r>
-              <a:rPr lang="en-US" sz="1400" dirty="0"/>
-              <a:t>&lt;/</a:t>
-            </a:r>
-            <a:r>
-              <a:rPr lang="en-US" sz="1400" b="1" dirty="0"/>
-              <a:t>properties</a:t>
-            </a:r>
-            <a:r>
-              <a:rPr lang="en-US" sz="1400" dirty="0"/>
-              <a:t>&gt;</a:t>
-            </a:r>
-          </a:p>
-        </p:txBody>
-      </p:sp>
-      <p:sp>
-        <p:nvSpPr>
-          <p:cNvPr id="6" name="TextBox 5"/>
-          <p:cNvSpPr txBox="1"/>
-          <p:nvPr/>
-        </p:nvSpPr>
-        <p:spPr>
-          <a:xfrm>
-            <a:off x="7545788" y="1948069"/>
-            <a:ext cx="4036554" cy="2862322"/>
-          </a:xfrm>
-          <a:prstGeom prst="rect">
-            <a:avLst/>
-          </a:prstGeom>
-          <a:noFill/>
-        </p:spPr>
-        <p:txBody>
-          <a:bodyPr wrap="none" rtlCol="0">
-            <a:spAutoFit/>
-          </a:bodyPr>
-          <a:lstStyle/>
-          <a:p>
-            <a:r>
-              <a:rPr lang="en-US" dirty="0"/>
-              <a:t>&lt;</a:t>
-            </a:r>
-            <a:r>
-              <a:rPr lang="en-US" b="1" dirty="0"/>
-              <a:t>dependency</a:t>
-            </a:r>
-            <a:r>
-              <a:rPr lang="en-US" dirty="0"/>
-              <a:t>&gt;</a:t>
-            </a:r>
-            <a:br>
-              <a:rPr lang="en-US" dirty="0"/>
-            </a:br>
-            <a:r>
-              <a:rPr lang="en-US" dirty="0"/>
-              <a:t>    &lt;</a:t>
-            </a:r>
-            <a:r>
-              <a:rPr lang="en-US" b="1" dirty="0" err="1"/>
-              <a:t>groupId</a:t>
-            </a:r>
-            <a:r>
-              <a:rPr lang="en-US" dirty="0"/>
-              <a:t>&gt;</a:t>
-            </a:r>
-            <a:r>
-              <a:rPr lang="en-US" dirty="0" err="1"/>
-              <a:t>javax.el</a:t>
-            </a:r>
-            <a:r>
-              <a:rPr lang="en-US" dirty="0"/>
-              <a:t>&lt;/</a:t>
-            </a:r>
-            <a:r>
-              <a:rPr lang="en-US" b="1" dirty="0" err="1"/>
-              <a:t>groupId</a:t>
-            </a:r>
-            <a:r>
-              <a:rPr lang="en-US" dirty="0"/>
-              <a:t>&gt;</a:t>
-            </a:r>
-            <a:br>
-              <a:rPr lang="en-US" dirty="0"/>
-            </a:br>
-            <a:r>
-              <a:rPr lang="en-US" dirty="0"/>
-              <a:t>    &lt;</a:t>
-            </a:r>
-            <a:r>
-              <a:rPr lang="en-US" b="1" dirty="0" err="1"/>
-              <a:t>artifactId</a:t>
-            </a:r>
-            <a:r>
-              <a:rPr lang="en-US" dirty="0"/>
-              <a:t>&gt;</a:t>
-            </a:r>
-            <a:r>
-              <a:rPr lang="en-US" dirty="0" err="1"/>
-              <a:t>javax.el-api</a:t>
-            </a:r>
-            <a:r>
-              <a:rPr lang="en-US" dirty="0"/>
-              <a:t>&lt;/</a:t>
-            </a:r>
-            <a:r>
-              <a:rPr lang="en-US" b="1" dirty="0" err="1"/>
-              <a:t>artifactId</a:t>
-            </a:r>
-            <a:r>
-              <a:rPr lang="en-US" dirty="0"/>
-              <a:t>&gt;</a:t>
-            </a:r>
-            <a:br>
-              <a:rPr lang="en-US" dirty="0"/>
-            </a:br>
-            <a:r>
-              <a:rPr lang="en-US" dirty="0"/>
-              <a:t>    &lt;</a:t>
-            </a:r>
-            <a:r>
-              <a:rPr lang="en-US" b="1" dirty="0"/>
-              <a:t>version</a:t>
-            </a:r>
-            <a:r>
-              <a:rPr lang="en-US" dirty="0"/>
-              <a:t>&gt;${</a:t>
-            </a:r>
-            <a:r>
-              <a:rPr lang="en-US" dirty="0" err="1"/>
-              <a:t>version.javax.el</a:t>
-            </a:r>
-            <a:r>
-              <a:rPr lang="en-US" dirty="0"/>
-              <a:t>}&lt;/</a:t>
-            </a:r>
-            <a:r>
-              <a:rPr lang="en-US" b="1" dirty="0"/>
-              <a:t>version</a:t>
-            </a:r>
-            <a:r>
-              <a:rPr lang="en-US" dirty="0"/>
-              <a:t>&gt;</a:t>
-            </a:r>
-            <a:br>
-              <a:rPr lang="en-US" dirty="0"/>
-            </a:br>
-            <a:r>
-              <a:rPr lang="en-US" dirty="0"/>
-              <a:t>&lt;/</a:t>
-            </a:r>
-            <a:r>
-              <a:rPr lang="en-US" b="1" dirty="0"/>
-              <a:t>dependency</a:t>
-            </a:r>
-            <a:r>
-              <a:rPr lang="en-US" dirty="0"/>
-              <a:t>&gt;</a:t>
-            </a:r>
-            <a:br>
-              <a:rPr lang="en-US" dirty="0"/>
-            </a:br>
-            <a:r>
-              <a:rPr lang="en-US" dirty="0"/>
-              <a:t>&lt;</a:t>
-            </a:r>
-            <a:r>
-              <a:rPr lang="en-US" b="1" dirty="0"/>
-              <a:t>dependency</a:t>
-            </a:r>
-            <a:r>
-              <a:rPr lang="en-US" dirty="0"/>
-              <a:t>&gt;</a:t>
-            </a:r>
-            <a:br>
-              <a:rPr lang="en-US" dirty="0"/>
-            </a:br>
-            <a:r>
-              <a:rPr lang="en-US" dirty="0"/>
-              <a:t>    &lt;</a:t>
-            </a:r>
-            <a:r>
-              <a:rPr lang="en-US" b="1" dirty="0" err="1"/>
-              <a:t>groupId</a:t>
-            </a:r>
-            <a:r>
-              <a:rPr lang="en-US" dirty="0"/>
-              <a:t>&gt;</a:t>
-            </a:r>
-            <a:r>
-              <a:rPr lang="en-US" dirty="0" err="1"/>
-              <a:t>org.glassfish.web</a:t>
-            </a:r>
-            <a:r>
-              <a:rPr lang="en-US" dirty="0"/>
-              <a:t>&lt;/</a:t>
-            </a:r>
-            <a:r>
-              <a:rPr lang="en-US" b="1" dirty="0" err="1"/>
-              <a:t>groupId</a:t>
-            </a:r>
-            <a:r>
-              <a:rPr lang="en-US" dirty="0"/>
-              <a:t>&gt;</a:t>
-            </a:r>
-            <a:br>
-              <a:rPr lang="en-US" dirty="0"/>
-            </a:br>
-            <a:r>
-              <a:rPr lang="en-US" dirty="0"/>
-              <a:t>    &lt;</a:t>
-            </a:r>
-            <a:r>
-              <a:rPr lang="en-US" b="1" dirty="0" err="1"/>
-              <a:t>artifactId</a:t>
-            </a:r>
-            <a:r>
-              <a:rPr lang="en-US" dirty="0"/>
-              <a:t>&gt;</a:t>
-            </a:r>
-            <a:r>
-              <a:rPr lang="en-US" dirty="0" err="1"/>
-              <a:t>javax.el</a:t>
-            </a:r>
-            <a:r>
-              <a:rPr lang="en-US" dirty="0"/>
-              <a:t>&lt;/</a:t>
-            </a:r>
-            <a:r>
-              <a:rPr lang="en-US" b="1" dirty="0" err="1"/>
-              <a:t>artifactId</a:t>
-            </a:r>
-            <a:r>
-              <a:rPr lang="en-US" dirty="0"/>
-              <a:t>&gt;</a:t>
-            </a:r>
-            <a:br>
-              <a:rPr lang="en-US" dirty="0"/>
-            </a:br>
-            <a:r>
-              <a:rPr lang="en-US" dirty="0"/>
-              <a:t>    &lt;</a:t>
-            </a:r>
-            <a:r>
-              <a:rPr lang="en-US" b="1" dirty="0"/>
-              <a:t>version</a:t>
-            </a:r>
-            <a:r>
-              <a:rPr lang="en-US" dirty="0"/>
-              <a:t>&gt;${</a:t>
-            </a:r>
-            <a:r>
-              <a:rPr lang="en-US" dirty="0" err="1"/>
-              <a:t>version.javax.el</a:t>
-            </a:r>
-            <a:r>
-              <a:rPr lang="en-US" dirty="0"/>
-              <a:t>}&lt;/</a:t>
-            </a:r>
-            <a:r>
-              <a:rPr lang="en-US" b="1" dirty="0"/>
-              <a:t>version</a:t>
-            </a:r>
-            <a:r>
-              <a:rPr lang="en-US" dirty="0"/>
-              <a:t>&gt;</a:t>
-            </a:r>
-            <a:br>
-              <a:rPr lang="en-US" dirty="0"/>
-            </a:br>
-            <a:r>
-              <a:rPr lang="en-US" dirty="0"/>
-              <a:t>&lt;/</a:t>
-            </a:r>
-            <a:r>
-              <a:rPr lang="en-US" b="1" dirty="0"/>
-              <a:t>dependency</a:t>
-            </a:r>
-            <a:r>
-              <a:rPr lang="en-US" dirty="0"/>
-              <a:t>&gt;</a:t>
-            </a:r>
-          </a:p>
-        </p:txBody>
-      </p:sp>
+      </p:pic>
     </p:spTree>
     <p:extLst>
       <p:ext uri="{BB962C8B-B14F-4D97-AF65-F5344CB8AC3E}">
-        <p14:creationId xmlns:p14="http://schemas.microsoft.com/office/powerpoint/2010/main" val="999469944"/>
+        <p14:creationId xmlns:p14="http://schemas.microsoft.com/office/powerpoint/2010/main" val="915451318"/>
       </p:ext>
     </p:extLst>
   </p:cSld>
@@ -10168,7 +9626,7 @@
           <a:p>
             <a:r>
               <a:rPr lang="en-US" dirty="0" smtClean="0"/>
-              <a:t>Plugins</a:t>
+              <a:t>Properties ${}</a:t>
             </a:r>
             <a:endParaRPr lang="en-US" dirty="0"/>
           </a:p>
@@ -10176,67 +9634,14 @@
       </p:sp>
       <p:sp>
         <p:nvSpPr>
-          <p:cNvPr id="3" name="Content Placeholder 2"/>
-          <p:cNvSpPr>
-            <a:spLocks noGrp="1"/>
-          </p:cNvSpPr>
-          <p:nvPr>
-            <p:ph idx="1"/>
-          </p:nvPr>
+          <p:cNvPr id="5" name="TextBox 4"/>
+          <p:cNvSpPr txBox="1"/>
+          <p:nvPr/>
         </p:nvSpPr>
         <p:spPr>
           <a:xfrm>
-            <a:off x="361122" y="1777917"/>
-            <a:ext cx="6516756" cy="4885276"/>
-          </a:xfrm>
-        </p:spPr>
-        <p:txBody>
-          <a:bodyPr>
-            <a:normAutofit/>
-          </a:bodyPr>
-          <a:lstStyle/>
-          <a:p>
-            <a:r>
-              <a:rPr lang="en-US" dirty="0" smtClean="0"/>
-              <a:t>Used to extend the functionalities of Maven</a:t>
-            </a:r>
-          </a:p>
-          <a:p>
-            <a:r>
-              <a:rPr lang="en-US" dirty="0" smtClean="0"/>
-              <a:t>Plugins are downloaded and configured like any third-party library</a:t>
-            </a:r>
-          </a:p>
-          <a:p>
-            <a:r>
-              <a:rPr lang="en-US" dirty="0" smtClean="0"/>
-              <a:t>Many of the base functionalities of Maven are themselves represented as plugins</a:t>
-            </a:r>
-          </a:p>
-          <a:p>
-            <a:pPr lvl="1"/>
-            <a:r>
-              <a:rPr lang="en-US" dirty="0" err="1" smtClean="0"/>
-              <a:t>Eg</a:t>
-            </a:r>
-            <a:r>
-              <a:rPr lang="en-US" dirty="0" smtClean="0"/>
-              <a:t>, compile Java code</a:t>
-            </a:r>
-            <a:endParaRPr lang="en-US" dirty="0"/>
-          </a:p>
-        </p:txBody>
-      </p:sp>
-      <p:sp>
-        <p:nvSpPr>
-          <p:cNvPr id="4" name="TextBox 3"/>
-          <p:cNvSpPr txBox="1"/>
-          <p:nvPr/>
-        </p:nvSpPr>
-        <p:spPr>
-          <a:xfrm>
-            <a:off x="6875993" y="1777917"/>
-            <a:ext cx="5316007" cy="3693319"/>
+            <a:off x="405516" y="1757239"/>
+            <a:ext cx="6221447" cy="3539430"/>
           </a:xfrm>
           <a:prstGeom prst="rect">
             <a:avLst/>
@@ -10250,12 +9655,394 @@
           <a:lstStyle/>
           <a:p>
             <a:r>
+              <a:rPr lang="en-US" sz="1400" dirty="0"/>
+              <a:t>&lt;</a:t>
+            </a:r>
+            <a:r>
+              <a:rPr lang="en-US" sz="1400" b="1" dirty="0"/>
+              <a:t>properties</a:t>
+            </a:r>
+            <a:r>
+              <a:rPr lang="en-US" sz="1400" dirty="0"/>
+              <a:t>&gt;</a:t>
+            </a:r>
+            <a:br>
+              <a:rPr lang="en-US" sz="1400" dirty="0"/>
+            </a:br>
+            <a:r>
+              <a:rPr lang="en-US" sz="1400" dirty="0"/>
+              <a:t>    &lt;</a:t>
+            </a:r>
+            <a:r>
+              <a:rPr lang="en-US" sz="1400" b="1" dirty="0" err="1"/>
+              <a:t>project.build.sourceEncoding</a:t>
+            </a:r>
+            <a:r>
+              <a:rPr lang="en-US" sz="1400" dirty="0"/>
+              <a:t>&gt;UTF-8&lt;/</a:t>
+            </a:r>
+            <a:r>
+              <a:rPr lang="en-US" sz="1400" b="1" dirty="0" err="1"/>
+              <a:t>project.build.sourceEncoding</a:t>
+            </a:r>
+            <a:r>
+              <a:rPr lang="en-US" sz="1400" dirty="0"/>
+              <a:t>&gt;</a:t>
+            </a:r>
+            <a:br>
+              <a:rPr lang="en-US" sz="1400" dirty="0"/>
+            </a:br>
+            <a:r>
+              <a:rPr lang="en-US" sz="1400" dirty="0"/>
+              <a:t>    &lt;</a:t>
+            </a:r>
+            <a:r>
+              <a:rPr lang="en-US" sz="1400" b="1" dirty="0" err="1"/>
+              <a:t>project.build.sourceEncoding</a:t>
+            </a:r>
+            <a:r>
+              <a:rPr lang="en-US" sz="1400" dirty="0"/>
+              <a:t>&gt;UTF-8&lt;/</a:t>
+            </a:r>
+            <a:r>
+              <a:rPr lang="en-US" sz="1400" b="1" dirty="0" err="1"/>
+              <a:t>project.build.sourceEncoding</a:t>
+            </a:r>
+            <a:r>
+              <a:rPr lang="en-US" sz="1400" dirty="0"/>
+              <a:t>&gt;</a:t>
+            </a:r>
+            <a:br>
+              <a:rPr lang="en-US" sz="1400" dirty="0"/>
+            </a:br>
+            <a:r>
+              <a:rPr lang="en-US" sz="1400" dirty="0"/>
+              <a:t>    &lt;</a:t>
+            </a:r>
+            <a:r>
+              <a:rPr lang="en-US" sz="1400" b="1" dirty="0" err="1"/>
+              <a:t>project.reporting.outputEncoding</a:t>
+            </a:r>
+            <a:r>
+              <a:rPr lang="en-US" sz="1400" dirty="0"/>
+              <a:t>&gt;UTF-8&lt;/</a:t>
+            </a:r>
+            <a:r>
+              <a:rPr lang="en-US" sz="1400" b="1" dirty="0" err="1"/>
+              <a:t>project.reporting.outputEncoding</a:t>
+            </a:r>
+            <a:r>
+              <a:rPr lang="en-US" sz="1400" dirty="0"/>
+              <a:t>&gt;</a:t>
+            </a:r>
+            <a:br>
+              <a:rPr lang="en-US" sz="1400" dirty="0"/>
+            </a:br>
+            <a:r>
+              <a:rPr lang="en-US" sz="1400" dirty="0"/>
+              <a:t>    &lt;</a:t>
+            </a:r>
+            <a:r>
+              <a:rPr lang="en-US" sz="1400" b="1" dirty="0"/>
+              <a:t>fs</a:t>
+            </a:r>
+            <a:r>
+              <a:rPr lang="en-US" sz="1400" dirty="0"/>
+              <a:t>&gt;${</a:t>
+            </a:r>
+            <a:r>
+              <a:rPr lang="en-US" sz="1400" dirty="0" err="1"/>
+              <a:t>file.separator</a:t>
+            </a:r>
+            <a:r>
+              <a:rPr lang="en-US" sz="1400" dirty="0"/>
+              <a:t>}&lt;/</a:t>
+            </a:r>
+            <a:r>
+              <a:rPr lang="en-US" sz="1400" b="1" dirty="0"/>
+              <a:t>fs</a:t>
+            </a:r>
+            <a:r>
+              <a:rPr lang="en-US" sz="1400" dirty="0"/>
+              <a:t>&gt;</a:t>
+            </a:r>
+            <a:br>
+              <a:rPr lang="en-US" sz="1400" dirty="0"/>
+            </a:br>
+            <a:r>
+              <a:rPr lang="en-US" sz="1400" dirty="0"/>
+              <a:t>    &lt;</a:t>
+            </a:r>
+            <a:r>
+              <a:rPr lang="en-US" sz="1400" b="1" dirty="0" err="1"/>
+              <a:t>version.java</a:t>
+            </a:r>
+            <a:r>
+              <a:rPr lang="en-US" sz="1400" dirty="0"/>
+              <a:t>&gt;1.8&lt;/</a:t>
+            </a:r>
+            <a:r>
+              <a:rPr lang="en-US" sz="1400" b="1" dirty="0" err="1"/>
+              <a:t>version.java</a:t>
+            </a:r>
+            <a:r>
+              <a:rPr lang="en-US" sz="1400" dirty="0"/>
+              <a:t>&gt;</a:t>
+            </a:r>
+            <a:br>
+              <a:rPr lang="en-US" sz="1400" dirty="0"/>
+            </a:br>
+            <a:r>
+              <a:rPr lang="en-US" sz="1400" dirty="0"/>
+              <a:t>    &lt;</a:t>
+            </a:r>
+            <a:r>
+              <a:rPr lang="en-US" sz="1400" b="1" dirty="0" err="1"/>
+              <a:t>version.jacoco</a:t>
+            </a:r>
+            <a:r>
+              <a:rPr lang="en-US" sz="1400" dirty="0"/>
+              <a:t>&gt;0.7.9&lt;/</a:t>
+            </a:r>
+            <a:r>
+              <a:rPr lang="en-US" sz="1400" b="1" dirty="0" err="1"/>
+              <a:t>version.jacoco</a:t>
+            </a:r>
+            <a:r>
+              <a:rPr lang="en-US" sz="1400" dirty="0"/>
+              <a:t>&gt;</a:t>
+            </a:r>
+            <a:br>
+              <a:rPr lang="en-US" sz="1400" dirty="0"/>
+            </a:br>
+            <a:r>
+              <a:rPr lang="en-US" sz="1400" dirty="0"/>
+              <a:t>    &lt;</a:t>
+            </a:r>
+            <a:r>
+              <a:rPr lang="en-US" sz="1400" b="1" dirty="0" err="1"/>
+              <a:t>version.javax.el</a:t>
+            </a:r>
+            <a:r>
+              <a:rPr lang="en-US" sz="1400" dirty="0"/>
+              <a:t>&gt;2.2.4&lt;/</a:t>
+            </a:r>
+            <a:r>
+              <a:rPr lang="en-US" sz="1400" b="1" dirty="0" err="1"/>
+              <a:t>version.javax.el</a:t>
+            </a:r>
+            <a:r>
+              <a:rPr lang="en-US" sz="1400" dirty="0"/>
+              <a:t>&gt;</a:t>
+            </a:r>
+            <a:br>
+              <a:rPr lang="en-US" sz="1400" dirty="0"/>
+            </a:br>
+            <a:r>
+              <a:rPr lang="en-US" sz="1400" dirty="0"/>
+              <a:t>    &lt;</a:t>
+            </a:r>
+            <a:r>
+              <a:rPr lang="en-US" sz="1400" b="1" dirty="0" err="1"/>
+              <a:t>version.hibernate.jpa</a:t>
+            </a:r>
+            <a:r>
+              <a:rPr lang="en-US" sz="1400" dirty="0"/>
+              <a:t>&gt;1.0.0.Final&lt;/</a:t>
+            </a:r>
+            <a:r>
+              <a:rPr lang="en-US" sz="1400" b="1" dirty="0" err="1"/>
+              <a:t>version.hibernate.jpa</a:t>
+            </a:r>
+            <a:r>
+              <a:rPr lang="en-US" sz="1400" dirty="0"/>
+              <a:t>&gt;</a:t>
+            </a:r>
+            <a:br>
+              <a:rPr lang="en-US" sz="1400" dirty="0"/>
+            </a:br>
+            <a:r>
+              <a:rPr lang="en-US" sz="1400" dirty="0"/>
+              <a:t>    &lt;</a:t>
+            </a:r>
+            <a:r>
+              <a:rPr lang="en-US" sz="1400" b="1" dirty="0" err="1"/>
+              <a:t>version.hibernate.core</a:t>
+            </a:r>
+            <a:r>
+              <a:rPr lang="en-US" sz="1400" dirty="0"/>
+              <a:t>&gt;5.2.9.Final&lt;/</a:t>
+            </a:r>
+            <a:r>
+              <a:rPr lang="en-US" sz="1400" b="1" dirty="0" err="1"/>
+              <a:t>version.hibernate.core</a:t>
+            </a:r>
+            <a:r>
+              <a:rPr lang="en-US" sz="1400" dirty="0"/>
+              <a:t>&gt;</a:t>
+            </a:r>
+            <a:br>
+              <a:rPr lang="en-US" sz="1400" dirty="0"/>
+            </a:br>
+            <a:r>
+              <a:rPr lang="en-US" sz="1400" dirty="0"/>
+              <a:t>    &lt;</a:t>
+            </a:r>
+            <a:r>
+              <a:rPr lang="en-US" sz="1400" b="1" dirty="0" err="1"/>
+              <a:t>version.hibernate.validator</a:t>
+            </a:r>
+            <a:r>
+              <a:rPr lang="en-US" sz="1400" dirty="0"/>
+              <a:t>&gt;5.3.4.Final&lt;/</a:t>
+            </a:r>
+            <a:r>
+              <a:rPr lang="en-US" sz="1400" b="1" dirty="0" err="1"/>
+              <a:t>version.hibernate.validator</a:t>
+            </a:r>
+            <a:r>
+              <a:rPr lang="en-US" sz="1400" dirty="0"/>
+              <a:t>&gt;</a:t>
+            </a:r>
+            <a:br>
+              <a:rPr lang="en-US" sz="1400" dirty="0"/>
+            </a:br>
+            <a:r>
+              <a:rPr lang="en-US" sz="1400" dirty="0"/>
+              <a:t>    &lt;</a:t>
+            </a:r>
+            <a:r>
+              <a:rPr lang="en-US" sz="1400" b="1" dirty="0"/>
+              <a:t>version.h2</a:t>
+            </a:r>
+            <a:r>
+              <a:rPr lang="en-US" sz="1400" dirty="0"/>
+              <a:t>&gt;1.4.194&lt;/</a:t>
+            </a:r>
+            <a:r>
+              <a:rPr lang="en-US" sz="1400" b="1" dirty="0"/>
+              <a:t>version.h2</a:t>
+            </a:r>
+            <a:r>
+              <a:rPr lang="en-US" sz="1400" dirty="0"/>
+              <a:t>&gt;</a:t>
+            </a:r>
+            <a:br>
+              <a:rPr lang="en-US" sz="1400" dirty="0"/>
+            </a:br>
+            <a:r>
+              <a:rPr lang="en-US" sz="1400" dirty="0"/>
+              <a:t>    &lt;</a:t>
+            </a:r>
+            <a:r>
+              <a:rPr lang="en-US" sz="1400" b="1" dirty="0" err="1"/>
+              <a:t>version.postgres</a:t>
+            </a:r>
+            <a:r>
+              <a:rPr lang="en-US" sz="1400" dirty="0"/>
+              <a:t>&gt;42.1.4&lt;/</a:t>
+            </a:r>
+            <a:r>
+              <a:rPr lang="en-US" sz="1400" b="1" dirty="0" err="1"/>
+              <a:t>version.postgres</a:t>
+            </a:r>
+            <a:r>
+              <a:rPr lang="en-US" sz="1400" dirty="0"/>
+              <a:t>&gt;</a:t>
+            </a:r>
+            <a:br>
+              <a:rPr lang="en-US" sz="1400" dirty="0"/>
+            </a:br>
+            <a:r>
+              <a:rPr lang="en-US" sz="1400" dirty="0"/>
+              <a:t>    &lt;</a:t>
+            </a:r>
+            <a:r>
+              <a:rPr lang="en-US" sz="1400" b="1" dirty="0" err="1"/>
+              <a:t>version.resteasy</a:t>
+            </a:r>
+            <a:r>
+              <a:rPr lang="en-US" sz="1400" dirty="0"/>
+              <a:t>&gt;3.1.3.Final&lt;/</a:t>
+            </a:r>
+            <a:r>
+              <a:rPr lang="en-US" sz="1400" b="1" dirty="0" err="1"/>
+              <a:t>version.resteasy</a:t>
+            </a:r>
+            <a:r>
+              <a:rPr lang="en-US" sz="1400" dirty="0"/>
+              <a:t>&gt;</a:t>
+            </a:r>
+            <a:br>
+              <a:rPr lang="en-US" sz="1400" dirty="0"/>
+            </a:br>
+            <a:r>
+              <a:rPr lang="en-US" sz="1400" dirty="0"/>
+              <a:t>    &lt;</a:t>
+            </a:r>
+            <a:r>
+              <a:rPr lang="en-US" sz="1400" b="1" dirty="0" err="1"/>
+              <a:t>version.testcontainers</a:t>
+            </a:r>
+            <a:r>
+              <a:rPr lang="en-US" sz="1400" dirty="0"/>
+              <a:t>&gt;1.4.3&lt;/</a:t>
+            </a:r>
+            <a:r>
+              <a:rPr lang="en-US" sz="1400" b="1" dirty="0" err="1"/>
+              <a:t>version.testcontainers</a:t>
+            </a:r>
+            <a:r>
+              <a:rPr lang="en-US" sz="1400" dirty="0"/>
+              <a:t>&gt;</a:t>
+            </a:r>
+            <a:br>
+              <a:rPr lang="en-US" sz="1400" dirty="0"/>
+            </a:br>
+            <a:r>
+              <a:rPr lang="en-US" sz="1400" dirty="0"/>
+              <a:t>&lt;/</a:t>
+            </a:r>
+            <a:r>
+              <a:rPr lang="en-US" sz="1400" b="1" dirty="0"/>
+              <a:t>properties</a:t>
+            </a:r>
+            <a:r>
+              <a:rPr lang="en-US" sz="1400" dirty="0"/>
+              <a:t>&gt;</a:t>
+            </a:r>
+          </a:p>
+        </p:txBody>
+      </p:sp>
+      <p:sp>
+        <p:nvSpPr>
+          <p:cNvPr id="6" name="TextBox 5"/>
+          <p:cNvSpPr txBox="1"/>
+          <p:nvPr/>
+        </p:nvSpPr>
+        <p:spPr>
+          <a:xfrm>
+            <a:off x="7545788" y="1948069"/>
+            <a:ext cx="4036554" cy="2862322"/>
+          </a:xfrm>
+          <a:prstGeom prst="rect">
+            <a:avLst/>
+          </a:prstGeom>
+          <a:noFill/>
+        </p:spPr>
+        <p:txBody>
+          <a:bodyPr wrap="none" rtlCol="0">
+            <a:spAutoFit/>
+          </a:bodyPr>
+          <a:lstStyle/>
+          <a:p>
+            <a:r>
               <a:rPr lang="en-US" dirty="0"/>
               <a:t>&lt;</a:t>
             </a:r>
             <a:r>
-              <a:rPr lang="en-US" b="1" dirty="0" err="1"/>
-              <a:t>pluginManagement</a:t>
+              <a:rPr lang="en-US" b="1" dirty="0"/>
+              <a:t>dependency</a:t>
             </a:r>
             <a:r>
               <a:rPr lang="en-US" dirty="0"/>
@@ -10269,8 +10056,24 @@
               <a:t>    &lt;</a:t>
             </a:r>
             <a:r>
-              <a:rPr lang="en-US" b="1" dirty="0"/>
-              <a:t>plugins</a:t>
+              <a:rPr lang="en-US" b="1" dirty="0" err="1"/>
+              <a:t>groupId</a:t>
+            </a:r>
+            <a:r>
+              <a:rPr lang="en-US" dirty="0"/>
+              <a:t>&gt;</a:t>
+            </a:r>
+            <a:r>
+              <a:rPr lang="en-US" dirty="0" err="1"/>
+              <a:t>javax.el</a:t>
+            </a:r>
+            <a:r>
+              <a:rPr lang="en-US" dirty="0"/>
+              <a:t>&lt;/</a:t>
+            </a:r>
+            <a:r>
+              <a:rPr lang="en-US" b="1" dirty="0" err="1"/>
+              <a:t>groupId</a:t>
             </a:r>
             <a:r>
               <a:rPr lang="en-US" dirty="0"/>
@@ -10281,11 +10084,27 @@
             </a:br>
             <a:r>
               <a:rPr lang="en-US" dirty="0"/>
-              <a:t>        &lt;</a:t>
-            </a:r>
-            <a:r>
-              <a:rPr lang="en-US" b="1" dirty="0"/>
-              <a:t>plugin</a:t>
+              <a:t>    &lt;</a:t>
+            </a:r>
+            <a:r>
+              <a:rPr lang="en-US" b="1" dirty="0" err="1"/>
+              <a:t>artifactId</a:t>
+            </a:r>
+            <a:r>
+              <a:rPr lang="en-US" dirty="0"/>
+              <a:t>&gt;</a:t>
+            </a:r>
+            <a:r>
+              <a:rPr lang="en-US" dirty="0" err="1"/>
+              <a:t>javax.el-api</a:t>
+            </a:r>
+            <a:r>
+              <a:rPr lang="en-US" dirty="0"/>
+              <a:t>&lt;/</a:t>
+            </a:r>
+            <a:r>
+              <a:rPr lang="en-US" b="1" dirty="0" err="1"/>
+              <a:t>artifactId</a:t>
             </a:r>
             <a:r>
               <a:rPr lang="en-US" dirty="0"/>
@@ -10296,27 +10115,27 @@
             </a:br>
             <a:r>
               <a:rPr lang="en-US" dirty="0"/>
-              <a:t>            &lt;</a:t>
-            </a:r>
-            <a:r>
-              <a:rPr lang="en-US" b="1" dirty="0" err="1"/>
-              <a:t>groupId</a:t>
+              <a:t>    &lt;</a:t>
+            </a:r>
+            <a:r>
+              <a:rPr lang="en-US" b="1" dirty="0"/>
+              <a:t>version</a:t>
             </a:r>
             <a:r>
               <a:rPr lang="en-US" dirty="0"/>
-              <a:t>&gt;</a:t>
+              <a:t>&gt;${</a:t>
             </a:r>
             <a:r>
               <a:rPr lang="en-US" dirty="0" err="1"/>
-              <a:t>org.apache.maven.plugins</a:t>
+              <a:t>version.javax.el</a:t>
             </a:r>
             <a:r>
               <a:rPr lang="en-US" dirty="0"/>
-              <a:t>&lt;/</a:t>
-            </a:r>
-            <a:r>
-              <a:rPr lang="en-US" b="1" dirty="0" err="1"/>
-              <a:t>groupId</a:t>
+              <a:t>}&lt;/</a:t>
+            </a:r>
+            <a:r>
+              <a:rPr lang="en-US" b="1" dirty="0"/>
+              <a:t>version</a:t>
             </a:r>
             <a:r>
               <a:rPr lang="en-US" dirty="0"/>
@@ -10327,19 +10146,11 @@
             </a:br>
             <a:r>
               <a:rPr lang="en-US" dirty="0"/>
-              <a:t>            &lt;</a:t>
-            </a:r>
-            <a:r>
-              <a:rPr lang="en-US" b="1" dirty="0" err="1"/>
-              <a:t>artifactId</a:t>
-            </a:r>
-            <a:r>
-              <a:rPr lang="en-US" dirty="0"/>
-              <a:t>&gt;maven-compiler-plugin&lt;/</a:t>
-            </a:r>
-            <a:r>
-              <a:rPr lang="en-US" b="1" dirty="0" err="1"/>
-              <a:t>artifactId</a:t>
+              <a:t>&lt;/</a:t>
+            </a:r>
+            <a:r>
+              <a:rPr lang="en-US" b="1" dirty="0"/>
+              <a:t>dependency</a:t>
             </a:r>
             <a:r>
               <a:rPr lang="en-US" dirty="0"/>
@@ -10350,19 +10161,11 @@
             </a:br>
             <a:r>
               <a:rPr lang="en-US" dirty="0"/>
-              <a:t>            &lt;</a:t>
+              <a:t>&lt;</a:t>
             </a:r>
             <a:r>
               <a:rPr lang="en-US" b="1" dirty="0"/>
-              <a:t>version</a:t>
-            </a:r>
-            <a:r>
-              <a:rPr lang="en-US" dirty="0"/>
-              <a:t>&gt;3.1&lt;/</a:t>
-            </a:r>
-            <a:r>
-              <a:rPr lang="en-US" b="1" dirty="0"/>
-              <a:t>version</a:t>
+              <a:t>dependency</a:t>
             </a:r>
             <a:r>
               <a:rPr lang="en-US" dirty="0"/>
@@ -10373,19 +10176,27 @@
             </a:br>
             <a:r>
               <a:rPr lang="en-US" dirty="0"/>
-              <a:t>            &lt;</a:t>
-            </a:r>
-            <a:r>
-              <a:rPr lang="en-US" b="1" dirty="0"/>
-              <a:t>inherited</a:t>
+              <a:t>    &lt;</a:t>
+            </a:r>
+            <a:r>
+              <a:rPr lang="en-US" b="1" dirty="0" err="1"/>
+              <a:t>groupId</a:t>
             </a:r>
             <a:r>
               <a:rPr lang="en-US" dirty="0"/>
-              <a:t>&gt;true&lt;/</a:t>
-            </a:r>
-            <a:r>
-              <a:rPr lang="en-US" b="1" dirty="0"/>
-              <a:t>inherited</a:t>
+              <a:t>&gt;</a:t>
+            </a:r>
+            <a:r>
+              <a:rPr lang="en-US" dirty="0" err="1"/>
+              <a:t>org.glassfish.web</a:t>
+            </a:r>
+            <a:r>
+              <a:rPr lang="en-US" dirty="0"/>
+              <a:t>&lt;/</a:t>
+            </a:r>
+            <a:r>
+              <a:rPr lang="en-US" b="1" dirty="0" err="1"/>
+              <a:t>groupId</a:t>
             </a:r>
             <a:r>
               <a:rPr lang="en-US" dirty="0"/>
@@ -10396,11 +10207,27 @@
             </a:br>
             <a:r>
               <a:rPr lang="en-US" dirty="0"/>
-              <a:t>            &lt;</a:t>
-            </a:r>
-            <a:r>
-              <a:rPr lang="en-US" b="1" dirty="0"/>
-              <a:t>configuration</a:t>
+              <a:t>    &lt;</a:t>
+            </a:r>
+            <a:r>
+              <a:rPr lang="en-US" b="1" dirty="0" err="1"/>
+              <a:t>artifactId</a:t>
+            </a:r>
+            <a:r>
+              <a:rPr lang="en-US" dirty="0"/>
+              <a:t>&gt;</a:t>
+            </a:r>
+            <a:r>
+              <a:rPr lang="en-US" dirty="0" err="1"/>
+              <a:t>javax.el</a:t>
+            </a:r>
+            <a:r>
+              <a:rPr lang="en-US" dirty="0"/>
+              <a:t>&lt;/</a:t>
+            </a:r>
+            <a:r>
+              <a:rPr lang="en-US" b="1" dirty="0" err="1"/>
+              <a:t>artifactId</a:t>
             </a:r>
             <a:r>
               <a:rPr lang="en-US" dirty="0"/>
@@ -10411,27 +10238,27 @@
             </a:br>
             <a:r>
               <a:rPr lang="en-US" dirty="0"/>
-              <a:t>                &lt;</a:t>
-            </a:r>
-            <a:r>
-              <a:rPr lang="en-US" b="1" dirty="0" smtClean="0"/>
-              <a:t>source</a:t>
+              <a:t>    &lt;</a:t>
+            </a:r>
+            <a:r>
+              <a:rPr lang="en-US" b="1" dirty="0"/>
+              <a:t>version</a:t>
             </a:r>
             <a:r>
               <a:rPr lang="en-US" dirty="0"/>
-              <a:t>&gt; ${</a:t>
+              <a:t>&gt;${</a:t>
             </a:r>
             <a:r>
               <a:rPr lang="en-US" dirty="0" err="1"/>
-              <a:t>version.java</a:t>
+              <a:t>version.javax.el</a:t>
             </a:r>
             <a:r>
               <a:rPr lang="en-US" dirty="0"/>
-              <a:t>} &lt;/</a:t>
+              <a:t>}&lt;/</a:t>
             </a:r>
             <a:r>
               <a:rPr lang="en-US" b="1" dirty="0"/>
-              <a:t>source</a:t>
+              <a:t>version</a:t>
             </a:r>
             <a:r>
               <a:rPr lang="en-US" dirty="0"/>
@@ -10442,73 +10269,23 @@
             </a:br>
             <a:r>
               <a:rPr lang="en-US" dirty="0"/>
-              <a:t>                &lt;</a:t>
-            </a:r>
-            <a:r>
-              <a:rPr lang="en-US" b="1" dirty="0" smtClean="0"/>
-              <a:t>target</a:t>
-            </a:r>
-            <a:r>
-              <a:rPr lang="en-US" dirty="0"/>
-              <a:t>&gt; ${</a:t>
-            </a:r>
-            <a:r>
-              <a:rPr lang="en-US" dirty="0" err="1"/>
-              <a:t>version.java</a:t>
-            </a:r>
-            <a:r>
-              <a:rPr lang="en-US" dirty="0"/>
-              <a:t>} &lt;/</a:t>
+              <a:t>&lt;/</a:t>
             </a:r>
             <a:r>
               <a:rPr lang="en-US" b="1" dirty="0"/>
-              <a:t>target</a:t>
+              <a:t>dependency</a:t>
             </a:r>
             <a:r>
               <a:rPr lang="en-US" dirty="0"/>
               <a:t>&gt;</a:t>
             </a:r>
-            <a:br>
-              <a:rPr lang="en-US" dirty="0"/>
-            </a:br>
-            <a:r>
-              <a:rPr lang="en-US" dirty="0"/>
-              <a:t>            &lt;/</a:t>
-            </a:r>
-            <a:r>
-              <a:rPr lang="en-US" b="1" dirty="0"/>
-              <a:t>configuration</a:t>
-            </a:r>
-            <a:r>
-              <a:rPr lang="en-US" dirty="0"/>
-              <a:t>&gt;</a:t>
-            </a:r>
-            <a:br>
-              <a:rPr lang="en-US" dirty="0"/>
-            </a:br>
-            <a:r>
-              <a:rPr lang="en-US" dirty="0"/>
-              <a:t>        &lt;/</a:t>
-            </a:r>
-            <a:r>
-              <a:rPr lang="en-US" b="1" dirty="0"/>
-              <a:t>plugin</a:t>
-            </a:r>
-            <a:r>
-              <a:rPr lang="en-US" dirty="0"/>
-              <a:t>&gt;</a:t>
-            </a:r>
-            <a:br>
-              <a:rPr lang="en-US" dirty="0"/>
-            </a:br>
-            <a:endParaRPr lang="en-US" dirty="0"/>
           </a:p>
         </p:txBody>
       </p:sp>
     </p:spTree>
     <p:extLst>
       <p:ext uri="{BB962C8B-B14F-4D97-AF65-F5344CB8AC3E}">
-        <p14:creationId xmlns:p14="http://schemas.microsoft.com/office/powerpoint/2010/main" val="1735413327"/>
+        <p14:creationId xmlns:p14="http://schemas.microsoft.com/office/powerpoint/2010/main" val="999469944"/>
       </p:ext>
     </p:extLst>
   </p:cSld>
@@ -10687,7 +10464,7 @@
           <a:p>
             <a:r>
               <a:rPr lang="en-US" dirty="0" smtClean="0"/>
-              <a:t>Surefire and Failsafe</a:t>
+              <a:t>Plugins</a:t>
             </a:r>
             <a:endParaRPr lang="en-US" dirty="0"/>
           </a:p>
@@ -10705,169 +10482,321 @@
         </p:nvSpPr>
         <p:spPr>
           <a:xfrm>
-            <a:off x="838200" y="1825625"/>
-            <a:ext cx="10515600" cy="4813714"/>
+            <a:off x="361122" y="1777917"/>
+            <a:ext cx="6516756" cy="4885276"/>
           </a:xfrm>
         </p:spPr>
         <p:txBody>
           <a:bodyPr>
-            <a:normAutofit lnSpcReduction="10000"/>
+            <a:normAutofit/>
           </a:bodyPr>
           <a:lstStyle/>
           <a:p>
             <a:r>
               <a:rPr lang="en-US" dirty="0" smtClean="0"/>
-              <a:t>Surefire: plugin to run </a:t>
-            </a:r>
-            <a:r>
-              <a:rPr lang="en-US" i="1" dirty="0" smtClean="0"/>
-              <a:t>unit</a:t>
-            </a:r>
-            <a:r>
-              <a:rPr lang="en-US" dirty="0" smtClean="0"/>
-              <a:t> tests</a:t>
+              <a:t>Used to extend the functionalities of Maven</a:t>
+            </a:r>
+          </a:p>
+          <a:p>
+            <a:r>
+              <a:rPr lang="en-US" dirty="0" smtClean="0"/>
+              <a:t>Plugins are downloaded and configured like any third-party library</a:t>
+            </a:r>
+          </a:p>
+          <a:p>
+            <a:r>
+              <a:rPr lang="en-US" dirty="0" smtClean="0"/>
+              <a:t>Many of the base functionalities of Maven are themselves represented as plugins</a:t>
             </a:r>
           </a:p>
           <a:p>
             <a:pPr lvl="1"/>
             <a:r>
-              <a:rPr lang="en-US" dirty="0" smtClean="0"/>
-              <a:t>By default, all files in </a:t>
-            </a:r>
-            <a:r>
               <a:rPr lang="en-US" dirty="0" err="1" smtClean="0"/>
-              <a:t>src</a:t>
-            </a:r>
-            <a:r>
-              <a:rPr lang="en-US" dirty="0" smtClean="0"/>
-              <a:t>/main/test with name pattern *</a:t>
-            </a:r>
-            <a:r>
-              <a:rPr lang="en-US" dirty="0" err="1" smtClean="0"/>
-              <a:t>Test.java</a:t>
-            </a:r>
-            <a:endParaRPr lang="en-US" dirty="0" smtClean="0"/>
-          </a:p>
-          <a:p>
-            <a:pPr lvl="1"/>
-            <a:r>
-              <a:rPr lang="en-US" dirty="0" smtClean="0"/>
-              <a:t>Unit tests are run before the </a:t>
+              <a:t>Eg</a:t>
+            </a:r>
+            <a:r>
+              <a:rPr lang="en-US" dirty="0" smtClean="0"/>
+              <a:t>, compile Java code</a:t>
+            </a:r>
+            <a:endParaRPr lang="en-US" dirty="0"/>
+          </a:p>
+        </p:txBody>
+      </p:sp>
+      <p:sp>
+        <p:nvSpPr>
+          <p:cNvPr id="4" name="TextBox 3"/>
+          <p:cNvSpPr txBox="1"/>
+          <p:nvPr/>
+        </p:nvSpPr>
+        <p:spPr>
+          <a:xfrm>
+            <a:off x="6875993" y="1777917"/>
+            <a:ext cx="5316007" cy="3693319"/>
+          </a:xfrm>
+          <a:prstGeom prst="rect">
+            <a:avLst/>
+          </a:prstGeom>
+          <a:noFill/>
+        </p:spPr>
+        <p:txBody>
+          <a:bodyPr wrap="none" rtlCol="0">
+            <a:spAutoFit/>
+          </a:bodyPr>
+          <a:lstStyle/>
+          <a:p>
+            <a:r>
+              <a:rPr lang="en-US" dirty="0"/>
+              <a:t>&lt;</a:t>
+            </a:r>
+            <a:r>
+              <a:rPr lang="en-US" b="1" dirty="0" err="1"/>
+              <a:t>pluginManagement</a:t>
+            </a:r>
+            <a:r>
+              <a:rPr lang="en-US" dirty="0"/>
+              <a:t>&gt;</a:t>
+            </a:r>
+            <a:br>
+              <a:rPr lang="en-US" dirty="0"/>
+            </a:br>
+            <a:r>
+              <a:rPr lang="en-US" dirty="0"/>
+              <a:t>    &lt;</a:t>
+            </a:r>
+            <a:r>
+              <a:rPr lang="en-US" b="1" dirty="0"/>
+              <a:t>plugins</a:t>
+            </a:r>
+            <a:r>
+              <a:rPr lang="en-US" dirty="0"/>
+              <a:t>&gt;</a:t>
+            </a:r>
+            <a:br>
+              <a:rPr lang="en-US" dirty="0"/>
+            </a:br>
+            <a:r>
+              <a:rPr lang="en-US" dirty="0"/>
+              <a:t>        &lt;</a:t>
+            </a:r>
+            <a:r>
+              <a:rPr lang="en-US" b="1" dirty="0"/>
+              <a:t>plugin</a:t>
+            </a:r>
+            <a:r>
+              <a:rPr lang="en-US" dirty="0"/>
+              <a:t>&gt;</a:t>
+            </a:r>
+            <a:br>
+              <a:rPr lang="en-US" dirty="0"/>
+            </a:br>
+            <a:r>
+              <a:rPr lang="en-US" dirty="0"/>
+              <a:t>            &lt;</a:t>
+            </a:r>
+            <a:r>
+              <a:rPr lang="en-US" b="1" dirty="0" err="1"/>
+              <a:t>groupId</a:t>
+            </a:r>
+            <a:r>
+              <a:rPr lang="en-US" dirty="0"/>
+              <a:t>&gt;</a:t>
+            </a:r>
+            <a:r>
+              <a:rPr lang="en-US" dirty="0" err="1"/>
+              <a:t>org.apache.maven.plugins</a:t>
+            </a:r>
+            <a:r>
+              <a:rPr lang="en-US" dirty="0"/>
+              <a:t>&lt;/</a:t>
+            </a:r>
+            <a:r>
+              <a:rPr lang="en-US" b="1" dirty="0" err="1"/>
+              <a:t>groupId</a:t>
+            </a:r>
+            <a:r>
+              <a:rPr lang="en-US" dirty="0"/>
+              <a:t>&gt;</a:t>
+            </a:r>
+            <a:br>
+              <a:rPr lang="en-US" dirty="0"/>
+            </a:br>
+            <a:r>
+              <a:rPr lang="en-US" dirty="0"/>
+              <a:t>            &lt;</a:t>
+            </a:r>
+            <a:r>
+              <a:rPr lang="en-US" b="1" dirty="0" err="1"/>
+              <a:t>artifactId</a:t>
+            </a:r>
+            <a:r>
+              <a:rPr lang="en-US" dirty="0"/>
+              <a:t>&gt;maven-compiler-plugin&lt;/</a:t>
+            </a:r>
+            <a:r>
+              <a:rPr lang="en-US" b="1" dirty="0" err="1"/>
+              <a:t>artifactId</a:t>
+            </a:r>
+            <a:r>
+              <a:rPr lang="en-US" dirty="0"/>
+              <a:t>&gt;</a:t>
+            </a:r>
+            <a:br>
+              <a:rPr lang="en-US" dirty="0"/>
+            </a:br>
+            <a:r>
+              <a:rPr lang="en-US" dirty="0"/>
+              <a:t>            &lt;</a:t>
+            </a:r>
+            <a:r>
+              <a:rPr lang="en-US" b="1" dirty="0"/>
+              <a:t>version</a:t>
+            </a:r>
+            <a:r>
+              <a:rPr lang="en-US" dirty="0"/>
+              <a:t>&gt;3.1&lt;/</a:t>
+            </a:r>
+            <a:r>
+              <a:rPr lang="en-US" b="1" dirty="0"/>
+              <a:t>version</a:t>
+            </a:r>
+            <a:r>
+              <a:rPr lang="en-US" dirty="0"/>
+              <a:t>&gt;</a:t>
+            </a:r>
+            <a:br>
+              <a:rPr lang="en-US" dirty="0"/>
+            </a:br>
+            <a:r>
+              <a:rPr lang="en-US" dirty="0"/>
+              <a:t>            &lt;</a:t>
+            </a:r>
+            <a:r>
+              <a:rPr lang="en-US" b="1" dirty="0"/>
+              <a:t>inherited</a:t>
+            </a:r>
+            <a:r>
+              <a:rPr lang="en-US" dirty="0"/>
+              <a:t>&gt;true&lt;/</a:t>
+            </a:r>
+            <a:r>
+              <a:rPr lang="en-US" b="1" dirty="0"/>
+              <a:t>inherited</a:t>
+            </a:r>
+            <a:r>
+              <a:rPr lang="en-US" dirty="0"/>
+              <a:t>&gt;</a:t>
+            </a:r>
+            <a:br>
+              <a:rPr lang="en-US" dirty="0"/>
+            </a:br>
+            <a:r>
+              <a:rPr lang="en-US" dirty="0"/>
+              <a:t>            &lt;</a:t>
+            </a:r>
+            <a:r>
+              <a:rPr lang="en-US" b="1" dirty="0"/>
+              <a:t>configuration</a:t>
+            </a:r>
+            <a:r>
+              <a:rPr lang="en-US" dirty="0"/>
+              <a:t>&gt;</a:t>
+            </a:r>
+            <a:br>
+              <a:rPr lang="en-US" dirty="0"/>
+            </a:br>
+            <a:r>
+              <a:rPr lang="en-US" dirty="0"/>
+              <a:t>                &lt;</a:t>
             </a:r>
             <a:r>
               <a:rPr lang="en-US" b="1" dirty="0" smtClean="0"/>
-              <a:t>package</a:t>
-            </a:r>
-            <a:r>
-              <a:rPr lang="en-US" dirty="0" smtClean="0"/>
-              <a:t> phase</a:t>
-            </a:r>
-          </a:p>
-          <a:p>
-            <a:r>
-              <a:rPr lang="en-US" dirty="0" smtClean="0"/>
-              <a:t>Failsafe</a:t>
+              <a:t>source</a:t>
             </a:r>
             <a:r>
               <a:rPr lang="en-US" dirty="0"/>
-              <a:t>: plugin to run </a:t>
-            </a:r>
-            <a:r>
-              <a:rPr lang="en-US" i="1" dirty="0" smtClean="0"/>
-              <a:t>integration </a:t>
-            </a:r>
-            <a:r>
-              <a:rPr lang="en-US" dirty="0" smtClean="0"/>
-              <a:t>tests</a:t>
-            </a:r>
-            <a:endParaRPr lang="en-US" dirty="0"/>
-          </a:p>
-          <a:p>
-            <a:pPr lvl="1"/>
+              <a:t>&gt; ${</a:t>
+            </a:r>
+            <a:r>
+              <a:rPr lang="en-US" dirty="0" err="1"/>
+              <a:t>version.java</a:t>
+            </a:r>
             <a:r>
               <a:rPr lang="en-US" dirty="0"/>
-              <a:t>By default, all files in </a:t>
+              <a:t>} &lt;/</a:t>
+            </a:r>
+            <a:r>
+              <a:rPr lang="en-US" b="1" dirty="0"/>
+              <a:t>source</a:t>
+            </a:r>
+            <a:r>
+              <a:rPr lang="en-US" dirty="0"/>
+              <a:t>&gt;</a:t>
+            </a:r>
+            <a:br>
+              <a:rPr lang="en-US" dirty="0"/>
+            </a:br>
+            <a:r>
+              <a:rPr lang="en-US" dirty="0"/>
+              <a:t>                &lt;</a:t>
+            </a:r>
+            <a:r>
+              <a:rPr lang="en-US" b="1" dirty="0" smtClean="0"/>
+              <a:t>target</a:t>
+            </a:r>
+            <a:r>
+              <a:rPr lang="en-US" dirty="0"/>
+              <a:t>&gt; ${</a:t>
             </a:r>
             <a:r>
               <a:rPr lang="en-US" dirty="0" err="1"/>
-              <a:t>src</a:t>
+              <a:t>version.java</a:t>
             </a:r>
             <a:r>
               <a:rPr lang="en-US" dirty="0"/>
-              <a:t>/main/test with name pattern </a:t>
-            </a:r>
-            <a:r>
-              <a:rPr lang="en-US" dirty="0" smtClean="0"/>
-              <a:t>*</a:t>
-            </a:r>
-            <a:r>
-              <a:rPr lang="en-US" dirty="0" err="1" smtClean="0"/>
-              <a:t>IT.java</a:t>
-            </a:r>
-            <a:endParaRPr lang="en-US" dirty="0"/>
-          </a:p>
-          <a:p>
-            <a:pPr lvl="1"/>
-            <a:r>
-              <a:rPr lang="en-US" dirty="0" smtClean="0"/>
-              <a:t>Integration </a:t>
+              <a:t>} &lt;/</a:t>
+            </a:r>
+            <a:r>
+              <a:rPr lang="en-US" b="1" dirty="0"/>
+              <a:t>target</a:t>
             </a:r>
             <a:r>
               <a:rPr lang="en-US" dirty="0"/>
-              <a:t>tests are run </a:t>
-            </a:r>
-            <a:r>
-              <a:rPr lang="en-US" dirty="0" smtClean="0"/>
-              <a:t>after </a:t>
-            </a:r>
-            <a:r>
+              <a:t>&gt;</a:t>
+            </a:r>
+            <a:br>
               <a:rPr lang="en-US" dirty="0"/>
-              <a:t>the </a:t>
+            </a:br>
+            <a:r>
+              <a:rPr lang="en-US" dirty="0"/>
+              <a:t>            &lt;/</a:t>
             </a:r>
             <a:r>
               <a:rPr lang="en-US" b="1" dirty="0"/>
-              <a:t>package</a:t>
+              <a:t>configuration</a:t>
             </a:r>
             <a:r>
               <a:rPr lang="en-US" dirty="0"/>
-              <a:t> </a:t>
-            </a:r>
-            <a:r>
-              <a:rPr lang="en-US" dirty="0" smtClean="0"/>
-              <a:t>phase, so can use the packaged JAR/WAR files</a:t>
-            </a:r>
-          </a:p>
-          <a:p>
-            <a:r>
-              <a:rPr lang="en-US" dirty="0" smtClean="0"/>
-              <a:t>Note: in both cases, still writing them with JUnit</a:t>
-            </a:r>
-          </a:p>
-          <a:p>
-            <a:r>
-              <a:rPr lang="en-US" b="1" dirty="0" smtClean="0"/>
-              <a:t>WARNING</a:t>
-            </a:r>
-            <a:r>
-              <a:rPr lang="en-US" dirty="0" smtClean="0"/>
-              <a:t>: If you misspell *</a:t>
-            </a:r>
-            <a:r>
-              <a:rPr lang="en-US" dirty="0" err="1" smtClean="0"/>
-              <a:t>Test.java</a:t>
-            </a:r>
-            <a:r>
-              <a:rPr lang="en-US" dirty="0" smtClean="0"/>
-              <a:t>/*</a:t>
-            </a:r>
-            <a:r>
-              <a:rPr lang="en-US" dirty="0" err="1" smtClean="0"/>
-              <a:t>IT.java</a:t>
-            </a:r>
-            <a:r>
-              <a:rPr lang="en-US" dirty="0" smtClean="0"/>
-              <a:t>, tests will not run from Maven</a:t>
-            </a:r>
+              <a:t>&gt;</a:t>
+            </a:r>
+            <a:br>
+              <a:rPr lang="en-US" dirty="0"/>
+            </a:br>
+            <a:r>
+              <a:rPr lang="en-US" dirty="0"/>
+              <a:t>        &lt;/</a:t>
+            </a:r>
+            <a:r>
+              <a:rPr lang="en-US" b="1" dirty="0"/>
+              <a:t>plugin</a:t>
+            </a:r>
+            <a:r>
+              <a:rPr lang="en-US" dirty="0"/>
+              <a:t>&gt;</a:t>
+            </a:r>
+            <a:br>
+              <a:rPr lang="en-US" dirty="0"/>
+            </a:br>
             <a:endParaRPr lang="en-US" dirty="0"/>
           </a:p>
         </p:txBody>
@@ -10875,7 +10804,7 @@
     </p:spTree>
     <p:extLst>
       <p:ext uri="{BB962C8B-B14F-4D97-AF65-F5344CB8AC3E}">
-        <p14:creationId xmlns:p14="http://schemas.microsoft.com/office/powerpoint/2010/main" val="1211123220"/>
+        <p14:creationId xmlns:p14="http://schemas.microsoft.com/office/powerpoint/2010/main" val="1735413327"/>
       </p:ext>
     </p:extLst>
   </p:cSld>
@@ -10919,15 +10848,7 @@
           <a:p>
             <a:r>
               <a:rPr lang="en-US" dirty="0" smtClean="0"/>
-              <a:t>Build Course </a:t>
-            </a:r>
-            <a:r>
-              <a:rPr lang="en-US" dirty="0" err="1" smtClean="0"/>
-              <a:t>Git</a:t>
-            </a:r>
-            <a:r>
-              <a:rPr lang="en-US" dirty="0" smtClean="0"/>
-              <a:t> for First Time</a:t>
+              <a:t>Surefire and Failsafe</a:t>
             </a:r>
             <a:endParaRPr lang="en-US" dirty="0"/>
           </a:p>
@@ -10946,101 +10867,168 @@
         <p:spPr>
           <a:xfrm>
             <a:off x="838200" y="1825625"/>
-            <a:ext cx="10515600" cy="4790328"/>
+            <a:ext cx="10515600" cy="4813714"/>
           </a:xfrm>
         </p:spPr>
         <p:txBody>
-          <a:bodyPr/>
-          <a:lstStyle/>
-          <a:p>
-            <a:r>
-              <a:rPr lang="en-US" dirty="0" smtClean="0"/>
-              <a:t>From root folder: “</a:t>
-            </a:r>
-            <a:r>
-              <a:rPr lang="en-US" b="1" dirty="0" err="1" smtClean="0"/>
-              <a:t>mvn</a:t>
-            </a:r>
-            <a:r>
-              <a:rPr lang="en-US" b="1" dirty="0" smtClean="0"/>
-              <a:t> clean install -</a:t>
-            </a:r>
-            <a:r>
-              <a:rPr lang="en-US" b="1" dirty="0" err="1" smtClean="0"/>
-              <a:t>DskipTests</a:t>
-            </a:r>
-            <a:r>
-              <a:rPr lang="en-US" dirty="0" smtClean="0"/>
-              <a:t>”</a:t>
-            </a:r>
-          </a:p>
-          <a:p>
-            <a:r>
-              <a:rPr lang="en-US" dirty="0" smtClean="0"/>
-              <a:t>It will recursively build all the modules</a:t>
-            </a:r>
-          </a:p>
-          <a:p>
-            <a:r>
-              <a:rPr lang="en-US" b="1" dirty="0"/>
-              <a:t>c</a:t>
-            </a:r>
-            <a:r>
-              <a:rPr lang="en-US" b="1" dirty="0" smtClean="0"/>
-              <a:t>lean</a:t>
-            </a:r>
-            <a:r>
-              <a:rPr lang="en-US" dirty="0" smtClean="0"/>
-              <a:t>: just make sure you start from a clean state</a:t>
-            </a:r>
-          </a:p>
-          <a:p>
-            <a:r>
-              <a:rPr lang="en-US" b="1" dirty="0"/>
-              <a:t>i</a:t>
-            </a:r>
-            <a:r>
-              <a:rPr lang="en-US" b="1" dirty="0" smtClean="0"/>
-              <a:t>nstall</a:t>
-            </a:r>
-            <a:r>
-              <a:rPr lang="en-US" dirty="0" smtClean="0"/>
-              <a:t>: it executes all previous phases, including </a:t>
-            </a:r>
-            <a:r>
-              <a:rPr lang="en-US" b="1" dirty="0" smtClean="0"/>
-              <a:t>compile</a:t>
-            </a:r>
-            <a:r>
-              <a:rPr lang="en-US" dirty="0" smtClean="0"/>
-              <a:t> and </a:t>
+          <a:bodyPr>
+            <a:normAutofit lnSpcReduction="10000"/>
+          </a:bodyPr>
+          <a:lstStyle/>
+          <a:p>
+            <a:r>
+              <a:rPr lang="en-US" dirty="0" smtClean="0"/>
+              <a:t>Surefire: plugin to run </a:t>
+            </a:r>
+            <a:r>
+              <a:rPr lang="en-US" i="1" dirty="0" smtClean="0"/>
+              <a:t>unit</a:t>
+            </a:r>
+            <a:r>
+              <a:rPr lang="en-US" dirty="0" smtClean="0"/>
+              <a:t> tests</a:t>
+            </a:r>
+          </a:p>
+          <a:p>
+            <a:pPr lvl="1"/>
+            <a:r>
+              <a:rPr lang="en-US" dirty="0" smtClean="0"/>
+              <a:t>By default, all files in </a:t>
+            </a:r>
+            <a:r>
+              <a:rPr lang="en-US" dirty="0" err="1" smtClean="0"/>
+              <a:t>src</a:t>
+            </a:r>
+            <a:r>
+              <a:rPr lang="en-US" dirty="0" smtClean="0"/>
+              <a:t>/main/test with name pattern *</a:t>
+            </a:r>
+            <a:r>
+              <a:rPr lang="en-US" dirty="0" err="1" smtClean="0"/>
+              <a:t>Test.java</a:t>
+            </a:r>
+            <a:endParaRPr lang="en-US" dirty="0" smtClean="0"/>
+          </a:p>
+          <a:p>
+            <a:pPr lvl="1"/>
+            <a:r>
+              <a:rPr lang="en-US" dirty="0" smtClean="0"/>
+              <a:t>Unit tests are run before the </a:t>
             </a:r>
             <a:r>
               <a:rPr lang="en-US" b="1" dirty="0" smtClean="0"/>
               <a:t>package</a:t>
             </a:r>
-          </a:p>
-          <a:p>
+            <a:r>
+              <a:rPr lang="en-US" dirty="0" smtClean="0"/>
+              <a:t> phase</a:t>
+            </a:r>
+          </a:p>
+          <a:p>
+            <a:r>
+              <a:rPr lang="en-US" dirty="0" smtClean="0"/>
+              <a:t>Failsafe</a:t>
+            </a:r>
+            <a:r>
+              <a:rPr lang="en-US" dirty="0"/>
+              <a:t>: plugin to run </a:t>
+            </a:r>
+            <a:r>
+              <a:rPr lang="en-US" i="1" dirty="0" smtClean="0"/>
+              <a:t>integration </a:t>
+            </a:r>
+            <a:r>
+              <a:rPr lang="en-US" dirty="0" smtClean="0"/>
+              <a:t>tests</a:t>
+            </a:r>
+            <a:endParaRPr lang="en-US" dirty="0"/>
+          </a:p>
+          <a:p>
+            <a:pPr lvl="1"/>
+            <a:r>
+              <a:rPr lang="en-US" dirty="0"/>
+              <a:t>By default, all files in </a:t>
+            </a:r>
+            <a:r>
+              <a:rPr lang="en-US" dirty="0" err="1"/>
+              <a:t>src</a:t>
+            </a:r>
+            <a:r>
+              <a:rPr lang="en-US" dirty="0"/>
+              <a:t>/main/test with name pattern </a:t>
+            </a:r>
+            <a:r>
+              <a:rPr lang="en-US" dirty="0" smtClean="0"/>
+              <a:t>*</a:t>
+            </a:r>
+            <a:r>
+              <a:rPr lang="en-US" dirty="0" err="1" smtClean="0"/>
+              <a:t>IT.java</a:t>
+            </a:r>
+            <a:endParaRPr lang="en-US" dirty="0"/>
+          </a:p>
+          <a:p>
+            <a:pPr lvl="1"/>
+            <a:r>
+              <a:rPr lang="en-US" dirty="0" smtClean="0"/>
+              <a:t>Integration </a:t>
+            </a:r>
+            <a:r>
+              <a:rPr lang="en-US" dirty="0"/>
+              <a:t>tests are run </a:t>
+            </a:r>
+            <a:r>
+              <a:rPr lang="en-US" dirty="0" smtClean="0"/>
+              <a:t>after </a:t>
+            </a:r>
+            <a:r>
+              <a:rPr lang="en-US" dirty="0"/>
+              <a:t>the </a:t>
+            </a:r>
             <a:r>
               <a:rPr lang="en-US" b="1" dirty="0"/>
-              <a:t>-</a:t>
-            </a:r>
-            <a:r>
-              <a:rPr lang="en-US" b="1" dirty="0" err="1" smtClean="0"/>
-              <a:t>DskipTests</a:t>
-            </a:r>
-            <a:r>
-              <a:rPr lang="en-US" dirty="0" smtClean="0"/>
-              <a:t>: avoid running tests</a:t>
-            </a:r>
-          </a:p>
-          <a:p>
-            <a:r>
-              <a:rPr lang="en-US" dirty="0" smtClean="0"/>
-              <a:t>WARNING: first time, it will take a long while, as many libraries will need to be downloaded</a:t>
-            </a:r>
-          </a:p>
-          <a:p>
+              <a:t>package</a:t>
+            </a:r>
+            <a:r>
+              <a:rPr lang="en-US" dirty="0"/>
+              <a:t> </a:t>
+            </a:r>
+            <a:r>
+              <a:rPr lang="en-US" dirty="0" smtClean="0"/>
+              <a:t>phase, so can use the packaged JAR/WAR files</a:t>
+            </a:r>
+          </a:p>
+          <a:p>
+            <a:r>
+              <a:rPr lang="en-US" dirty="0" smtClean="0"/>
+              <a:t>Note: in both cases, still writing them with JUnit</a:t>
+            </a:r>
+          </a:p>
+          <a:p>
+            <a:r>
+              <a:rPr lang="en-US" b="1" dirty="0" smtClean="0"/>
+              <a:t>WARNING</a:t>
+            </a:r>
+            <a:r>
+              <a:rPr lang="en-US" dirty="0" smtClean="0"/>
+              <a:t>: If you misspell *</a:t>
+            </a:r>
+            <a:r>
+              <a:rPr lang="en-US" dirty="0" err="1" smtClean="0"/>
+              <a:t>Test.java</a:t>
+            </a:r>
+            <a:r>
+              <a:rPr lang="en-US" dirty="0" smtClean="0"/>
+              <a:t>/*</a:t>
+            </a:r>
+            <a:r>
+              <a:rPr lang="en-US" dirty="0" err="1" smtClean="0"/>
+              <a:t>IT.java</a:t>
+            </a:r>
+            <a:r>
+              <a:rPr lang="en-US" dirty="0" smtClean="0"/>
+              <a:t>, tests will not run from Maven</a:t>
+            </a:r>
             <a:endParaRPr lang="en-US" dirty="0"/>
           </a:p>
         </p:txBody>
@@ -11048,7 +11036,7 @@
     </p:spTree>
     <p:extLst>
       <p:ext uri="{BB962C8B-B14F-4D97-AF65-F5344CB8AC3E}">
-        <p14:creationId xmlns:p14="http://schemas.microsoft.com/office/powerpoint/2010/main" val="465377794"/>
+        <p14:creationId xmlns:p14="http://schemas.microsoft.com/office/powerpoint/2010/main" val="1211123220"/>
       </p:ext>
     </p:extLst>
   </p:cSld>
@@ -11092,7 +11080,15 @@
           <a:p>
             <a:r>
               <a:rPr lang="en-US" dirty="0" smtClean="0"/>
-              <a:t>JPA: Java Persistence API</a:t>
+              <a:t>Build Course </a:t>
+            </a:r>
+            <a:r>
+              <a:rPr lang="en-US" dirty="0" err="1" smtClean="0"/>
+              <a:t>Git</a:t>
+            </a:r>
+            <a:r>
+              <a:rPr lang="en-US" dirty="0" smtClean="0"/>
+              <a:t> for First Time</a:t>
             </a:r>
             <a:endParaRPr lang="en-US" dirty="0"/>
           </a:p>
@@ -11100,27 +11096,120 @@
       </p:sp>
       <p:sp>
         <p:nvSpPr>
-          <p:cNvPr id="3" name="Text Placeholder 2"/>
-          <p:cNvSpPr>
-            <a:spLocks noGrp="1"/>
-          </p:cNvSpPr>
-          <p:nvPr>
-            <p:ph type="body" idx="1"/>
-          </p:nvPr>
-        </p:nvSpPr>
-        <p:spPr/>
+          <p:cNvPr id="3" name="Content Placeholder 2"/>
+          <p:cNvSpPr>
+            <a:spLocks noGrp="1"/>
+          </p:cNvSpPr>
+          <p:nvPr>
+            <p:ph idx="1"/>
+          </p:nvPr>
+        </p:nvSpPr>
+        <p:spPr>
+          <a:xfrm>
+            <a:off x="838200" y="1825625"/>
+            <a:ext cx="10515600" cy="4790328"/>
+          </a:xfrm>
+        </p:spPr>
         <p:txBody>
           <a:bodyPr/>
           <a:lstStyle/>
           <a:p>
-            <a:endParaRPr lang="en-US"/>
+            <a:r>
+              <a:rPr lang="en-US" dirty="0" smtClean="0"/>
+              <a:t>From root folder: “</a:t>
+            </a:r>
+            <a:r>
+              <a:rPr lang="en-US" b="1" dirty="0" err="1" smtClean="0"/>
+              <a:t>mvn</a:t>
+            </a:r>
+            <a:r>
+              <a:rPr lang="en-US" b="1" dirty="0" smtClean="0"/>
+              <a:t> clean install -</a:t>
+            </a:r>
+            <a:r>
+              <a:rPr lang="en-US" b="1" dirty="0" err="1" smtClean="0"/>
+              <a:t>DskipTests</a:t>
+            </a:r>
+            <a:r>
+              <a:rPr lang="en-US" dirty="0" smtClean="0"/>
+              <a:t>”</a:t>
+            </a:r>
+          </a:p>
+          <a:p>
+            <a:r>
+              <a:rPr lang="en-US" dirty="0" smtClean="0"/>
+              <a:t>It will recursively build all the modules</a:t>
+            </a:r>
+          </a:p>
+          <a:p>
+            <a:r>
+              <a:rPr lang="en-US" b="1" dirty="0"/>
+              <a:t>c</a:t>
+            </a:r>
+            <a:r>
+              <a:rPr lang="en-US" b="1" dirty="0" smtClean="0"/>
+              <a:t>lean</a:t>
+            </a:r>
+            <a:r>
+              <a:rPr lang="en-US" dirty="0" smtClean="0"/>
+              <a:t>: just make sure you start from a clean state</a:t>
+            </a:r>
+          </a:p>
+          <a:p>
+            <a:r>
+              <a:rPr lang="en-US" b="1" dirty="0"/>
+              <a:t>i</a:t>
+            </a:r>
+            <a:r>
+              <a:rPr lang="en-US" b="1" dirty="0" smtClean="0"/>
+              <a:t>nstall</a:t>
+            </a:r>
+            <a:r>
+              <a:rPr lang="en-US" dirty="0" smtClean="0"/>
+              <a:t>: it executes all previous phases, including </a:t>
+            </a:r>
+            <a:r>
+              <a:rPr lang="en-US" b="1" dirty="0" smtClean="0"/>
+              <a:t>compile</a:t>
+            </a:r>
+            <a:r>
+              <a:rPr lang="en-US" dirty="0" smtClean="0"/>
+              <a:t> and </a:t>
+            </a:r>
+            <a:r>
+              <a:rPr lang="en-US" b="1" dirty="0" smtClean="0"/>
+              <a:t>package</a:t>
+            </a:r>
+          </a:p>
+          <a:p>
+            <a:r>
+              <a:rPr lang="en-US" b="1" dirty="0"/>
+              <a:t>-</a:t>
+            </a:r>
+            <a:r>
+              <a:rPr lang="en-US" b="1" dirty="0" err="1" smtClean="0"/>
+              <a:t>DskipTests</a:t>
+            </a:r>
+            <a:r>
+              <a:rPr lang="en-US" dirty="0" smtClean="0"/>
+              <a:t>: avoid running tests</a:t>
+            </a:r>
+          </a:p>
+          <a:p>
+            <a:r>
+              <a:rPr lang="en-US" dirty="0" smtClean="0"/>
+              <a:t>WARNING: first time, it will take a long while, as many libraries will need to be downloaded</a:t>
+            </a:r>
+          </a:p>
+          <a:p>
+            <a:endParaRPr lang="en-US" dirty="0"/>
           </a:p>
         </p:txBody>
       </p:sp>
     </p:spTree>
     <p:extLst>
       <p:ext uri="{BB962C8B-B14F-4D97-AF65-F5344CB8AC3E}">
-        <p14:creationId xmlns:p14="http://schemas.microsoft.com/office/powerpoint/2010/main" val="126704957"/>
+        <p14:creationId xmlns:p14="http://schemas.microsoft.com/office/powerpoint/2010/main" val="465377794"/>
       </p:ext>
     </p:extLst>
   </p:cSld>
@@ -11157,37 +11246,14 @@
             <p:ph type="title"/>
           </p:nvPr>
         </p:nvSpPr>
-        <p:spPr>
-          <a:xfrm>
-            <a:off x="344031" y="365125"/>
-            <a:ext cx="11497901" cy="1325563"/>
-          </a:xfrm>
-        </p:spPr>
-        <p:txBody>
-          <a:bodyPr>
-            <a:normAutofit fontScale="90000"/>
-          </a:bodyPr>
-          <a:lstStyle/>
-          <a:p>
-            <a:r>
-              <a:rPr lang="en-US" smtClean="0"/>
-              <a:t>Object-Relational </a:t>
-            </a:r>
-            <a:r>
-              <a:rPr lang="en-US" dirty="0" smtClean="0"/>
-              <a:t>M</a:t>
-            </a:r>
-            <a:r>
-              <a:rPr lang="en-US" smtClean="0"/>
-              <a:t>apping</a:t>
-            </a:r>
-            <a:r>
-              <a:rPr lang="en-US"/>
-              <a:t> </a:t>
-            </a:r>
-            <a:r>
-              <a:rPr lang="en-US" smtClean="0"/>
-              <a:t>(ORM)</a:t>
+        <p:spPr/>
+        <p:txBody>
+          <a:bodyPr/>
+          <a:lstStyle/>
+          <a:p>
+            <a:r>
+              <a:rPr lang="en-US" dirty="0" smtClean="0"/>
+              <a:t>JPA: Java Persistence API</a:t>
             </a:r>
             <a:endParaRPr lang="en-US" dirty="0"/>
           </a:p>
@@ -11195,92 +11261,27 @@
       </p:sp>
       <p:sp>
         <p:nvSpPr>
-          <p:cNvPr id="3" name="Content Placeholder 2"/>
-          <p:cNvSpPr>
-            <a:spLocks noGrp="1"/>
-          </p:cNvSpPr>
-          <p:nvPr>
-            <p:ph idx="1"/>
-          </p:nvPr>
-        </p:nvSpPr>
-        <p:spPr>
-          <a:xfrm>
-            <a:off x="838200" y="1825625"/>
-            <a:ext cx="10515600" cy="4702396"/>
-          </a:xfrm>
-        </p:spPr>
-        <p:txBody>
-          <a:bodyPr>
-            <a:normAutofit fontScale="92500"/>
-          </a:bodyPr>
-          <a:lstStyle/>
-          <a:p>
-            <a:r>
-              <a:rPr lang="en-US" dirty="0" smtClean="0"/>
-              <a:t>Mapping data from SQL Databases (DB)</a:t>
-            </a:r>
-          </a:p>
-          <a:p>
-            <a:r>
-              <a:rPr lang="en-US" dirty="0" smtClean="0"/>
-              <a:t>In your programs, using Java classes to represent data from DB</a:t>
-            </a:r>
-          </a:p>
-          <a:p>
-            <a:r>
-              <a:rPr lang="en-US" dirty="0" smtClean="0"/>
-              <a:t>Idea of JPA: define </a:t>
-            </a:r>
-            <a:r>
-              <a:rPr lang="en-US" i="1" dirty="0" smtClean="0"/>
-              <a:t>@Entity</a:t>
-            </a:r>
-            <a:r>
-              <a:rPr lang="en-US" dirty="0" smtClean="0"/>
-              <a:t> classes for each table in the DB, and let the JPA framework do all the work to read/write to/from DB when modify the </a:t>
-            </a:r>
-            <a:r>
-              <a:rPr lang="en-US" i="1" dirty="0" smtClean="0"/>
-              <a:t>@Entity </a:t>
-            </a:r>
-            <a:r>
-              <a:rPr lang="en-US" dirty="0" smtClean="0"/>
-              <a:t>classes</a:t>
-            </a:r>
-          </a:p>
-          <a:p>
-            <a:r>
-              <a:rPr lang="en-US" dirty="0" smtClean="0"/>
-              <a:t>In theory, no need of SQL. But still might want to use in some cases (</a:t>
-            </a:r>
-            <a:r>
-              <a:rPr lang="en-US" dirty="0" err="1" smtClean="0"/>
-              <a:t>eg</a:t>
-            </a:r>
-            <a:r>
-              <a:rPr lang="en-US" dirty="0" smtClean="0"/>
-              <a:t>, for complex queries), or when the JPA implementation gives </a:t>
-            </a:r>
-            <a:r>
-              <a:rPr lang="en-US" i="1" dirty="0" smtClean="0"/>
-              <a:t>weird</a:t>
-            </a:r>
-            <a:r>
-              <a:rPr lang="en-US" dirty="0" smtClean="0"/>
-              <a:t> results</a:t>
-            </a:r>
-            <a:r>
-              <a:rPr lang="mr-IN" dirty="0" smtClean="0"/>
-              <a:t>…</a:t>
-            </a:r>
-            <a:endParaRPr lang="en-US" dirty="0"/>
+          <p:cNvPr id="3" name="Text Placeholder 2"/>
+          <p:cNvSpPr>
+            <a:spLocks noGrp="1"/>
+          </p:cNvSpPr>
+          <p:nvPr>
+            <p:ph type="body" idx="1"/>
+          </p:nvPr>
+        </p:nvSpPr>
+        <p:spPr/>
+        <p:txBody>
+          <a:bodyPr/>
+          <a:lstStyle/>
+          <a:p>
+            <a:endParaRPr lang="en-US"/>
           </a:p>
         </p:txBody>
       </p:sp>
     </p:spTree>
     <p:extLst>
       <p:ext uri="{BB962C8B-B14F-4D97-AF65-F5344CB8AC3E}">
-        <p14:creationId xmlns:p14="http://schemas.microsoft.com/office/powerpoint/2010/main" val="1062118139"/>
+        <p14:creationId xmlns:p14="http://schemas.microsoft.com/office/powerpoint/2010/main" val="126704957"/>
       </p:ext>
     </p:extLst>
   </p:cSld>
@@ -11317,14 +11318,37 @@
             <p:ph type="title"/>
           </p:nvPr>
         </p:nvSpPr>
-        <p:spPr/>
-        <p:txBody>
-          <a:bodyPr/>
-          <a:lstStyle/>
-          <a:p>
-            <a:r>
-              <a:rPr lang="en-US" dirty="0" smtClean="0"/>
-              <a:t>Hibernate</a:t>
+        <p:spPr>
+          <a:xfrm>
+            <a:off x="344031" y="365125"/>
+            <a:ext cx="11497901" cy="1325563"/>
+          </a:xfrm>
+        </p:spPr>
+        <p:txBody>
+          <a:bodyPr>
+            <a:normAutofit fontScale="90000"/>
+          </a:bodyPr>
+          <a:lstStyle/>
+          <a:p>
+            <a:r>
+              <a:rPr lang="en-US" smtClean="0"/>
+              <a:t>Object-Relational </a:t>
+            </a:r>
+            <a:r>
+              <a:rPr lang="en-US" dirty="0" smtClean="0"/>
+              <a:t>M</a:t>
+            </a:r>
+            <a:r>
+              <a:rPr lang="en-US" smtClean="0"/>
+              <a:t>apping</a:t>
+            </a:r>
+            <a:r>
+              <a:rPr lang="en-US"/>
+              <a:t> </a:t>
+            </a:r>
+            <a:r>
+              <a:rPr lang="en-US" smtClean="0"/>
+              <a:t>(ORM)</a:t>
             </a:r>
             <a:endParaRPr lang="en-US" dirty="0"/>
           </a:p>
@@ -11340,98 +11364,84 @@
             <p:ph idx="1"/>
           </p:nvPr>
         </p:nvSpPr>
-        <p:spPr/>
-        <p:txBody>
-          <a:bodyPr/>
-          <a:lstStyle/>
-          <a:p>
-            <a:r>
-              <a:rPr lang="en-US" dirty="0" smtClean="0"/>
-              <a:t>A JPA implementation</a:t>
-            </a:r>
-          </a:p>
-          <a:p>
-            <a:r>
-              <a:rPr lang="en-US" dirty="0" smtClean="0"/>
-              <a:t>Most popular in Java</a:t>
-            </a:r>
-          </a:p>
-          <a:p>
-            <a:pPr lvl="1"/>
-            <a:r>
-              <a:rPr lang="en-US" dirty="0" smtClean="0"/>
-              <a:t>Default in Java EE containers like </a:t>
+        <p:spPr>
+          <a:xfrm>
+            <a:off x="838200" y="1825625"/>
+            <a:ext cx="10515600" cy="4702396"/>
+          </a:xfrm>
+        </p:spPr>
+        <p:txBody>
+          <a:bodyPr>
+            <a:normAutofit fontScale="92500"/>
+          </a:bodyPr>
+          <a:lstStyle/>
+          <a:p>
+            <a:r>
+              <a:rPr lang="en-US" dirty="0" smtClean="0"/>
+              <a:t>Mapping data from SQL Databases (DB)</a:t>
+            </a:r>
+          </a:p>
+          <a:p>
+            <a:r>
+              <a:rPr lang="en-US" dirty="0" smtClean="0"/>
+              <a:t>In your programs, using Java classes to represent data from DB</a:t>
+            </a:r>
+          </a:p>
+          <a:p>
+            <a:r>
+              <a:rPr lang="en-US" dirty="0" smtClean="0"/>
+              <a:t>Idea of JPA: define </a:t>
+            </a:r>
+            <a:r>
+              <a:rPr lang="en-US" i="1" dirty="0" smtClean="0"/>
+              <a:t>@Entity</a:t>
+            </a:r>
+            <a:r>
+              <a:rPr lang="en-US" dirty="0" smtClean="0"/>
+              <a:t> classes for each table in the DB, and let the JPA framework do all the work to read/write to/from DB when modify the </a:t>
+            </a:r>
+            <a:r>
+              <a:rPr lang="en-US" i="1" dirty="0" smtClean="0"/>
+              <a:t>@Entity </a:t>
+            </a:r>
+            <a:r>
+              <a:rPr lang="en-US" dirty="0" smtClean="0"/>
+              <a:t>classes</a:t>
+            </a:r>
+          </a:p>
+          <a:p>
+            <a:r>
+              <a:rPr lang="en-US" dirty="0" smtClean="0"/>
+              <a:t>In theory, no need of SQL. But still might want to use in some cases (</a:t>
             </a:r>
             <a:r>
               <a:rPr lang="en-US" dirty="0" err="1" smtClean="0"/>
-              <a:t>Wildfly</a:t>
-            </a:r>
-            <a:endParaRPr lang="en-US" dirty="0" smtClean="0"/>
-          </a:p>
-          <a:p>
-            <a:pPr lvl="1"/>
-            <a:r>
-              <a:rPr lang="en-US" dirty="0" smtClean="0"/>
-              <a:t>Default in </a:t>
-            </a:r>
-            <a:r>
-              <a:rPr lang="en-US" dirty="0" err="1" smtClean="0"/>
-              <a:t>SpringBoot</a:t>
-            </a:r>
-            <a:endParaRPr lang="en-US" dirty="0" smtClean="0"/>
-          </a:p>
-          <a:p>
-            <a:r>
-              <a:rPr lang="en-US" dirty="0" smtClean="0"/>
-              <a:t>As a library, can be used in any Java program </a:t>
-            </a:r>
-          </a:p>
-          <a:p>
-            <a:pPr lvl="1"/>
-            <a:r>
-              <a:rPr lang="en-US" dirty="0" err="1"/>
-              <a:t>i</a:t>
-            </a:r>
-            <a:r>
-              <a:rPr lang="en-US" dirty="0" err="1" smtClean="0"/>
-              <a:t>e</a:t>
-            </a:r>
-            <a:r>
-              <a:rPr lang="en-US" dirty="0" smtClean="0"/>
-              <a:t>, not necessarily in EE or Spring</a:t>
-            </a:r>
-          </a:p>
-          <a:p>
-            <a:r>
-              <a:rPr lang="en-US" b="1" dirty="0" err="1" smtClean="0"/>
-              <a:t>src</a:t>
-            </a:r>
-            <a:r>
-              <a:rPr lang="en-US" b="1" dirty="0" smtClean="0"/>
-              <a:t>/main/resources/META-INF/</a:t>
-            </a:r>
-            <a:r>
-              <a:rPr lang="en-US" b="1" dirty="0" err="1" smtClean="0"/>
-              <a:t>persistence.xml</a:t>
-            </a:r>
-            <a:endParaRPr lang="en-US" b="1" dirty="0" smtClean="0"/>
-          </a:p>
-          <a:p>
-            <a:pPr lvl="1"/>
-            <a:r>
-              <a:rPr lang="en-US" dirty="0" smtClean="0"/>
-              <a:t>Configuration file for JPA </a:t>
-            </a:r>
-          </a:p>
-          <a:p>
-            <a:endParaRPr lang="en-US" dirty="0" smtClean="0"/>
+              <a:t>eg</a:t>
+            </a:r>
+            <a:r>
+              <a:rPr lang="en-US" dirty="0" smtClean="0"/>
+              <a:t>, for complex queries), or when the JPA implementation gives </a:t>
+            </a:r>
+            <a:r>
+              <a:rPr lang="en-US" i="1" dirty="0" smtClean="0"/>
+              <a:t>weird</a:t>
+            </a:r>
+            <a:r>
+              <a:rPr lang="en-US" dirty="0" smtClean="0"/>
+              <a:t> results</a:t>
+            </a:r>
+            <a:r>
+              <a:rPr lang="mr-IN" dirty="0" smtClean="0"/>
+              <a:t>…</a:t>
+            </a:r>
+            <a:endParaRPr lang="en-US" dirty="0"/>
           </a:p>
         </p:txBody>
       </p:sp>
     </p:spTree>
     <p:extLst>
       <p:ext uri="{BB962C8B-B14F-4D97-AF65-F5344CB8AC3E}">
-        <p14:creationId xmlns:p14="http://schemas.microsoft.com/office/powerpoint/2010/main" val="851986526"/>
+        <p14:creationId xmlns:p14="http://schemas.microsoft.com/office/powerpoint/2010/main" val="1062118139"/>
       </p:ext>
     </p:extLst>
   </p:cSld>
@@ -11475,7 +11485,7 @@
           <a:p>
             <a:r>
               <a:rPr lang="en-US" dirty="0" smtClean="0"/>
-              <a:t>Database Schema</a:t>
+              <a:t>Hibernate</a:t>
             </a:r>
             <a:endParaRPr lang="en-US" dirty="0"/>
           </a:p>
@@ -11498,56 +11508,91 @@
           <a:p>
             <a:r>
               <a:rPr lang="en-US" dirty="0" smtClean="0"/>
-              <a:t>Given an existing DB, need to write </a:t>
-            </a:r>
-            <a:r>
-              <a:rPr lang="en-US" i="1" dirty="0" smtClean="0"/>
-              <a:t>@Entity</a:t>
-            </a:r>
-            <a:r>
-              <a:rPr lang="en-US" dirty="0" smtClean="0"/>
-              <a:t> classes for each table</a:t>
-            </a:r>
-          </a:p>
-          <a:p>
-            <a:r>
-              <a:rPr lang="en-US" dirty="0" smtClean="0"/>
-              <a:t>Other option: write the </a:t>
-            </a:r>
-            <a:r>
-              <a:rPr lang="en-US" i="1" dirty="0"/>
-              <a:t>@Entity</a:t>
-            </a:r>
-            <a:r>
-              <a:rPr lang="en-US" dirty="0"/>
-              <a:t> </a:t>
-            </a:r>
-            <a:r>
-              <a:rPr lang="en-US" dirty="0" smtClean="0"/>
-              <a:t>classes first, and generate the schemas automatically afterwards</a:t>
+              <a:t>A JPA implementation</a:t>
+            </a:r>
+          </a:p>
+          <a:p>
+            <a:r>
+              <a:rPr lang="en-US" dirty="0" smtClean="0"/>
+              <a:t>Most popular in Java</a:t>
             </a:r>
           </a:p>
           <a:p>
             <a:pPr lvl="1"/>
             <a:r>
               <a:rPr lang="en-US" dirty="0" smtClean="0"/>
-              <a:t>Easier when you are more familiar with Java than SQL</a:t>
-            </a:r>
+              <a:t>Default in Java EE containers like </a:t>
+            </a:r>
+            <a:r>
+              <a:rPr lang="en-US" dirty="0" err="1" smtClean="0"/>
+              <a:t>Wildfly</a:t>
+            </a:r>
+            <a:endParaRPr lang="en-US" dirty="0" smtClean="0"/>
           </a:p>
           <a:p>
             <a:pPr lvl="1"/>
             <a:r>
               <a:rPr lang="en-US" dirty="0" smtClean="0"/>
-              <a:t>Good for prototyping </a:t>
-            </a:r>
-            <a:endParaRPr lang="en-US" dirty="0"/>
+              <a:t>Default in </a:t>
+            </a:r>
+            <a:r>
+              <a:rPr lang="en-US" dirty="0" err="1" smtClean="0"/>
+              <a:t>SpringBoot</a:t>
+            </a:r>
+            <a:endParaRPr lang="en-US" dirty="0" smtClean="0"/>
+          </a:p>
+          <a:p>
+            <a:r>
+              <a:rPr lang="en-US" dirty="0" smtClean="0"/>
+              <a:t>As a library, can be used in any Java program </a:t>
+            </a:r>
+          </a:p>
+          <a:p>
+            <a:pPr lvl="1"/>
+            <a:r>
+              <a:rPr lang="en-US" dirty="0" err="1"/>
+              <a:t>i</a:t>
+            </a:r>
+            <a:r>
+              <a:rPr lang="en-US" dirty="0" err="1" smtClean="0"/>
+              <a:t>e</a:t>
+            </a:r>
+            <a:r>
+              <a:rPr lang="en-US" dirty="0" smtClean="0"/>
+              <a:t>, not necessarily in EE or Spring</a:t>
+            </a:r>
+          </a:p>
+          <a:p>
+            <a:r>
+              <a:rPr lang="en-US" b="1" dirty="0" err="1" smtClean="0"/>
+              <a:t>src</a:t>
+            </a:r>
+            <a:r>
+              <a:rPr lang="en-US" b="1" dirty="0" smtClean="0"/>
+              <a:t>/main/resources/META-INF/</a:t>
+            </a:r>
+            <a:r>
+              <a:rPr lang="en-US" b="1" dirty="0" err="1" smtClean="0"/>
+              <a:t>persistence.xml</a:t>
+            </a:r>
+            <a:endParaRPr lang="en-US" b="1" dirty="0" smtClean="0"/>
+          </a:p>
+          <a:p>
+            <a:pPr lvl="1"/>
+            <a:r>
+              <a:rPr lang="en-US" dirty="0" smtClean="0"/>
+              <a:t>Configuration file for JPA </a:t>
+            </a:r>
+          </a:p>
+          <a:p>
+            <a:endParaRPr lang="en-US" dirty="0" smtClean="0"/>
           </a:p>
         </p:txBody>
       </p:sp>
     </p:spTree>
     <p:extLst>
       <p:ext uri="{BB962C8B-B14F-4D97-AF65-F5344CB8AC3E}">
-        <p14:creationId xmlns:p14="http://schemas.microsoft.com/office/powerpoint/2010/main" val="1360850773"/>
+        <p14:creationId xmlns:p14="http://schemas.microsoft.com/office/powerpoint/2010/main" val="851986526"/>
       </p:ext>
     </p:extLst>
   </p:cSld>
@@ -11576,6 +11621,122 @@
       </p:grpSpPr>
       <p:sp>
         <p:nvSpPr>
+          <p:cNvPr id="2" name="Title 1"/>
+          <p:cNvSpPr>
+            <a:spLocks noGrp="1"/>
+          </p:cNvSpPr>
+          <p:nvPr>
+            <p:ph type="title"/>
+          </p:nvPr>
+        </p:nvSpPr>
+        <p:spPr/>
+        <p:txBody>
+          <a:bodyPr/>
+          <a:lstStyle/>
+          <a:p>
+            <a:r>
+              <a:rPr lang="en-US" dirty="0" smtClean="0"/>
+              <a:t>Database Schema</a:t>
+            </a:r>
+            <a:endParaRPr lang="en-US" dirty="0"/>
+          </a:p>
+        </p:txBody>
+      </p:sp>
+      <p:sp>
+        <p:nvSpPr>
+          <p:cNvPr id="3" name="Content Placeholder 2"/>
+          <p:cNvSpPr>
+            <a:spLocks noGrp="1"/>
+          </p:cNvSpPr>
+          <p:nvPr>
+            <p:ph idx="1"/>
+          </p:nvPr>
+        </p:nvSpPr>
+        <p:spPr/>
+        <p:txBody>
+          <a:bodyPr/>
+          <a:lstStyle/>
+          <a:p>
+            <a:r>
+              <a:rPr lang="en-US" dirty="0" smtClean="0"/>
+              <a:t>Given an existing DB, need to write </a:t>
+            </a:r>
+            <a:r>
+              <a:rPr lang="en-US" i="1" dirty="0" smtClean="0"/>
+              <a:t>@Entity</a:t>
+            </a:r>
+            <a:r>
+              <a:rPr lang="en-US" dirty="0" smtClean="0"/>
+              <a:t> classes for each table</a:t>
+            </a:r>
+          </a:p>
+          <a:p>
+            <a:r>
+              <a:rPr lang="en-US" dirty="0" smtClean="0"/>
+              <a:t>Other option: write the </a:t>
+            </a:r>
+            <a:r>
+              <a:rPr lang="en-US" i="1" dirty="0"/>
+              <a:t>@Entity</a:t>
+            </a:r>
+            <a:r>
+              <a:rPr lang="en-US" dirty="0"/>
+              <a:t> </a:t>
+            </a:r>
+            <a:r>
+              <a:rPr lang="en-US" dirty="0" smtClean="0"/>
+              <a:t>classes first, and generate the schemas automatically afterwards</a:t>
+            </a:r>
+          </a:p>
+          <a:p>
+            <a:pPr lvl="1"/>
+            <a:r>
+              <a:rPr lang="en-US" dirty="0" smtClean="0"/>
+              <a:t>Easier when you are more familiar with Java than SQL</a:t>
+            </a:r>
+          </a:p>
+          <a:p>
+            <a:pPr lvl="1"/>
+            <a:r>
+              <a:rPr lang="en-US" dirty="0" smtClean="0"/>
+              <a:t>Good for prototyping </a:t>
+            </a:r>
+            <a:endParaRPr lang="en-US" dirty="0"/>
+          </a:p>
+        </p:txBody>
+      </p:sp>
+    </p:spTree>
+    <p:extLst>
+      <p:ext uri="{BB962C8B-B14F-4D97-AF65-F5344CB8AC3E}">
+        <p14:creationId xmlns:p14="http://schemas.microsoft.com/office/powerpoint/2010/main" val="1360850773"/>
+      </p:ext>
+    </p:extLst>
+  </p:cSld>
+  <p:clrMapOvr>
+    <a:masterClrMapping/>
+  </p:clrMapOvr>
+</p:sld>
+</file>
+
+<file path=ppt/slides/slide47.xml><?xml version="1.0" encoding="utf-8"?>
+<p:sld xmlns:a="http://schemas.openxmlformats.org/drawingml/2006/main" xmlns:r="http://schemas.openxmlformats.org/officeDocument/2006/relationships" xmlns:p="http://schemas.openxmlformats.org/presentationml/2006/main">
+  <p:cSld>
+    <p:spTree>
+      <p:nvGrpSpPr>
+        <p:cNvPr id="1" name=""/>
+        <p:cNvGrpSpPr/>
+        <p:nvPr/>
+      </p:nvGrpSpPr>
+      <p:grpSpPr>
+        <a:xfrm>
+          <a:off x="0" y="0"/>
+          <a:ext cx="0" cy="0"/>
+          <a:chOff x="0" y="0"/>
+          <a:chExt cx="0" cy="0"/>
+        </a:xfrm>
+      </p:grpSpPr>
+      <p:sp>
+        <p:nvSpPr>
           <p:cNvPr id="4" name="Title 3"/>
           <p:cNvSpPr>
             <a:spLocks noGrp="1"/>
@@ -11816,11 +11977,7 @@
             </a:r>
             <a:r>
               <a:rPr lang="en-US" dirty="0" smtClean="0"/>
-              <a:t>Transient, etc</a:t>
-            </a:r>
-            <a:r>
-              <a:rPr lang="en-US" dirty="0" smtClean="0"/>
-              <a:t>.</a:t>
+              <a:t>Transient, etc.</a:t>
             </a:r>
           </a:p>
           <a:p>

--- a/doc/intro/slides/lesson_01_intro.pptx
+++ b/doc/intro/slides/lesson_01_intro.pptx
@@ -1,11 +1,11 @@
 
 <file path=ppt/presentation.xml><?xml version="1.0" encoding="utf-8"?>
-<p:presentation xmlns:a="http://schemas.openxmlformats.org/drawingml/2006/main" xmlns:r="http://schemas.openxmlformats.org/officeDocument/2006/relationships" xmlns:p="http://schemas.openxmlformats.org/presentationml/2006/main" saveSubsetFonts="1" autoCompressPictures="0">
+<p:presentation xmlns:a="http://schemas.openxmlformats.org/drawingml/2006/main" xmlns:r="http://schemas.openxmlformats.org/officeDocument/2006/relationships" xmlns:p="http://schemas.openxmlformats.org/presentationml/2006/main" saveSubsetFonts="1">
   <p:sldMasterIdLst>
     <p:sldMasterId id="2147483648" r:id="rId1"/>
   </p:sldMasterIdLst>
   <p:notesMasterIdLst>
-    <p:notesMasterId r:id="rId49"/>
+    <p:notesMasterId r:id="rId51"/>
   </p:notesMasterIdLst>
   <p:sldIdLst>
     <p:sldId id="256" r:id="rId2"/>
@@ -15,9 +15,9 @@
     <p:sldId id="258" r:id="rId6"/>
     <p:sldId id="260" r:id="rId7"/>
     <p:sldId id="273" r:id="rId8"/>
-    <p:sldId id="259" r:id="rId9"/>
-    <p:sldId id="274" r:id="rId10"/>
-    <p:sldId id="261" r:id="rId11"/>
+    <p:sldId id="305" r:id="rId9"/>
+    <p:sldId id="259" r:id="rId10"/>
+    <p:sldId id="274" r:id="rId11"/>
     <p:sldId id="267" r:id="rId12"/>
     <p:sldId id="268" r:id="rId13"/>
     <p:sldId id="262" r:id="rId14"/>
@@ -32,29 +32,31 @@
     <p:sldId id="279" r:id="rId23"/>
     <p:sldId id="280" r:id="rId24"/>
     <p:sldId id="281" r:id="rId25"/>
-    <p:sldId id="282" r:id="rId26"/>
-    <p:sldId id="283" r:id="rId27"/>
-    <p:sldId id="284" r:id="rId28"/>
-    <p:sldId id="285" r:id="rId29"/>
-    <p:sldId id="286" r:id="rId30"/>
-    <p:sldId id="287" r:id="rId31"/>
-    <p:sldId id="289" r:id="rId32"/>
-    <p:sldId id="290" r:id="rId33"/>
-    <p:sldId id="291" r:id="rId34"/>
-    <p:sldId id="292" r:id="rId35"/>
-    <p:sldId id="296" r:id="rId36"/>
-    <p:sldId id="297" r:id="rId37"/>
-    <p:sldId id="298" r:id="rId38"/>
-    <p:sldId id="304" r:id="rId39"/>
-    <p:sldId id="301" r:id="rId40"/>
-    <p:sldId id="293" r:id="rId41"/>
-    <p:sldId id="299" r:id="rId42"/>
-    <p:sldId id="295" r:id="rId43"/>
-    <p:sldId id="270" r:id="rId44"/>
-    <p:sldId id="300" r:id="rId45"/>
-    <p:sldId id="302" r:id="rId46"/>
-    <p:sldId id="303" r:id="rId47"/>
-    <p:sldId id="271" r:id="rId48"/>
+    <p:sldId id="306" r:id="rId26"/>
+    <p:sldId id="282" r:id="rId27"/>
+    <p:sldId id="283" r:id="rId28"/>
+    <p:sldId id="284" r:id="rId29"/>
+    <p:sldId id="285" r:id="rId30"/>
+    <p:sldId id="286" r:id="rId31"/>
+    <p:sldId id="287" r:id="rId32"/>
+    <p:sldId id="289" r:id="rId33"/>
+    <p:sldId id="290" r:id="rId34"/>
+    <p:sldId id="291" r:id="rId35"/>
+    <p:sldId id="292" r:id="rId36"/>
+    <p:sldId id="296" r:id="rId37"/>
+    <p:sldId id="297" r:id="rId38"/>
+    <p:sldId id="307" r:id="rId39"/>
+    <p:sldId id="298" r:id="rId40"/>
+    <p:sldId id="304" r:id="rId41"/>
+    <p:sldId id="301" r:id="rId42"/>
+    <p:sldId id="293" r:id="rId43"/>
+    <p:sldId id="299" r:id="rId44"/>
+    <p:sldId id="295" r:id="rId45"/>
+    <p:sldId id="270" r:id="rId46"/>
+    <p:sldId id="300" r:id="rId47"/>
+    <p:sldId id="302" r:id="rId48"/>
+    <p:sldId id="303" r:id="rId49"/>
+    <p:sldId id="271" r:id="rId50"/>
   </p:sldIdLst>
   <p:sldSz cx="12192000" cy="6858000"/>
   <p:notesSz cx="6858000" cy="9144000"/>
@@ -243,7 +245,7 @@
           <a:p>
             <a:fld id="{9B5B52BA-3295-0343-9E28-A260A811DD10}" type="datetimeFigureOut">
               <a:rPr lang="en-US" smtClean="0"/>
-              <a:t>12/28/17</a:t>
+              <a:t>26-Nov-18</a:t>
             </a:fld>
             <a:endParaRPr lang="en-US"/>
           </a:p>
@@ -511,6 +513,90 @@
 </p:notesMaster>
 </file>
 
+<file path=ppt/notesSlides/notesSlide1.xml><?xml version="1.0" encoding="utf-8"?>
+<p:notes xmlns:a="http://schemas.openxmlformats.org/drawingml/2006/main" xmlns:r="http://schemas.openxmlformats.org/officeDocument/2006/relationships" xmlns:p="http://schemas.openxmlformats.org/presentationml/2006/main">
+  <p:cSld>
+    <p:spTree>
+      <p:nvGrpSpPr>
+        <p:cNvPr id="1" name=""/>
+        <p:cNvGrpSpPr/>
+        <p:nvPr/>
+      </p:nvGrpSpPr>
+      <p:grpSpPr>
+        <a:xfrm>
+          <a:off x="0" y="0"/>
+          <a:ext cx="0" cy="0"/>
+          <a:chOff x="0" y="0"/>
+          <a:chExt cx="0" cy="0"/>
+        </a:xfrm>
+      </p:grpSpPr>
+      <p:sp>
+        <p:nvSpPr>
+          <p:cNvPr id="2" name="Slide Image Placeholder 1"/>
+          <p:cNvSpPr>
+            <a:spLocks noGrp="1" noRot="1" noChangeAspect="1"/>
+          </p:cNvSpPr>
+          <p:nvPr>
+            <p:ph type="sldImg"/>
+          </p:nvPr>
+        </p:nvSpPr>
+        <p:spPr/>
+      </p:sp>
+      <p:sp>
+        <p:nvSpPr>
+          <p:cNvPr id="3" name="Notes Placeholder 2"/>
+          <p:cNvSpPr>
+            <a:spLocks noGrp="1"/>
+          </p:cNvSpPr>
+          <p:nvPr>
+            <p:ph type="body" idx="1"/>
+          </p:nvPr>
+        </p:nvSpPr>
+        <p:spPr/>
+        <p:txBody>
+          <a:bodyPr/>
+          <a:lstStyle/>
+          <a:p>
+            <a:endParaRPr lang="en-US" dirty="0"/>
+          </a:p>
+        </p:txBody>
+      </p:sp>
+      <p:sp>
+        <p:nvSpPr>
+          <p:cNvPr id="4" name="Slide Number Placeholder 3"/>
+          <p:cNvSpPr>
+            <a:spLocks noGrp="1"/>
+          </p:cNvSpPr>
+          <p:nvPr>
+            <p:ph type="sldNum" sz="quarter" idx="10"/>
+          </p:nvPr>
+        </p:nvSpPr>
+        <p:spPr/>
+        <p:txBody>
+          <a:bodyPr/>
+          <a:lstStyle/>
+          <a:p>
+            <a:fld id="{D6FB5A5B-CC88-B64A-8F56-0DBE0ACA83DE}" type="slidenum">
+              <a:rPr lang="en-US" smtClean="0"/>
+              <a:t>47</a:t>
+            </a:fld>
+            <a:endParaRPr lang="en-US"/>
+          </a:p>
+        </p:txBody>
+      </p:sp>
+    </p:spTree>
+    <p:extLst>
+      <p:ext uri="{BB962C8B-B14F-4D97-AF65-F5344CB8AC3E}">
+        <p14:creationId xmlns:p14="http://schemas.microsoft.com/office/powerpoint/2010/main" val="3993653607"/>
+      </p:ext>
+    </p:extLst>
+  </p:cSld>
+  <p:clrMapOvr>
+    <a:masterClrMapping/>
+  </p:clrMapOvr>
+</p:notes>
+</file>
+
 <file path=ppt/slideLayouts/slideLayout1.xml><?xml version="1.0" encoding="utf-8"?>
 <p:sldLayout xmlns:a="http://schemas.openxmlformats.org/drawingml/2006/main" xmlns:r="http://schemas.openxmlformats.org/officeDocument/2006/relationships" xmlns:p="http://schemas.openxmlformats.org/presentationml/2006/main" type="title" preserve="1">
   <p:cSld name="Title Slide">
@@ -642,7 +728,7 @@
           <a:p>
             <a:fld id="{04F1D4A2-813C-F741-B481-C92B3A596030}" type="datetimeFigureOut">
               <a:rPr lang="en-US" smtClean="0"/>
-              <a:t>12/28/17</a:t>
+              <a:t>26-Nov-18</a:t>
             </a:fld>
             <a:endParaRPr lang="en-US"/>
           </a:p>
@@ -812,7 +898,7 @@
           <a:p>
             <a:fld id="{04F1D4A2-813C-F741-B481-C92B3A596030}" type="datetimeFigureOut">
               <a:rPr lang="en-US" smtClean="0"/>
-              <a:t>12/28/17</a:t>
+              <a:t>26-Nov-18</a:t>
             </a:fld>
             <a:endParaRPr lang="en-US"/>
           </a:p>
@@ -992,7 +1078,7 @@
           <a:p>
             <a:fld id="{04F1D4A2-813C-F741-B481-C92B3A596030}" type="datetimeFigureOut">
               <a:rPr lang="en-US" smtClean="0"/>
-              <a:t>12/28/17</a:t>
+              <a:t>26-Nov-18</a:t>
             </a:fld>
             <a:endParaRPr lang="en-US"/>
           </a:p>
@@ -1325,7 +1411,7 @@
           <a:p>
             <a:fld id="{04F1D4A2-813C-F741-B481-C92B3A596030}" type="datetimeFigureOut">
               <a:rPr lang="en-US" smtClean="0"/>
-              <a:t>12/28/17</a:t>
+              <a:t>26-Nov-18</a:t>
             </a:fld>
             <a:endParaRPr lang="en-US"/>
           </a:p>
@@ -1571,7 +1657,7 @@
           <a:p>
             <a:fld id="{04F1D4A2-813C-F741-B481-C92B3A596030}" type="datetimeFigureOut">
               <a:rPr lang="en-US" smtClean="0"/>
-              <a:t>12/28/17</a:t>
+              <a:t>26-Nov-18</a:t>
             </a:fld>
             <a:endParaRPr lang="en-US"/>
           </a:p>
@@ -1803,7 +1889,7 @@
           <a:p>
             <a:fld id="{04F1D4A2-813C-F741-B481-C92B3A596030}" type="datetimeFigureOut">
               <a:rPr lang="en-US" smtClean="0"/>
-              <a:t>12/28/17</a:t>
+              <a:t>26-Nov-18</a:t>
             </a:fld>
             <a:endParaRPr lang="en-US"/>
           </a:p>
@@ -2170,7 +2256,7 @@
           <a:p>
             <a:fld id="{04F1D4A2-813C-F741-B481-C92B3A596030}" type="datetimeFigureOut">
               <a:rPr lang="en-US" smtClean="0"/>
-              <a:t>12/28/17</a:t>
+              <a:t>26-Nov-18</a:t>
             </a:fld>
             <a:endParaRPr lang="en-US"/>
           </a:p>
@@ -2288,7 +2374,7 @@
           <a:p>
             <a:fld id="{04F1D4A2-813C-F741-B481-C92B3A596030}" type="datetimeFigureOut">
               <a:rPr lang="en-US" smtClean="0"/>
-              <a:t>12/28/17</a:t>
+              <a:t>26-Nov-18</a:t>
             </a:fld>
             <a:endParaRPr lang="en-US"/>
           </a:p>
@@ -2383,7 +2469,7 @@
           <a:p>
             <a:fld id="{04F1D4A2-813C-F741-B481-C92B3A596030}" type="datetimeFigureOut">
               <a:rPr lang="en-US" smtClean="0"/>
-              <a:t>12/28/17</a:t>
+              <a:t>26-Nov-18</a:t>
             </a:fld>
             <a:endParaRPr lang="en-US"/>
           </a:p>
@@ -2660,7 +2746,7 @@
           <a:p>
             <a:fld id="{04F1D4A2-813C-F741-B481-C92B3A596030}" type="datetimeFigureOut">
               <a:rPr lang="en-US" smtClean="0"/>
-              <a:t>12/28/17</a:t>
+              <a:t>26-Nov-18</a:t>
             </a:fld>
             <a:endParaRPr lang="en-US"/>
           </a:p>
@@ -2913,7 +2999,7 @@
           <a:p>
             <a:fld id="{04F1D4A2-813C-F741-B481-C92B3A596030}" type="datetimeFigureOut">
               <a:rPr lang="en-US" smtClean="0"/>
-              <a:t>12/28/17</a:t>
+              <a:t>26-Nov-18</a:t>
             </a:fld>
             <a:endParaRPr lang="en-US"/>
           </a:p>
@@ -3126,7 +3212,7 @@
           <a:p>
             <a:fld id="{04F1D4A2-813C-F741-B481-C92B3A596030}" type="datetimeFigureOut">
               <a:rPr lang="en-US" smtClean="0"/>
-              <a:t>12/28/17</a:t>
+              <a:t>26-Nov-18</a:t>
             </a:fld>
             <a:endParaRPr lang="en-US"/>
           </a:p>
@@ -3542,9 +3628,16 @@
             <p:ph type="ctrTitle"/>
           </p:nvPr>
         </p:nvSpPr>
-        <p:spPr/>
-        <p:txBody>
-          <a:bodyPr/>
+        <p:spPr>
+          <a:xfrm>
+            <a:off x="396240" y="1122362"/>
+            <a:ext cx="11490960" cy="3647345"/>
+          </a:xfrm>
+        </p:spPr>
+        <p:txBody>
+          <a:bodyPr>
+            <a:normAutofit/>
+          </a:bodyPr>
           <a:lstStyle/>
           <a:p>
             <a:pPr algn="l"/>
@@ -3565,7 +3658,18 @@
             </a:br>
             <a:r>
               <a:rPr lang="en-US" dirty="0" smtClean="0"/>
-              <a:t>Lesson 01: Introduction</a:t>
+              <a:t/>
+            </a:r>
+            <a:br>
+              <a:rPr lang="en-US" dirty="0" smtClean="0"/>
+            </a:br>
+            <a:r>
+              <a:rPr lang="en-US" dirty="0" smtClean="0"/>
+              <a:t>Lesson </a:t>
+            </a:r>
+            <a:r>
+              <a:rPr lang="en-US" dirty="0" smtClean="0"/>
+              <a:t>01: Introduction</a:t>
             </a:r>
             <a:endParaRPr lang="en-US" dirty="0"/>
           </a:p>
@@ -3583,36 +3687,26 @@
         </p:nvSpPr>
         <p:spPr>
           <a:xfrm>
-            <a:off x="1524000" y="3920358"/>
+            <a:off x="1754659" y="5240471"/>
             <a:ext cx="9144000" cy="1337441"/>
           </a:xfrm>
         </p:spPr>
         <p:txBody>
           <a:bodyPr>
-            <a:normAutofit fontScale="92500" lnSpcReduction="10000"/>
+            <a:normAutofit/>
           </a:bodyPr>
           <a:lstStyle/>
           <a:p>
             <a:pPr algn="r"/>
             <a:r>
               <a:rPr lang="en-US" dirty="0" smtClean="0"/>
-              <a:t>Dr. Andrea Arcuri</a:t>
-            </a:r>
-          </a:p>
-          <a:p>
-            <a:pPr algn="r"/>
-            <a:r>
-              <a:rPr lang="en-US" dirty="0" smtClean="0"/>
-              <a:t>Westerdals Oslo ACT</a:t>
-            </a:r>
-          </a:p>
-          <a:p>
-            <a:pPr algn="r"/>
-            <a:r>
-              <a:rPr lang="en-US" dirty="0" smtClean="0"/>
-              <a:t>University of Luxembourg</a:t>
-            </a:r>
-            <a:endParaRPr lang="en-US" dirty="0"/>
+              <a:t>Dr. Andrea </a:t>
+            </a:r>
+            <a:r>
+              <a:rPr lang="en-US" dirty="0" smtClean="0"/>
+              <a:t>Arcuri</a:t>
+            </a:r>
+            <a:endParaRPr lang="en-US" dirty="0" smtClean="0"/>
           </a:p>
         </p:txBody>
       </p:sp>
@@ -3663,7 +3757,11 @@
           <a:p>
             <a:r>
               <a:rPr lang="en-US" dirty="0" smtClean="0"/>
-              <a:t>New Versions</a:t>
+              <a:t>Spring vs </a:t>
+            </a:r>
+            <a:r>
+              <a:rPr lang="en-US" dirty="0" smtClean="0"/>
+              <a:t>JEE</a:t>
             </a:r>
             <a:endParaRPr lang="en-US" dirty="0"/>
           </a:p>
@@ -3679,86 +3777,119 @@
             <p:ph idx="1"/>
           </p:nvPr>
         </p:nvSpPr>
-        <p:spPr/>
-        <p:txBody>
-          <a:bodyPr/>
-          <a:lstStyle/>
-          <a:p>
-            <a:r>
-              <a:rPr lang="en-US" dirty="0" smtClean="0"/>
-              <a:t>In autumn 2017 many new versions came out, but not stable/</a:t>
-            </a:r>
-            <a:r>
-              <a:rPr lang="en-US" dirty="0"/>
-              <a:t>w</a:t>
-            </a:r>
-            <a:r>
-              <a:rPr lang="en-US" dirty="0" smtClean="0"/>
-              <a:t>idely supported yet</a:t>
-            </a:r>
-          </a:p>
-          <a:p>
-            <a:r>
-              <a:rPr lang="en-US" dirty="0" smtClean="0"/>
-              <a:t>But in this course, for this year</a:t>
+        <p:spPr>
+          <a:xfrm>
+            <a:off x="593124" y="1825625"/>
+            <a:ext cx="10760676" cy="4844116"/>
+          </a:xfrm>
+        </p:spPr>
+        <p:txBody>
+          <a:bodyPr>
+            <a:normAutofit fontScale="92500" lnSpcReduction="10000"/>
+          </a:bodyPr>
+          <a:lstStyle/>
+          <a:p>
+            <a:r>
+              <a:rPr lang="en-US" b="1" dirty="0" smtClean="0"/>
+              <a:t>JEE</a:t>
+            </a:r>
+            <a:r>
+              <a:rPr lang="en-US" dirty="0" smtClean="0"/>
+              <a:t> was </a:t>
+            </a:r>
+            <a:r>
+              <a:rPr lang="en-US" dirty="0" smtClean="0"/>
+              <a:t>the “official” framework for building Java enterprise </a:t>
+            </a:r>
+            <a:r>
+              <a:rPr lang="en-US" dirty="0" smtClean="0"/>
+              <a:t>applications, but not anymore (since 2017)</a:t>
+            </a:r>
+          </a:p>
+          <a:p>
+            <a:pPr lvl="1"/>
+            <a:r>
+              <a:rPr lang="en-US" dirty="0" smtClean="0"/>
+              <a:t>now it is just a framework like any other</a:t>
+            </a:r>
+            <a:endParaRPr lang="en-US" dirty="0" smtClean="0"/>
+          </a:p>
+          <a:p>
+            <a:r>
+              <a:rPr lang="en-US" b="1" dirty="0" smtClean="0"/>
+              <a:t>Spring</a:t>
+            </a:r>
+            <a:r>
+              <a:rPr lang="en-US" dirty="0" smtClean="0"/>
+              <a:t> is a different framework made by Pivotal that builds on top the foundations of </a:t>
+            </a:r>
+            <a:r>
+              <a:rPr lang="en-US" dirty="0" smtClean="0"/>
+              <a:t>JEE</a:t>
+            </a:r>
+            <a:endParaRPr lang="en-US" dirty="0" smtClean="0"/>
+          </a:p>
+          <a:p>
+            <a:r>
+              <a:rPr lang="en-US" dirty="0" smtClean="0"/>
+              <a:t>As of now, Spring is more </a:t>
+            </a:r>
+            <a:r>
+              <a:rPr lang="en-US" i="1" dirty="0" smtClean="0"/>
+              <a:t>widely</a:t>
+            </a:r>
+            <a:r>
+              <a:rPr lang="en-US" dirty="0" smtClean="0"/>
+              <a:t> used, and also a </a:t>
+            </a:r>
+            <a:r>
+              <a:rPr lang="en-US" i="1" dirty="0" smtClean="0"/>
+              <a:t>much more pleasant framework to work with</a:t>
+            </a:r>
+          </a:p>
+          <a:p>
+            <a:r>
+              <a:rPr lang="en-US" dirty="0" smtClean="0"/>
+              <a:t>But you cannot really appreciate </a:t>
+            </a:r>
+            <a:r>
+              <a:rPr lang="en-US" i="1" dirty="0" err="1" smtClean="0"/>
+              <a:t>SpringBoot</a:t>
+            </a:r>
+            <a:r>
+              <a:rPr lang="en-US" dirty="0" smtClean="0"/>
+              <a:t> until you have gone through the blood, sweat and tears of debugging an EJB test using </a:t>
+            </a:r>
+            <a:r>
+              <a:rPr lang="en-US" dirty="0" err="1" smtClean="0"/>
+              <a:t>Arquillian</a:t>
+            </a:r>
+            <a:r>
+              <a:rPr lang="en-US" dirty="0" smtClean="0"/>
+              <a:t> to deploy to a </a:t>
+            </a:r>
+            <a:r>
+              <a:rPr lang="en-US" dirty="0" err="1" smtClean="0"/>
+              <a:t>WildFly</a:t>
+            </a:r>
+            <a:r>
+              <a:rPr lang="en-US" dirty="0" smtClean="0"/>
+              <a:t> </a:t>
+            </a:r>
+            <a:r>
+              <a:rPr lang="en-US" dirty="0" smtClean="0"/>
+              <a:t>container</a:t>
             </a:r>
             <a:r>
               <a:rPr lang="mr-IN" dirty="0" smtClean="0"/>
               <a:t>…</a:t>
             </a:r>
-            <a:endParaRPr lang="en-US" dirty="0" smtClean="0"/>
-          </a:p>
-          <a:p>
-            <a:r>
-              <a:rPr lang="mr-IN" dirty="0" smtClean="0"/>
-              <a:t>…</a:t>
-            </a:r>
-            <a:r>
-              <a:rPr lang="en-US" dirty="0" smtClean="0"/>
-              <a:t> using Java 8 instead of 9</a:t>
-            </a:r>
-          </a:p>
-          <a:p>
-            <a:r>
-              <a:rPr lang="mr-IN" dirty="0"/>
-              <a:t>…</a:t>
-            </a:r>
-            <a:r>
-              <a:rPr lang="en-US" dirty="0"/>
-              <a:t> using </a:t>
-            </a:r>
-            <a:r>
-              <a:rPr lang="en-US" dirty="0" smtClean="0"/>
-              <a:t>JEE 7 instead of 8</a:t>
-            </a:r>
-          </a:p>
-          <a:p>
-            <a:r>
-              <a:rPr lang="mr-IN" dirty="0"/>
-              <a:t>…</a:t>
-            </a:r>
-            <a:r>
-              <a:rPr lang="en-US" dirty="0"/>
-              <a:t> u</a:t>
-            </a:r>
-            <a:r>
-              <a:rPr lang="en-US" dirty="0" smtClean="0"/>
-              <a:t>sing Spring 4 instead of 5</a:t>
-            </a:r>
-          </a:p>
-          <a:p>
-            <a:r>
-              <a:rPr lang="mr-IN" dirty="0"/>
-              <a:t>…</a:t>
-            </a:r>
-            <a:r>
-              <a:rPr lang="en-US" dirty="0"/>
-              <a:t> using </a:t>
-            </a:r>
-            <a:r>
-              <a:rPr lang="en-US" dirty="0" smtClean="0"/>
-              <a:t>Junit 4 instead of 5</a:t>
-            </a:r>
+            <a:r>
+              <a:rPr lang="en-US" dirty="0" smtClean="0"/>
+              <a:t> </a:t>
+            </a:r>
+          </a:p>
+          <a:p>
             <a:endParaRPr lang="en-US" dirty="0"/>
           </a:p>
         </p:txBody>
@@ -3766,7 +3897,7 @@
     </p:spTree>
     <p:extLst>
       <p:ext uri="{BB962C8B-B14F-4D97-AF65-F5344CB8AC3E}">
-        <p14:creationId xmlns:p14="http://schemas.microsoft.com/office/powerpoint/2010/main" val="1858973352"/>
+        <p14:creationId xmlns:p14="http://schemas.microsoft.com/office/powerpoint/2010/main" val="275589496"/>
       </p:ext>
     </p:extLst>
   </p:cSld>
@@ -3912,7 +4043,15 @@
           <a:p>
             <a:r>
               <a:rPr lang="en-US" dirty="0" smtClean="0"/>
-              <a:t>Java Enterprise Edition (Java EE)</a:t>
+              <a:t>Java Enterprise Edition (</a:t>
+            </a:r>
+            <a:r>
+              <a:rPr lang="en-US" dirty="0" smtClean="0"/>
+              <a:t>JEE</a:t>
+            </a:r>
+            <a:r>
+              <a:rPr lang="en-US" dirty="0" smtClean="0"/>
+              <a:t>)</a:t>
             </a:r>
             <a:endParaRPr lang="en-US" dirty="0"/>
           </a:p>
@@ -3984,7 +4123,15 @@
           <a:p>
             <a:r>
               <a:rPr lang="en-US" dirty="0" smtClean="0"/>
-              <a:t>What is Java EE?</a:t>
+              <a:t>What is </a:t>
+            </a:r>
+            <a:r>
+              <a:rPr lang="en-US" dirty="0" smtClean="0"/>
+              <a:t>JEE</a:t>
+            </a:r>
+            <a:r>
+              <a:rPr lang="en-US" dirty="0" smtClean="0"/>
+              <a:t>?</a:t>
             </a:r>
             <a:endParaRPr lang="en-US" dirty="0"/>
           </a:p>
@@ -4000,7 +4147,12 @@
             <p:ph idx="1"/>
           </p:nvPr>
         </p:nvSpPr>
-        <p:spPr/>
+        <p:spPr>
+          <a:xfrm>
+            <a:off x="510745" y="1825624"/>
+            <a:ext cx="11434119" cy="4772883"/>
+          </a:xfrm>
+        </p:spPr>
         <p:txBody>
           <a:bodyPr/>
           <a:lstStyle/>
@@ -4101,7 +4253,12 @@
             <p:ph idx="1"/>
           </p:nvPr>
         </p:nvSpPr>
-        <p:spPr/>
+        <p:spPr>
+          <a:xfrm>
+            <a:off x="551935" y="1825625"/>
+            <a:ext cx="11170508" cy="4739932"/>
+          </a:xfrm>
+        </p:spPr>
         <p:txBody>
           <a:bodyPr/>
           <a:lstStyle/>
@@ -4151,7 +4308,26 @@
           <a:p>
             <a:r>
               <a:rPr lang="en-US" dirty="0" smtClean="0"/>
-              <a:t>2017: Oracle gives EE to the Eclipse Foundation</a:t>
+              <a:t>2017: Oracle gives EE to the Eclipse </a:t>
+            </a:r>
+            <a:r>
+              <a:rPr lang="en-US" dirty="0" smtClean="0"/>
+              <a:t>Foundation</a:t>
+            </a:r>
+          </a:p>
+          <a:p>
+            <a:pPr lvl="1"/>
+            <a:r>
+              <a:rPr lang="en-US" dirty="0" smtClean="0"/>
+              <a:t>now it is called “</a:t>
+            </a:r>
+            <a:r>
+              <a:rPr lang="en-US" i="1" dirty="0" smtClean="0"/>
+              <a:t>Jakarta EE</a:t>
+            </a:r>
+            <a:r>
+              <a:rPr lang="en-US" dirty="0" smtClean="0"/>
+              <a:t>”</a:t>
             </a:r>
             <a:endParaRPr lang="en-US" dirty="0"/>
           </a:p>
@@ -4436,7 +4612,9 @@
         </p:nvSpPr>
         <p:spPr/>
         <p:txBody>
-          <a:bodyPr/>
+          <a:bodyPr>
+            <a:normAutofit/>
+          </a:bodyPr>
           <a:lstStyle/>
           <a:p>
             <a:r>
@@ -4494,15 +4672,40 @@
             </a:r>
             <a:r>
               <a:rPr lang="en-US" dirty="0" smtClean="0"/>
-              <a:t> and WebLogic</a:t>
-            </a:r>
+              <a:t> and </a:t>
+            </a:r>
+            <a:r>
+              <a:rPr lang="en-US" dirty="0" smtClean="0"/>
+              <a:t>WebLogic</a:t>
+            </a:r>
+            <a:endParaRPr lang="en-US" dirty="0" smtClean="0"/>
           </a:p>
           <a:p>
             <a:pPr lvl="1"/>
             <a:r>
               <a:rPr lang="en-US" dirty="0" smtClean="0"/>
-              <a:t>IBM: WebSphere</a:t>
-            </a:r>
+              <a:t>IBM: </a:t>
+            </a:r>
+            <a:r>
+              <a:rPr lang="en-US" dirty="0" smtClean="0"/>
+              <a:t>WebSphere</a:t>
+            </a:r>
+          </a:p>
+          <a:p>
+            <a:pPr lvl="2"/>
+            <a:r>
+              <a:rPr lang="en-US" dirty="0" smtClean="0"/>
+              <a:t>Note that in 2018 IBM did buy </a:t>
+            </a:r>
+            <a:r>
+              <a:rPr lang="en-US" dirty="0" err="1" smtClean="0"/>
+              <a:t>RedHat</a:t>
+            </a:r>
+            <a:r>
+              <a:rPr lang="en-US" dirty="0" smtClean="0"/>
+              <a:t>…</a:t>
+            </a:r>
+            <a:endParaRPr lang="en-US" dirty="0" smtClean="0"/>
           </a:p>
           <a:p>
             <a:pPr lvl="1"/>
@@ -4600,7 +4803,9 @@
           </a:xfrm>
         </p:spPr>
         <p:txBody>
-          <a:bodyPr/>
+          <a:bodyPr>
+            <a:normAutofit lnSpcReduction="10000"/>
+          </a:bodyPr>
           <a:lstStyle/>
           <a:p>
             <a:r>
@@ -4617,7 +4822,11 @@
             <a:pPr lvl="1"/>
             <a:r>
               <a:rPr lang="en-US" dirty="0" smtClean="0"/>
-              <a:t>Files are smaller, as no need to package all the library implementations</a:t>
+              <a:t>JAR/WAR files </a:t>
+            </a:r>
+            <a:r>
+              <a:rPr lang="en-US" dirty="0" smtClean="0"/>
+              <a:t>are smaller, as no need to package all the library implementations</a:t>
             </a:r>
           </a:p>
           <a:p>
@@ -4758,7 +4967,15 @@
           <a:p>
             <a:r>
               <a:rPr lang="en-US" dirty="0" smtClean="0"/>
-              <a:t>Not supporting full Java EE specifications</a:t>
+              <a:t>Not supporting full </a:t>
+            </a:r>
+            <a:r>
+              <a:rPr lang="en-US" dirty="0" smtClean="0"/>
+              <a:t>JEE </a:t>
+            </a:r>
+            <a:r>
+              <a:rPr lang="en-US" dirty="0" smtClean="0"/>
+              <a:t>specifications</a:t>
             </a:r>
           </a:p>
           <a:p>
@@ -4838,7 +5055,7 @@
               <a:t>Approach used by </a:t>
             </a:r>
             <a:r>
-              <a:rPr lang="en-US" dirty="0" err="1" smtClean="0"/>
+              <a:rPr lang="en-US" i="1" dirty="0" err="1" smtClean="0"/>
               <a:t>SpringBoot</a:t>
             </a:r>
             <a:r>
@@ -5036,14 +5253,74 @@
           <a:p>
             <a:r>
               <a:rPr lang="en-US" dirty="0" smtClean="0"/>
-              <a:t>Focus on coding and exercises </a:t>
-            </a:r>
+              <a:t>Focus on coding and </a:t>
+            </a:r>
+            <a:r>
+              <a:rPr lang="en-US" dirty="0" smtClean="0"/>
+              <a:t>exercises</a:t>
+            </a:r>
+          </a:p>
+          <a:p>
+            <a:r>
+              <a:rPr lang="en-US" i="1" dirty="0" smtClean="0"/>
+              <a:t>Enterprise</a:t>
+            </a:r>
+            <a:r>
+              <a:rPr lang="en-US" dirty="0" smtClean="0"/>
+              <a:t> systems</a:t>
+            </a:r>
+            <a:r>
+              <a:rPr lang="en-US" dirty="0" smtClean="0"/>
+              <a:t> </a:t>
+            </a:r>
+            <a:endParaRPr lang="en-US" dirty="0" smtClean="0"/>
           </a:p>
           <a:p>
             <a:endParaRPr lang="en-US" dirty="0"/>
           </a:p>
         </p:txBody>
       </p:sp>
+      <p:pic>
+        <p:nvPicPr>
+          <p:cNvPr id="1026" name="Picture 2" descr="Image result for enterprise"/>
+          <p:cNvPicPr>
+            <a:picLocks noChangeAspect="1" noChangeArrowheads="1"/>
+          </p:cNvPicPr>
+          <p:nvPr/>
+        </p:nvPicPr>
+        <p:blipFill>
+          <a:blip r:embed="rId2">
+            <a:extLst>
+              <a:ext uri="{28A0092B-C50C-407E-A947-70E740481C1C}">
+                <a14:useLocalDpi xmlns:a14="http://schemas.microsoft.com/office/drawing/2010/main" val="0"/>
+              </a:ext>
+            </a:extLst>
+          </a:blip>
+          <a:srcRect/>
+          <a:stretch>
+            <a:fillRect/>
+          </a:stretch>
+        </p:blipFill>
+        <p:spPr bwMode="auto">
+          <a:xfrm>
+            <a:off x="8915400" y="4356486"/>
+            <a:ext cx="3048000" cy="2286001"/>
+          </a:xfrm>
+          <a:prstGeom prst="rect">
+            <a:avLst/>
+          </a:prstGeom>
+          <a:noFill/>
+          <a:extLst>
+            <a:ext uri="{909E8E84-426E-40DD-AFC4-6F175D3DCCD1}">
+              <a14:hiddenFill xmlns:a14="http://schemas.microsoft.com/office/drawing/2010/main">
+                <a:solidFill>
+                  <a:srgbClr val="FFFFFF"/>
+                </a:solidFill>
+              </a14:hiddenFill>
+            </a:ext>
+          </a:extLst>
+        </p:spPr>
+      </p:pic>
     </p:spTree>
     <p:extLst>
       <p:ext uri="{BB962C8B-B14F-4D97-AF65-F5344CB8AC3E}">
@@ -5109,8 +5386,8 @@
         </p:nvSpPr>
         <p:spPr>
           <a:xfrm>
-            <a:off x="838200" y="1825625"/>
-            <a:ext cx="10515600" cy="4718610"/>
+            <a:off x="593124" y="1825624"/>
+            <a:ext cx="11079892" cy="4789359"/>
           </a:xfrm>
         </p:spPr>
         <p:txBody>
@@ -5158,11 +5435,15 @@
             </a:r>
             <a:r>
               <a:rPr lang="en-US" b="1" dirty="0" smtClean="0"/>
-              <a:t>100</a:t>
-            </a:r>
-            <a:r>
-              <a:rPr lang="en-US" dirty="0" smtClean="0"/>
-              <a:t> Maven submodules, with several layers of nesting</a:t>
+              <a:t>150</a:t>
+            </a:r>
+            <a:r>
+              <a:rPr lang="en-US" dirty="0" smtClean="0"/>
+              <a:t> </a:t>
+            </a:r>
+            <a:r>
+              <a:rPr lang="en-US" dirty="0" smtClean="0"/>
+              <a:t>Maven submodules, with several layers of nesting</a:t>
             </a:r>
           </a:p>
           <a:p>
@@ -5558,8 +5839,8 @@
         </p:nvSpPr>
         <p:spPr>
           <a:xfrm>
-            <a:off x="838200" y="1825624"/>
-            <a:ext cx="7570694" cy="4700681"/>
+            <a:off x="156519" y="1825624"/>
+            <a:ext cx="8252375" cy="4700681"/>
           </a:xfrm>
         </p:spPr>
         <p:txBody>
@@ -5597,12 +5878,16 @@
               <a:t>Project can be composed of several modules, with each module having its own </a:t>
             </a:r>
             <a:r>
-              <a:rPr lang="en-US" dirty="0" err="1" smtClean="0"/>
+              <a:rPr lang="en-US" i="1" dirty="0" err="1" smtClean="0"/>
               <a:t>pom.xml</a:t>
             </a:r>
             <a:r>
-              <a:rPr lang="en-US" dirty="0" smtClean="0"/>
-              <a:t> file</a:t>
+              <a:rPr lang="en-US" i="1" dirty="0" smtClean="0"/>
+              <a:t> </a:t>
+            </a:r>
+            <a:r>
+              <a:rPr lang="en-US" dirty="0" smtClean="0"/>
+              <a:t>file</a:t>
             </a:r>
           </a:p>
           <a:p>
@@ -6541,7 +6826,7 @@
               <a:t>A </a:t>
             </a:r>
             <a:r>
-              <a:rPr lang="en-US" sz="3200" dirty="0" err="1" smtClean="0"/>
+              <a:rPr lang="en-US" sz="3200" i="1" dirty="0" err="1" smtClean="0"/>
               <a:t>pom.xml</a:t>
             </a:r>
             <a:r>
@@ -6617,7 +6902,7 @@
           <a:p>
             <a:r>
               <a:rPr lang="en-US" dirty="0" smtClean="0"/>
-              <a:t>Module/Artifact Coordinates</a:t>
+              <a:t>New Projects</a:t>
             </a:r>
             <a:endParaRPr lang="en-US" dirty="0"/>
           </a:p>
@@ -6635,8 +6920,8 @@
         </p:nvSpPr>
         <p:spPr>
           <a:xfrm>
-            <a:off x="188259" y="1825624"/>
-            <a:ext cx="11761694" cy="3445623"/>
+            <a:off x="156519" y="1891528"/>
+            <a:ext cx="5519351" cy="4723456"/>
           </a:xfrm>
         </p:spPr>
         <p:txBody>
@@ -6645,277 +6930,68 @@
           <a:p>
             <a:r>
               <a:rPr lang="en-US" dirty="0" smtClean="0"/>
-              <a:t>Each module/artifact is uniquely identified by 3 tags</a:t>
-            </a:r>
-          </a:p>
-          <a:p>
-            <a:r>
-              <a:rPr lang="en-US" b="1" dirty="0" smtClean="0"/>
-              <a:t>&lt;</a:t>
-            </a:r>
-            <a:r>
-              <a:rPr lang="en-US" b="1" dirty="0" err="1" smtClean="0"/>
-              <a:t>groupId</a:t>
-            </a:r>
-            <a:r>
-              <a:rPr lang="en-US" b="1" dirty="0" smtClean="0"/>
-              <a:t>&gt;</a:t>
-            </a:r>
-            <a:r>
-              <a:rPr lang="en-US" dirty="0" smtClean="0"/>
-              <a:t>: a string id identifying a group of related artifacts  </a:t>
-            </a:r>
-          </a:p>
-          <a:p>
-            <a:r>
-              <a:rPr lang="en-US" b="1" dirty="0" smtClean="0"/>
-              <a:t>&lt;</a:t>
-            </a:r>
-            <a:r>
-              <a:rPr lang="en-US" b="1" dirty="0" err="1" smtClean="0"/>
-              <a:t>artifactId</a:t>
-            </a:r>
-            <a:r>
-              <a:rPr lang="en-US" b="1" dirty="0" smtClean="0"/>
-              <a:t>&gt;</a:t>
-            </a:r>
-            <a:r>
-              <a:rPr lang="en-US" dirty="0" smtClean="0"/>
-              <a:t>: an id that is unique within a group</a:t>
-            </a:r>
-          </a:p>
-          <a:p>
-            <a:r>
-              <a:rPr lang="en-US" b="1" dirty="0" smtClean="0"/>
-              <a:t>&lt;version&gt;</a:t>
-            </a:r>
-            <a:r>
-              <a:rPr lang="en-US" dirty="0" smtClean="0"/>
-              <a:t>: the version of the module/artifact, usually in the </a:t>
+              <a:t>Can ask your IDE to create a </a:t>
+            </a:r>
+            <a:r>
+              <a:rPr lang="en-US" i="1" dirty="0" smtClean="0"/>
+              <a:t>pom.xml</a:t>
+            </a:r>
+            <a:r>
+              <a:rPr lang="en-US" dirty="0" smtClean="0"/>
+              <a:t> for you…</a:t>
+            </a:r>
+          </a:p>
+          <a:p>
+            <a:r>
+              <a:rPr lang="en-US" dirty="0" smtClean="0"/>
+              <a:t>… or can just </a:t>
             </a:r>
             <a:r>
               <a:rPr lang="en-US" dirty="0" err="1" smtClean="0"/>
-              <a:t>M.m.p</a:t>
-            </a:r>
-            <a:r>
-              <a:rPr lang="en-US" dirty="0" smtClean="0"/>
-              <a:t> numeric format, </a:t>
-            </a:r>
-            <a:r>
-              <a:rPr lang="en-US" dirty="0" err="1" smtClean="0"/>
-              <a:t>ie</a:t>
-            </a:r>
-            <a:r>
-              <a:rPr lang="en-US" dirty="0" smtClean="0"/>
-              <a:t>, Major-Mino-Patch version</a:t>
-            </a:r>
-          </a:p>
-          <a:p>
-            <a:pPr lvl="1"/>
-            <a:r>
-              <a:rPr lang="en-US" dirty="0" smtClean="0"/>
-              <a:t>Usually ending with SNAPSHOT if under development, and not published</a:t>
-            </a:r>
+              <a:t>copy&amp;paste&amp;</a:t>
+            </a:r>
+            <a:r>
+              <a:rPr lang="en-US" i="1" dirty="0" err="1" smtClean="0"/>
+              <a:t>adapt</a:t>
+            </a:r>
+            <a:r>
+              <a:rPr lang="en-US" dirty="0" smtClean="0"/>
+              <a:t> an existing one</a:t>
+            </a:r>
+          </a:p>
+          <a:p>
             <a:endParaRPr lang="en-US" dirty="0"/>
           </a:p>
         </p:txBody>
       </p:sp>
-      <p:sp>
-        <p:nvSpPr>
-          <p:cNvPr id="4" name="TextBox 3"/>
-          <p:cNvSpPr txBox="1"/>
+      <p:pic>
+        <p:nvPicPr>
+          <p:cNvPr id="4" name="Picture 3"/>
+          <p:cNvPicPr>
+            <a:picLocks noChangeAspect="1"/>
+          </p:cNvPicPr>
           <p:nvPr/>
-        </p:nvSpPr>
+        </p:nvPicPr>
+        <p:blipFill>
+          <a:blip r:embed="rId2"/>
+          <a:stretch>
+            <a:fillRect/>
+          </a:stretch>
+        </p:blipFill>
         <p:spPr>
           <a:xfrm>
-            <a:off x="7180729" y="5406183"/>
-            <a:ext cx="4855688" cy="1200329"/>
+            <a:off x="5914768" y="1620714"/>
+            <a:ext cx="6236043" cy="5180157"/>
           </a:xfrm>
           <a:prstGeom prst="rect">
             <a:avLst/>
           </a:prstGeom>
-          <a:noFill/>
         </p:spPr>
-        <p:txBody>
-          <a:bodyPr wrap="none" rtlCol="0">
-            <a:spAutoFit/>
-          </a:bodyPr>
-          <a:lstStyle/>
-          <a:p>
-            <a:r>
-              <a:rPr lang="en-US" sz="2400" dirty="0">
-                <a:solidFill>
-                  <a:schemeClr val="tx2"/>
-                </a:solidFill>
-              </a:rPr>
-              <a:t>&lt;</a:t>
-            </a:r>
-            <a:r>
-              <a:rPr lang="en-US" sz="2400" b="1" dirty="0" err="1">
-                <a:solidFill>
-                  <a:schemeClr val="tx2"/>
-                </a:solidFill>
-              </a:rPr>
-              <a:t>groupId</a:t>
-            </a:r>
-            <a:r>
-              <a:rPr lang="en-US" sz="2400" dirty="0">
-                <a:solidFill>
-                  <a:schemeClr val="tx2"/>
-                </a:solidFill>
-              </a:rPr>
-              <a:t>&gt;</a:t>
-            </a:r>
-            <a:r>
-              <a:rPr lang="en-US" sz="2400" dirty="0" err="1">
-                <a:solidFill>
-                  <a:schemeClr val="tx2"/>
-                </a:solidFill>
-              </a:rPr>
-              <a:t>org.tsdes</a:t>
-            </a:r>
-            <a:r>
-              <a:rPr lang="en-US" sz="2400" dirty="0">
-                <a:solidFill>
-                  <a:schemeClr val="tx2"/>
-                </a:solidFill>
-              </a:rPr>
-              <a:t>&lt;/</a:t>
-            </a:r>
-            <a:r>
-              <a:rPr lang="en-US" sz="2400" b="1" dirty="0" err="1">
-                <a:solidFill>
-                  <a:schemeClr val="tx2"/>
-                </a:solidFill>
-              </a:rPr>
-              <a:t>groupId</a:t>
-            </a:r>
-            <a:r>
-              <a:rPr lang="en-US" sz="2400" dirty="0">
-                <a:solidFill>
-                  <a:schemeClr val="tx2"/>
-                </a:solidFill>
-              </a:rPr>
-              <a:t>&gt;</a:t>
-            </a:r>
-            <a:br>
-              <a:rPr lang="en-US" sz="2400" dirty="0">
-                <a:solidFill>
-                  <a:schemeClr val="tx2"/>
-                </a:solidFill>
-              </a:rPr>
-            </a:br>
-            <a:r>
-              <a:rPr lang="en-US" sz="2400" dirty="0" smtClean="0">
-                <a:solidFill>
-                  <a:schemeClr val="tx2"/>
-                </a:solidFill>
-              </a:rPr>
-              <a:t>&lt;</a:t>
-            </a:r>
-            <a:r>
-              <a:rPr lang="en-US" sz="2400" b="1" dirty="0" err="1">
-                <a:solidFill>
-                  <a:schemeClr val="tx2"/>
-                </a:solidFill>
-              </a:rPr>
-              <a:t>artifactId</a:t>
-            </a:r>
-            <a:r>
-              <a:rPr lang="en-US" sz="2400" dirty="0">
-                <a:solidFill>
-                  <a:schemeClr val="tx2"/>
-                </a:solidFill>
-              </a:rPr>
-              <a:t>&gt;</a:t>
-            </a:r>
-            <a:r>
-              <a:rPr lang="en-US" sz="2400" dirty="0" err="1">
-                <a:solidFill>
-                  <a:schemeClr val="tx2"/>
-                </a:solidFill>
-              </a:rPr>
-              <a:t>tsdes</a:t>
-            </a:r>
-            <a:r>
-              <a:rPr lang="en-US" sz="2400" dirty="0">
-                <a:solidFill>
-                  <a:schemeClr val="tx2"/>
-                </a:solidFill>
-              </a:rPr>
-              <a:t>&lt;/</a:t>
-            </a:r>
-            <a:r>
-              <a:rPr lang="en-US" sz="2400" b="1" dirty="0" err="1">
-                <a:solidFill>
-                  <a:schemeClr val="tx2"/>
-                </a:solidFill>
-              </a:rPr>
-              <a:t>artifactId</a:t>
-            </a:r>
-            <a:r>
-              <a:rPr lang="en-US" sz="2400" dirty="0">
-                <a:solidFill>
-                  <a:schemeClr val="tx2"/>
-                </a:solidFill>
-              </a:rPr>
-              <a:t>&gt;</a:t>
-            </a:r>
-            <a:br>
-              <a:rPr lang="en-US" sz="2400" dirty="0">
-                <a:solidFill>
-                  <a:schemeClr val="tx2"/>
-                </a:solidFill>
-              </a:rPr>
-            </a:br>
-            <a:r>
-              <a:rPr lang="en-US" sz="2400" dirty="0" smtClean="0">
-                <a:solidFill>
-                  <a:schemeClr val="tx2"/>
-                </a:solidFill>
-              </a:rPr>
-              <a:t>&lt;</a:t>
-            </a:r>
-            <a:r>
-              <a:rPr lang="en-US" sz="2400" b="1" dirty="0">
-                <a:solidFill>
-                  <a:schemeClr val="tx2"/>
-                </a:solidFill>
-              </a:rPr>
-              <a:t>version</a:t>
-            </a:r>
-            <a:r>
-              <a:rPr lang="en-US" sz="2400" dirty="0">
-                <a:solidFill>
-                  <a:schemeClr val="tx2"/>
-                </a:solidFill>
-              </a:rPr>
-              <a:t>&gt;0.0.1-SNAPSHOT&lt;/</a:t>
-            </a:r>
-            <a:r>
-              <a:rPr lang="en-US" sz="2400" b="1" dirty="0">
-                <a:solidFill>
-                  <a:schemeClr val="tx2"/>
-                </a:solidFill>
-              </a:rPr>
-              <a:t>version</a:t>
-            </a:r>
-            <a:r>
-              <a:rPr lang="en-US" sz="2400" dirty="0" smtClean="0">
-                <a:solidFill>
-                  <a:schemeClr val="tx2"/>
-                </a:solidFill>
-              </a:rPr>
-              <a:t>&gt;</a:t>
-            </a:r>
-            <a:endParaRPr lang="en-US" sz="2400" dirty="0"/>
-          </a:p>
-        </p:txBody>
-      </p:sp>
+      </p:pic>
     </p:spTree>
     <p:extLst>
       <p:ext uri="{BB962C8B-B14F-4D97-AF65-F5344CB8AC3E}">
-        <p14:creationId xmlns:p14="http://schemas.microsoft.com/office/powerpoint/2010/main" val="1722563181"/>
+        <p14:creationId xmlns:p14="http://schemas.microsoft.com/office/powerpoint/2010/main" val="263166353"/>
       </p:ext>
     </p:extLst>
   </p:cSld>
@@ -6959,7 +7035,7 @@
           <a:p>
             <a:r>
               <a:rPr lang="en-US" dirty="0" smtClean="0"/>
-              <a:t>Type of Packaging</a:t>
+              <a:t>Module/Artifact Coordinates</a:t>
             </a:r>
             <a:endParaRPr lang="en-US" dirty="0"/>
           </a:p>
@@ -6977,8 +7053,8 @@
         </p:nvSpPr>
         <p:spPr>
           <a:xfrm>
-            <a:off x="286871" y="1825625"/>
-            <a:ext cx="11609294" cy="4351338"/>
+            <a:off x="188259" y="1825624"/>
+            <a:ext cx="11761694" cy="3445623"/>
           </a:xfrm>
         </p:spPr>
         <p:txBody>
@@ -6986,147 +7062,286 @@
           <a:lstStyle/>
           <a:p>
             <a:r>
+              <a:rPr lang="en-US" dirty="0" smtClean="0"/>
+              <a:t>Each module/artifact is uniquely identified by 3 tags</a:t>
+            </a:r>
+          </a:p>
+          <a:p>
+            <a:r>
               <a:rPr lang="en-US" b="1" dirty="0" smtClean="0"/>
-              <a:t>&lt;packaging&gt;</a:t>
-            </a:r>
-            <a:r>
-              <a:rPr lang="en-US" dirty="0" smtClean="0"/>
-              <a:t>: having value either </a:t>
+              <a:t>&lt;</a:t>
             </a:r>
             <a:r>
               <a:rPr lang="en-US" b="1" dirty="0" err="1" smtClean="0"/>
-              <a:t>pom</a:t>
+              <a:t>groupId</a:t>
+            </a:r>
+            <a:r>
+              <a:rPr lang="en-US" b="1" dirty="0" smtClean="0"/>
+              <a:t>&gt;</a:t>
+            </a:r>
+            <a:r>
+              <a:rPr lang="en-US" dirty="0" smtClean="0"/>
+              <a:t>: a string id identifying a group of related artifacts  </a:t>
+            </a:r>
+          </a:p>
+          <a:p>
+            <a:r>
+              <a:rPr lang="en-US" b="1" dirty="0" smtClean="0"/>
+              <a:t>&lt;</a:t>
+            </a:r>
+            <a:r>
+              <a:rPr lang="en-US" b="1" dirty="0" err="1" smtClean="0"/>
+              <a:t>artifactId</a:t>
+            </a:r>
+            <a:r>
+              <a:rPr lang="en-US" b="1" dirty="0" smtClean="0"/>
+              <a:t>&gt;</a:t>
+            </a:r>
+            <a:r>
+              <a:rPr lang="en-US" dirty="0" smtClean="0"/>
+              <a:t>: an id that is unique within a group</a:t>
+            </a:r>
+          </a:p>
+          <a:p>
+            <a:r>
+              <a:rPr lang="en-US" b="1" dirty="0" smtClean="0"/>
+              <a:t>&lt;version&gt;</a:t>
+            </a:r>
+            <a:r>
+              <a:rPr lang="en-US" dirty="0" smtClean="0"/>
+              <a:t>: the version of the module/artifact, usually in the </a:t>
+            </a:r>
+            <a:r>
+              <a:rPr lang="en-US" dirty="0" err="1" smtClean="0"/>
+              <a:t>M.m.p</a:t>
+            </a:r>
+            <a:r>
+              <a:rPr lang="en-US" dirty="0" smtClean="0"/>
+              <a:t> numeric format, </a:t>
+            </a:r>
+            <a:r>
+              <a:rPr lang="en-US" dirty="0" err="1" smtClean="0"/>
+              <a:t>ie</a:t>
             </a:r>
             <a:r>
               <a:rPr lang="en-US" dirty="0" smtClean="0"/>
               <a:t>, </a:t>
             </a:r>
             <a:r>
-              <a:rPr lang="en-US" b="1" dirty="0" smtClean="0"/>
-              <a:t>war</a:t>
-            </a:r>
-            <a:r>
-              <a:rPr lang="en-US" dirty="0" smtClean="0"/>
-              <a:t> or </a:t>
-            </a:r>
-            <a:r>
-              <a:rPr lang="en-US" b="1" dirty="0" smtClean="0"/>
-              <a:t>jar</a:t>
-            </a:r>
-          </a:p>
-          <a:p>
-            <a:r>
-              <a:rPr lang="en-US" b="1" dirty="0" err="1"/>
-              <a:t>p</a:t>
-            </a:r>
-            <a:r>
-              <a:rPr lang="en-US" b="1" dirty="0" err="1" smtClean="0"/>
-              <a:t>om</a:t>
-            </a:r>
-            <a:r>
-              <a:rPr lang="en-US" dirty="0" smtClean="0"/>
-              <a:t>: this module is responsible to build other modules, specified in </a:t>
-            </a:r>
-            <a:r>
-              <a:rPr lang="en-US" b="1" dirty="0" smtClean="0"/>
-              <a:t>&lt;modules&gt;</a:t>
-            </a:r>
-            <a:r>
-              <a:rPr lang="en-US" dirty="0" smtClean="0"/>
-              <a:t> tag</a:t>
+              <a:rPr lang="en-US" dirty="0" smtClean="0"/>
+              <a:t>Major-Minor-Patch </a:t>
+            </a:r>
+            <a:r>
+              <a:rPr lang="en-US" dirty="0" smtClean="0"/>
+              <a:t>version</a:t>
             </a:r>
           </a:p>
           <a:p>
             <a:pPr lvl="1"/>
             <a:r>
               <a:rPr lang="en-US" dirty="0" smtClean="0"/>
-              <a:t>Useful to share settings that are common among different sub-modules</a:t>
-            </a:r>
-          </a:p>
-          <a:p>
-            <a:r>
-              <a:rPr lang="en-US" b="1" dirty="0"/>
-              <a:t>w</a:t>
-            </a:r>
-            <a:r>
-              <a:rPr lang="en-US" b="1" dirty="0" smtClean="0"/>
-              <a:t>ar</a:t>
-            </a:r>
-            <a:r>
-              <a:rPr lang="en-US" dirty="0" smtClean="0"/>
-              <a:t>: module creates a WAR (</a:t>
-            </a:r>
-            <a:r>
-              <a:rPr lang="en-US" dirty="0"/>
-              <a:t>Web application </a:t>
-            </a:r>
-            <a:r>
-              <a:rPr lang="en-US" dirty="0" err="1"/>
-              <a:t>ARchive</a:t>
-            </a:r>
-            <a:r>
-              <a:rPr lang="en-US" dirty="0" smtClean="0"/>
-              <a:t>) file</a:t>
-            </a:r>
-          </a:p>
-          <a:p>
-            <a:pPr lvl="1"/>
-            <a:r>
-              <a:rPr lang="en-US" dirty="0" smtClean="0"/>
-              <a:t>These are the files deployed on EE containers like </a:t>
-            </a:r>
-            <a:r>
-              <a:rPr lang="en-US" dirty="0" err="1" smtClean="0"/>
-              <a:t>Wildfly</a:t>
-            </a:r>
-            <a:endParaRPr lang="en-US" dirty="0" smtClean="0"/>
-          </a:p>
-          <a:p>
-            <a:r>
-              <a:rPr lang="en-US" b="1" dirty="0"/>
-              <a:t>j</a:t>
-            </a:r>
-            <a:r>
-              <a:rPr lang="en-US" b="1" dirty="0" smtClean="0"/>
-              <a:t>ar</a:t>
-            </a:r>
-            <a:r>
-              <a:rPr lang="en-US" dirty="0" smtClean="0"/>
-              <a:t>: </a:t>
-            </a:r>
-            <a:r>
-              <a:rPr lang="en-US" dirty="0"/>
-              <a:t>module creates a </a:t>
-            </a:r>
-            <a:r>
-              <a:rPr lang="en-US" dirty="0" smtClean="0"/>
-              <a:t>JAR (Java </a:t>
-            </a:r>
-            <a:r>
-              <a:rPr lang="en-US" dirty="0" err="1" smtClean="0"/>
-              <a:t>ARchive</a:t>
-            </a:r>
-            <a:r>
-              <a:rPr lang="en-US" dirty="0" smtClean="0"/>
-              <a:t>) file</a:t>
-            </a:r>
-          </a:p>
-          <a:p>
-            <a:pPr lvl="1"/>
-            <a:r>
-              <a:rPr lang="en-US" dirty="0" smtClean="0"/>
-              <a:t>A single file containing your compiled code</a:t>
-            </a:r>
-          </a:p>
-          <a:p>
+              <a:t>Usually ending with SNAPSHOT if under development, and not published</a:t>
+            </a:r>
             <a:endParaRPr lang="en-US" dirty="0"/>
+          </a:p>
+        </p:txBody>
+      </p:sp>
+      <p:sp>
+        <p:nvSpPr>
+          <p:cNvPr id="4" name="TextBox 3"/>
+          <p:cNvSpPr txBox="1"/>
+          <p:nvPr/>
+        </p:nvSpPr>
+        <p:spPr>
+          <a:xfrm>
+            <a:off x="7180729" y="5406183"/>
+            <a:ext cx="4855688" cy="1200329"/>
+          </a:xfrm>
+          <a:prstGeom prst="rect">
+            <a:avLst/>
+          </a:prstGeom>
+          <a:noFill/>
+        </p:spPr>
+        <p:txBody>
+          <a:bodyPr wrap="none" rtlCol="0">
+            <a:spAutoFit/>
+          </a:bodyPr>
+          <a:lstStyle/>
+          <a:p>
+            <a:r>
+              <a:rPr lang="en-US" sz="2400" dirty="0">
+                <a:solidFill>
+                  <a:schemeClr val="tx2"/>
+                </a:solidFill>
+              </a:rPr>
+              <a:t>&lt;</a:t>
+            </a:r>
+            <a:r>
+              <a:rPr lang="en-US" sz="2400" b="1" dirty="0" err="1">
+                <a:solidFill>
+                  <a:schemeClr val="tx2"/>
+                </a:solidFill>
+              </a:rPr>
+              <a:t>groupId</a:t>
+            </a:r>
+            <a:r>
+              <a:rPr lang="en-US" sz="2400" dirty="0">
+                <a:solidFill>
+                  <a:schemeClr val="tx2"/>
+                </a:solidFill>
+              </a:rPr>
+              <a:t>&gt;</a:t>
+            </a:r>
+            <a:r>
+              <a:rPr lang="en-US" sz="2400" dirty="0" err="1">
+                <a:solidFill>
+                  <a:schemeClr val="tx2"/>
+                </a:solidFill>
+              </a:rPr>
+              <a:t>org.tsdes</a:t>
+            </a:r>
+            <a:r>
+              <a:rPr lang="en-US" sz="2400" dirty="0">
+                <a:solidFill>
+                  <a:schemeClr val="tx2"/>
+                </a:solidFill>
+              </a:rPr>
+              <a:t>&lt;/</a:t>
+            </a:r>
+            <a:r>
+              <a:rPr lang="en-US" sz="2400" b="1" dirty="0" err="1">
+                <a:solidFill>
+                  <a:schemeClr val="tx2"/>
+                </a:solidFill>
+              </a:rPr>
+              <a:t>groupId</a:t>
+            </a:r>
+            <a:r>
+              <a:rPr lang="en-US" sz="2400" dirty="0">
+                <a:solidFill>
+                  <a:schemeClr val="tx2"/>
+                </a:solidFill>
+              </a:rPr>
+              <a:t>&gt;</a:t>
+            </a:r>
+            <a:br>
+              <a:rPr lang="en-US" sz="2400" dirty="0">
+                <a:solidFill>
+                  <a:schemeClr val="tx2"/>
+                </a:solidFill>
+              </a:rPr>
+            </a:br>
+            <a:r>
+              <a:rPr lang="en-US" sz="2400" dirty="0" smtClean="0">
+                <a:solidFill>
+                  <a:schemeClr val="tx2"/>
+                </a:solidFill>
+              </a:rPr>
+              <a:t>&lt;</a:t>
+            </a:r>
+            <a:r>
+              <a:rPr lang="en-US" sz="2400" b="1" dirty="0" err="1">
+                <a:solidFill>
+                  <a:schemeClr val="tx2"/>
+                </a:solidFill>
+              </a:rPr>
+              <a:t>artifactId</a:t>
+            </a:r>
+            <a:r>
+              <a:rPr lang="en-US" sz="2400" dirty="0">
+                <a:solidFill>
+                  <a:schemeClr val="tx2"/>
+                </a:solidFill>
+              </a:rPr>
+              <a:t>&gt;</a:t>
+            </a:r>
+            <a:r>
+              <a:rPr lang="en-US" sz="2400" dirty="0" err="1">
+                <a:solidFill>
+                  <a:schemeClr val="tx2"/>
+                </a:solidFill>
+              </a:rPr>
+              <a:t>tsdes</a:t>
+            </a:r>
+            <a:r>
+              <a:rPr lang="en-US" sz="2400" dirty="0">
+                <a:solidFill>
+                  <a:schemeClr val="tx2"/>
+                </a:solidFill>
+              </a:rPr>
+              <a:t>&lt;/</a:t>
+            </a:r>
+            <a:r>
+              <a:rPr lang="en-US" sz="2400" b="1" dirty="0" err="1">
+                <a:solidFill>
+                  <a:schemeClr val="tx2"/>
+                </a:solidFill>
+              </a:rPr>
+              <a:t>artifactId</a:t>
+            </a:r>
+            <a:r>
+              <a:rPr lang="en-US" sz="2400" dirty="0">
+                <a:solidFill>
+                  <a:schemeClr val="tx2"/>
+                </a:solidFill>
+              </a:rPr>
+              <a:t>&gt;</a:t>
+            </a:r>
+            <a:br>
+              <a:rPr lang="en-US" sz="2400" dirty="0">
+                <a:solidFill>
+                  <a:schemeClr val="tx2"/>
+                </a:solidFill>
+              </a:rPr>
+            </a:br>
+            <a:r>
+              <a:rPr lang="en-US" sz="2400" dirty="0" smtClean="0">
+                <a:solidFill>
+                  <a:schemeClr val="tx2"/>
+                </a:solidFill>
+              </a:rPr>
+              <a:t>&lt;</a:t>
+            </a:r>
+            <a:r>
+              <a:rPr lang="en-US" sz="2400" b="1" dirty="0">
+                <a:solidFill>
+                  <a:schemeClr val="tx2"/>
+                </a:solidFill>
+              </a:rPr>
+              <a:t>version</a:t>
+            </a:r>
+            <a:r>
+              <a:rPr lang="en-US" sz="2400" dirty="0">
+                <a:solidFill>
+                  <a:schemeClr val="tx2"/>
+                </a:solidFill>
+              </a:rPr>
+              <a:t>&gt;0.0.1-SNAPSHOT&lt;/</a:t>
+            </a:r>
+            <a:r>
+              <a:rPr lang="en-US" sz="2400" b="1" dirty="0">
+                <a:solidFill>
+                  <a:schemeClr val="tx2"/>
+                </a:solidFill>
+              </a:rPr>
+              <a:t>version</a:t>
+            </a:r>
+            <a:r>
+              <a:rPr lang="en-US" sz="2400" dirty="0" smtClean="0">
+                <a:solidFill>
+                  <a:schemeClr val="tx2"/>
+                </a:solidFill>
+              </a:rPr>
+              <a:t>&gt;</a:t>
+            </a:r>
+            <a:endParaRPr lang="en-US" sz="2400" dirty="0"/>
           </a:p>
         </p:txBody>
       </p:sp>
     </p:spTree>
     <p:extLst>
       <p:ext uri="{BB962C8B-B14F-4D97-AF65-F5344CB8AC3E}">
-        <p14:creationId xmlns:p14="http://schemas.microsoft.com/office/powerpoint/2010/main" val="1889553931"/>
+        <p14:creationId xmlns:p14="http://schemas.microsoft.com/office/powerpoint/2010/main" val="1722563181"/>
       </p:ext>
     </p:extLst>
   </p:cSld>
@@ -7170,6 +7385,257 @@
           <a:p>
             <a:r>
               <a:rPr lang="en-US" dirty="0" smtClean="0"/>
+              <a:t>Type of Packaging</a:t>
+            </a:r>
+            <a:endParaRPr lang="en-US" dirty="0"/>
+          </a:p>
+        </p:txBody>
+      </p:sp>
+      <p:sp>
+        <p:nvSpPr>
+          <p:cNvPr id="3" name="Content Placeholder 2"/>
+          <p:cNvSpPr>
+            <a:spLocks noGrp="1"/>
+          </p:cNvSpPr>
+          <p:nvPr>
+            <p:ph idx="1"/>
+          </p:nvPr>
+        </p:nvSpPr>
+        <p:spPr>
+          <a:xfrm>
+            <a:off x="286871" y="1825624"/>
+            <a:ext cx="11609294" cy="4781121"/>
+          </a:xfrm>
+        </p:spPr>
+        <p:txBody>
+          <a:bodyPr/>
+          <a:lstStyle/>
+          <a:p>
+            <a:r>
+              <a:rPr lang="en-US" b="1" dirty="0" smtClean="0"/>
+              <a:t>&lt;packaging&gt;</a:t>
+            </a:r>
+            <a:r>
+              <a:rPr lang="en-US" dirty="0" smtClean="0"/>
+              <a:t>: having value either </a:t>
+            </a:r>
+            <a:r>
+              <a:rPr lang="en-US" b="1" dirty="0" err="1" smtClean="0"/>
+              <a:t>pom</a:t>
+            </a:r>
+            <a:r>
+              <a:rPr lang="en-US" dirty="0" smtClean="0"/>
+              <a:t>, </a:t>
+            </a:r>
+            <a:r>
+              <a:rPr lang="en-US" b="1" dirty="0" smtClean="0"/>
+              <a:t>war</a:t>
+            </a:r>
+            <a:r>
+              <a:rPr lang="en-US" dirty="0" smtClean="0"/>
+              <a:t> or </a:t>
+            </a:r>
+            <a:r>
+              <a:rPr lang="en-US" b="1" dirty="0" smtClean="0"/>
+              <a:t>jar</a:t>
+            </a:r>
+          </a:p>
+          <a:p>
+            <a:r>
+              <a:rPr lang="en-US" b="1" dirty="0" err="1"/>
+              <a:t>p</a:t>
+            </a:r>
+            <a:r>
+              <a:rPr lang="en-US" b="1" dirty="0" err="1" smtClean="0"/>
+              <a:t>om</a:t>
+            </a:r>
+            <a:r>
+              <a:rPr lang="en-US" dirty="0" smtClean="0"/>
+              <a:t>: this module is responsible to build other modules, specified in </a:t>
+            </a:r>
+            <a:r>
+              <a:rPr lang="en-US" b="1" dirty="0" smtClean="0"/>
+              <a:t>&lt;modules&gt;</a:t>
+            </a:r>
+            <a:r>
+              <a:rPr lang="en-US" dirty="0" smtClean="0"/>
+              <a:t> tag</a:t>
+            </a:r>
+          </a:p>
+          <a:p>
+            <a:pPr lvl="1"/>
+            <a:r>
+              <a:rPr lang="en-US" dirty="0" smtClean="0"/>
+              <a:t>Useful to share settings that are common among different sub-modules</a:t>
+            </a:r>
+          </a:p>
+          <a:p>
+            <a:r>
+              <a:rPr lang="en-US" b="1" dirty="0"/>
+              <a:t>w</a:t>
+            </a:r>
+            <a:r>
+              <a:rPr lang="en-US" b="1" dirty="0" smtClean="0"/>
+              <a:t>ar</a:t>
+            </a:r>
+            <a:r>
+              <a:rPr lang="en-US" dirty="0" smtClean="0"/>
+              <a:t>: module creates a WAR (</a:t>
+            </a:r>
+            <a:r>
+              <a:rPr lang="en-US" b="1" dirty="0"/>
+              <a:t>W</a:t>
+            </a:r>
+            <a:r>
+              <a:rPr lang="en-US" dirty="0"/>
+              <a:t>eb application </a:t>
+            </a:r>
+            <a:r>
+              <a:rPr lang="en-US" b="1" dirty="0" err="1"/>
+              <a:t>AR</a:t>
+            </a:r>
+            <a:r>
+              <a:rPr lang="en-US" dirty="0" err="1"/>
+              <a:t>chive</a:t>
+            </a:r>
+            <a:r>
+              <a:rPr lang="en-US" dirty="0" smtClean="0"/>
+              <a:t>) file</a:t>
+            </a:r>
+          </a:p>
+          <a:p>
+            <a:pPr lvl="1"/>
+            <a:r>
+              <a:rPr lang="en-US" dirty="0" smtClean="0"/>
+              <a:t>These are the files deployed on EE containers like </a:t>
+            </a:r>
+            <a:r>
+              <a:rPr lang="en-US" dirty="0" err="1" smtClean="0"/>
+              <a:t>Wildfly</a:t>
+            </a:r>
+            <a:endParaRPr lang="en-US" dirty="0" smtClean="0"/>
+          </a:p>
+          <a:p>
+            <a:r>
+              <a:rPr lang="en-US" b="1" dirty="0"/>
+              <a:t>j</a:t>
+            </a:r>
+            <a:r>
+              <a:rPr lang="en-US" b="1" dirty="0" smtClean="0"/>
+              <a:t>ar</a:t>
+            </a:r>
+            <a:r>
+              <a:rPr lang="en-US" dirty="0" smtClean="0"/>
+              <a:t>: </a:t>
+            </a:r>
+            <a:r>
+              <a:rPr lang="en-US" dirty="0"/>
+              <a:t>module creates a </a:t>
+            </a:r>
+            <a:r>
+              <a:rPr lang="en-US" dirty="0" smtClean="0"/>
+              <a:t>JAR (</a:t>
+            </a:r>
+            <a:r>
+              <a:rPr lang="en-US" b="1" dirty="0" smtClean="0"/>
+              <a:t>J</a:t>
+            </a:r>
+            <a:r>
+              <a:rPr lang="en-US" dirty="0" smtClean="0"/>
+              <a:t>ava </a:t>
+            </a:r>
+            <a:r>
+              <a:rPr lang="en-US" b="1" dirty="0" err="1" smtClean="0"/>
+              <a:t>AR</a:t>
+            </a:r>
+            <a:r>
+              <a:rPr lang="en-US" dirty="0" err="1" smtClean="0"/>
+              <a:t>chive</a:t>
+            </a:r>
+            <a:r>
+              <a:rPr lang="en-US" dirty="0" smtClean="0"/>
+              <a:t>) file</a:t>
+            </a:r>
+          </a:p>
+          <a:p>
+            <a:pPr lvl="1"/>
+            <a:r>
+              <a:rPr lang="en-US" dirty="0" smtClean="0"/>
+              <a:t>A single file containing your compiled </a:t>
+            </a:r>
+            <a:r>
+              <a:rPr lang="en-US" dirty="0" smtClean="0"/>
+              <a:t>code</a:t>
+            </a:r>
+          </a:p>
+          <a:p>
+            <a:pPr lvl="1"/>
+            <a:r>
+              <a:rPr lang="en-US" dirty="0" smtClean="0"/>
+              <a:t>Technically, it is a zipped file, so can use “</a:t>
+            </a:r>
+            <a:r>
+              <a:rPr lang="en-US" i="1" dirty="0" smtClean="0"/>
+              <a:t>unzip</a:t>
+            </a:r>
+            <a:r>
+              <a:rPr lang="en-US" dirty="0" smtClean="0"/>
+              <a:t>” to open it</a:t>
+            </a:r>
+            <a:endParaRPr lang="en-US" dirty="0" smtClean="0"/>
+          </a:p>
+          <a:p>
+            <a:endParaRPr lang="en-US" dirty="0"/>
+          </a:p>
+        </p:txBody>
+      </p:sp>
+    </p:spTree>
+    <p:extLst>
+      <p:ext uri="{BB962C8B-B14F-4D97-AF65-F5344CB8AC3E}">
+        <p14:creationId xmlns:p14="http://schemas.microsoft.com/office/powerpoint/2010/main" val="1889553931"/>
+      </p:ext>
+    </p:extLst>
+  </p:cSld>
+  <p:clrMapOvr>
+    <a:masterClrMapping/>
+  </p:clrMapOvr>
+</p:sld>
+</file>
+
+<file path=ppt/slides/slide28.xml><?xml version="1.0" encoding="utf-8"?>
+<p:sld xmlns:a="http://schemas.openxmlformats.org/drawingml/2006/main" xmlns:r="http://schemas.openxmlformats.org/officeDocument/2006/relationships" xmlns:p="http://schemas.openxmlformats.org/presentationml/2006/main">
+  <p:cSld>
+    <p:spTree>
+      <p:nvGrpSpPr>
+        <p:cNvPr id="1" name=""/>
+        <p:cNvGrpSpPr/>
+        <p:nvPr/>
+      </p:nvGrpSpPr>
+      <p:grpSpPr>
+        <a:xfrm>
+          <a:off x="0" y="0"/>
+          <a:ext cx="0" cy="0"/>
+          <a:chOff x="0" y="0"/>
+          <a:chExt cx="0" cy="0"/>
+        </a:xfrm>
+      </p:grpSpPr>
+      <p:sp>
+        <p:nvSpPr>
+          <p:cNvPr id="2" name="Title 1"/>
+          <p:cNvSpPr>
+            <a:spLocks noGrp="1"/>
+          </p:cNvSpPr>
+          <p:nvPr>
+            <p:ph type="title"/>
+          </p:nvPr>
+        </p:nvSpPr>
+        <p:spPr/>
+        <p:txBody>
+          <a:bodyPr/>
+          <a:lstStyle/>
+          <a:p>
+            <a:r>
+              <a:rPr lang="en-US" dirty="0" smtClean="0"/>
               <a:t>Using Maven </a:t>
             </a:r>
             <a:endParaRPr lang="en-US" dirty="0"/>
@@ -7186,7 +7652,12 @@
             <p:ph idx="1"/>
           </p:nvPr>
         </p:nvSpPr>
-        <p:spPr/>
+        <p:spPr>
+          <a:xfrm>
+            <a:off x="395416" y="1825624"/>
+            <a:ext cx="11574162" cy="4888213"/>
+          </a:xfrm>
+        </p:spPr>
         <p:txBody>
           <a:bodyPr/>
           <a:lstStyle/>
@@ -7238,7 +7709,7 @@
 </p:sld>
 </file>
 
-<file path=ppt/slides/slide28.xml><?xml version="1.0" encoding="utf-8"?>
+<file path=ppt/slides/slide29.xml><?xml version="1.0" encoding="utf-8"?>
 <p:sld xmlns:a="http://schemas.openxmlformats.org/drawingml/2006/main" xmlns:r="http://schemas.openxmlformats.org/officeDocument/2006/relationships" xmlns:p="http://schemas.openxmlformats.org/presentationml/2006/main">
   <p:cSld>
     <p:spTree>
@@ -7368,7 +7839,7 @@
 </p:sld>
 </file>
 
-<file path=ppt/slides/slide29.xml><?xml version="1.0" encoding="utf-8"?>
+<file path=ppt/slides/slide3.xml><?xml version="1.0" encoding="utf-8"?>
 <p:sld xmlns:a="http://schemas.openxmlformats.org/drawingml/2006/main" xmlns:r="http://schemas.openxmlformats.org/officeDocument/2006/relationships" xmlns:p="http://schemas.openxmlformats.org/presentationml/2006/main">
   <p:cSld>
     <p:spTree>
@@ -7387,18 +7858,147 @@
       </p:grpSpPr>
       <p:sp>
         <p:nvSpPr>
-          <p:cNvPr id="3" name="Text Placeholder 2"/>
-          <p:cNvSpPr>
-            <a:spLocks noGrp="1"/>
-          </p:cNvSpPr>
-          <p:nvPr>
-            <p:ph type="body" idx="1"/>
+          <p:cNvPr id="2" name="Title 1"/>
+          <p:cNvSpPr>
+            <a:spLocks noGrp="1"/>
+          </p:cNvSpPr>
+          <p:nvPr>
+            <p:ph type="title"/>
+          </p:nvPr>
+        </p:nvSpPr>
+        <p:spPr/>
+        <p:txBody>
+          <a:bodyPr/>
+          <a:lstStyle/>
+          <a:p>
+            <a:r>
+              <a:rPr lang="en-US" dirty="0" smtClean="0"/>
+              <a:t>Course Material</a:t>
+            </a:r>
+            <a:endParaRPr lang="en-US" dirty="0"/>
+          </a:p>
+        </p:txBody>
+      </p:sp>
+      <p:sp>
+        <p:nvSpPr>
+          <p:cNvPr id="3" name="Content Placeholder 2"/>
+          <p:cNvSpPr>
+            <a:spLocks noGrp="1"/>
+          </p:cNvSpPr>
+          <p:nvPr>
+            <p:ph idx="1"/>
           </p:nvPr>
         </p:nvSpPr>
         <p:spPr>
           <a:xfrm>
-            <a:off x="1851107" y="3799494"/>
-            <a:ext cx="7804547" cy="2543175"/>
+            <a:off x="449580" y="1825625"/>
+            <a:ext cx="11391900" cy="4891554"/>
+          </a:xfrm>
+        </p:spPr>
+        <p:txBody>
+          <a:bodyPr/>
+          <a:lstStyle/>
+          <a:p>
+            <a:r>
+              <a:rPr lang="en-US" dirty="0" err="1" smtClean="0"/>
+              <a:t>Git</a:t>
+            </a:r>
+            <a:r>
+              <a:rPr lang="en-US" dirty="0" smtClean="0"/>
+              <a:t> repository: </a:t>
+            </a:r>
+            <a:r>
+              <a:rPr lang="en-US" dirty="0" smtClean="0">
+                <a:hlinkClick r:id="rId2"/>
+              </a:rPr>
+              <a:t>https://github.com/arcuri82/testing_security_development_enterprise_systems</a:t>
+            </a:r>
+            <a:endParaRPr lang="en-US" dirty="0" smtClean="0"/>
+          </a:p>
+          <a:p>
+            <a:r>
+              <a:rPr lang="en-US" dirty="0" smtClean="0"/>
+              <a:t>Module “</a:t>
+            </a:r>
+            <a:r>
+              <a:rPr lang="en-US" b="1" dirty="0" smtClean="0"/>
+              <a:t>intro</a:t>
+            </a:r>
+            <a:r>
+              <a:rPr lang="en-US" dirty="0" smtClean="0"/>
+              <a:t>”</a:t>
+            </a:r>
+            <a:endParaRPr lang="en-US" dirty="0" smtClean="0"/>
+          </a:p>
+          <a:p>
+            <a:r>
+              <a:rPr lang="en-US" i="1" dirty="0" smtClean="0"/>
+              <a:t>Note</a:t>
+            </a:r>
+            <a:r>
+              <a:rPr lang="en-US" i="1" dirty="0" smtClean="0"/>
+              <a:t>: pull often, as material can get updated throughout the </a:t>
+            </a:r>
+            <a:r>
+              <a:rPr lang="en-US" i="1" dirty="0" smtClean="0"/>
+              <a:t>course</a:t>
+            </a:r>
+          </a:p>
+          <a:p>
+            <a:endParaRPr lang="en-US" i="1" dirty="0" smtClean="0"/>
+          </a:p>
+          <a:p>
+            <a:pPr marL="0" indent="0">
+              <a:buNone/>
+            </a:pPr>
+            <a:endParaRPr lang="en-US" dirty="0"/>
+          </a:p>
+        </p:txBody>
+      </p:sp>
+    </p:spTree>
+    <p:extLst>
+      <p:ext uri="{BB962C8B-B14F-4D97-AF65-F5344CB8AC3E}">
+        <p14:creationId xmlns:p14="http://schemas.microsoft.com/office/powerpoint/2010/main" val="1004129637"/>
+      </p:ext>
+    </p:extLst>
+  </p:cSld>
+  <p:clrMapOvr>
+    <a:masterClrMapping/>
+  </p:clrMapOvr>
+</p:sld>
+</file>
+
+<file path=ppt/slides/slide30.xml><?xml version="1.0" encoding="utf-8"?>
+<p:sld xmlns:a="http://schemas.openxmlformats.org/drawingml/2006/main" xmlns:r="http://schemas.openxmlformats.org/officeDocument/2006/relationships" xmlns:p="http://schemas.openxmlformats.org/presentationml/2006/main">
+  <p:cSld>
+    <p:spTree>
+      <p:nvGrpSpPr>
+        <p:cNvPr id="1" name=""/>
+        <p:cNvGrpSpPr/>
+        <p:nvPr/>
+      </p:nvGrpSpPr>
+      <p:grpSpPr>
+        <a:xfrm>
+          <a:off x="0" y="0"/>
+          <a:ext cx="0" cy="0"/>
+          <a:chOff x="0" y="0"/>
+          <a:chExt cx="0" cy="0"/>
+        </a:xfrm>
+      </p:grpSpPr>
+      <p:sp>
+        <p:nvSpPr>
+          <p:cNvPr id="3" name="Text Placeholder 2"/>
+          <p:cNvSpPr>
+            <a:spLocks noGrp="1"/>
+          </p:cNvSpPr>
+          <p:nvPr>
+            <p:ph type="body" idx="1"/>
+          </p:nvPr>
+        </p:nvSpPr>
+        <p:spPr>
+          <a:xfrm>
+            <a:off x="741405" y="3799494"/>
+            <a:ext cx="11055179" cy="2543175"/>
           </a:xfrm>
         </p:spPr>
         <p:txBody>
@@ -7469,160 +8069,7 @@
 </p:sld>
 </file>
 
-<file path=ppt/slides/slide3.xml><?xml version="1.0" encoding="utf-8"?>
-<p:sld xmlns:a="http://schemas.openxmlformats.org/drawingml/2006/main" xmlns:r="http://schemas.openxmlformats.org/officeDocument/2006/relationships" xmlns:p="http://schemas.openxmlformats.org/presentationml/2006/main">
-  <p:cSld>
-    <p:spTree>
-      <p:nvGrpSpPr>
-        <p:cNvPr id="1" name=""/>
-        <p:cNvGrpSpPr/>
-        <p:nvPr/>
-      </p:nvGrpSpPr>
-      <p:grpSpPr>
-        <a:xfrm>
-          <a:off x="0" y="0"/>
-          <a:ext cx="0" cy="0"/>
-          <a:chOff x="0" y="0"/>
-          <a:chExt cx="0" cy="0"/>
-        </a:xfrm>
-      </p:grpSpPr>
-      <p:sp>
-        <p:nvSpPr>
-          <p:cNvPr id="2" name="Title 1"/>
-          <p:cNvSpPr>
-            <a:spLocks noGrp="1"/>
-          </p:cNvSpPr>
-          <p:nvPr>
-            <p:ph type="title"/>
-          </p:nvPr>
-        </p:nvSpPr>
-        <p:spPr/>
-        <p:txBody>
-          <a:bodyPr/>
-          <a:lstStyle/>
-          <a:p>
-            <a:r>
-              <a:rPr lang="en-US" dirty="0" smtClean="0"/>
-              <a:t>Course Material</a:t>
-            </a:r>
-            <a:endParaRPr lang="en-US" dirty="0"/>
-          </a:p>
-        </p:txBody>
-      </p:sp>
-      <p:sp>
-        <p:nvSpPr>
-          <p:cNvPr id="3" name="Content Placeholder 2"/>
-          <p:cNvSpPr>
-            <a:spLocks noGrp="1"/>
-          </p:cNvSpPr>
-          <p:nvPr>
-            <p:ph idx="1"/>
-          </p:nvPr>
-        </p:nvSpPr>
-        <p:spPr>
-          <a:xfrm>
-            <a:off x="449580" y="1825625"/>
-            <a:ext cx="11391900" cy="4891554"/>
-          </a:xfrm>
-        </p:spPr>
-        <p:txBody>
-          <a:bodyPr/>
-          <a:lstStyle/>
-          <a:p>
-            <a:r>
-              <a:rPr lang="en-US" dirty="0" err="1" smtClean="0"/>
-              <a:t>Git</a:t>
-            </a:r>
-            <a:r>
-              <a:rPr lang="en-US" dirty="0" smtClean="0"/>
-              <a:t> repository: </a:t>
-            </a:r>
-            <a:r>
-              <a:rPr lang="en-US" dirty="0" smtClean="0">
-                <a:hlinkClick r:id="rId2"/>
-              </a:rPr>
-              <a:t>https://github.com/arcuri82/testing_security_development_enterprise_systems</a:t>
-            </a:r>
-            <a:endParaRPr lang="en-US" dirty="0" smtClean="0"/>
-          </a:p>
-          <a:p>
-            <a:r>
-              <a:rPr lang="en-US" i="1" dirty="0" smtClean="0"/>
-              <a:t>Note: pull often, as material can get updated throughout the course</a:t>
-            </a:r>
-          </a:p>
-          <a:p>
-            <a:r>
-              <a:rPr lang="en-US" dirty="0" smtClean="0"/>
-              <a:t>Book: </a:t>
-            </a:r>
-            <a:r>
-              <a:rPr lang="en-US" i="1" dirty="0" smtClean="0"/>
-              <a:t>Beginning Java EE 7</a:t>
-            </a:r>
-          </a:p>
-          <a:p>
-            <a:pPr lvl="1"/>
-            <a:r>
-              <a:rPr lang="en-US" dirty="0" smtClean="0"/>
-              <a:t>Chapters 1-11</a:t>
-            </a:r>
-          </a:p>
-          <a:p>
-            <a:pPr lvl="1"/>
-            <a:r>
-              <a:rPr lang="en-US" dirty="0" smtClean="0"/>
-              <a:t>Useful to have, but not essential</a:t>
-            </a:r>
-          </a:p>
-          <a:p>
-            <a:endParaRPr lang="en-US" dirty="0"/>
-          </a:p>
-        </p:txBody>
-      </p:sp>
-      <p:pic>
-        <p:nvPicPr>
-          <p:cNvPr id="4" name="image11.png"/>
-          <p:cNvPicPr>
-            <a:picLocks noChangeAspect="1"/>
-          </p:cNvPicPr>
-          <p:nvPr/>
-        </p:nvPicPr>
-        <p:blipFill>
-          <a:blip r:embed="rId3">
-            <a:extLst/>
-          </a:blip>
-          <a:stretch>
-            <a:fillRect/>
-          </a:stretch>
-        </p:blipFill>
-        <p:spPr>
-          <a:xfrm>
-            <a:off x="6584962" y="4367054"/>
-            <a:ext cx="1786646" cy="2350125"/>
-          </a:xfrm>
-          <a:prstGeom prst="rect">
-            <a:avLst/>
-          </a:prstGeom>
-          <a:ln w="12700">
-            <a:miter lim="400000"/>
-          </a:ln>
-        </p:spPr>
-      </p:pic>
-    </p:spTree>
-    <p:extLst>
-      <p:ext uri="{BB962C8B-B14F-4D97-AF65-F5344CB8AC3E}">
-        <p14:creationId xmlns:p14="http://schemas.microsoft.com/office/powerpoint/2010/main" val="1004129637"/>
-      </p:ext>
-    </p:extLst>
-  </p:cSld>
-  <p:clrMapOvr>
-    <a:masterClrMapping/>
-  </p:clrMapOvr>
-</p:sld>
-</file>
-
-<file path=ppt/slides/slide30.xml><?xml version="1.0" encoding="utf-8"?>
+<file path=ppt/slides/slide31.xml><?xml version="1.0" encoding="utf-8"?>
 <p:sld xmlns:a="http://schemas.openxmlformats.org/drawingml/2006/main" xmlns:r="http://schemas.openxmlformats.org/officeDocument/2006/relationships" xmlns:p="http://schemas.openxmlformats.org/presentationml/2006/main">
   <p:cSld>
     <p:spTree>
@@ -7710,7 +8157,7 @@
 </p:sld>
 </file>
 
-<file path=ppt/slides/slide31.xml><?xml version="1.0" encoding="utf-8"?>
+<file path=ppt/slides/slide32.xml><?xml version="1.0" encoding="utf-8"?>
 <p:sld xmlns:a="http://schemas.openxmlformats.org/drawingml/2006/main" xmlns:r="http://schemas.openxmlformats.org/officeDocument/2006/relationships" xmlns:p="http://schemas.openxmlformats.org/presentationml/2006/main">
   <p:cSld>
     <p:spTree>
@@ -7766,8 +8213,8 @@
         </p:nvSpPr>
         <p:spPr>
           <a:xfrm>
-            <a:off x="838200" y="1825625"/>
-            <a:ext cx="6763871" cy="4351338"/>
+            <a:off x="329514" y="1825625"/>
+            <a:ext cx="7272557" cy="4723456"/>
           </a:xfrm>
         </p:spPr>
         <p:txBody>
@@ -7804,7 +8251,23 @@
           <a:p>
             <a:r>
               <a:rPr lang="en-US" dirty="0" smtClean="0"/>
-              <a:t>When you build a project, a “target” folder is created, where all compiled files (.class files) and other built artifacts (</a:t>
+              <a:t>When you build a project, a “</a:t>
+            </a:r>
+            <a:r>
+              <a:rPr lang="en-US" i="1" dirty="0" smtClean="0"/>
+              <a:t>target</a:t>
+            </a:r>
+            <a:r>
+              <a:rPr lang="en-US" dirty="0" smtClean="0"/>
+              <a:t>” folder is created, where all compiled files (</a:t>
+            </a:r>
+            <a:r>
+              <a:rPr lang="en-US" i="1" dirty="0" smtClean="0"/>
+              <a:t>.class</a:t>
+            </a:r>
+            <a:r>
+              <a:rPr lang="en-US" dirty="0" smtClean="0"/>
+              <a:t> files) and other built artifacts (</a:t>
             </a:r>
             <a:r>
               <a:rPr lang="en-US" dirty="0" err="1" smtClean="0"/>
@@ -7863,7 +8326,7 @@
 </p:sld>
 </file>
 
-<file path=ppt/slides/slide32.xml><?xml version="1.0" encoding="utf-8"?>
+<file path=ppt/slides/slide33.xml><?xml version="1.0" encoding="utf-8"?>
 <p:sld xmlns:a="http://schemas.openxmlformats.org/drawingml/2006/main" xmlns:r="http://schemas.openxmlformats.org/officeDocument/2006/relationships" xmlns:p="http://schemas.openxmlformats.org/presentationml/2006/main">
   <p:cSld>
     <p:spTree>
@@ -7946,7 +8409,23 @@
             </a:r>
             <a:r>
               <a:rPr lang="en-US" dirty="0" smtClean="0"/>
-              <a:t>ompile all your .java files into .class </a:t>
+              <a:t>ompile all your </a:t>
+            </a:r>
+            <a:r>
+              <a:rPr lang="en-US" i="1" dirty="0" smtClean="0"/>
+              <a:t>.java</a:t>
+            </a:r>
+            <a:r>
+              <a:rPr lang="en-US" dirty="0" smtClean="0"/>
+              <a:t> files into </a:t>
+            </a:r>
+            <a:r>
+              <a:rPr lang="en-US" i="1" dirty="0" smtClean="0"/>
+              <a:t>.class</a:t>
+            </a:r>
+            <a:r>
+              <a:rPr lang="en-US" dirty="0" smtClean="0"/>
+              <a:t> </a:t>
             </a:r>
           </a:p>
           <a:p>
@@ -8067,8 +8546,8 @@
         </p:nvSpPr>
         <p:spPr>
           <a:xfrm>
-            <a:off x="6786282" y="1879412"/>
-            <a:ext cx="4930588" cy="4524315"/>
+            <a:off x="6491416" y="1879412"/>
+            <a:ext cx="5225454" cy="4524315"/>
           </a:xfrm>
           <a:prstGeom prst="rect">
             <a:avLst/>
@@ -8128,7 +8607,7 @@
 </p:sld>
 </file>
 
-<file path=ppt/slides/slide33.xml><?xml version="1.0" encoding="utf-8"?>
+<file path=ppt/slides/slide34.xml><?xml version="1.0" encoding="utf-8"?>
 <p:sld xmlns:a="http://schemas.openxmlformats.org/drawingml/2006/main" xmlns:r="http://schemas.openxmlformats.org/officeDocument/2006/relationships" xmlns:p="http://schemas.openxmlformats.org/presentationml/2006/main">
   <p:cSld>
     <p:spTree>
@@ -8320,7 +8799,7 @@
 </p:sld>
 </file>
 
-<file path=ppt/slides/slide34.xml><?xml version="1.0" encoding="utf-8"?>
+<file path=ppt/slides/slide35.xml><?xml version="1.0" encoding="utf-8"?>
 <p:sld xmlns:a="http://schemas.openxmlformats.org/drawingml/2006/main" xmlns:r="http://schemas.openxmlformats.org/officeDocument/2006/relationships" xmlns:p="http://schemas.openxmlformats.org/presentationml/2006/main">
   <p:cSld>
     <p:spTree>
@@ -8372,8 +8851,8 @@
         </p:nvSpPr>
         <p:spPr>
           <a:xfrm>
-            <a:off x="838199" y="1825625"/>
-            <a:ext cx="11066929" cy="4351338"/>
+            <a:off x="313039" y="1825625"/>
+            <a:ext cx="11592090" cy="4351338"/>
           </a:xfrm>
         </p:spPr>
         <p:txBody>
@@ -8600,7 +9079,7 @@
 </p:sld>
 </file>
 
-<file path=ppt/slides/slide35.xml><?xml version="1.0" encoding="utf-8"?>
+<file path=ppt/slides/slide36.xml><?xml version="1.0" encoding="utf-8"?>
 <p:sld xmlns:a="http://schemas.openxmlformats.org/drawingml/2006/main" xmlns:r="http://schemas.openxmlformats.org/officeDocument/2006/relationships" xmlns:p="http://schemas.openxmlformats.org/presentationml/2006/main">
   <p:cSld>
     <p:spTree>
@@ -8740,175 +9219,6 @@
 </p:sld>
 </file>
 
-<file path=ppt/slides/slide36.xml><?xml version="1.0" encoding="utf-8"?>
-<p:sld xmlns:a="http://schemas.openxmlformats.org/drawingml/2006/main" xmlns:r="http://schemas.openxmlformats.org/officeDocument/2006/relationships" xmlns:p="http://schemas.openxmlformats.org/presentationml/2006/main">
-  <p:cSld>
-    <p:spTree>
-      <p:nvGrpSpPr>
-        <p:cNvPr id="1" name=""/>
-        <p:cNvGrpSpPr/>
-        <p:nvPr/>
-      </p:nvGrpSpPr>
-      <p:grpSpPr>
-        <a:xfrm>
-          <a:off x="0" y="0"/>
-          <a:ext cx="0" cy="0"/>
-          <a:chOff x="0" y="0"/>
-          <a:chExt cx="0" cy="0"/>
-        </a:xfrm>
-      </p:grpSpPr>
-      <p:sp>
-        <p:nvSpPr>
-          <p:cNvPr id="2" name="Title 1"/>
-          <p:cNvSpPr>
-            <a:spLocks noGrp="1"/>
-          </p:cNvSpPr>
-          <p:nvPr>
-            <p:ph type="title"/>
-          </p:nvPr>
-        </p:nvSpPr>
-        <p:spPr>
-          <a:xfrm>
-            <a:off x="277906" y="365125"/>
-            <a:ext cx="11654118" cy="1325563"/>
-          </a:xfrm>
-        </p:spPr>
-        <p:txBody>
-          <a:bodyPr>
-            <a:normAutofit fontScale="90000"/>
-          </a:bodyPr>
-          <a:lstStyle/>
-          <a:p>
-            <a:r>
-              <a:rPr lang="en-US" dirty="0" smtClean="0"/>
-              <a:t>Main Dependency Scopes </a:t>
-            </a:r>
-            <a:r>
-              <a:rPr lang="en-US" b="1" dirty="0" smtClean="0"/>
-              <a:t>&lt;scope&gt;</a:t>
-            </a:r>
-            <a:endParaRPr lang="en-US" b="1" dirty="0"/>
-          </a:p>
-        </p:txBody>
-      </p:sp>
-      <p:sp>
-        <p:nvSpPr>
-          <p:cNvPr id="3" name="Content Placeholder 2"/>
-          <p:cNvSpPr>
-            <a:spLocks noGrp="1"/>
-          </p:cNvSpPr>
-          <p:nvPr>
-            <p:ph idx="1"/>
-          </p:nvPr>
-        </p:nvSpPr>
-        <p:spPr/>
-        <p:txBody>
-          <a:bodyPr>
-            <a:normAutofit fontScale="85000" lnSpcReduction="20000"/>
-          </a:bodyPr>
-          <a:lstStyle/>
-          <a:p>
-            <a:r>
-              <a:rPr lang="en-US" b="1" dirty="0" smtClean="0"/>
-              <a:t>compile</a:t>
-            </a:r>
-            <a:r>
-              <a:rPr lang="en-US" dirty="0" smtClean="0"/>
-              <a:t>: default one</a:t>
-            </a:r>
-          </a:p>
-          <a:p>
-            <a:r>
-              <a:rPr lang="en-US" b="1" dirty="0" smtClean="0"/>
-              <a:t>provided</a:t>
-            </a:r>
-            <a:r>
-              <a:rPr lang="en-US" dirty="0" smtClean="0"/>
-              <a:t>: needed at compilation, but will not be included in generated JAR/WAR files. Expected to be provided by the runtime (</a:t>
-            </a:r>
-            <a:r>
-              <a:rPr lang="en-US" dirty="0" err="1" smtClean="0"/>
-              <a:t>eg</a:t>
-            </a:r>
-            <a:r>
-              <a:rPr lang="en-US" dirty="0" smtClean="0"/>
-              <a:t>, a Java EE container)</a:t>
-            </a:r>
-          </a:p>
-          <a:p>
-            <a:r>
-              <a:rPr lang="en-US" b="1" dirty="0"/>
-              <a:t>t</a:t>
-            </a:r>
-            <a:r>
-              <a:rPr lang="en-US" b="1" dirty="0" smtClean="0"/>
-              <a:t>est</a:t>
-            </a:r>
-            <a:r>
-              <a:rPr lang="en-US" dirty="0" smtClean="0"/>
-              <a:t>: needed only for testing, not in the generated JAR/WAR files</a:t>
-            </a:r>
-          </a:p>
-          <a:p>
-            <a:pPr lvl="1"/>
-            <a:r>
-              <a:rPr lang="en-US" dirty="0" err="1"/>
-              <a:t>e</a:t>
-            </a:r>
-            <a:r>
-              <a:rPr lang="en-US" dirty="0" err="1" smtClean="0"/>
-              <a:t>g</a:t>
-            </a:r>
-            <a:r>
-              <a:rPr lang="en-US" dirty="0" smtClean="0"/>
-              <a:t>, JUnit library to run test cases</a:t>
-            </a:r>
-          </a:p>
-          <a:p>
-            <a:r>
-              <a:rPr lang="en-US" b="1" dirty="0"/>
-              <a:t>i</a:t>
-            </a:r>
-            <a:r>
-              <a:rPr lang="en-US" b="1" dirty="0" smtClean="0"/>
-              <a:t>mport</a:t>
-            </a:r>
-            <a:r>
-              <a:rPr lang="en-US" dirty="0" smtClean="0"/>
-              <a:t>: used for POM dependencies, imported and embedded from the </a:t>
-            </a:r>
-            <a:r>
-              <a:rPr lang="en-US" dirty="0" err="1" smtClean="0"/>
-              <a:t>pom.xml</a:t>
-            </a:r>
-            <a:r>
-              <a:rPr lang="en-US" dirty="0" smtClean="0"/>
-              <a:t> of the dependency</a:t>
-            </a:r>
-          </a:p>
-          <a:p>
-            <a:pPr lvl="1"/>
-            <a:r>
-              <a:rPr lang="en-US" dirty="0" smtClean="0"/>
-              <a:t>Used by libraries with many related dependencies, so you do not need to add each single of them manually</a:t>
-            </a:r>
-            <a:endParaRPr lang="en-US" dirty="0"/>
-          </a:p>
-        </p:txBody>
-      </p:sp>
-    </p:spTree>
-    <p:extLst>
-      <p:ext uri="{BB962C8B-B14F-4D97-AF65-F5344CB8AC3E}">
-        <p14:creationId xmlns:p14="http://schemas.microsoft.com/office/powerpoint/2010/main" val="395780432"/>
-      </p:ext>
-    </p:extLst>
-  </p:cSld>
-  <p:clrMapOvr>
-    <a:masterClrMapping/>
-  </p:clrMapOvr>
-</p:sld>
-</file>
-
 <file path=ppt/slides/slide37.xml><?xml version="1.0" encoding="utf-8"?>
 <p:sld xmlns:a="http://schemas.openxmlformats.org/drawingml/2006/main" xmlns:r="http://schemas.openxmlformats.org/officeDocument/2006/relationships" xmlns:p="http://schemas.openxmlformats.org/presentationml/2006/main">
   <p:cSld>
@@ -8928,18 +9238,52 @@
       </p:grpSpPr>
       <p:sp>
         <p:nvSpPr>
-          <p:cNvPr id="3" name="Content Placeholder 2"/>
-          <p:cNvSpPr>
-            <a:spLocks noGrp="1"/>
-          </p:cNvSpPr>
-          <p:nvPr>
-            <p:ph idx="1"/>
+          <p:cNvPr id="2" name="Title 1"/>
+          <p:cNvSpPr>
+            <a:spLocks noGrp="1"/>
+          </p:cNvSpPr>
+          <p:nvPr>
+            <p:ph type="title"/>
           </p:nvPr>
         </p:nvSpPr>
         <p:spPr>
           <a:xfrm>
-            <a:off x="161365" y="4054798"/>
-            <a:ext cx="11851341" cy="2110113"/>
+            <a:off x="277906" y="365125"/>
+            <a:ext cx="11654118" cy="1325563"/>
+          </a:xfrm>
+        </p:spPr>
+        <p:txBody>
+          <a:bodyPr>
+            <a:normAutofit fontScale="90000"/>
+          </a:bodyPr>
+          <a:lstStyle/>
+          <a:p>
+            <a:r>
+              <a:rPr lang="en-US" dirty="0" smtClean="0"/>
+              <a:t>Main Dependency Scopes </a:t>
+            </a:r>
+            <a:r>
+              <a:rPr lang="en-US" b="1" dirty="0" smtClean="0"/>
+              <a:t>&lt;scope&gt;</a:t>
+            </a:r>
+            <a:endParaRPr lang="en-US" b="1" dirty="0"/>
+          </a:p>
+        </p:txBody>
+      </p:sp>
+      <p:sp>
+        <p:nvSpPr>
+          <p:cNvPr id="3" name="Content Placeholder 2"/>
+          <p:cNvSpPr>
+            <a:spLocks noGrp="1"/>
+          </p:cNvSpPr>
+          <p:nvPr>
+            <p:ph idx="1"/>
+          </p:nvPr>
+        </p:nvSpPr>
+        <p:spPr>
+          <a:xfrm>
+            <a:off x="486032" y="1825625"/>
+            <a:ext cx="10867768" cy="4632840"/>
           </a:xfrm>
         </p:spPr>
         <p:txBody>
@@ -8949,66 +9293,22 @@
           <a:lstStyle/>
           <a:p>
             <a:r>
-              <a:rPr lang="en-US" dirty="0" smtClean="0"/>
-              <a:t>You might use a library in many, many modules</a:t>
-            </a:r>
-          </a:p>
-          <a:p>
-            <a:r>
-              <a:rPr lang="en-US" dirty="0" smtClean="0"/>
-              <a:t>To avoid </a:t>
-            </a:r>
-            <a:r>
-              <a:rPr lang="en-US" dirty="0" err="1" smtClean="0"/>
-              <a:t>copy&amp;paste</a:t>
-            </a:r>
-            <a:r>
-              <a:rPr lang="en-US" dirty="0" smtClean="0"/>
-              <a:t> and maintain </a:t>
-            </a:r>
-            <a:r>
               <a:rPr lang="en-US" b="1" dirty="0" smtClean="0"/>
-              <a:t>&lt;version&gt;</a:t>
-            </a:r>
-            <a:r>
-              <a:rPr lang="en-US" dirty="0" smtClean="0"/>
-              <a:t>/</a:t>
-            </a:r>
+              <a:t>compile</a:t>
+            </a:r>
+            <a:r>
+              <a:rPr lang="en-US" dirty="0" smtClean="0"/>
+              <a:t>: default one</a:t>
+            </a:r>
+          </a:p>
+          <a:p>
             <a:r>
               <a:rPr lang="en-US" b="1" dirty="0" smtClean="0"/>
-              <a:t>&lt;scope&gt;</a:t>
-            </a:r>
-            <a:r>
-              <a:rPr lang="en-US" dirty="0" smtClean="0"/>
-              <a:t> everywhere, </a:t>
-            </a:r>
-            <a:r>
-              <a:rPr lang="en-US" dirty="0"/>
-              <a:t>use </a:t>
-            </a:r>
-            <a:r>
-              <a:rPr lang="en-US" b="1" dirty="0"/>
-              <a:t>&lt;</a:t>
-            </a:r>
-            <a:r>
-              <a:rPr lang="en-US" b="1" dirty="0" err="1"/>
-              <a:t>dependencyManagement</a:t>
-            </a:r>
-            <a:r>
-              <a:rPr lang="en-US" b="1" dirty="0" smtClean="0"/>
-              <a:t>&gt; </a:t>
-            </a:r>
-            <a:r>
-              <a:rPr lang="en-US" dirty="0" smtClean="0"/>
-              <a:t>in a shared ancestor </a:t>
-            </a:r>
-            <a:r>
-              <a:rPr lang="en-US" dirty="0" err="1" smtClean="0"/>
-              <a:t>pom.xml</a:t>
-            </a:r>
-            <a:r>
-              <a:rPr lang="en-US" dirty="0" smtClean="0"/>
-              <a:t>, </a:t>
+              <a:t>provided</a:t>
+            </a:r>
+            <a:r>
+              <a:rPr lang="en-US" dirty="0" smtClean="0"/>
+              <a:t>: needed at compilation, but will not be included in generated JAR/WAR files. Expected to be provided by the runtime (</a:t>
             </a:r>
             <a:r>
               <a:rPr lang="en-US" dirty="0" err="1" smtClean="0"/>
@@ -9016,413 +9316,82 @@
             </a:r>
             <a:r>
               <a:rPr lang="en-US" dirty="0" smtClean="0"/>
-              <a:t> the root one</a:t>
-            </a:r>
-          </a:p>
-          <a:p>
-            <a:r>
-              <a:rPr lang="en-US" dirty="0" smtClean="0"/>
-              <a:t>All submodules will inherit the </a:t>
-            </a:r>
+              <a:t>, a </a:t>
+            </a:r>
+            <a:r>
+              <a:rPr lang="en-US" dirty="0" smtClean="0"/>
+              <a:t>JEE </a:t>
+            </a:r>
+            <a:r>
+              <a:rPr lang="en-US" dirty="0" smtClean="0"/>
+              <a:t>container)</a:t>
+            </a:r>
+          </a:p>
+          <a:p>
             <a:r>
               <a:rPr lang="en-US" b="1" dirty="0"/>
-              <a:t>&lt;version&gt;</a:t>
-            </a:r>
-            <a:r>
-              <a:rPr lang="en-US" dirty="0"/>
-              <a:t>/</a:t>
-            </a:r>
+              <a:t>t</a:t>
+            </a:r>
+            <a:r>
+              <a:rPr lang="en-US" b="1" dirty="0" smtClean="0"/>
+              <a:t>est</a:t>
+            </a:r>
+            <a:r>
+              <a:rPr lang="en-US" dirty="0" smtClean="0"/>
+              <a:t>: needed only for testing, not in the generated JAR/WAR files</a:t>
+            </a:r>
+          </a:p>
+          <a:p>
+            <a:pPr lvl="1"/>
+            <a:r>
+              <a:rPr lang="en-US" dirty="0" err="1"/>
+              <a:t>e</a:t>
+            </a:r>
+            <a:r>
+              <a:rPr lang="en-US" dirty="0" err="1" smtClean="0"/>
+              <a:t>g</a:t>
+            </a:r>
+            <a:r>
+              <a:rPr lang="en-US" dirty="0" smtClean="0"/>
+              <a:t>, JUnit library to run test cases</a:t>
+            </a:r>
+          </a:p>
+          <a:p>
             <a:r>
               <a:rPr lang="en-US" b="1" dirty="0"/>
-              <a:t>&lt;scope&gt;</a:t>
-            </a:r>
-            <a:r>
-              <a:rPr lang="en-US" dirty="0"/>
-              <a:t> </a:t>
-            </a:r>
-            <a:r>
-              <a:rPr lang="en-US" dirty="0" smtClean="0"/>
-              <a:t>values</a:t>
+              <a:t>i</a:t>
+            </a:r>
+            <a:r>
+              <a:rPr lang="en-US" b="1" dirty="0" smtClean="0"/>
+              <a:t>mport</a:t>
+            </a:r>
+            <a:r>
+              <a:rPr lang="en-US" dirty="0" smtClean="0"/>
+              <a:t>: used for POM dependencies, imported and embedded from the </a:t>
+            </a:r>
+            <a:r>
+              <a:rPr lang="en-US" i="1" dirty="0" err="1" smtClean="0"/>
+              <a:t>pom.xml</a:t>
+            </a:r>
+            <a:r>
+              <a:rPr lang="en-US" dirty="0" smtClean="0"/>
+              <a:t> of the dependency</a:t>
+            </a:r>
+          </a:p>
+          <a:p>
+            <a:pPr lvl="1"/>
+            <a:r>
+              <a:rPr lang="en-US" dirty="0" smtClean="0"/>
+              <a:t>Used by libraries with many related dependencies, so you do not need to add each single of them manually</a:t>
             </a:r>
             <a:endParaRPr lang="en-US" dirty="0"/>
-          </a:p>
-        </p:txBody>
-      </p:sp>
-      <p:sp>
-        <p:nvSpPr>
-          <p:cNvPr id="4" name="TextBox 3"/>
-          <p:cNvSpPr txBox="1"/>
-          <p:nvPr/>
-        </p:nvSpPr>
-        <p:spPr>
-          <a:xfrm>
-            <a:off x="773850" y="448235"/>
-            <a:ext cx="3743141" cy="3170099"/>
-          </a:xfrm>
-          <a:prstGeom prst="rect">
-            <a:avLst/>
-          </a:prstGeom>
-          <a:noFill/>
-        </p:spPr>
-        <p:txBody>
-          <a:bodyPr wrap="none" rtlCol="0">
-            <a:spAutoFit/>
-          </a:bodyPr>
-          <a:lstStyle/>
-          <a:p>
-            <a:r>
-              <a:rPr lang="en-US" sz="2000" dirty="0" smtClean="0"/>
-              <a:t>// in intermediate </a:t>
-            </a:r>
-            <a:r>
-              <a:rPr lang="en-US" sz="2000" dirty="0" err="1" smtClean="0"/>
-              <a:t>pom.xml</a:t>
-            </a:r>
-            <a:endParaRPr lang="en-US" sz="2000" dirty="0" smtClean="0"/>
-          </a:p>
-          <a:p>
-            <a:r>
-              <a:rPr lang="en-US" sz="2000" dirty="0" smtClean="0"/>
-              <a:t>&lt;</a:t>
-            </a:r>
-            <a:r>
-              <a:rPr lang="en-US" sz="2000" b="1" dirty="0" err="1"/>
-              <a:t>dependencyManagement</a:t>
-            </a:r>
-            <a:r>
-              <a:rPr lang="en-US" sz="2000" dirty="0"/>
-              <a:t>&gt;</a:t>
-            </a:r>
-            <a:br>
-              <a:rPr lang="en-US" sz="2000" dirty="0"/>
-            </a:br>
-            <a:r>
-              <a:rPr lang="en-US" sz="2000" dirty="0"/>
-              <a:t>    &lt;</a:t>
-            </a:r>
-            <a:r>
-              <a:rPr lang="en-US" sz="2000" b="1" dirty="0"/>
-              <a:t>dependencies</a:t>
-            </a:r>
-            <a:r>
-              <a:rPr lang="en-US" sz="2000" dirty="0" smtClean="0"/>
-              <a:t>&gt;</a:t>
-            </a:r>
-          </a:p>
-          <a:p>
-            <a:r>
-              <a:rPr lang="en-US" sz="2000" dirty="0" smtClean="0"/>
-              <a:t>       </a:t>
-            </a:r>
-            <a:r>
-              <a:rPr lang="en-US" sz="2000" dirty="0"/>
-              <a:t>&lt;</a:t>
-            </a:r>
-            <a:r>
-              <a:rPr lang="en-US" sz="2000" b="1" dirty="0"/>
-              <a:t>dependency</a:t>
-            </a:r>
-            <a:r>
-              <a:rPr lang="en-US" sz="2000" dirty="0"/>
-              <a:t>&gt;</a:t>
-            </a:r>
-            <a:br>
-              <a:rPr lang="en-US" sz="2000" dirty="0"/>
-            </a:br>
-            <a:r>
-              <a:rPr lang="en-US" sz="2000" dirty="0" smtClean="0"/>
-              <a:t>         </a:t>
-            </a:r>
-            <a:r>
-              <a:rPr lang="en-US" sz="2000" dirty="0"/>
-              <a:t>&lt;</a:t>
-            </a:r>
-            <a:r>
-              <a:rPr lang="en-US" sz="2000" b="1" dirty="0" err="1"/>
-              <a:t>groupId</a:t>
-            </a:r>
-            <a:r>
-              <a:rPr lang="en-US" sz="2000" dirty="0"/>
-              <a:t>&gt;</a:t>
-            </a:r>
-            <a:r>
-              <a:rPr lang="en-US" sz="2000" dirty="0" err="1"/>
-              <a:t>junit</a:t>
-            </a:r>
-            <a:r>
-              <a:rPr lang="en-US" sz="2000" dirty="0"/>
-              <a:t>&lt;/</a:t>
-            </a:r>
-            <a:r>
-              <a:rPr lang="en-US" sz="2000" b="1" dirty="0" err="1"/>
-              <a:t>groupId</a:t>
-            </a:r>
-            <a:r>
-              <a:rPr lang="en-US" sz="2000" dirty="0"/>
-              <a:t>&gt;</a:t>
-            </a:r>
-            <a:br>
-              <a:rPr lang="en-US" sz="2000" dirty="0"/>
-            </a:br>
-            <a:r>
-              <a:rPr lang="en-US" sz="2000" dirty="0" smtClean="0"/>
-              <a:t>         </a:t>
-            </a:r>
-            <a:r>
-              <a:rPr lang="en-US" sz="2000" dirty="0"/>
-              <a:t>&lt;</a:t>
-            </a:r>
-            <a:r>
-              <a:rPr lang="en-US" sz="2000" b="1" dirty="0" err="1"/>
-              <a:t>artifactId</a:t>
-            </a:r>
-            <a:r>
-              <a:rPr lang="en-US" sz="2000" dirty="0"/>
-              <a:t>&gt;</a:t>
-            </a:r>
-            <a:r>
-              <a:rPr lang="en-US" sz="2000" dirty="0" err="1"/>
-              <a:t>junit</a:t>
-            </a:r>
-            <a:r>
-              <a:rPr lang="en-US" sz="2000" dirty="0"/>
-              <a:t>&lt;/</a:t>
-            </a:r>
-            <a:r>
-              <a:rPr lang="en-US" sz="2000" b="1" dirty="0" err="1"/>
-              <a:t>artifactId</a:t>
-            </a:r>
-            <a:r>
-              <a:rPr lang="en-US" sz="2000" dirty="0"/>
-              <a:t>&gt;</a:t>
-            </a:r>
-            <a:br>
-              <a:rPr lang="en-US" sz="2000" dirty="0"/>
-            </a:br>
-            <a:r>
-              <a:rPr lang="en-US" sz="2000" dirty="0" smtClean="0"/>
-              <a:t>         </a:t>
-            </a:r>
-            <a:r>
-              <a:rPr lang="en-US" sz="2000" dirty="0"/>
-              <a:t>&lt;</a:t>
-            </a:r>
-            <a:r>
-              <a:rPr lang="en-US" sz="2000" b="1" dirty="0"/>
-              <a:t>version</a:t>
-            </a:r>
-            <a:r>
-              <a:rPr lang="en-US" sz="2000" dirty="0"/>
-              <a:t>&gt;4.12&lt;/</a:t>
-            </a:r>
-            <a:r>
-              <a:rPr lang="en-US" sz="2000" b="1" dirty="0"/>
-              <a:t>version</a:t>
-            </a:r>
-            <a:r>
-              <a:rPr lang="en-US" sz="2000" dirty="0"/>
-              <a:t>&gt;</a:t>
-            </a:r>
-            <a:br>
-              <a:rPr lang="en-US" sz="2000" dirty="0"/>
-            </a:br>
-            <a:r>
-              <a:rPr lang="en-US" sz="2000" dirty="0" smtClean="0"/>
-              <a:t>         </a:t>
-            </a:r>
-            <a:r>
-              <a:rPr lang="en-US" sz="2000" dirty="0"/>
-              <a:t>&lt;</a:t>
-            </a:r>
-            <a:r>
-              <a:rPr lang="en-US" sz="2000" b="1" dirty="0"/>
-              <a:t>scope</a:t>
-            </a:r>
-            <a:r>
-              <a:rPr lang="en-US" sz="2000" dirty="0"/>
-              <a:t>&gt;test&lt;/</a:t>
-            </a:r>
-            <a:r>
-              <a:rPr lang="en-US" sz="2000" b="1" dirty="0"/>
-              <a:t>scope</a:t>
-            </a:r>
-            <a:r>
-              <a:rPr lang="en-US" sz="2000" dirty="0"/>
-              <a:t>&gt;</a:t>
-            </a:r>
-            <a:br>
-              <a:rPr lang="en-US" sz="2000" dirty="0"/>
-            </a:br>
-            <a:r>
-              <a:rPr lang="en-US" sz="2000" dirty="0" smtClean="0"/>
-              <a:t>    &lt;/</a:t>
-            </a:r>
-            <a:r>
-              <a:rPr lang="en-US" sz="2000" b="1" dirty="0"/>
-              <a:t>dependency</a:t>
-            </a:r>
-            <a:r>
-              <a:rPr lang="en-US" sz="2000" dirty="0"/>
-              <a:t>&gt;</a:t>
-            </a:r>
-          </a:p>
-          <a:p>
-            <a:endParaRPr lang="en-US" sz="2000" dirty="0"/>
-          </a:p>
-        </p:txBody>
-      </p:sp>
-      <p:sp>
-        <p:nvSpPr>
-          <p:cNvPr id="5" name="TextBox 4"/>
-          <p:cNvSpPr txBox="1"/>
-          <p:nvPr/>
-        </p:nvSpPr>
-        <p:spPr>
-          <a:xfrm>
-            <a:off x="6816062" y="448235"/>
-            <a:ext cx="3872752" cy="2554545"/>
-          </a:xfrm>
-          <a:prstGeom prst="rect">
-            <a:avLst/>
-          </a:prstGeom>
-          <a:noFill/>
-        </p:spPr>
-        <p:txBody>
-          <a:bodyPr wrap="square" rtlCol="0">
-            <a:spAutoFit/>
-          </a:bodyPr>
-          <a:lstStyle/>
-          <a:p>
-            <a:r>
-              <a:rPr lang="en-US" sz="2000" dirty="0" smtClean="0"/>
-              <a:t>   //in modules building JAR/WAR</a:t>
-            </a:r>
-          </a:p>
-          <a:p>
-            <a:r>
-              <a:rPr lang="en-US" sz="2000" dirty="0"/>
-              <a:t> </a:t>
-            </a:r>
-            <a:r>
-              <a:rPr lang="en-US" sz="2000" dirty="0" smtClean="0"/>
-              <a:t>  &lt;</a:t>
-            </a:r>
-            <a:r>
-              <a:rPr lang="en-US" sz="2000" b="1" dirty="0"/>
-              <a:t>dependencies</a:t>
-            </a:r>
-            <a:r>
-              <a:rPr lang="en-US" sz="2000" dirty="0"/>
-              <a:t>&gt;</a:t>
-            </a:r>
-          </a:p>
-          <a:p>
-            <a:r>
-              <a:rPr lang="en-US" sz="2000" dirty="0"/>
-              <a:t>       &lt;</a:t>
-            </a:r>
-            <a:r>
-              <a:rPr lang="en-US" sz="2000" b="1" dirty="0"/>
-              <a:t>dependency</a:t>
-            </a:r>
-            <a:r>
-              <a:rPr lang="en-US" sz="2000" dirty="0"/>
-              <a:t>&gt;</a:t>
-            </a:r>
-            <a:br>
-              <a:rPr lang="en-US" sz="2000" dirty="0"/>
-            </a:br>
-            <a:r>
-              <a:rPr lang="en-US" sz="2000" dirty="0"/>
-              <a:t>         &lt;</a:t>
-            </a:r>
-            <a:r>
-              <a:rPr lang="en-US" sz="2000" b="1" dirty="0" err="1"/>
-              <a:t>groupId</a:t>
-            </a:r>
-            <a:r>
-              <a:rPr lang="en-US" sz="2000" dirty="0"/>
-              <a:t>&gt;</a:t>
-            </a:r>
-            <a:r>
-              <a:rPr lang="en-US" sz="2000" dirty="0" err="1"/>
-              <a:t>junit</a:t>
-            </a:r>
-            <a:r>
-              <a:rPr lang="en-US" sz="2000" dirty="0"/>
-              <a:t>&lt;/</a:t>
-            </a:r>
-            <a:r>
-              <a:rPr lang="en-US" sz="2000" b="1" dirty="0" err="1"/>
-              <a:t>groupId</a:t>
-            </a:r>
-            <a:r>
-              <a:rPr lang="en-US" sz="2000" dirty="0"/>
-              <a:t>&gt;</a:t>
-            </a:r>
-            <a:br>
-              <a:rPr lang="en-US" sz="2000" dirty="0"/>
-            </a:br>
-            <a:r>
-              <a:rPr lang="en-US" sz="2000" dirty="0"/>
-              <a:t>         &lt;</a:t>
-            </a:r>
-            <a:r>
-              <a:rPr lang="en-US" sz="2000" b="1" dirty="0" err="1"/>
-              <a:t>artifactId</a:t>
-            </a:r>
-            <a:r>
-              <a:rPr lang="en-US" sz="2000" dirty="0"/>
-              <a:t>&gt;</a:t>
-            </a:r>
-            <a:r>
-              <a:rPr lang="en-US" sz="2000" dirty="0" err="1"/>
-              <a:t>junit</a:t>
-            </a:r>
-            <a:r>
-              <a:rPr lang="en-US" sz="2000" dirty="0"/>
-              <a:t>&lt;/</a:t>
-            </a:r>
-            <a:r>
-              <a:rPr lang="en-US" sz="2000" b="1" dirty="0" err="1"/>
-              <a:t>artifactId</a:t>
-            </a:r>
-            <a:r>
-              <a:rPr lang="en-US" sz="2000" dirty="0" smtClean="0"/>
-              <a:t>&gt;         </a:t>
-            </a:r>
-            <a:r>
-              <a:rPr lang="en-US" sz="2000" dirty="0"/>
-              <a:t/>
-            </a:r>
-            <a:br>
-              <a:rPr lang="en-US" sz="2000" dirty="0"/>
-            </a:br>
-            <a:r>
-              <a:rPr lang="en-US" sz="2000" dirty="0"/>
-              <a:t>    &lt;/</a:t>
-            </a:r>
-            <a:r>
-              <a:rPr lang="en-US" sz="2000" b="1" dirty="0"/>
-              <a:t>dependency</a:t>
-            </a:r>
-            <a:r>
-              <a:rPr lang="en-US" sz="2000" dirty="0"/>
-              <a:t>&gt;</a:t>
-            </a:r>
-          </a:p>
-          <a:p>
-            <a:endParaRPr lang="en-US" sz="2000" dirty="0"/>
-          </a:p>
-          <a:p>
-            <a:endParaRPr lang="en-US" sz="2000" dirty="0"/>
           </a:p>
         </p:txBody>
       </p:sp>
     </p:spTree>
     <p:extLst>
       <p:ext uri="{BB962C8B-B14F-4D97-AF65-F5344CB8AC3E}">
-        <p14:creationId xmlns:p14="http://schemas.microsoft.com/office/powerpoint/2010/main" val="2038416282"/>
+        <p14:creationId xmlns:p14="http://schemas.microsoft.com/office/powerpoint/2010/main" val="395780432"/>
       </p:ext>
     </p:extLst>
   </p:cSld>
@@ -9466,6 +9435,1456 @@
           <a:p>
             <a:r>
               <a:rPr lang="en-US" dirty="0" smtClean="0"/>
+              <a:t>Bill of Materials (BOM)</a:t>
+            </a:r>
+            <a:endParaRPr lang="en-US" dirty="0"/>
+          </a:p>
+        </p:txBody>
+      </p:sp>
+      <p:sp>
+        <p:nvSpPr>
+          <p:cNvPr id="3" name="Content Placeholder 2"/>
+          <p:cNvSpPr>
+            <a:spLocks noGrp="1"/>
+          </p:cNvSpPr>
+          <p:nvPr>
+            <p:ph idx="1"/>
+          </p:nvPr>
+        </p:nvSpPr>
+        <p:spPr>
+          <a:xfrm>
+            <a:off x="378941" y="1825625"/>
+            <a:ext cx="11532973" cy="1477748"/>
+          </a:xfrm>
+        </p:spPr>
+        <p:txBody>
+          <a:bodyPr>
+            <a:normAutofit fontScale="85000" lnSpcReduction="20000"/>
+          </a:bodyPr>
+          <a:lstStyle/>
+          <a:p>
+            <a:r>
+              <a:rPr lang="en-US" dirty="0" smtClean="0"/>
+              <a:t>Example of Spring</a:t>
+            </a:r>
+          </a:p>
+          <a:p>
+            <a:r>
+              <a:rPr lang="en-US" dirty="0" smtClean="0"/>
+              <a:t>Many dependencies, want to keep them in version sync</a:t>
+            </a:r>
+          </a:p>
+          <a:p>
+            <a:pPr lvl="1"/>
+            <a:r>
+              <a:rPr lang="en-US" dirty="0" err="1" smtClean="0"/>
+              <a:t>ie</a:t>
+            </a:r>
+            <a:r>
+              <a:rPr lang="en-US" dirty="0" smtClean="0"/>
+              <a:t>, if 100 related dependencies, with same version number, then want to update version only in 1 place to get all those related dependencies updated and in sync</a:t>
+            </a:r>
+            <a:endParaRPr lang="en-US" dirty="0"/>
+          </a:p>
+        </p:txBody>
+      </p:sp>
+      <p:sp>
+        <p:nvSpPr>
+          <p:cNvPr id="5" name="Rectangle 1"/>
+          <p:cNvSpPr>
+            <a:spLocks noChangeArrowheads="1"/>
+          </p:cNvSpPr>
+          <p:nvPr/>
+        </p:nvSpPr>
+        <p:spPr bwMode="auto">
+          <a:xfrm>
+            <a:off x="378942" y="3573579"/>
+            <a:ext cx="10890420" cy="2677656"/>
+          </a:xfrm>
+          <a:prstGeom prst="rect">
+            <a:avLst/>
+          </a:prstGeom>
+          <a:solidFill>
+            <a:srgbClr val="FFFFFF"/>
+          </a:solidFill>
+          <a:ln>
+            <a:noFill/>
+          </a:ln>
+          <a:effectLst/>
+          <a:extLst>
+            <a:ext uri="{91240B29-F687-4F45-9708-019B960494DF}">
+              <a14:hiddenLine xmlns:a14="http://schemas.microsoft.com/office/drawing/2010/main" w="9525">
+                <a:solidFill>
+                  <a:schemeClr val="tx1"/>
+                </a:solidFill>
+                <a:miter lim="800000"/>
+                <a:headEnd/>
+                <a:tailEnd/>
+              </a14:hiddenLine>
+            </a:ext>
+            <a:ext uri="{AF507438-7753-43E0-B8FC-AC1667EBCBE1}">
+              <a14:hiddenEffects xmlns:a14="http://schemas.microsoft.com/office/drawing/2010/main">
+                <a:effectLst>
+                  <a:outerShdw dist="35921" dir="2700000" algn="ctr" rotWithShape="0">
+                    <a:schemeClr val="bg2"/>
+                  </a:outerShdw>
+                </a:effectLst>
+              </a14:hiddenEffects>
+            </a:ext>
+          </a:extLst>
+        </p:spPr>
+        <p:txBody>
+          <a:bodyPr vert="horz" wrap="square" lIns="91440" tIns="45720" rIns="91440" bIns="45720" numCol="1" anchor="ctr" anchorCtr="0" compatLnSpc="1">
+            <a:prstTxWarp prst="textNoShape">
+              <a:avLst/>
+            </a:prstTxWarp>
+            <a:spAutoFit/>
+          </a:bodyPr>
+          <a:lstStyle/>
+          <a:p>
+            <a:pPr marL="0" marR="0" lvl="0" indent="0" algn="l" defTabSz="914400" rtl="0" eaLnBrk="0" fontAlgn="base" latinLnBrk="0" hangingPunct="0">
+              <a:lnSpc>
+                <a:spcPct val="100000"/>
+              </a:lnSpc>
+              <a:spcBef>
+                <a:spcPct val="0"/>
+              </a:spcBef>
+              <a:spcAft>
+                <a:spcPct val="0"/>
+              </a:spcAft>
+              <a:buClrTx/>
+              <a:buSzTx/>
+              <a:buFontTx/>
+              <a:buNone/>
+              <a:tabLst/>
+            </a:pPr>
+            <a:r>
+              <a:rPr kumimoji="0" lang="en-US" altLang="en-US" sz="2400" b="0" i="0" u="none" strike="noStrike" cap="none" normalizeH="0" baseline="0" dirty="0" smtClean="0">
+                <a:ln>
+                  <a:noFill/>
+                </a:ln>
+                <a:solidFill>
+                  <a:srgbClr val="000000"/>
+                </a:solidFill>
+                <a:effectLst/>
+                <a:latin typeface="Courier New" panose="02070309020205020404" pitchFamily="49" charset="0"/>
+                <a:cs typeface="Courier New" panose="02070309020205020404" pitchFamily="49" charset="0"/>
+              </a:rPr>
+              <a:t>&lt;</a:t>
+            </a:r>
+            <a:r>
+              <a:rPr kumimoji="0" lang="en-US" altLang="en-US" sz="2400" b="1" i="0" u="none" strike="noStrike" cap="none" normalizeH="0" baseline="0" dirty="0" smtClean="0">
+                <a:ln>
+                  <a:noFill/>
+                </a:ln>
+                <a:solidFill>
+                  <a:srgbClr val="000080"/>
+                </a:solidFill>
+                <a:effectLst/>
+                <a:latin typeface="Courier New" panose="02070309020205020404" pitchFamily="49" charset="0"/>
+                <a:cs typeface="Courier New" panose="02070309020205020404" pitchFamily="49" charset="0"/>
+              </a:rPr>
+              <a:t>dependency</a:t>
+            </a:r>
+            <a:r>
+              <a:rPr kumimoji="0" lang="en-US" altLang="en-US" sz="2400" b="0" i="0" u="none" strike="noStrike" cap="none" normalizeH="0" baseline="0" dirty="0" smtClean="0">
+                <a:ln>
+                  <a:noFill/>
+                </a:ln>
+                <a:solidFill>
+                  <a:srgbClr val="000000"/>
+                </a:solidFill>
+                <a:effectLst/>
+                <a:latin typeface="Courier New" panose="02070309020205020404" pitchFamily="49" charset="0"/>
+                <a:cs typeface="Courier New" panose="02070309020205020404" pitchFamily="49" charset="0"/>
+              </a:rPr>
+              <a:t>&gt;</a:t>
+            </a:r>
+            <a:br>
+              <a:rPr kumimoji="0" lang="en-US" altLang="en-US" sz="2400" b="0" i="0" u="none" strike="noStrike" cap="none" normalizeH="0" baseline="0" dirty="0" smtClean="0">
+                <a:ln>
+                  <a:noFill/>
+                </a:ln>
+                <a:solidFill>
+                  <a:srgbClr val="000000"/>
+                </a:solidFill>
+                <a:effectLst/>
+                <a:latin typeface="Courier New" panose="02070309020205020404" pitchFamily="49" charset="0"/>
+                <a:cs typeface="Courier New" panose="02070309020205020404" pitchFamily="49" charset="0"/>
+              </a:rPr>
+            </a:br>
+            <a:r>
+              <a:rPr kumimoji="0" lang="en-US" altLang="en-US" sz="2400" b="0" i="0" u="none" strike="noStrike" cap="none" normalizeH="0" baseline="0" dirty="0" smtClean="0">
+                <a:ln>
+                  <a:noFill/>
+                </a:ln>
+                <a:solidFill>
+                  <a:srgbClr val="000000"/>
+                </a:solidFill>
+                <a:effectLst/>
+                <a:latin typeface="Courier New" panose="02070309020205020404" pitchFamily="49" charset="0"/>
+                <a:cs typeface="Courier New" panose="02070309020205020404" pitchFamily="49" charset="0"/>
+              </a:rPr>
+              <a:t>    &lt;</a:t>
+            </a:r>
+            <a:r>
+              <a:rPr kumimoji="0" lang="en-US" altLang="en-US" sz="2400" b="1" i="0" u="none" strike="noStrike" cap="none" normalizeH="0" baseline="0" dirty="0" err="1" smtClean="0">
+                <a:ln>
+                  <a:noFill/>
+                </a:ln>
+                <a:solidFill>
+                  <a:srgbClr val="000080"/>
+                </a:solidFill>
+                <a:effectLst/>
+                <a:latin typeface="Courier New" panose="02070309020205020404" pitchFamily="49" charset="0"/>
+                <a:cs typeface="Courier New" panose="02070309020205020404" pitchFamily="49" charset="0"/>
+              </a:rPr>
+              <a:t>groupId</a:t>
+            </a:r>
+            <a:r>
+              <a:rPr kumimoji="0" lang="en-US" altLang="en-US" sz="2400" b="0" i="0" u="none" strike="noStrike" cap="none" normalizeH="0" baseline="0" dirty="0" smtClean="0">
+                <a:ln>
+                  <a:noFill/>
+                </a:ln>
+                <a:solidFill>
+                  <a:srgbClr val="000000"/>
+                </a:solidFill>
+                <a:effectLst/>
+                <a:latin typeface="Courier New" panose="02070309020205020404" pitchFamily="49" charset="0"/>
+                <a:cs typeface="Courier New" panose="02070309020205020404" pitchFamily="49" charset="0"/>
+              </a:rPr>
+              <a:t>&gt;</a:t>
+            </a:r>
+            <a:r>
+              <a:rPr kumimoji="0" lang="en-US" altLang="en-US" sz="2400" b="0" i="0" u="none" strike="noStrike" cap="none" normalizeH="0" baseline="0" dirty="0" err="1" smtClean="0">
+                <a:ln>
+                  <a:noFill/>
+                </a:ln>
+                <a:solidFill>
+                  <a:srgbClr val="000000"/>
+                </a:solidFill>
+                <a:effectLst/>
+                <a:latin typeface="Courier New" panose="02070309020205020404" pitchFamily="49" charset="0"/>
+                <a:cs typeface="Courier New" panose="02070309020205020404" pitchFamily="49" charset="0"/>
+              </a:rPr>
+              <a:t>org.springframework.boot</a:t>
+            </a:r>
+            <a:r>
+              <a:rPr kumimoji="0" lang="en-US" altLang="en-US" sz="2400" b="0" i="0" u="none" strike="noStrike" cap="none" normalizeH="0" baseline="0" dirty="0" smtClean="0">
+                <a:ln>
+                  <a:noFill/>
+                </a:ln>
+                <a:solidFill>
+                  <a:srgbClr val="000000"/>
+                </a:solidFill>
+                <a:effectLst/>
+                <a:latin typeface="Courier New" panose="02070309020205020404" pitchFamily="49" charset="0"/>
+                <a:cs typeface="Courier New" panose="02070309020205020404" pitchFamily="49" charset="0"/>
+              </a:rPr>
+              <a:t>&lt;/</a:t>
+            </a:r>
+            <a:r>
+              <a:rPr kumimoji="0" lang="en-US" altLang="en-US" sz="2400" b="1" i="0" u="none" strike="noStrike" cap="none" normalizeH="0" baseline="0" dirty="0" err="1" smtClean="0">
+                <a:ln>
+                  <a:noFill/>
+                </a:ln>
+                <a:solidFill>
+                  <a:srgbClr val="000080"/>
+                </a:solidFill>
+                <a:effectLst/>
+                <a:latin typeface="Courier New" panose="02070309020205020404" pitchFamily="49" charset="0"/>
+                <a:cs typeface="Courier New" panose="02070309020205020404" pitchFamily="49" charset="0"/>
+              </a:rPr>
+              <a:t>groupId</a:t>
+            </a:r>
+            <a:r>
+              <a:rPr kumimoji="0" lang="en-US" altLang="en-US" sz="2400" b="0" i="0" u="none" strike="noStrike" cap="none" normalizeH="0" baseline="0" dirty="0" smtClean="0">
+                <a:ln>
+                  <a:noFill/>
+                </a:ln>
+                <a:solidFill>
+                  <a:srgbClr val="000000"/>
+                </a:solidFill>
+                <a:effectLst/>
+                <a:latin typeface="Courier New" panose="02070309020205020404" pitchFamily="49" charset="0"/>
+                <a:cs typeface="Courier New" panose="02070309020205020404" pitchFamily="49" charset="0"/>
+              </a:rPr>
+              <a:t>&gt;</a:t>
+            </a:r>
+            <a:br>
+              <a:rPr kumimoji="0" lang="en-US" altLang="en-US" sz="2400" b="0" i="0" u="none" strike="noStrike" cap="none" normalizeH="0" baseline="0" dirty="0" smtClean="0">
+                <a:ln>
+                  <a:noFill/>
+                </a:ln>
+                <a:solidFill>
+                  <a:srgbClr val="000000"/>
+                </a:solidFill>
+                <a:effectLst/>
+                <a:latin typeface="Courier New" panose="02070309020205020404" pitchFamily="49" charset="0"/>
+                <a:cs typeface="Courier New" panose="02070309020205020404" pitchFamily="49" charset="0"/>
+              </a:rPr>
+            </a:br>
+            <a:r>
+              <a:rPr kumimoji="0" lang="en-US" altLang="en-US" sz="2400" b="0" i="0" u="none" strike="noStrike" cap="none" normalizeH="0" baseline="0" dirty="0" smtClean="0">
+                <a:ln>
+                  <a:noFill/>
+                </a:ln>
+                <a:solidFill>
+                  <a:srgbClr val="000000"/>
+                </a:solidFill>
+                <a:effectLst/>
+                <a:latin typeface="Courier New" panose="02070309020205020404" pitchFamily="49" charset="0"/>
+                <a:cs typeface="Courier New" panose="02070309020205020404" pitchFamily="49" charset="0"/>
+              </a:rPr>
+              <a:t>    &lt;</a:t>
+            </a:r>
+            <a:r>
+              <a:rPr kumimoji="0" lang="en-US" altLang="en-US" sz="2400" b="1" i="0" u="none" strike="noStrike" cap="none" normalizeH="0" baseline="0" dirty="0" err="1" smtClean="0">
+                <a:ln>
+                  <a:noFill/>
+                </a:ln>
+                <a:solidFill>
+                  <a:srgbClr val="000080"/>
+                </a:solidFill>
+                <a:effectLst/>
+                <a:latin typeface="Courier New" panose="02070309020205020404" pitchFamily="49" charset="0"/>
+                <a:cs typeface="Courier New" panose="02070309020205020404" pitchFamily="49" charset="0"/>
+              </a:rPr>
+              <a:t>artifactId</a:t>
+            </a:r>
+            <a:r>
+              <a:rPr kumimoji="0" lang="en-US" altLang="en-US" sz="2400" b="0" i="0" u="none" strike="noStrike" cap="none" normalizeH="0" baseline="0" dirty="0" smtClean="0">
+                <a:ln>
+                  <a:noFill/>
+                </a:ln>
+                <a:solidFill>
+                  <a:srgbClr val="000000"/>
+                </a:solidFill>
+                <a:effectLst/>
+                <a:latin typeface="Courier New" panose="02070309020205020404" pitchFamily="49" charset="0"/>
+                <a:cs typeface="Courier New" panose="02070309020205020404" pitchFamily="49" charset="0"/>
+              </a:rPr>
+              <a:t>&gt;spring-boot-starter-parent&lt;/</a:t>
+            </a:r>
+            <a:r>
+              <a:rPr kumimoji="0" lang="en-US" altLang="en-US" sz="2400" b="1" i="0" u="none" strike="noStrike" cap="none" normalizeH="0" baseline="0" dirty="0" err="1" smtClean="0">
+                <a:ln>
+                  <a:noFill/>
+                </a:ln>
+                <a:solidFill>
+                  <a:srgbClr val="000080"/>
+                </a:solidFill>
+                <a:effectLst/>
+                <a:latin typeface="Courier New" panose="02070309020205020404" pitchFamily="49" charset="0"/>
+                <a:cs typeface="Courier New" panose="02070309020205020404" pitchFamily="49" charset="0"/>
+              </a:rPr>
+              <a:t>artifactId</a:t>
+            </a:r>
+            <a:r>
+              <a:rPr kumimoji="0" lang="en-US" altLang="en-US" sz="2400" b="0" i="0" u="none" strike="noStrike" cap="none" normalizeH="0" baseline="0" dirty="0" smtClean="0">
+                <a:ln>
+                  <a:noFill/>
+                </a:ln>
+                <a:solidFill>
+                  <a:srgbClr val="000000"/>
+                </a:solidFill>
+                <a:effectLst/>
+                <a:latin typeface="Courier New" panose="02070309020205020404" pitchFamily="49" charset="0"/>
+                <a:cs typeface="Courier New" panose="02070309020205020404" pitchFamily="49" charset="0"/>
+              </a:rPr>
+              <a:t>&gt;</a:t>
+            </a:r>
+            <a:br>
+              <a:rPr kumimoji="0" lang="en-US" altLang="en-US" sz="2400" b="0" i="0" u="none" strike="noStrike" cap="none" normalizeH="0" baseline="0" dirty="0" smtClean="0">
+                <a:ln>
+                  <a:noFill/>
+                </a:ln>
+                <a:solidFill>
+                  <a:srgbClr val="000000"/>
+                </a:solidFill>
+                <a:effectLst/>
+                <a:latin typeface="Courier New" panose="02070309020205020404" pitchFamily="49" charset="0"/>
+                <a:cs typeface="Courier New" panose="02070309020205020404" pitchFamily="49" charset="0"/>
+              </a:rPr>
+            </a:br>
+            <a:r>
+              <a:rPr kumimoji="0" lang="en-US" altLang="en-US" sz="2400" b="0" i="0" u="none" strike="noStrike" cap="none" normalizeH="0" baseline="0" dirty="0" smtClean="0">
+                <a:ln>
+                  <a:noFill/>
+                </a:ln>
+                <a:solidFill>
+                  <a:srgbClr val="000000"/>
+                </a:solidFill>
+                <a:effectLst/>
+                <a:latin typeface="Courier New" panose="02070309020205020404" pitchFamily="49" charset="0"/>
+                <a:cs typeface="Courier New" panose="02070309020205020404" pitchFamily="49" charset="0"/>
+              </a:rPr>
+              <a:t>    &lt;</a:t>
+            </a:r>
+            <a:r>
+              <a:rPr kumimoji="0" lang="en-US" altLang="en-US" sz="2400" b="1" i="0" u="none" strike="noStrike" cap="none" normalizeH="0" baseline="0" dirty="0" smtClean="0">
+                <a:ln>
+                  <a:noFill/>
+                </a:ln>
+                <a:solidFill>
+                  <a:srgbClr val="000080"/>
+                </a:solidFill>
+                <a:effectLst/>
+                <a:latin typeface="Courier New" panose="02070309020205020404" pitchFamily="49" charset="0"/>
+                <a:cs typeface="Courier New" panose="02070309020205020404" pitchFamily="49" charset="0"/>
+              </a:rPr>
+              <a:t>version</a:t>
+            </a:r>
+            <a:r>
+              <a:rPr kumimoji="0" lang="en-US" altLang="en-US" sz="2400" b="0" i="0" u="none" strike="noStrike" cap="none" normalizeH="0" baseline="0" dirty="0" smtClean="0">
+                <a:ln>
+                  <a:noFill/>
+                </a:ln>
+                <a:solidFill>
+                  <a:srgbClr val="000000"/>
+                </a:solidFill>
+                <a:effectLst/>
+                <a:latin typeface="Courier New" panose="02070309020205020404" pitchFamily="49" charset="0"/>
+                <a:cs typeface="Courier New" panose="02070309020205020404" pitchFamily="49" charset="0"/>
+              </a:rPr>
+              <a:t>&gt;${</a:t>
+            </a:r>
+            <a:r>
+              <a:rPr kumimoji="0" lang="en-US" altLang="en-US" sz="2400" b="0" i="0" u="none" strike="noStrike" cap="none" normalizeH="0" baseline="0" dirty="0" err="1" smtClean="0">
+                <a:ln>
+                  <a:noFill/>
+                </a:ln>
+                <a:solidFill>
+                  <a:srgbClr val="000000"/>
+                </a:solidFill>
+                <a:effectLst/>
+                <a:latin typeface="Courier New" panose="02070309020205020404" pitchFamily="49" charset="0"/>
+                <a:cs typeface="Courier New" panose="02070309020205020404" pitchFamily="49" charset="0"/>
+              </a:rPr>
+              <a:t>version.springboot</a:t>
+            </a:r>
+            <a:r>
+              <a:rPr kumimoji="0" lang="en-US" altLang="en-US" sz="2400" b="0" i="0" u="none" strike="noStrike" cap="none" normalizeH="0" baseline="0" dirty="0" smtClean="0">
+                <a:ln>
+                  <a:noFill/>
+                </a:ln>
+                <a:solidFill>
+                  <a:srgbClr val="000000"/>
+                </a:solidFill>
+                <a:effectLst/>
+                <a:latin typeface="Courier New" panose="02070309020205020404" pitchFamily="49" charset="0"/>
+                <a:cs typeface="Courier New" panose="02070309020205020404" pitchFamily="49" charset="0"/>
+              </a:rPr>
+              <a:t>}&lt;/</a:t>
+            </a:r>
+            <a:r>
+              <a:rPr kumimoji="0" lang="en-US" altLang="en-US" sz="2400" b="1" i="0" u="none" strike="noStrike" cap="none" normalizeH="0" baseline="0" dirty="0" smtClean="0">
+                <a:ln>
+                  <a:noFill/>
+                </a:ln>
+                <a:solidFill>
+                  <a:srgbClr val="000080"/>
+                </a:solidFill>
+                <a:effectLst/>
+                <a:latin typeface="Courier New" panose="02070309020205020404" pitchFamily="49" charset="0"/>
+                <a:cs typeface="Courier New" panose="02070309020205020404" pitchFamily="49" charset="0"/>
+              </a:rPr>
+              <a:t>version</a:t>
+            </a:r>
+            <a:r>
+              <a:rPr kumimoji="0" lang="en-US" altLang="en-US" sz="2400" b="0" i="0" u="none" strike="noStrike" cap="none" normalizeH="0" baseline="0" dirty="0" smtClean="0">
+                <a:ln>
+                  <a:noFill/>
+                </a:ln>
+                <a:solidFill>
+                  <a:srgbClr val="000000"/>
+                </a:solidFill>
+                <a:effectLst/>
+                <a:latin typeface="Courier New" panose="02070309020205020404" pitchFamily="49" charset="0"/>
+                <a:cs typeface="Courier New" panose="02070309020205020404" pitchFamily="49" charset="0"/>
+              </a:rPr>
+              <a:t>&gt;</a:t>
+            </a:r>
+            <a:br>
+              <a:rPr kumimoji="0" lang="en-US" altLang="en-US" sz="2400" b="0" i="0" u="none" strike="noStrike" cap="none" normalizeH="0" baseline="0" dirty="0" smtClean="0">
+                <a:ln>
+                  <a:noFill/>
+                </a:ln>
+                <a:solidFill>
+                  <a:srgbClr val="000000"/>
+                </a:solidFill>
+                <a:effectLst/>
+                <a:latin typeface="Courier New" panose="02070309020205020404" pitchFamily="49" charset="0"/>
+                <a:cs typeface="Courier New" panose="02070309020205020404" pitchFamily="49" charset="0"/>
+              </a:rPr>
+            </a:br>
+            <a:r>
+              <a:rPr kumimoji="0" lang="en-US" altLang="en-US" sz="2400" b="0" i="0" u="none" strike="noStrike" cap="none" normalizeH="0" baseline="0" dirty="0" smtClean="0">
+                <a:ln>
+                  <a:noFill/>
+                </a:ln>
+                <a:solidFill>
+                  <a:srgbClr val="000000"/>
+                </a:solidFill>
+                <a:effectLst/>
+                <a:latin typeface="Courier New" panose="02070309020205020404" pitchFamily="49" charset="0"/>
+                <a:cs typeface="Courier New" panose="02070309020205020404" pitchFamily="49" charset="0"/>
+              </a:rPr>
+              <a:t>    &lt;</a:t>
+            </a:r>
+            <a:r>
+              <a:rPr kumimoji="0" lang="en-US" altLang="en-US" sz="2400" b="1" i="0" u="none" strike="noStrike" cap="none" normalizeH="0" baseline="0" dirty="0" smtClean="0">
+                <a:ln>
+                  <a:noFill/>
+                </a:ln>
+                <a:solidFill>
+                  <a:srgbClr val="000080"/>
+                </a:solidFill>
+                <a:effectLst/>
+                <a:latin typeface="Courier New" panose="02070309020205020404" pitchFamily="49" charset="0"/>
+                <a:cs typeface="Courier New" panose="02070309020205020404" pitchFamily="49" charset="0"/>
+              </a:rPr>
+              <a:t>scope</a:t>
+            </a:r>
+            <a:r>
+              <a:rPr kumimoji="0" lang="en-US" altLang="en-US" sz="2400" b="0" i="0" u="none" strike="noStrike" cap="none" normalizeH="0" baseline="0" dirty="0" smtClean="0">
+                <a:ln>
+                  <a:noFill/>
+                </a:ln>
+                <a:solidFill>
+                  <a:srgbClr val="000000"/>
+                </a:solidFill>
+                <a:effectLst/>
+                <a:latin typeface="Courier New" panose="02070309020205020404" pitchFamily="49" charset="0"/>
+                <a:cs typeface="Courier New" panose="02070309020205020404" pitchFamily="49" charset="0"/>
+              </a:rPr>
+              <a:t>&gt;import&lt;/</a:t>
+            </a:r>
+            <a:r>
+              <a:rPr kumimoji="0" lang="en-US" altLang="en-US" sz="2400" b="1" i="0" u="none" strike="noStrike" cap="none" normalizeH="0" baseline="0" dirty="0" smtClean="0">
+                <a:ln>
+                  <a:noFill/>
+                </a:ln>
+                <a:solidFill>
+                  <a:srgbClr val="000080"/>
+                </a:solidFill>
+                <a:effectLst/>
+                <a:latin typeface="Courier New" panose="02070309020205020404" pitchFamily="49" charset="0"/>
+                <a:cs typeface="Courier New" panose="02070309020205020404" pitchFamily="49" charset="0"/>
+              </a:rPr>
+              <a:t>scope</a:t>
+            </a:r>
+            <a:r>
+              <a:rPr kumimoji="0" lang="en-US" altLang="en-US" sz="2400" b="0" i="0" u="none" strike="noStrike" cap="none" normalizeH="0" baseline="0" dirty="0" smtClean="0">
+                <a:ln>
+                  <a:noFill/>
+                </a:ln>
+                <a:solidFill>
+                  <a:srgbClr val="000000"/>
+                </a:solidFill>
+                <a:effectLst/>
+                <a:latin typeface="Courier New" panose="02070309020205020404" pitchFamily="49" charset="0"/>
+                <a:cs typeface="Courier New" panose="02070309020205020404" pitchFamily="49" charset="0"/>
+              </a:rPr>
+              <a:t>&gt;</a:t>
+            </a:r>
+            <a:br>
+              <a:rPr kumimoji="0" lang="en-US" altLang="en-US" sz="2400" b="0" i="0" u="none" strike="noStrike" cap="none" normalizeH="0" baseline="0" dirty="0" smtClean="0">
+                <a:ln>
+                  <a:noFill/>
+                </a:ln>
+                <a:solidFill>
+                  <a:srgbClr val="000000"/>
+                </a:solidFill>
+                <a:effectLst/>
+                <a:latin typeface="Courier New" panose="02070309020205020404" pitchFamily="49" charset="0"/>
+                <a:cs typeface="Courier New" panose="02070309020205020404" pitchFamily="49" charset="0"/>
+              </a:rPr>
+            </a:br>
+            <a:r>
+              <a:rPr kumimoji="0" lang="en-US" altLang="en-US" sz="2400" b="0" i="0" u="none" strike="noStrike" cap="none" normalizeH="0" baseline="0" dirty="0" smtClean="0">
+                <a:ln>
+                  <a:noFill/>
+                </a:ln>
+                <a:solidFill>
+                  <a:srgbClr val="000000"/>
+                </a:solidFill>
+                <a:effectLst/>
+                <a:latin typeface="Courier New" panose="02070309020205020404" pitchFamily="49" charset="0"/>
+                <a:cs typeface="Courier New" panose="02070309020205020404" pitchFamily="49" charset="0"/>
+              </a:rPr>
+              <a:t>    &lt;</a:t>
+            </a:r>
+            <a:r>
+              <a:rPr kumimoji="0" lang="en-US" altLang="en-US" sz="2400" b="1" i="0" u="none" strike="noStrike" cap="none" normalizeH="0" baseline="0" dirty="0" smtClean="0">
+                <a:ln>
+                  <a:noFill/>
+                </a:ln>
+                <a:solidFill>
+                  <a:srgbClr val="000080"/>
+                </a:solidFill>
+                <a:effectLst/>
+                <a:latin typeface="Courier New" panose="02070309020205020404" pitchFamily="49" charset="0"/>
+                <a:cs typeface="Courier New" panose="02070309020205020404" pitchFamily="49" charset="0"/>
+              </a:rPr>
+              <a:t>type</a:t>
+            </a:r>
+            <a:r>
+              <a:rPr kumimoji="0" lang="en-US" altLang="en-US" sz="2400" b="0" i="0" u="none" strike="noStrike" cap="none" normalizeH="0" baseline="0" dirty="0" smtClean="0">
+                <a:ln>
+                  <a:noFill/>
+                </a:ln>
+                <a:solidFill>
+                  <a:srgbClr val="000000"/>
+                </a:solidFill>
+                <a:effectLst/>
+                <a:latin typeface="Courier New" panose="02070309020205020404" pitchFamily="49" charset="0"/>
+                <a:cs typeface="Courier New" panose="02070309020205020404" pitchFamily="49" charset="0"/>
+              </a:rPr>
+              <a:t>&gt;</a:t>
+            </a:r>
+            <a:r>
+              <a:rPr kumimoji="0" lang="en-US" altLang="en-US" sz="2400" b="0" i="0" u="none" strike="noStrike" cap="none" normalizeH="0" baseline="0" dirty="0" err="1" smtClean="0">
+                <a:ln>
+                  <a:noFill/>
+                </a:ln>
+                <a:solidFill>
+                  <a:srgbClr val="000000"/>
+                </a:solidFill>
+                <a:effectLst/>
+                <a:latin typeface="Courier New" panose="02070309020205020404" pitchFamily="49" charset="0"/>
+                <a:cs typeface="Courier New" panose="02070309020205020404" pitchFamily="49" charset="0"/>
+              </a:rPr>
+              <a:t>pom</a:t>
+            </a:r>
+            <a:r>
+              <a:rPr kumimoji="0" lang="en-US" altLang="en-US" sz="2400" b="0" i="0" u="none" strike="noStrike" cap="none" normalizeH="0" baseline="0" dirty="0" smtClean="0">
+                <a:ln>
+                  <a:noFill/>
+                </a:ln>
+                <a:solidFill>
+                  <a:srgbClr val="000000"/>
+                </a:solidFill>
+                <a:effectLst/>
+                <a:latin typeface="Courier New" panose="02070309020205020404" pitchFamily="49" charset="0"/>
+                <a:cs typeface="Courier New" panose="02070309020205020404" pitchFamily="49" charset="0"/>
+              </a:rPr>
+              <a:t>&lt;/</a:t>
+            </a:r>
+            <a:r>
+              <a:rPr kumimoji="0" lang="en-US" altLang="en-US" sz="2400" b="1" i="0" u="none" strike="noStrike" cap="none" normalizeH="0" baseline="0" dirty="0" smtClean="0">
+                <a:ln>
+                  <a:noFill/>
+                </a:ln>
+                <a:solidFill>
+                  <a:srgbClr val="000080"/>
+                </a:solidFill>
+                <a:effectLst/>
+                <a:latin typeface="Courier New" panose="02070309020205020404" pitchFamily="49" charset="0"/>
+                <a:cs typeface="Courier New" panose="02070309020205020404" pitchFamily="49" charset="0"/>
+              </a:rPr>
+              <a:t>type</a:t>
+            </a:r>
+            <a:r>
+              <a:rPr kumimoji="0" lang="en-US" altLang="en-US" sz="2400" b="0" i="0" u="none" strike="noStrike" cap="none" normalizeH="0" baseline="0" dirty="0" smtClean="0">
+                <a:ln>
+                  <a:noFill/>
+                </a:ln>
+                <a:solidFill>
+                  <a:srgbClr val="000000"/>
+                </a:solidFill>
+                <a:effectLst/>
+                <a:latin typeface="Courier New" panose="02070309020205020404" pitchFamily="49" charset="0"/>
+                <a:cs typeface="Courier New" panose="02070309020205020404" pitchFamily="49" charset="0"/>
+              </a:rPr>
+              <a:t>&gt;</a:t>
+            </a:r>
+            <a:br>
+              <a:rPr kumimoji="0" lang="en-US" altLang="en-US" sz="2400" b="0" i="0" u="none" strike="noStrike" cap="none" normalizeH="0" baseline="0" dirty="0" smtClean="0">
+                <a:ln>
+                  <a:noFill/>
+                </a:ln>
+                <a:solidFill>
+                  <a:srgbClr val="000000"/>
+                </a:solidFill>
+                <a:effectLst/>
+                <a:latin typeface="Courier New" panose="02070309020205020404" pitchFamily="49" charset="0"/>
+                <a:cs typeface="Courier New" panose="02070309020205020404" pitchFamily="49" charset="0"/>
+              </a:rPr>
+            </a:br>
+            <a:r>
+              <a:rPr kumimoji="0" lang="en-US" altLang="en-US" sz="2400" b="0" i="0" u="none" strike="noStrike" cap="none" normalizeH="0" baseline="0" dirty="0" smtClean="0">
+                <a:ln>
+                  <a:noFill/>
+                </a:ln>
+                <a:solidFill>
+                  <a:srgbClr val="000000"/>
+                </a:solidFill>
+                <a:effectLst/>
+                <a:latin typeface="Courier New" panose="02070309020205020404" pitchFamily="49" charset="0"/>
+                <a:cs typeface="Courier New" panose="02070309020205020404" pitchFamily="49" charset="0"/>
+              </a:rPr>
+              <a:t>&lt;/</a:t>
+            </a:r>
+            <a:r>
+              <a:rPr kumimoji="0" lang="en-US" altLang="en-US" sz="2400" b="1" i="0" u="none" strike="noStrike" cap="none" normalizeH="0" baseline="0" dirty="0" smtClean="0">
+                <a:ln>
+                  <a:noFill/>
+                </a:ln>
+                <a:solidFill>
+                  <a:srgbClr val="000080"/>
+                </a:solidFill>
+                <a:effectLst/>
+                <a:latin typeface="Courier New" panose="02070309020205020404" pitchFamily="49" charset="0"/>
+                <a:cs typeface="Courier New" panose="02070309020205020404" pitchFamily="49" charset="0"/>
+              </a:rPr>
+              <a:t>dependency</a:t>
+            </a:r>
+            <a:r>
+              <a:rPr kumimoji="0" lang="en-US" altLang="en-US" sz="2400" b="0" i="0" u="none" strike="noStrike" cap="none" normalizeH="0" baseline="0" dirty="0" smtClean="0">
+                <a:ln>
+                  <a:noFill/>
+                </a:ln>
+                <a:solidFill>
+                  <a:srgbClr val="000000"/>
+                </a:solidFill>
+                <a:effectLst/>
+                <a:latin typeface="Courier New" panose="02070309020205020404" pitchFamily="49" charset="0"/>
+                <a:cs typeface="Courier New" panose="02070309020205020404" pitchFamily="49" charset="0"/>
+              </a:rPr>
+              <a:t>&gt;</a:t>
+            </a:r>
+            <a:endParaRPr kumimoji="0" lang="en-US" altLang="en-US" b="0" i="0" u="none" strike="noStrike" cap="none" normalizeH="0" baseline="0" dirty="0" smtClean="0">
+              <a:ln>
+                <a:noFill/>
+              </a:ln>
+              <a:solidFill>
+                <a:schemeClr val="tx1"/>
+              </a:solidFill>
+              <a:effectLst/>
+              <a:latin typeface="Arial" panose="020B0604020202020204" pitchFamily="34" charset="0"/>
+            </a:endParaRPr>
+          </a:p>
+        </p:txBody>
+      </p:sp>
+    </p:spTree>
+    <p:extLst>
+      <p:ext uri="{BB962C8B-B14F-4D97-AF65-F5344CB8AC3E}">
+        <p14:creationId xmlns:p14="http://schemas.microsoft.com/office/powerpoint/2010/main" val="1950194149"/>
+      </p:ext>
+    </p:extLst>
+  </p:cSld>
+  <p:clrMapOvr>
+    <a:masterClrMapping/>
+  </p:clrMapOvr>
+</p:sld>
+</file>
+
+<file path=ppt/slides/slide39.xml><?xml version="1.0" encoding="utf-8"?>
+<p:sld xmlns:a="http://schemas.openxmlformats.org/drawingml/2006/main" xmlns:r="http://schemas.openxmlformats.org/officeDocument/2006/relationships" xmlns:p="http://schemas.openxmlformats.org/presentationml/2006/main">
+  <p:cSld>
+    <p:spTree>
+      <p:nvGrpSpPr>
+        <p:cNvPr id="1" name=""/>
+        <p:cNvGrpSpPr/>
+        <p:nvPr/>
+      </p:nvGrpSpPr>
+      <p:grpSpPr>
+        <a:xfrm>
+          <a:off x="0" y="0"/>
+          <a:ext cx="0" cy="0"/>
+          <a:chOff x="0" y="0"/>
+          <a:chExt cx="0" cy="0"/>
+        </a:xfrm>
+      </p:grpSpPr>
+      <p:sp>
+        <p:nvSpPr>
+          <p:cNvPr id="3" name="Content Placeholder 2"/>
+          <p:cNvSpPr>
+            <a:spLocks noGrp="1"/>
+          </p:cNvSpPr>
+          <p:nvPr>
+            <p:ph idx="1"/>
+          </p:nvPr>
+        </p:nvSpPr>
+        <p:spPr>
+          <a:xfrm>
+            <a:off x="161365" y="4540831"/>
+            <a:ext cx="11851341" cy="2110113"/>
+          </a:xfrm>
+        </p:spPr>
+        <p:txBody>
+          <a:bodyPr>
+            <a:normAutofit fontScale="92500" lnSpcReduction="20000"/>
+          </a:bodyPr>
+          <a:lstStyle/>
+          <a:p>
+            <a:r>
+              <a:rPr lang="en-US" dirty="0" smtClean="0"/>
+              <a:t>You might use a library in many, many modules</a:t>
+            </a:r>
+          </a:p>
+          <a:p>
+            <a:r>
+              <a:rPr lang="en-US" dirty="0" smtClean="0"/>
+              <a:t>To avoid </a:t>
+            </a:r>
+            <a:r>
+              <a:rPr lang="en-US" dirty="0" err="1" smtClean="0"/>
+              <a:t>copy&amp;paste</a:t>
+            </a:r>
+            <a:r>
+              <a:rPr lang="en-US" dirty="0" smtClean="0"/>
+              <a:t> and maintain </a:t>
+            </a:r>
+            <a:r>
+              <a:rPr lang="en-US" b="1" dirty="0" smtClean="0"/>
+              <a:t>&lt;version&gt;</a:t>
+            </a:r>
+            <a:r>
+              <a:rPr lang="en-US" dirty="0" smtClean="0"/>
+              <a:t>/</a:t>
+            </a:r>
+            <a:r>
+              <a:rPr lang="en-US" b="1" dirty="0" smtClean="0"/>
+              <a:t>&lt;scope&gt;</a:t>
+            </a:r>
+            <a:r>
+              <a:rPr lang="en-US" dirty="0" smtClean="0"/>
+              <a:t> everywhere, </a:t>
+            </a:r>
+            <a:r>
+              <a:rPr lang="en-US" dirty="0"/>
+              <a:t>use </a:t>
+            </a:r>
+            <a:r>
+              <a:rPr lang="en-US" b="1" dirty="0"/>
+              <a:t>&lt;</a:t>
+            </a:r>
+            <a:r>
+              <a:rPr lang="en-US" b="1" dirty="0" err="1"/>
+              <a:t>dependencyManagement</a:t>
+            </a:r>
+            <a:r>
+              <a:rPr lang="en-US" b="1" dirty="0" smtClean="0"/>
+              <a:t>&gt; </a:t>
+            </a:r>
+            <a:r>
+              <a:rPr lang="en-US" dirty="0" smtClean="0"/>
+              <a:t>in a shared ancestor </a:t>
+            </a:r>
+            <a:r>
+              <a:rPr lang="en-US" dirty="0" err="1" smtClean="0"/>
+              <a:t>pom.xml</a:t>
+            </a:r>
+            <a:r>
+              <a:rPr lang="en-US" dirty="0" smtClean="0"/>
+              <a:t>, </a:t>
+            </a:r>
+            <a:r>
+              <a:rPr lang="en-US" dirty="0" err="1" smtClean="0"/>
+              <a:t>eg</a:t>
+            </a:r>
+            <a:r>
+              <a:rPr lang="en-US" dirty="0" smtClean="0"/>
+              <a:t> the root one</a:t>
+            </a:r>
+          </a:p>
+          <a:p>
+            <a:r>
+              <a:rPr lang="en-US" dirty="0" smtClean="0"/>
+              <a:t>All submodules will inherit the </a:t>
+            </a:r>
+            <a:r>
+              <a:rPr lang="en-US" b="1" dirty="0"/>
+              <a:t>&lt;version&gt;</a:t>
+            </a:r>
+            <a:r>
+              <a:rPr lang="en-US" dirty="0"/>
+              <a:t>/</a:t>
+            </a:r>
+            <a:r>
+              <a:rPr lang="en-US" b="1" dirty="0"/>
+              <a:t>&lt;scope&gt;</a:t>
+            </a:r>
+            <a:r>
+              <a:rPr lang="en-US" dirty="0"/>
+              <a:t> </a:t>
+            </a:r>
+            <a:r>
+              <a:rPr lang="en-US" dirty="0" smtClean="0"/>
+              <a:t>values</a:t>
+            </a:r>
+            <a:endParaRPr lang="en-US" dirty="0"/>
+          </a:p>
+        </p:txBody>
+      </p:sp>
+      <p:sp>
+        <p:nvSpPr>
+          <p:cNvPr id="4" name="TextBox 3"/>
+          <p:cNvSpPr txBox="1"/>
+          <p:nvPr/>
+        </p:nvSpPr>
+        <p:spPr>
+          <a:xfrm>
+            <a:off x="773850" y="448235"/>
+            <a:ext cx="4424226" cy="3785652"/>
+          </a:xfrm>
+          <a:prstGeom prst="rect">
+            <a:avLst/>
+          </a:prstGeom>
+          <a:noFill/>
+        </p:spPr>
+        <p:txBody>
+          <a:bodyPr wrap="square" rtlCol="0">
+            <a:spAutoFit/>
+          </a:bodyPr>
+          <a:lstStyle/>
+          <a:p>
+            <a:r>
+              <a:rPr lang="en-US" sz="2400" dirty="0" smtClean="0"/>
+              <a:t>// in intermediate </a:t>
+            </a:r>
+            <a:r>
+              <a:rPr lang="en-US" sz="2400" dirty="0" err="1" smtClean="0"/>
+              <a:t>pom.xml</a:t>
+            </a:r>
+            <a:endParaRPr lang="en-US" sz="2400" dirty="0" smtClean="0"/>
+          </a:p>
+          <a:p>
+            <a:r>
+              <a:rPr lang="en-US" sz="2400" dirty="0" smtClean="0"/>
+              <a:t>&lt;</a:t>
+            </a:r>
+            <a:r>
+              <a:rPr lang="en-US" sz="2400" b="1" dirty="0" err="1"/>
+              <a:t>dependencyManagement</a:t>
+            </a:r>
+            <a:r>
+              <a:rPr lang="en-US" sz="2400" dirty="0"/>
+              <a:t>&gt;</a:t>
+            </a:r>
+            <a:br>
+              <a:rPr lang="en-US" sz="2400" dirty="0"/>
+            </a:br>
+            <a:r>
+              <a:rPr lang="en-US" sz="2400" dirty="0"/>
+              <a:t>    &lt;</a:t>
+            </a:r>
+            <a:r>
+              <a:rPr lang="en-US" sz="2400" b="1" dirty="0"/>
+              <a:t>dependencies</a:t>
+            </a:r>
+            <a:r>
+              <a:rPr lang="en-US" sz="2400" dirty="0" smtClean="0"/>
+              <a:t>&gt;</a:t>
+            </a:r>
+          </a:p>
+          <a:p>
+            <a:r>
+              <a:rPr lang="en-US" sz="2400" dirty="0" smtClean="0"/>
+              <a:t>       </a:t>
+            </a:r>
+            <a:r>
+              <a:rPr lang="en-US" sz="2400" dirty="0"/>
+              <a:t>&lt;</a:t>
+            </a:r>
+            <a:r>
+              <a:rPr lang="en-US" sz="2400" b="1" dirty="0"/>
+              <a:t>dependency</a:t>
+            </a:r>
+            <a:r>
+              <a:rPr lang="en-US" sz="2400" dirty="0"/>
+              <a:t>&gt;</a:t>
+            </a:r>
+            <a:br>
+              <a:rPr lang="en-US" sz="2400" dirty="0"/>
+            </a:br>
+            <a:r>
+              <a:rPr lang="en-US" sz="2400" dirty="0" smtClean="0"/>
+              <a:t>         </a:t>
+            </a:r>
+            <a:r>
+              <a:rPr lang="en-US" sz="2400" dirty="0"/>
+              <a:t>&lt;</a:t>
+            </a:r>
+            <a:r>
+              <a:rPr lang="en-US" sz="2400" b="1" dirty="0" err="1"/>
+              <a:t>groupId</a:t>
+            </a:r>
+            <a:r>
+              <a:rPr lang="en-US" sz="2400" dirty="0"/>
+              <a:t>&gt;</a:t>
+            </a:r>
+            <a:r>
+              <a:rPr lang="en-US" sz="2400" dirty="0" err="1"/>
+              <a:t>junit</a:t>
+            </a:r>
+            <a:r>
+              <a:rPr lang="en-US" sz="2400" dirty="0"/>
+              <a:t>&lt;/</a:t>
+            </a:r>
+            <a:r>
+              <a:rPr lang="en-US" sz="2400" b="1" dirty="0" err="1"/>
+              <a:t>groupId</a:t>
+            </a:r>
+            <a:r>
+              <a:rPr lang="en-US" sz="2400" dirty="0"/>
+              <a:t>&gt;</a:t>
+            </a:r>
+            <a:br>
+              <a:rPr lang="en-US" sz="2400" dirty="0"/>
+            </a:br>
+            <a:r>
+              <a:rPr lang="en-US" sz="2400" dirty="0" smtClean="0"/>
+              <a:t>         </a:t>
+            </a:r>
+            <a:r>
+              <a:rPr lang="en-US" sz="2400" dirty="0"/>
+              <a:t>&lt;</a:t>
+            </a:r>
+            <a:r>
+              <a:rPr lang="en-US" sz="2400" b="1" dirty="0" err="1"/>
+              <a:t>artifactId</a:t>
+            </a:r>
+            <a:r>
+              <a:rPr lang="en-US" sz="2400" dirty="0"/>
+              <a:t>&gt;</a:t>
+            </a:r>
+            <a:r>
+              <a:rPr lang="en-US" sz="2400" dirty="0" err="1"/>
+              <a:t>junit</a:t>
+            </a:r>
+            <a:r>
+              <a:rPr lang="en-US" sz="2400" dirty="0"/>
+              <a:t>&lt;/</a:t>
+            </a:r>
+            <a:r>
+              <a:rPr lang="en-US" sz="2400" b="1" dirty="0" err="1"/>
+              <a:t>artifactId</a:t>
+            </a:r>
+            <a:r>
+              <a:rPr lang="en-US" sz="2400" dirty="0"/>
+              <a:t>&gt;</a:t>
+            </a:r>
+            <a:br>
+              <a:rPr lang="en-US" sz="2400" dirty="0"/>
+            </a:br>
+            <a:r>
+              <a:rPr lang="en-US" sz="2400" dirty="0" smtClean="0"/>
+              <a:t>         </a:t>
+            </a:r>
+            <a:r>
+              <a:rPr lang="en-US" sz="2400" dirty="0"/>
+              <a:t>&lt;</a:t>
+            </a:r>
+            <a:r>
+              <a:rPr lang="en-US" sz="2400" b="1" dirty="0"/>
+              <a:t>version</a:t>
+            </a:r>
+            <a:r>
+              <a:rPr lang="en-US" sz="2400" dirty="0"/>
+              <a:t>&gt;4.12&lt;/</a:t>
+            </a:r>
+            <a:r>
+              <a:rPr lang="en-US" sz="2400" b="1" dirty="0"/>
+              <a:t>version</a:t>
+            </a:r>
+            <a:r>
+              <a:rPr lang="en-US" sz="2400" dirty="0"/>
+              <a:t>&gt;</a:t>
+            </a:r>
+            <a:br>
+              <a:rPr lang="en-US" sz="2400" dirty="0"/>
+            </a:br>
+            <a:r>
+              <a:rPr lang="en-US" sz="2400" dirty="0" smtClean="0"/>
+              <a:t>         </a:t>
+            </a:r>
+            <a:r>
+              <a:rPr lang="en-US" sz="2400" dirty="0"/>
+              <a:t>&lt;</a:t>
+            </a:r>
+            <a:r>
+              <a:rPr lang="en-US" sz="2400" b="1" dirty="0"/>
+              <a:t>scope</a:t>
+            </a:r>
+            <a:r>
+              <a:rPr lang="en-US" sz="2400" dirty="0"/>
+              <a:t>&gt;test&lt;/</a:t>
+            </a:r>
+            <a:r>
+              <a:rPr lang="en-US" sz="2400" b="1" dirty="0"/>
+              <a:t>scope</a:t>
+            </a:r>
+            <a:r>
+              <a:rPr lang="en-US" sz="2400" dirty="0"/>
+              <a:t>&gt;</a:t>
+            </a:r>
+            <a:br>
+              <a:rPr lang="en-US" sz="2400" dirty="0"/>
+            </a:br>
+            <a:r>
+              <a:rPr lang="en-US" sz="2400" dirty="0" smtClean="0"/>
+              <a:t>    &lt;/</a:t>
+            </a:r>
+            <a:r>
+              <a:rPr lang="en-US" sz="2400" b="1" dirty="0"/>
+              <a:t>dependency</a:t>
+            </a:r>
+            <a:r>
+              <a:rPr lang="en-US" sz="2400" dirty="0"/>
+              <a:t>&gt;</a:t>
+            </a:r>
+          </a:p>
+          <a:p>
+            <a:endParaRPr lang="en-US" sz="2400" dirty="0"/>
+          </a:p>
+        </p:txBody>
+      </p:sp>
+      <p:sp>
+        <p:nvSpPr>
+          <p:cNvPr id="5" name="TextBox 4"/>
+          <p:cNvSpPr txBox="1"/>
+          <p:nvPr/>
+        </p:nvSpPr>
+        <p:spPr>
+          <a:xfrm>
+            <a:off x="6816062" y="448235"/>
+            <a:ext cx="4758100" cy="3046988"/>
+          </a:xfrm>
+          <a:prstGeom prst="rect">
+            <a:avLst/>
+          </a:prstGeom>
+          <a:noFill/>
+        </p:spPr>
+        <p:txBody>
+          <a:bodyPr wrap="square" rtlCol="0">
+            <a:spAutoFit/>
+          </a:bodyPr>
+          <a:lstStyle/>
+          <a:p>
+            <a:r>
+              <a:rPr lang="en-US" sz="2400" dirty="0" smtClean="0"/>
+              <a:t>   //in modules building JAR/WAR</a:t>
+            </a:r>
+          </a:p>
+          <a:p>
+            <a:r>
+              <a:rPr lang="en-US" sz="2400" dirty="0"/>
+              <a:t> </a:t>
+            </a:r>
+            <a:r>
+              <a:rPr lang="en-US" sz="2400" dirty="0" smtClean="0"/>
+              <a:t>  &lt;</a:t>
+            </a:r>
+            <a:r>
+              <a:rPr lang="en-US" sz="2400" b="1" dirty="0"/>
+              <a:t>dependencies</a:t>
+            </a:r>
+            <a:r>
+              <a:rPr lang="en-US" sz="2400" dirty="0"/>
+              <a:t>&gt;</a:t>
+            </a:r>
+          </a:p>
+          <a:p>
+            <a:r>
+              <a:rPr lang="en-US" sz="2400" dirty="0"/>
+              <a:t>       &lt;</a:t>
+            </a:r>
+            <a:r>
+              <a:rPr lang="en-US" sz="2400" b="1" dirty="0"/>
+              <a:t>dependency</a:t>
+            </a:r>
+            <a:r>
+              <a:rPr lang="en-US" sz="2400" dirty="0"/>
+              <a:t>&gt;</a:t>
+            </a:r>
+            <a:br>
+              <a:rPr lang="en-US" sz="2400" dirty="0"/>
+            </a:br>
+            <a:r>
+              <a:rPr lang="en-US" sz="2400" dirty="0"/>
+              <a:t>         &lt;</a:t>
+            </a:r>
+            <a:r>
+              <a:rPr lang="en-US" sz="2400" b="1" dirty="0" err="1"/>
+              <a:t>groupId</a:t>
+            </a:r>
+            <a:r>
+              <a:rPr lang="en-US" sz="2400" dirty="0"/>
+              <a:t>&gt;</a:t>
+            </a:r>
+            <a:r>
+              <a:rPr lang="en-US" sz="2400" dirty="0" err="1"/>
+              <a:t>junit</a:t>
+            </a:r>
+            <a:r>
+              <a:rPr lang="en-US" sz="2400" dirty="0"/>
+              <a:t>&lt;/</a:t>
+            </a:r>
+            <a:r>
+              <a:rPr lang="en-US" sz="2400" b="1" dirty="0" err="1"/>
+              <a:t>groupId</a:t>
+            </a:r>
+            <a:r>
+              <a:rPr lang="en-US" sz="2400" dirty="0"/>
+              <a:t>&gt;</a:t>
+            </a:r>
+            <a:br>
+              <a:rPr lang="en-US" sz="2400" dirty="0"/>
+            </a:br>
+            <a:r>
+              <a:rPr lang="en-US" sz="2400" dirty="0"/>
+              <a:t>         &lt;</a:t>
+            </a:r>
+            <a:r>
+              <a:rPr lang="en-US" sz="2400" b="1" dirty="0" err="1"/>
+              <a:t>artifactId</a:t>
+            </a:r>
+            <a:r>
+              <a:rPr lang="en-US" sz="2400" dirty="0"/>
+              <a:t>&gt;</a:t>
+            </a:r>
+            <a:r>
+              <a:rPr lang="en-US" sz="2400" dirty="0" err="1"/>
+              <a:t>junit</a:t>
+            </a:r>
+            <a:r>
+              <a:rPr lang="en-US" sz="2400" dirty="0"/>
+              <a:t>&lt;/</a:t>
+            </a:r>
+            <a:r>
+              <a:rPr lang="en-US" sz="2400" b="1" dirty="0" err="1"/>
+              <a:t>artifactId</a:t>
+            </a:r>
+            <a:r>
+              <a:rPr lang="en-US" sz="2400" dirty="0" smtClean="0"/>
+              <a:t>&gt;         </a:t>
+            </a:r>
+            <a:r>
+              <a:rPr lang="en-US" sz="2400" dirty="0"/>
+              <a:t/>
+            </a:r>
+            <a:br>
+              <a:rPr lang="en-US" sz="2400" dirty="0"/>
+            </a:br>
+            <a:r>
+              <a:rPr lang="en-US" sz="2400" dirty="0"/>
+              <a:t>    &lt;/</a:t>
+            </a:r>
+            <a:r>
+              <a:rPr lang="en-US" sz="2400" b="1" dirty="0"/>
+              <a:t>dependency</a:t>
+            </a:r>
+            <a:r>
+              <a:rPr lang="en-US" sz="2400" dirty="0"/>
+              <a:t>&gt;</a:t>
+            </a:r>
+          </a:p>
+          <a:p>
+            <a:endParaRPr lang="en-US" sz="2400" dirty="0"/>
+          </a:p>
+          <a:p>
+            <a:endParaRPr lang="en-US" sz="2400" dirty="0"/>
+          </a:p>
+        </p:txBody>
+      </p:sp>
+    </p:spTree>
+    <p:extLst>
+      <p:ext uri="{BB962C8B-B14F-4D97-AF65-F5344CB8AC3E}">
+        <p14:creationId xmlns:p14="http://schemas.microsoft.com/office/powerpoint/2010/main" val="2038416282"/>
+      </p:ext>
+    </p:extLst>
+  </p:cSld>
+  <p:clrMapOvr>
+    <a:masterClrMapping/>
+  </p:clrMapOvr>
+</p:sld>
+</file>
+
+<file path=ppt/slides/slide4.xml><?xml version="1.0" encoding="utf-8"?>
+<p:sld xmlns:a="http://schemas.openxmlformats.org/drawingml/2006/main" xmlns:r="http://schemas.openxmlformats.org/officeDocument/2006/relationships" xmlns:p="http://schemas.openxmlformats.org/presentationml/2006/main">
+  <p:cSld>
+    <p:spTree>
+      <p:nvGrpSpPr>
+        <p:cNvPr id="1" name=""/>
+        <p:cNvGrpSpPr/>
+        <p:nvPr/>
+      </p:nvGrpSpPr>
+      <p:grpSpPr>
+        <a:xfrm>
+          <a:off x="0" y="0"/>
+          <a:ext cx="0" cy="0"/>
+          <a:chOff x="0" y="0"/>
+          <a:chExt cx="0" cy="0"/>
+        </a:xfrm>
+      </p:grpSpPr>
+      <p:sp>
+        <p:nvSpPr>
+          <p:cNvPr id="2" name="Title 1"/>
+          <p:cNvSpPr>
+            <a:spLocks noGrp="1"/>
+          </p:cNvSpPr>
+          <p:nvPr>
+            <p:ph type="title"/>
+          </p:nvPr>
+        </p:nvSpPr>
+        <p:spPr/>
+        <p:txBody>
+          <a:bodyPr/>
+          <a:lstStyle/>
+          <a:p>
+            <a:r>
+              <a:rPr lang="en-US" dirty="0" smtClean="0"/>
+              <a:t>Necessary Tools</a:t>
+            </a:r>
+            <a:endParaRPr lang="en-US" dirty="0"/>
+          </a:p>
+        </p:txBody>
+      </p:sp>
+      <p:sp>
+        <p:nvSpPr>
+          <p:cNvPr id="3" name="Content Placeholder 2"/>
+          <p:cNvSpPr>
+            <a:spLocks noGrp="1"/>
+          </p:cNvSpPr>
+          <p:nvPr>
+            <p:ph idx="1"/>
+          </p:nvPr>
+        </p:nvSpPr>
+        <p:spPr>
+          <a:xfrm>
+            <a:off x="838200" y="1825624"/>
+            <a:ext cx="10515600" cy="4666615"/>
+          </a:xfrm>
+        </p:spPr>
+        <p:txBody>
+          <a:bodyPr>
+            <a:normAutofit fontScale="92500" lnSpcReduction="10000"/>
+          </a:bodyPr>
+          <a:lstStyle/>
+          <a:p>
+            <a:r>
+              <a:rPr lang="en-US" dirty="0" smtClean="0"/>
+              <a:t>JDK </a:t>
+            </a:r>
+            <a:r>
+              <a:rPr lang="en-US" b="1" dirty="0" smtClean="0"/>
+              <a:t>8</a:t>
+            </a:r>
+          </a:p>
+          <a:p>
+            <a:pPr lvl="1"/>
+            <a:r>
+              <a:rPr lang="en-US" dirty="0" smtClean="0"/>
+              <a:t>not any other version, but exactly </a:t>
+            </a:r>
+            <a:r>
+              <a:rPr lang="en-US" b="1" dirty="0" smtClean="0"/>
+              <a:t>8</a:t>
+            </a:r>
+            <a:endParaRPr lang="en-US" b="1" dirty="0" smtClean="0"/>
+          </a:p>
+          <a:p>
+            <a:r>
+              <a:rPr lang="en-US" dirty="0" err="1" smtClean="0"/>
+              <a:t>Git</a:t>
+            </a:r>
+            <a:endParaRPr lang="en-US" dirty="0" smtClean="0"/>
+          </a:p>
+          <a:p>
+            <a:r>
+              <a:rPr lang="en-US" dirty="0" smtClean="0"/>
+              <a:t>Maven</a:t>
+            </a:r>
+          </a:p>
+          <a:p>
+            <a:r>
+              <a:rPr lang="en-US" dirty="0" smtClean="0"/>
+              <a:t>An IDE (I strongly recommend IntelliJ IDEA)</a:t>
+            </a:r>
+          </a:p>
+          <a:p>
+            <a:r>
+              <a:rPr lang="en-US" dirty="0" smtClean="0"/>
+              <a:t>Docker</a:t>
+            </a:r>
+          </a:p>
+          <a:p>
+            <a:r>
+              <a:rPr lang="en-US" dirty="0" smtClean="0"/>
+              <a:t>A Bash command-line terminal </a:t>
+            </a:r>
+          </a:p>
+          <a:p>
+            <a:pPr lvl="1"/>
+            <a:r>
+              <a:rPr lang="en-US" dirty="0" smtClean="0"/>
+              <a:t>Mac/Linux: use the built-in one</a:t>
+            </a:r>
+          </a:p>
+          <a:p>
+            <a:pPr lvl="1"/>
+            <a:r>
+              <a:rPr lang="en-US" dirty="0" smtClean="0"/>
+              <a:t>Windows: I recommend </a:t>
+            </a:r>
+            <a:r>
+              <a:rPr lang="en-US" dirty="0" err="1" smtClean="0"/>
+              <a:t>GitBash</a:t>
+            </a:r>
+            <a:endParaRPr lang="en-US" dirty="0"/>
+          </a:p>
+        </p:txBody>
+      </p:sp>
+    </p:spTree>
+    <p:extLst>
+      <p:ext uri="{BB962C8B-B14F-4D97-AF65-F5344CB8AC3E}">
+        <p14:creationId xmlns:p14="http://schemas.microsoft.com/office/powerpoint/2010/main" val="1850424314"/>
+      </p:ext>
+    </p:extLst>
+  </p:cSld>
+  <p:clrMapOvr>
+    <a:masterClrMapping/>
+  </p:clrMapOvr>
+</p:sld>
+</file>
+
+<file path=ppt/slides/slide40.xml><?xml version="1.0" encoding="utf-8"?>
+<p:sld xmlns:a="http://schemas.openxmlformats.org/drawingml/2006/main" xmlns:r="http://schemas.openxmlformats.org/officeDocument/2006/relationships" xmlns:p="http://schemas.openxmlformats.org/presentationml/2006/main">
+  <p:cSld>
+    <p:spTree>
+      <p:nvGrpSpPr>
+        <p:cNvPr id="1" name=""/>
+        <p:cNvGrpSpPr/>
+        <p:nvPr/>
+      </p:nvGrpSpPr>
+      <p:grpSpPr>
+        <a:xfrm>
+          <a:off x="0" y="0"/>
+          <a:ext cx="0" cy="0"/>
+          <a:chOff x="0" y="0"/>
+          <a:chExt cx="0" cy="0"/>
+        </a:xfrm>
+      </p:grpSpPr>
+      <p:sp>
+        <p:nvSpPr>
+          <p:cNvPr id="2" name="Title 1"/>
+          <p:cNvSpPr>
+            <a:spLocks noGrp="1"/>
+          </p:cNvSpPr>
+          <p:nvPr>
+            <p:ph type="title"/>
+          </p:nvPr>
+        </p:nvSpPr>
+        <p:spPr/>
+        <p:txBody>
+          <a:bodyPr/>
+          <a:lstStyle/>
+          <a:p>
+            <a:r>
+              <a:rPr lang="en-US" dirty="0" smtClean="0"/>
               <a:t>Transitive Dependencies</a:t>
             </a:r>
             <a:endParaRPr lang="en-US" dirty="0"/>
@@ -9513,7 +10932,15 @@
           <a:p>
             <a:r>
               <a:rPr lang="en-US" dirty="0" smtClean="0"/>
-              <a:t>Can use IntelliJ “Maven Projects” view to see exactly what is used in a module</a:t>
+              <a:t>Can use IntelliJ “</a:t>
+            </a:r>
+            <a:r>
+              <a:rPr lang="en-US" i="1" dirty="0" smtClean="0"/>
+              <a:t>Maven Projects</a:t>
+            </a:r>
+            <a:r>
+              <a:rPr lang="en-US" dirty="0" smtClean="0"/>
+              <a:t>” view to see exactly what is used in a module</a:t>
             </a:r>
           </a:p>
           <a:p>
@@ -9592,1228 +11019,6 @@
 </p:sld>
 </file>
 
-<file path=ppt/slides/slide39.xml><?xml version="1.0" encoding="utf-8"?>
-<p:sld xmlns:a="http://schemas.openxmlformats.org/drawingml/2006/main" xmlns:r="http://schemas.openxmlformats.org/officeDocument/2006/relationships" xmlns:p="http://schemas.openxmlformats.org/presentationml/2006/main">
-  <p:cSld>
-    <p:spTree>
-      <p:nvGrpSpPr>
-        <p:cNvPr id="1" name=""/>
-        <p:cNvGrpSpPr/>
-        <p:nvPr/>
-      </p:nvGrpSpPr>
-      <p:grpSpPr>
-        <a:xfrm>
-          <a:off x="0" y="0"/>
-          <a:ext cx="0" cy="0"/>
-          <a:chOff x="0" y="0"/>
-          <a:chExt cx="0" cy="0"/>
-        </a:xfrm>
-      </p:grpSpPr>
-      <p:sp>
-        <p:nvSpPr>
-          <p:cNvPr id="2" name="Title 1"/>
-          <p:cNvSpPr>
-            <a:spLocks noGrp="1"/>
-          </p:cNvSpPr>
-          <p:nvPr>
-            <p:ph type="title"/>
-          </p:nvPr>
-        </p:nvSpPr>
-        <p:spPr/>
-        <p:txBody>
-          <a:bodyPr/>
-          <a:lstStyle/>
-          <a:p>
-            <a:r>
-              <a:rPr lang="en-US" dirty="0" smtClean="0"/>
-              <a:t>Properties ${}</a:t>
-            </a:r>
-            <a:endParaRPr lang="en-US" dirty="0"/>
-          </a:p>
-        </p:txBody>
-      </p:sp>
-      <p:sp>
-        <p:nvSpPr>
-          <p:cNvPr id="5" name="TextBox 4"/>
-          <p:cNvSpPr txBox="1"/>
-          <p:nvPr/>
-        </p:nvSpPr>
-        <p:spPr>
-          <a:xfrm>
-            <a:off x="405516" y="1757239"/>
-            <a:ext cx="6221447" cy="3539430"/>
-          </a:xfrm>
-          <a:prstGeom prst="rect">
-            <a:avLst/>
-          </a:prstGeom>
-          <a:noFill/>
-        </p:spPr>
-        <p:txBody>
-          <a:bodyPr wrap="none" rtlCol="0">
-            <a:spAutoFit/>
-          </a:bodyPr>
-          <a:lstStyle/>
-          <a:p>
-            <a:r>
-              <a:rPr lang="en-US" sz="1400" dirty="0"/>
-              <a:t>&lt;</a:t>
-            </a:r>
-            <a:r>
-              <a:rPr lang="en-US" sz="1400" b="1" dirty="0"/>
-              <a:t>properties</a:t>
-            </a:r>
-            <a:r>
-              <a:rPr lang="en-US" sz="1400" dirty="0"/>
-              <a:t>&gt;</a:t>
-            </a:r>
-            <a:br>
-              <a:rPr lang="en-US" sz="1400" dirty="0"/>
-            </a:br>
-            <a:r>
-              <a:rPr lang="en-US" sz="1400" dirty="0"/>
-              <a:t>    &lt;</a:t>
-            </a:r>
-            <a:r>
-              <a:rPr lang="en-US" sz="1400" b="1" dirty="0" err="1"/>
-              <a:t>project.build.sourceEncoding</a:t>
-            </a:r>
-            <a:r>
-              <a:rPr lang="en-US" sz="1400" dirty="0"/>
-              <a:t>&gt;UTF-8&lt;/</a:t>
-            </a:r>
-            <a:r>
-              <a:rPr lang="en-US" sz="1400" b="1" dirty="0" err="1"/>
-              <a:t>project.build.sourceEncoding</a:t>
-            </a:r>
-            <a:r>
-              <a:rPr lang="en-US" sz="1400" dirty="0"/>
-              <a:t>&gt;</a:t>
-            </a:r>
-            <a:br>
-              <a:rPr lang="en-US" sz="1400" dirty="0"/>
-            </a:br>
-            <a:r>
-              <a:rPr lang="en-US" sz="1400" dirty="0"/>
-              <a:t>    &lt;</a:t>
-            </a:r>
-            <a:r>
-              <a:rPr lang="en-US" sz="1400" b="1" dirty="0" err="1"/>
-              <a:t>project.build.sourceEncoding</a:t>
-            </a:r>
-            <a:r>
-              <a:rPr lang="en-US" sz="1400" dirty="0"/>
-              <a:t>&gt;UTF-8&lt;/</a:t>
-            </a:r>
-            <a:r>
-              <a:rPr lang="en-US" sz="1400" b="1" dirty="0" err="1"/>
-              <a:t>project.build.sourceEncoding</a:t>
-            </a:r>
-            <a:r>
-              <a:rPr lang="en-US" sz="1400" dirty="0"/>
-              <a:t>&gt;</a:t>
-            </a:r>
-            <a:br>
-              <a:rPr lang="en-US" sz="1400" dirty="0"/>
-            </a:br>
-            <a:r>
-              <a:rPr lang="en-US" sz="1400" dirty="0"/>
-              <a:t>    &lt;</a:t>
-            </a:r>
-            <a:r>
-              <a:rPr lang="en-US" sz="1400" b="1" dirty="0" err="1"/>
-              <a:t>project.reporting.outputEncoding</a:t>
-            </a:r>
-            <a:r>
-              <a:rPr lang="en-US" sz="1400" dirty="0"/>
-              <a:t>&gt;UTF-8&lt;/</a:t>
-            </a:r>
-            <a:r>
-              <a:rPr lang="en-US" sz="1400" b="1" dirty="0" err="1"/>
-              <a:t>project.reporting.outputEncoding</a:t>
-            </a:r>
-            <a:r>
-              <a:rPr lang="en-US" sz="1400" dirty="0"/>
-              <a:t>&gt;</a:t>
-            </a:r>
-            <a:br>
-              <a:rPr lang="en-US" sz="1400" dirty="0"/>
-            </a:br>
-            <a:r>
-              <a:rPr lang="en-US" sz="1400" dirty="0"/>
-              <a:t>    &lt;</a:t>
-            </a:r>
-            <a:r>
-              <a:rPr lang="en-US" sz="1400" b="1" dirty="0"/>
-              <a:t>fs</a:t>
-            </a:r>
-            <a:r>
-              <a:rPr lang="en-US" sz="1400" dirty="0"/>
-              <a:t>&gt;${</a:t>
-            </a:r>
-            <a:r>
-              <a:rPr lang="en-US" sz="1400" dirty="0" err="1"/>
-              <a:t>file.separator</a:t>
-            </a:r>
-            <a:r>
-              <a:rPr lang="en-US" sz="1400" dirty="0"/>
-              <a:t>}&lt;/</a:t>
-            </a:r>
-            <a:r>
-              <a:rPr lang="en-US" sz="1400" b="1" dirty="0"/>
-              <a:t>fs</a:t>
-            </a:r>
-            <a:r>
-              <a:rPr lang="en-US" sz="1400" dirty="0"/>
-              <a:t>&gt;</a:t>
-            </a:r>
-            <a:br>
-              <a:rPr lang="en-US" sz="1400" dirty="0"/>
-            </a:br>
-            <a:r>
-              <a:rPr lang="en-US" sz="1400" dirty="0"/>
-              <a:t>    &lt;</a:t>
-            </a:r>
-            <a:r>
-              <a:rPr lang="en-US" sz="1400" b="1" dirty="0" err="1"/>
-              <a:t>version.java</a:t>
-            </a:r>
-            <a:r>
-              <a:rPr lang="en-US" sz="1400" dirty="0"/>
-              <a:t>&gt;1.8&lt;/</a:t>
-            </a:r>
-            <a:r>
-              <a:rPr lang="en-US" sz="1400" b="1" dirty="0" err="1"/>
-              <a:t>version.java</a:t>
-            </a:r>
-            <a:r>
-              <a:rPr lang="en-US" sz="1400" dirty="0"/>
-              <a:t>&gt;</a:t>
-            </a:r>
-            <a:br>
-              <a:rPr lang="en-US" sz="1400" dirty="0"/>
-            </a:br>
-            <a:r>
-              <a:rPr lang="en-US" sz="1400" dirty="0"/>
-              <a:t>    &lt;</a:t>
-            </a:r>
-            <a:r>
-              <a:rPr lang="en-US" sz="1400" b="1" dirty="0" err="1"/>
-              <a:t>version.jacoco</a:t>
-            </a:r>
-            <a:r>
-              <a:rPr lang="en-US" sz="1400" dirty="0"/>
-              <a:t>&gt;0.7.9&lt;/</a:t>
-            </a:r>
-            <a:r>
-              <a:rPr lang="en-US" sz="1400" b="1" dirty="0" err="1"/>
-              <a:t>version.jacoco</a:t>
-            </a:r>
-            <a:r>
-              <a:rPr lang="en-US" sz="1400" dirty="0"/>
-              <a:t>&gt;</a:t>
-            </a:r>
-            <a:br>
-              <a:rPr lang="en-US" sz="1400" dirty="0"/>
-            </a:br>
-            <a:r>
-              <a:rPr lang="en-US" sz="1400" dirty="0"/>
-              <a:t>    &lt;</a:t>
-            </a:r>
-            <a:r>
-              <a:rPr lang="en-US" sz="1400" b="1" dirty="0" err="1"/>
-              <a:t>version.javax.el</a:t>
-            </a:r>
-            <a:r>
-              <a:rPr lang="en-US" sz="1400" dirty="0"/>
-              <a:t>&gt;2.2.4&lt;/</a:t>
-            </a:r>
-            <a:r>
-              <a:rPr lang="en-US" sz="1400" b="1" dirty="0" err="1"/>
-              <a:t>version.javax.el</a:t>
-            </a:r>
-            <a:r>
-              <a:rPr lang="en-US" sz="1400" dirty="0"/>
-              <a:t>&gt;</a:t>
-            </a:r>
-            <a:br>
-              <a:rPr lang="en-US" sz="1400" dirty="0"/>
-            </a:br>
-            <a:r>
-              <a:rPr lang="en-US" sz="1400" dirty="0"/>
-              <a:t>    &lt;</a:t>
-            </a:r>
-            <a:r>
-              <a:rPr lang="en-US" sz="1400" b="1" dirty="0" err="1"/>
-              <a:t>version.hibernate.jpa</a:t>
-            </a:r>
-            <a:r>
-              <a:rPr lang="en-US" sz="1400" dirty="0"/>
-              <a:t>&gt;1.0.0.Final&lt;/</a:t>
-            </a:r>
-            <a:r>
-              <a:rPr lang="en-US" sz="1400" b="1" dirty="0" err="1"/>
-              <a:t>version.hibernate.jpa</a:t>
-            </a:r>
-            <a:r>
-              <a:rPr lang="en-US" sz="1400" dirty="0"/>
-              <a:t>&gt;</a:t>
-            </a:r>
-            <a:br>
-              <a:rPr lang="en-US" sz="1400" dirty="0"/>
-            </a:br>
-            <a:r>
-              <a:rPr lang="en-US" sz="1400" dirty="0"/>
-              <a:t>    &lt;</a:t>
-            </a:r>
-            <a:r>
-              <a:rPr lang="en-US" sz="1400" b="1" dirty="0" err="1"/>
-              <a:t>version.hibernate.core</a:t>
-            </a:r>
-            <a:r>
-              <a:rPr lang="en-US" sz="1400" dirty="0"/>
-              <a:t>&gt;5.2.9.Final&lt;/</a:t>
-            </a:r>
-            <a:r>
-              <a:rPr lang="en-US" sz="1400" b="1" dirty="0" err="1"/>
-              <a:t>version.hibernate.core</a:t>
-            </a:r>
-            <a:r>
-              <a:rPr lang="en-US" sz="1400" dirty="0"/>
-              <a:t>&gt;</a:t>
-            </a:r>
-            <a:br>
-              <a:rPr lang="en-US" sz="1400" dirty="0"/>
-            </a:br>
-            <a:r>
-              <a:rPr lang="en-US" sz="1400" dirty="0"/>
-              <a:t>    &lt;</a:t>
-            </a:r>
-            <a:r>
-              <a:rPr lang="en-US" sz="1400" b="1" dirty="0" err="1"/>
-              <a:t>version.hibernate.validator</a:t>
-            </a:r>
-            <a:r>
-              <a:rPr lang="en-US" sz="1400" dirty="0"/>
-              <a:t>&gt;5.3.4.Final&lt;/</a:t>
-            </a:r>
-            <a:r>
-              <a:rPr lang="en-US" sz="1400" b="1" dirty="0" err="1"/>
-              <a:t>version.hibernate.validator</a:t>
-            </a:r>
-            <a:r>
-              <a:rPr lang="en-US" sz="1400" dirty="0"/>
-              <a:t>&gt;</a:t>
-            </a:r>
-            <a:br>
-              <a:rPr lang="en-US" sz="1400" dirty="0"/>
-            </a:br>
-            <a:r>
-              <a:rPr lang="en-US" sz="1400" dirty="0"/>
-              <a:t>    &lt;</a:t>
-            </a:r>
-            <a:r>
-              <a:rPr lang="en-US" sz="1400" b="1" dirty="0"/>
-              <a:t>version.h2</a:t>
-            </a:r>
-            <a:r>
-              <a:rPr lang="en-US" sz="1400" dirty="0"/>
-              <a:t>&gt;1.4.194&lt;/</a:t>
-            </a:r>
-            <a:r>
-              <a:rPr lang="en-US" sz="1400" b="1" dirty="0"/>
-              <a:t>version.h2</a:t>
-            </a:r>
-            <a:r>
-              <a:rPr lang="en-US" sz="1400" dirty="0"/>
-              <a:t>&gt;</a:t>
-            </a:r>
-            <a:br>
-              <a:rPr lang="en-US" sz="1400" dirty="0"/>
-            </a:br>
-            <a:r>
-              <a:rPr lang="en-US" sz="1400" dirty="0"/>
-              <a:t>    &lt;</a:t>
-            </a:r>
-            <a:r>
-              <a:rPr lang="en-US" sz="1400" b="1" dirty="0" err="1"/>
-              <a:t>version.postgres</a:t>
-            </a:r>
-            <a:r>
-              <a:rPr lang="en-US" sz="1400" dirty="0"/>
-              <a:t>&gt;42.1.4&lt;/</a:t>
-            </a:r>
-            <a:r>
-              <a:rPr lang="en-US" sz="1400" b="1" dirty="0" err="1"/>
-              <a:t>version.postgres</a:t>
-            </a:r>
-            <a:r>
-              <a:rPr lang="en-US" sz="1400" dirty="0"/>
-              <a:t>&gt;</a:t>
-            </a:r>
-            <a:br>
-              <a:rPr lang="en-US" sz="1400" dirty="0"/>
-            </a:br>
-            <a:r>
-              <a:rPr lang="en-US" sz="1400" dirty="0"/>
-              <a:t>    &lt;</a:t>
-            </a:r>
-            <a:r>
-              <a:rPr lang="en-US" sz="1400" b="1" dirty="0" err="1"/>
-              <a:t>version.resteasy</a:t>
-            </a:r>
-            <a:r>
-              <a:rPr lang="en-US" sz="1400" dirty="0"/>
-              <a:t>&gt;3.1.3.Final&lt;/</a:t>
-            </a:r>
-            <a:r>
-              <a:rPr lang="en-US" sz="1400" b="1" dirty="0" err="1"/>
-              <a:t>version.resteasy</a:t>
-            </a:r>
-            <a:r>
-              <a:rPr lang="en-US" sz="1400" dirty="0"/>
-              <a:t>&gt;</a:t>
-            </a:r>
-            <a:br>
-              <a:rPr lang="en-US" sz="1400" dirty="0"/>
-            </a:br>
-            <a:r>
-              <a:rPr lang="en-US" sz="1400" dirty="0"/>
-              <a:t>    &lt;</a:t>
-            </a:r>
-            <a:r>
-              <a:rPr lang="en-US" sz="1400" b="1" dirty="0" err="1"/>
-              <a:t>version.testcontainers</a:t>
-            </a:r>
-            <a:r>
-              <a:rPr lang="en-US" sz="1400" dirty="0"/>
-              <a:t>&gt;1.4.3&lt;/</a:t>
-            </a:r>
-            <a:r>
-              <a:rPr lang="en-US" sz="1400" b="1" dirty="0" err="1"/>
-              <a:t>version.testcontainers</a:t>
-            </a:r>
-            <a:r>
-              <a:rPr lang="en-US" sz="1400" dirty="0"/>
-              <a:t>&gt;</a:t>
-            </a:r>
-            <a:br>
-              <a:rPr lang="en-US" sz="1400" dirty="0"/>
-            </a:br>
-            <a:r>
-              <a:rPr lang="en-US" sz="1400" dirty="0"/>
-              <a:t>&lt;/</a:t>
-            </a:r>
-            <a:r>
-              <a:rPr lang="en-US" sz="1400" b="1" dirty="0"/>
-              <a:t>properties</a:t>
-            </a:r>
-            <a:r>
-              <a:rPr lang="en-US" sz="1400" dirty="0"/>
-              <a:t>&gt;</a:t>
-            </a:r>
-          </a:p>
-        </p:txBody>
-      </p:sp>
-      <p:sp>
-        <p:nvSpPr>
-          <p:cNvPr id="6" name="TextBox 5"/>
-          <p:cNvSpPr txBox="1"/>
-          <p:nvPr/>
-        </p:nvSpPr>
-        <p:spPr>
-          <a:xfrm>
-            <a:off x="7545788" y="1948069"/>
-            <a:ext cx="4036554" cy="2862322"/>
-          </a:xfrm>
-          <a:prstGeom prst="rect">
-            <a:avLst/>
-          </a:prstGeom>
-          <a:noFill/>
-        </p:spPr>
-        <p:txBody>
-          <a:bodyPr wrap="none" rtlCol="0">
-            <a:spAutoFit/>
-          </a:bodyPr>
-          <a:lstStyle/>
-          <a:p>
-            <a:r>
-              <a:rPr lang="en-US" dirty="0"/>
-              <a:t>&lt;</a:t>
-            </a:r>
-            <a:r>
-              <a:rPr lang="en-US" b="1" dirty="0"/>
-              <a:t>dependency</a:t>
-            </a:r>
-            <a:r>
-              <a:rPr lang="en-US" dirty="0"/>
-              <a:t>&gt;</a:t>
-            </a:r>
-            <a:br>
-              <a:rPr lang="en-US" dirty="0"/>
-            </a:br>
-            <a:r>
-              <a:rPr lang="en-US" dirty="0"/>
-              <a:t>    &lt;</a:t>
-            </a:r>
-            <a:r>
-              <a:rPr lang="en-US" b="1" dirty="0" err="1"/>
-              <a:t>groupId</a:t>
-            </a:r>
-            <a:r>
-              <a:rPr lang="en-US" dirty="0"/>
-              <a:t>&gt;</a:t>
-            </a:r>
-            <a:r>
-              <a:rPr lang="en-US" dirty="0" err="1"/>
-              <a:t>javax.el</a:t>
-            </a:r>
-            <a:r>
-              <a:rPr lang="en-US" dirty="0"/>
-              <a:t>&lt;/</a:t>
-            </a:r>
-            <a:r>
-              <a:rPr lang="en-US" b="1" dirty="0" err="1"/>
-              <a:t>groupId</a:t>
-            </a:r>
-            <a:r>
-              <a:rPr lang="en-US" dirty="0"/>
-              <a:t>&gt;</a:t>
-            </a:r>
-            <a:br>
-              <a:rPr lang="en-US" dirty="0"/>
-            </a:br>
-            <a:r>
-              <a:rPr lang="en-US" dirty="0"/>
-              <a:t>    &lt;</a:t>
-            </a:r>
-            <a:r>
-              <a:rPr lang="en-US" b="1" dirty="0" err="1"/>
-              <a:t>artifactId</a:t>
-            </a:r>
-            <a:r>
-              <a:rPr lang="en-US" dirty="0"/>
-              <a:t>&gt;</a:t>
-            </a:r>
-            <a:r>
-              <a:rPr lang="en-US" dirty="0" err="1"/>
-              <a:t>javax.el-api</a:t>
-            </a:r>
-            <a:r>
-              <a:rPr lang="en-US" dirty="0"/>
-              <a:t>&lt;/</a:t>
-            </a:r>
-            <a:r>
-              <a:rPr lang="en-US" b="1" dirty="0" err="1"/>
-              <a:t>artifactId</a:t>
-            </a:r>
-            <a:r>
-              <a:rPr lang="en-US" dirty="0"/>
-              <a:t>&gt;</a:t>
-            </a:r>
-            <a:br>
-              <a:rPr lang="en-US" dirty="0"/>
-            </a:br>
-            <a:r>
-              <a:rPr lang="en-US" dirty="0"/>
-              <a:t>    &lt;</a:t>
-            </a:r>
-            <a:r>
-              <a:rPr lang="en-US" b="1" dirty="0"/>
-              <a:t>version</a:t>
-            </a:r>
-            <a:r>
-              <a:rPr lang="en-US" dirty="0"/>
-              <a:t>&gt;${</a:t>
-            </a:r>
-            <a:r>
-              <a:rPr lang="en-US" dirty="0" err="1"/>
-              <a:t>version.javax.el</a:t>
-            </a:r>
-            <a:r>
-              <a:rPr lang="en-US" dirty="0"/>
-              <a:t>}&lt;/</a:t>
-            </a:r>
-            <a:r>
-              <a:rPr lang="en-US" b="1" dirty="0"/>
-              <a:t>version</a:t>
-            </a:r>
-            <a:r>
-              <a:rPr lang="en-US" dirty="0"/>
-              <a:t>&gt;</a:t>
-            </a:r>
-            <a:br>
-              <a:rPr lang="en-US" dirty="0"/>
-            </a:br>
-            <a:r>
-              <a:rPr lang="en-US" dirty="0"/>
-              <a:t>&lt;/</a:t>
-            </a:r>
-            <a:r>
-              <a:rPr lang="en-US" b="1" dirty="0"/>
-              <a:t>dependency</a:t>
-            </a:r>
-            <a:r>
-              <a:rPr lang="en-US" dirty="0"/>
-              <a:t>&gt;</a:t>
-            </a:r>
-            <a:br>
-              <a:rPr lang="en-US" dirty="0"/>
-            </a:br>
-            <a:r>
-              <a:rPr lang="en-US" dirty="0"/>
-              <a:t>&lt;</a:t>
-            </a:r>
-            <a:r>
-              <a:rPr lang="en-US" b="1" dirty="0"/>
-              <a:t>dependency</a:t>
-            </a:r>
-            <a:r>
-              <a:rPr lang="en-US" dirty="0"/>
-              <a:t>&gt;</a:t>
-            </a:r>
-            <a:br>
-              <a:rPr lang="en-US" dirty="0"/>
-            </a:br>
-            <a:r>
-              <a:rPr lang="en-US" dirty="0"/>
-              <a:t>    &lt;</a:t>
-            </a:r>
-            <a:r>
-              <a:rPr lang="en-US" b="1" dirty="0" err="1"/>
-              <a:t>groupId</a:t>
-            </a:r>
-            <a:r>
-              <a:rPr lang="en-US" dirty="0"/>
-              <a:t>&gt;</a:t>
-            </a:r>
-            <a:r>
-              <a:rPr lang="en-US" dirty="0" err="1"/>
-              <a:t>org.glassfish.web</a:t>
-            </a:r>
-            <a:r>
-              <a:rPr lang="en-US" dirty="0"/>
-              <a:t>&lt;/</a:t>
-            </a:r>
-            <a:r>
-              <a:rPr lang="en-US" b="1" dirty="0" err="1"/>
-              <a:t>groupId</a:t>
-            </a:r>
-            <a:r>
-              <a:rPr lang="en-US" dirty="0"/>
-              <a:t>&gt;</a:t>
-            </a:r>
-            <a:br>
-              <a:rPr lang="en-US" dirty="0"/>
-            </a:br>
-            <a:r>
-              <a:rPr lang="en-US" dirty="0"/>
-              <a:t>    &lt;</a:t>
-            </a:r>
-            <a:r>
-              <a:rPr lang="en-US" b="1" dirty="0" err="1"/>
-              <a:t>artifactId</a:t>
-            </a:r>
-            <a:r>
-              <a:rPr lang="en-US" dirty="0"/>
-              <a:t>&gt;</a:t>
-            </a:r>
-            <a:r>
-              <a:rPr lang="en-US" dirty="0" err="1"/>
-              <a:t>javax.el</a:t>
-            </a:r>
-            <a:r>
-              <a:rPr lang="en-US" dirty="0"/>
-              <a:t>&lt;/</a:t>
-            </a:r>
-            <a:r>
-              <a:rPr lang="en-US" b="1" dirty="0" err="1"/>
-              <a:t>artifactId</a:t>
-            </a:r>
-            <a:r>
-              <a:rPr lang="en-US" dirty="0"/>
-              <a:t>&gt;</a:t>
-            </a:r>
-            <a:br>
-              <a:rPr lang="en-US" dirty="0"/>
-            </a:br>
-            <a:r>
-              <a:rPr lang="en-US" dirty="0"/>
-              <a:t>    &lt;</a:t>
-            </a:r>
-            <a:r>
-              <a:rPr lang="en-US" b="1" dirty="0"/>
-              <a:t>version</a:t>
-            </a:r>
-            <a:r>
-              <a:rPr lang="en-US" dirty="0"/>
-              <a:t>&gt;${</a:t>
-            </a:r>
-            <a:r>
-              <a:rPr lang="en-US" dirty="0" err="1"/>
-              <a:t>version.javax.el</a:t>
-            </a:r>
-            <a:r>
-              <a:rPr lang="en-US" dirty="0"/>
-              <a:t>}&lt;/</a:t>
-            </a:r>
-            <a:r>
-              <a:rPr lang="en-US" b="1" dirty="0"/>
-              <a:t>version</a:t>
-            </a:r>
-            <a:r>
-              <a:rPr lang="en-US" dirty="0"/>
-              <a:t>&gt;</a:t>
-            </a:r>
-            <a:br>
-              <a:rPr lang="en-US" dirty="0"/>
-            </a:br>
-            <a:r>
-              <a:rPr lang="en-US" dirty="0"/>
-              <a:t>&lt;/</a:t>
-            </a:r>
-            <a:r>
-              <a:rPr lang="en-US" b="1" dirty="0"/>
-              <a:t>dependency</a:t>
-            </a:r>
-            <a:r>
-              <a:rPr lang="en-US" dirty="0"/>
-              <a:t>&gt;</a:t>
-            </a:r>
-          </a:p>
-        </p:txBody>
-      </p:sp>
-    </p:spTree>
-    <p:extLst>
-      <p:ext uri="{BB962C8B-B14F-4D97-AF65-F5344CB8AC3E}">
-        <p14:creationId xmlns:p14="http://schemas.microsoft.com/office/powerpoint/2010/main" val="999469944"/>
-      </p:ext>
-    </p:extLst>
-  </p:cSld>
-  <p:clrMapOvr>
-    <a:masterClrMapping/>
-  </p:clrMapOvr>
-</p:sld>
-</file>
-
-<file path=ppt/slides/slide4.xml><?xml version="1.0" encoding="utf-8"?>
-<p:sld xmlns:a="http://schemas.openxmlformats.org/drawingml/2006/main" xmlns:r="http://schemas.openxmlformats.org/officeDocument/2006/relationships" xmlns:p="http://schemas.openxmlformats.org/presentationml/2006/main">
-  <p:cSld>
-    <p:spTree>
-      <p:nvGrpSpPr>
-        <p:cNvPr id="1" name=""/>
-        <p:cNvGrpSpPr/>
-        <p:nvPr/>
-      </p:nvGrpSpPr>
-      <p:grpSpPr>
-        <a:xfrm>
-          <a:off x="0" y="0"/>
-          <a:ext cx="0" cy="0"/>
-          <a:chOff x="0" y="0"/>
-          <a:chExt cx="0" cy="0"/>
-        </a:xfrm>
-      </p:grpSpPr>
-      <p:sp>
-        <p:nvSpPr>
-          <p:cNvPr id="2" name="Title 1"/>
-          <p:cNvSpPr>
-            <a:spLocks noGrp="1"/>
-          </p:cNvSpPr>
-          <p:nvPr>
-            <p:ph type="title"/>
-          </p:nvPr>
-        </p:nvSpPr>
-        <p:spPr/>
-        <p:txBody>
-          <a:bodyPr/>
-          <a:lstStyle/>
-          <a:p>
-            <a:r>
-              <a:rPr lang="en-US" dirty="0" smtClean="0"/>
-              <a:t>Necessary Tools</a:t>
-            </a:r>
-            <a:endParaRPr lang="en-US" dirty="0"/>
-          </a:p>
-        </p:txBody>
-      </p:sp>
-      <p:sp>
-        <p:nvSpPr>
-          <p:cNvPr id="3" name="Content Placeholder 2"/>
-          <p:cNvSpPr>
-            <a:spLocks noGrp="1"/>
-          </p:cNvSpPr>
-          <p:nvPr>
-            <p:ph idx="1"/>
-          </p:nvPr>
-        </p:nvSpPr>
-        <p:spPr>
-          <a:xfrm>
-            <a:off x="838200" y="1825624"/>
-            <a:ext cx="10515600" cy="4666615"/>
-          </a:xfrm>
-        </p:spPr>
-        <p:txBody>
-          <a:bodyPr/>
-          <a:lstStyle/>
-          <a:p>
-            <a:r>
-              <a:rPr lang="en-US" dirty="0" smtClean="0"/>
-              <a:t>JDK 8</a:t>
-            </a:r>
-          </a:p>
-          <a:p>
-            <a:r>
-              <a:rPr lang="en-US" dirty="0" err="1" smtClean="0"/>
-              <a:t>Git</a:t>
-            </a:r>
-            <a:endParaRPr lang="en-US" dirty="0" smtClean="0"/>
-          </a:p>
-          <a:p>
-            <a:r>
-              <a:rPr lang="en-US" dirty="0" smtClean="0"/>
-              <a:t>Maven</a:t>
-            </a:r>
-          </a:p>
-          <a:p>
-            <a:r>
-              <a:rPr lang="en-US" dirty="0" smtClean="0"/>
-              <a:t>An IDE (I strongly recommend IntelliJ IDEA)</a:t>
-            </a:r>
-          </a:p>
-          <a:p>
-            <a:r>
-              <a:rPr lang="en-US" dirty="0" smtClean="0"/>
-              <a:t>Docker</a:t>
-            </a:r>
-          </a:p>
-          <a:p>
-            <a:r>
-              <a:rPr lang="en-US" dirty="0" smtClean="0"/>
-              <a:t>A Bash command-line terminal </a:t>
-            </a:r>
-          </a:p>
-          <a:p>
-            <a:pPr lvl="1"/>
-            <a:r>
-              <a:rPr lang="en-US" dirty="0" smtClean="0"/>
-              <a:t>Mac/Linux: use </a:t>
-            </a:r>
-            <a:r>
-              <a:rPr lang="en-US" smtClean="0"/>
-              <a:t>the built-in one</a:t>
-            </a:r>
-            <a:endParaRPr lang="en-US" dirty="0" smtClean="0"/>
-          </a:p>
-          <a:p>
-            <a:pPr lvl="1"/>
-            <a:r>
-              <a:rPr lang="en-US" dirty="0" smtClean="0"/>
-              <a:t>Windows: I recommend </a:t>
-            </a:r>
-            <a:r>
-              <a:rPr lang="en-US" dirty="0" err="1" smtClean="0"/>
-              <a:t>GitBash</a:t>
-            </a:r>
-            <a:endParaRPr lang="en-US" dirty="0"/>
-          </a:p>
-        </p:txBody>
-      </p:sp>
-    </p:spTree>
-    <p:extLst>
-      <p:ext uri="{BB962C8B-B14F-4D97-AF65-F5344CB8AC3E}">
-        <p14:creationId xmlns:p14="http://schemas.microsoft.com/office/powerpoint/2010/main" val="1850424314"/>
-      </p:ext>
-    </p:extLst>
-  </p:cSld>
-  <p:clrMapOvr>
-    <a:masterClrMapping/>
-  </p:clrMapOvr>
-</p:sld>
-</file>
-
-<file path=ppt/slides/slide40.xml><?xml version="1.0" encoding="utf-8"?>
-<p:sld xmlns:a="http://schemas.openxmlformats.org/drawingml/2006/main" xmlns:r="http://schemas.openxmlformats.org/officeDocument/2006/relationships" xmlns:p="http://schemas.openxmlformats.org/presentationml/2006/main">
-  <p:cSld>
-    <p:spTree>
-      <p:nvGrpSpPr>
-        <p:cNvPr id="1" name=""/>
-        <p:cNvGrpSpPr/>
-        <p:nvPr/>
-      </p:nvGrpSpPr>
-      <p:grpSpPr>
-        <a:xfrm>
-          <a:off x="0" y="0"/>
-          <a:ext cx="0" cy="0"/>
-          <a:chOff x="0" y="0"/>
-          <a:chExt cx="0" cy="0"/>
-        </a:xfrm>
-      </p:grpSpPr>
-      <p:sp>
-        <p:nvSpPr>
-          <p:cNvPr id="2" name="Title 1"/>
-          <p:cNvSpPr>
-            <a:spLocks noGrp="1"/>
-          </p:cNvSpPr>
-          <p:nvPr>
-            <p:ph type="title"/>
-          </p:nvPr>
-        </p:nvSpPr>
-        <p:spPr/>
-        <p:txBody>
-          <a:bodyPr/>
-          <a:lstStyle/>
-          <a:p>
-            <a:r>
-              <a:rPr lang="en-US" dirty="0" smtClean="0"/>
-              <a:t>Plugins</a:t>
-            </a:r>
-            <a:endParaRPr lang="en-US" dirty="0"/>
-          </a:p>
-        </p:txBody>
-      </p:sp>
-      <p:sp>
-        <p:nvSpPr>
-          <p:cNvPr id="3" name="Content Placeholder 2"/>
-          <p:cNvSpPr>
-            <a:spLocks noGrp="1"/>
-          </p:cNvSpPr>
-          <p:nvPr>
-            <p:ph idx="1"/>
-          </p:nvPr>
-        </p:nvSpPr>
-        <p:spPr>
-          <a:xfrm>
-            <a:off x="361122" y="1777917"/>
-            <a:ext cx="6516756" cy="4885276"/>
-          </a:xfrm>
-        </p:spPr>
-        <p:txBody>
-          <a:bodyPr>
-            <a:normAutofit/>
-          </a:bodyPr>
-          <a:lstStyle/>
-          <a:p>
-            <a:r>
-              <a:rPr lang="en-US" dirty="0" smtClean="0"/>
-              <a:t>Used to extend the functionalities of Maven</a:t>
-            </a:r>
-          </a:p>
-          <a:p>
-            <a:r>
-              <a:rPr lang="en-US" dirty="0" smtClean="0"/>
-              <a:t>Plugins are downloaded and configured like any third-party library</a:t>
-            </a:r>
-          </a:p>
-          <a:p>
-            <a:r>
-              <a:rPr lang="en-US" dirty="0" smtClean="0"/>
-              <a:t>Many of the base functionalities of Maven are themselves represented as plugins</a:t>
-            </a:r>
-          </a:p>
-          <a:p>
-            <a:pPr lvl="1"/>
-            <a:r>
-              <a:rPr lang="en-US" dirty="0" err="1" smtClean="0"/>
-              <a:t>Eg</a:t>
-            </a:r>
-            <a:r>
-              <a:rPr lang="en-US" dirty="0" smtClean="0"/>
-              <a:t>, compile Java code</a:t>
-            </a:r>
-            <a:endParaRPr lang="en-US" dirty="0"/>
-          </a:p>
-        </p:txBody>
-      </p:sp>
-      <p:sp>
-        <p:nvSpPr>
-          <p:cNvPr id="4" name="TextBox 3"/>
-          <p:cNvSpPr txBox="1"/>
-          <p:nvPr/>
-        </p:nvSpPr>
-        <p:spPr>
-          <a:xfrm>
-            <a:off x="6875993" y="1777917"/>
-            <a:ext cx="5316007" cy="3693319"/>
-          </a:xfrm>
-          <a:prstGeom prst="rect">
-            <a:avLst/>
-          </a:prstGeom>
-          <a:noFill/>
-        </p:spPr>
-        <p:txBody>
-          <a:bodyPr wrap="none" rtlCol="0">
-            <a:spAutoFit/>
-          </a:bodyPr>
-          <a:lstStyle/>
-          <a:p>
-            <a:r>
-              <a:rPr lang="en-US" dirty="0"/>
-              <a:t>&lt;</a:t>
-            </a:r>
-            <a:r>
-              <a:rPr lang="en-US" b="1" dirty="0" err="1"/>
-              <a:t>pluginManagement</a:t>
-            </a:r>
-            <a:r>
-              <a:rPr lang="en-US" dirty="0"/>
-              <a:t>&gt;</a:t>
-            </a:r>
-            <a:br>
-              <a:rPr lang="en-US" dirty="0"/>
-            </a:br>
-            <a:r>
-              <a:rPr lang="en-US" dirty="0"/>
-              <a:t>    &lt;</a:t>
-            </a:r>
-            <a:r>
-              <a:rPr lang="en-US" b="1" dirty="0"/>
-              <a:t>plugins</a:t>
-            </a:r>
-            <a:r>
-              <a:rPr lang="en-US" dirty="0"/>
-              <a:t>&gt;</a:t>
-            </a:r>
-            <a:br>
-              <a:rPr lang="en-US" dirty="0"/>
-            </a:br>
-            <a:r>
-              <a:rPr lang="en-US" dirty="0"/>
-              <a:t>        &lt;</a:t>
-            </a:r>
-            <a:r>
-              <a:rPr lang="en-US" b="1" dirty="0"/>
-              <a:t>plugin</a:t>
-            </a:r>
-            <a:r>
-              <a:rPr lang="en-US" dirty="0"/>
-              <a:t>&gt;</a:t>
-            </a:r>
-            <a:br>
-              <a:rPr lang="en-US" dirty="0"/>
-            </a:br>
-            <a:r>
-              <a:rPr lang="en-US" dirty="0"/>
-              <a:t>            &lt;</a:t>
-            </a:r>
-            <a:r>
-              <a:rPr lang="en-US" b="1" dirty="0" err="1"/>
-              <a:t>groupId</a:t>
-            </a:r>
-            <a:r>
-              <a:rPr lang="en-US" dirty="0"/>
-              <a:t>&gt;</a:t>
-            </a:r>
-            <a:r>
-              <a:rPr lang="en-US" dirty="0" err="1"/>
-              <a:t>org.apache.maven.plugins</a:t>
-            </a:r>
-            <a:r>
-              <a:rPr lang="en-US" dirty="0"/>
-              <a:t>&lt;/</a:t>
-            </a:r>
-            <a:r>
-              <a:rPr lang="en-US" b="1" dirty="0" err="1"/>
-              <a:t>groupId</a:t>
-            </a:r>
-            <a:r>
-              <a:rPr lang="en-US" dirty="0"/>
-              <a:t>&gt;</a:t>
-            </a:r>
-            <a:br>
-              <a:rPr lang="en-US" dirty="0"/>
-            </a:br>
-            <a:r>
-              <a:rPr lang="en-US" dirty="0"/>
-              <a:t>            &lt;</a:t>
-            </a:r>
-            <a:r>
-              <a:rPr lang="en-US" b="1" dirty="0" err="1"/>
-              <a:t>artifactId</a:t>
-            </a:r>
-            <a:r>
-              <a:rPr lang="en-US" dirty="0"/>
-              <a:t>&gt;maven-compiler-plugin&lt;/</a:t>
-            </a:r>
-            <a:r>
-              <a:rPr lang="en-US" b="1" dirty="0" err="1"/>
-              <a:t>artifactId</a:t>
-            </a:r>
-            <a:r>
-              <a:rPr lang="en-US" dirty="0"/>
-              <a:t>&gt;</a:t>
-            </a:r>
-            <a:br>
-              <a:rPr lang="en-US" dirty="0"/>
-            </a:br>
-            <a:r>
-              <a:rPr lang="en-US" dirty="0"/>
-              <a:t>            &lt;</a:t>
-            </a:r>
-            <a:r>
-              <a:rPr lang="en-US" b="1" dirty="0"/>
-              <a:t>version</a:t>
-            </a:r>
-            <a:r>
-              <a:rPr lang="en-US" dirty="0"/>
-              <a:t>&gt;3.1&lt;/</a:t>
-            </a:r>
-            <a:r>
-              <a:rPr lang="en-US" b="1" dirty="0"/>
-              <a:t>version</a:t>
-            </a:r>
-            <a:r>
-              <a:rPr lang="en-US" dirty="0"/>
-              <a:t>&gt;</a:t>
-            </a:r>
-            <a:br>
-              <a:rPr lang="en-US" dirty="0"/>
-            </a:br>
-            <a:r>
-              <a:rPr lang="en-US" dirty="0"/>
-              <a:t>            &lt;</a:t>
-            </a:r>
-            <a:r>
-              <a:rPr lang="en-US" b="1" dirty="0"/>
-              <a:t>inherited</a:t>
-            </a:r>
-            <a:r>
-              <a:rPr lang="en-US" dirty="0"/>
-              <a:t>&gt;true&lt;/</a:t>
-            </a:r>
-            <a:r>
-              <a:rPr lang="en-US" b="1" dirty="0"/>
-              <a:t>inherited</a:t>
-            </a:r>
-            <a:r>
-              <a:rPr lang="en-US" dirty="0"/>
-              <a:t>&gt;</a:t>
-            </a:r>
-            <a:br>
-              <a:rPr lang="en-US" dirty="0"/>
-            </a:br>
-            <a:r>
-              <a:rPr lang="en-US" dirty="0"/>
-              <a:t>            &lt;</a:t>
-            </a:r>
-            <a:r>
-              <a:rPr lang="en-US" b="1" dirty="0"/>
-              <a:t>configuration</a:t>
-            </a:r>
-            <a:r>
-              <a:rPr lang="en-US" dirty="0"/>
-              <a:t>&gt;</a:t>
-            </a:r>
-            <a:br>
-              <a:rPr lang="en-US" dirty="0"/>
-            </a:br>
-            <a:r>
-              <a:rPr lang="en-US" dirty="0"/>
-              <a:t>                &lt;</a:t>
-            </a:r>
-            <a:r>
-              <a:rPr lang="en-US" b="1" dirty="0" smtClean="0"/>
-              <a:t>source</a:t>
-            </a:r>
-            <a:r>
-              <a:rPr lang="en-US" dirty="0"/>
-              <a:t>&gt; ${</a:t>
-            </a:r>
-            <a:r>
-              <a:rPr lang="en-US" dirty="0" err="1"/>
-              <a:t>version.java</a:t>
-            </a:r>
-            <a:r>
-              <a:rPr lang="en-US" dirty="0"/>
-              <a:t>} &lt;/</a:t>
-            </a:r>
-            <a:r>
-              <a:rPr lang="en-US" b="1" dirty="0"/>
-              <a:t>source</a:t>
-            </a:r>
-            <a:r>
-              <a:rPr lang="en-US" dirty="0"/>
-              <a:t>&gt;</a:t>
-            </a:r>
-            <a:br>
-              <a:rPr lang="en-US" dirty="0"/>
-            </a:br>
-            <a:r>
-              <a:rPr lang="en-US" dirty="0"/>
-              <a:t>                &lt;</a:t>
-            </a:r>
-            <a:r>
-              <a:rPr lang="en-US" b="1" dirty="0" smtClean="0"/>
-              <a:t>target</a:t>
-            </a:r>
-            <a:r>
-              <a:rPr lang="en-US" dirty="0"/>
-              <a:t>&gt; ${</a:t>
-            </a:r>
-            <a:r>
-              <a:rPr lang="en-US" dirty="0" err="1"/>
-              <a:t>version.java</a:t>
-            </a:r>
-            <a:r>
-              <a:rPr lang="en-US" dirty="0"/>
-              <a:t>} &lt;/</a:t>
-            </a:r>
-            <a:r>
-              <a:rPr lang="en-US" b="1" dirty="0"/>
-              <a:t>target</a:t>
-            </a:r>
-            <a:r>
-              <a:rPr lang="en-US" dirty="0"/>
-              <a:t>&gt;</a:t>
-            </a:r>
-            <a:br>
-              <a:rPr lang="en-US" dirty="0"/>
-            </a:br>
-            <a:r>
-              <a:rPr lang="en-US" dirty="0"/>
-              <a:t>            &lt;/</a:t>
-            </a:r>
-            <a:r>
-              <a:rPr lang="en-US" b="1" dirty="0"/>
-              <a:t>configuration</a:t>
-            </a:r>
-            <a:r>
-              <a:rPr lang="en-US" dirty="0"/>
-              <a:t>&gt;</a:t>
-            </a:r>
-            <a:br>
-              <a:rPr lang="en-US" dirty="0"/>
-            </a:br>
-            <a:r>
-              <a:rPr lang="en-US" dirty="0"/>
-              <a:t>        &lt;/</a:t>
-            </a:r>
-            <a:r>
-              <a:rPr lang="en-US" b="1" dirty="0"/>
-              <a:t>plugin</a:t>
-            </a:r>
-            <a:r>
-              <a:rPr lang="en-US" dirty="0"/>
-              <a:t>&gt;</a:t>
-            </a:r>
-            <a:br>
-              <a:rPr lang="en-US" dirty="0"/>
-            </a:br>
-            <a:endParaRPr lang="en-US" dirty="0"/>
-          </a:p>
-        </p:txBody>
-      </p:sp>
-    </p:spTree>
-    <p:extLst>
-      <p:ext uri="{BB962C8B-B14F-4D97-AF65-F5344CB8AC3E}">
-        <p14:creationId xmlns:p14="http://schemas.microsoft.com/office/powerpoint/2010/main" val="1735413327"/>
-      </p:ext>
-    </p:extLst>
-  </p:cSld>
-  <p:clrMapOvr>
-    <a:masterClrMapping/>
-  </p:clrMapOvr>
-</p:sld>
-</file>
-
 <file path=ppt/slides/slide41.xml><?xml version="1.0" encoding="utf-8"?>
 <p:sld xmlns:a="http://schemas.openxmlformats.org/drawingml/2006/main" xmlns:r="http://schemas.openxmlformats.org/officeDocument/2006/relationships" xmlns:p="http://schemas.openxmlformats.org/presentationml/2006/main">
   <p:cSld>
@@ -10848,7 +11053,7 @@
           <a:p>
             <a:r>
               <a:rPr lang="en-US" dirty="0" smtClean="0"/>
-              <a:t>Surefire and Failsafe</a:t>
+              <a:t>Properties ${}</a:t>
             </a:r>
             <a:endParaRPr lang="en-US" dirty="0"/>
           </a:p>
@@ -10856,187 +11061,658 @@
       </p:sp>
       <p:sp>
         <p:nvSpPr>
-          <p:cNvPr id="3" name="Content Placeholder 2"/>
-          <p:cNvSpPr>
-            <a:spLocks noGrp="1"/>
-          </p:cNvSpPr>
-          <p:nvPr>
-            <p:ph idx="1"/>
-          </p:nvPr>
+          <p:cNvPr id="5" name="TextBox 4"/>
+          <p:cNvSpPr txBox="1"/>
+          <p:nvPr/>
         </p:nvSpPr>
         <p:spPr>
           <a:xfrm>
-            <a:off x="838200" y="1825625"/>
-            <a:ext cx="10515600" cy="4813714"/>
+            <a:off x="405516" y="1757239"/>
+            <a:ext cx="7091557" cy="4031873"/>
           </a:xfrm>
+          <a:prstGeom prst="rect">
+            <a:avLst/>
+          </a:prstGeom>
+          <a:noFill/>
         </p:spPr>
         <p:txBody>
-          <a:bodyPr>
-            <a:normAutofit lnSpcReduction="10000"/>
+          <a:bodyPr wrap="none" rtlCol="0">
+            <a:spAutoFit/>
           </a:bodyPr>
           <a:lstStyle/>
           <a:p>
             <a:r>
-              <a:rPr lang="en-US" dirty="0" smtClean="0"/>
-              <a:t>Surefire: plugin to run </a:t>
-            </a:r>
-            <a:r>
-              <a:rPr lang="en-US" i="1" dirty="0" smtClean="0"/>
-              <a:t>unit</a:t>
-            </a:r>
-            <a:r>
-              <a:rPr lang="en-US" dirty="0" smtClean="0"/>
-              <a:t> tests</a:t>
-            </a:r>
-          </a:p>
-          <a:p>
-            <a:pPr lvl="1"/>
-            <a:r>
-              <a:rPr lang="en-US" dirty="0" smtClean="0"/>
-              <a:t>By default, all files in </a:t>
-            </a:r>
-            <a:r>
-              <a:rPr lang="en-US" dirty="0" err="1" smtClean="0"/>
-              <a:t>src</a:t>
-            </a:r>
-            <a:r>
-              <a:rPr lang="en-US" dirty="0" smtClean="0"/>
-              <a:t>/main/test with name pattern *</a:t>
-            </a:r>
-            <a:r>
-              <a:rPr lang="en-US" dirty="0" err="1" smtClean="0"/>
-              <a:t>Test.java</a:t>
-            </a:r>
-            <a:endParaRPr lang="en-US" dirty="0" smtClean="0"/>
-          </a:p>
-          <a:p>
-            <a:pPr lvl="1"/>
-            <a:r>
-              <a:rPr lang="en-US" dirty="0" smtClean="0"/>
-              <a:t>Unit tests are run before the </a:t>
-            </a:r>
-            <a:r>
-              <a:rPr lang="en-US" b="1" dirty="0" smtClean="0"/>
-              <a:t>package</a:t>
-            </a:r>
-            <a:r>
-              <a:rPr lang="en-US" dirty="0" smtClean="0"/>
-              <a:t> phase</a:t>
-            </a:r>
-          </a:p>
-          <a:p>
-            <a:r>
-              <a:rPr lang="en-US" dirty="0" smtClean="0"/>
-              <a:t>Failsafe</a:t>
-            </a:r>
-            <a:r>
-              <a:rPr lang="en-US" dirty="0"/>
-              <a:t>: plugin to run </a:t>
-            </a:r>
-            <a:r>
-              <a:rPr lang="en-US" i="1" dirty="0" smtClean="0"/>
-              <a:t>integration </a:t>
-            </a:r>
-            <a:r>
-              <a:rPr lang="en-US" dirty="0" smtClean="0"/>
-              <a:t>tests</a:t>
-            </a:r>
-            <a:endParaRPr lang="en-US" dirty="0"/>
-          </a:p>
-          <a:p>
-            <a:pPr lvl="1"/>
-            <a:r>
-              <a:rPr lang="en-US" dirty="0"/>
-              <a:t>By default, all files in </a:t>
-            </a:r>
-            <a:r>
-              <a:rPr lang="en-US" dirty="0" err="1"/>
-              <a:t>src</a:t>
-            </a:r>
-            <a:r>
-              <a:rPr lang="en-US" dirty="0"/>
-              <a:t>/main/test with name pattern </a:t>
-            </a:r>
-            <a:r>
-              <a:rPr lang="en-US" dirty="0" smtClean="0"/>
-              <a:t>*</a:t>
-            </a:r>
-            <a:r>
-              <a:rPr lang="en-US" dirty="0" err="1" smtClean="0"/>
-              <a:t>IT.java</a:t>
-            </a:r>
-            <a:endParaRPr lang="en-US" dirty="0"/>
-          </a:p>
-          <a:p>
-            <a:pPr lvl="1"/>
-            <a:r>
-              <a:rPr lang="en-US" dirty="0" smtClean="0"/>
-              <a:t>Integration </a:t>
-            </a:r>
-            <a:r>
-              <a:rPr lang="en-US" dirty="0"/>
-              <a:t>tests are run </a:t>
-            </a:r>
-            <a:r>
-              <a:rPr lang="en-US" dirty="0" smtClean="0"/>
-              <a:t>after </a:t>
-            </a:r>
-            <a:r>
-              <a:rPr lang="en-US" dirty="0"/>
-              <a:t>the </a:t>
-            </a:r>
-            <a:r>
-              <a:rPr lang="en-US" b="1" dirty="0"/>
-              <a:t>package</a:t>
-            </a:r>
-            <a:r>
-              <a:rPr lang="en-US" dirty="0"/>
-              <a:t> </a:t>
-            </a:r>
-            <a:r>
-              <a:rPr lang="en-US" dirty="0" smtClean="0"/>
-              <a:t>phase, so can use the packaged JAR/WAR files</a:t>
-            </a:r>
-          </a:p>
-          <a:p>
-            <a:r>
-              <a:rPr lang="en-US" dirty="0" smtClean="0"/>
-              <a:t>Note: in both cases, still writing them with JUnit</a:t>
-            </a:r>
-          </a:p>
-          <a:p>
-            <a:r>
-              <a:rPr lang="en-US" b="1" dirty="0" smtClean="0"/>
-              <a:t>WARNING</a:t>
-            </a:r>
-            <a:r>
-              <a:rPr lang="en-US" dirty="0" smtClean="0"/>
-              <a:t>: If you misspell *</a:t>
-            </a:r>
-            <a:r>
-              <a:rPr lang="en-US" dirty="0" err="1" smtClean="0"/>
-              <a:t>Test.java</a:t>
-            </a:r>
-            <a:r>
-              <a:rPr lang="en-US" dirty="0" smtClean="0"/>
-              <a:t>/*</a:t>
-            </a:r>
-            <a:r>
-              <a:rPr lang="en-US" dirty="0" err="1" smtClean="0"/>
-              <a:t>IT.java</a:t>
-            </a:r>
-            <a:r>
-              <a:rPr lang="en-US" dirty="0" smtClean="0"/>
-              <a:t>, tests will not run from Maven</a:t>
-            </a:r>
-            <a:endParaRPr lang="en-US" dirty="0"/>
+              <a:rPr lang="en-US" sz="1600" dirty="0"/>
+              <a:t>&lt;</a:t>
+            </a:r>
+            <a:r>
+              <a:rPr lang="en-US" sz="1600" b="1" dirty="0"/>
+              <a:t>properties</a:t>
+            </a:r>
+            <a:r>
+              <a:rPr lang="en-US" sz="1600" dirty="0"/>
+              <a:t>&gt;</a:t>
+            </a:r>
+            <a:br>
+              <a:rPr lang="en-US" sz="1600" dirty="0"/>
+            </a:br>
+            <a:r>
+              <a:rPr lang="en-US" sz="1600" dirty="0"/>
+              <a:t>    &lt;</a:t>
+            </a:r>
+            <a:r>
+              <a:rPr lang="en-US" sz="1600" b="1" dirty="0" err="1"/>
+              <a:t>project.build.sourceEncoding</a:t>
+            </a:r>
+            <a:r>
+              <a:rPr lang="en-US" sz="1600" dirty="0"/>
+              <a:t>&gt;UTF-8&lt;/</a:t>
+            </a:r>
+            <a:r>
+              <a:rPr lang="en-US" sz="1600" b="1" dirty="0" err="1"/>
+              <a:t>project.build.sourceEncoding</a:t>
+            </a:r>
+            <a:r>
+              <a:rPr lang="en-US" sz="1600" dirty="0"/>
+              <a:t>&gt;</a:t>
+            </a:r>
+            <a:br>
+              <a:rPr lang="en-US" sz="1600" dirty="0"/>
+            </a:br>
+            <a:r>
+              <a:rPr lang="en-US" sz="1600" dirty="0"/>
+              <a:t>    &lt;</a:t>
+            </a:r>
+            <a:r>
+              <a:rPr lang="en-US" sz="1600" b="1" dirty="0" err="1"/>
+              <a:t>project.build.sourceEncoding</a:t>
+            </a:r>
+            <a:r>
+              <a:rPr lang="en-US" sz="1600" dirty="0"/>
+              <a:t>&gt;UTF-8&lt;/</a:t>
+            </a:r>
+            <a:r>
+              <a:rPr lang="en-US" sz="1600" b="1" dirty="0" err="1"/>
+              <a:t>project.build.sourceEncoding</a:t>
+            </a:r>
+            <a:r>
+              <a:rPr lang="en-US" sz="1600" dirty="0"/>
+              <a:t>&gt;</a:t>
+            </a:r>
+            <a:br>
+              <a:rPr lang="en-US" sz="1600" dirty="0"/>
+            </a:br>
+            <a:r>
+              <a:rPr lang="en-US" sz="1600" dirty="0"/>
+              <a:t>    &lt;</a:t>
+            </a:r>
+            <a:r>
+              <a:rPr lang="en-US" sz="1600" b="1" dirty="0" err="1"/>
+              <a:t>project.reporting.outputEncoding</a:t>
+            </a:r>
+            <a:r>
+              <a:rPr lang="en-US" sz="1600" dirty="0"/>
+              <a:t>&gt;UTF-8&lt;/</a:t>
+            </a:r>
+            <a:r>
+              <a:rPr lang="en-US" sz="1600" b="1" dirty="0" err="1"/>
+              <a:t>project.reporting.outputEncoding</a:t>
+            </a:r>
+            <a:r>
+              <a:rPr lang="en-US" sz="1600" dirty="0"/>
+              <a:t>&gt;</a:t>
+            </a:r>
+            <a:br>
+              <a:rPr lang="en-US" sz="1600" dirty="0"/>
+            </a:br>
+            <a:r>
+              <a:rPr lang="en-US" sz="1600" dirty="0"/>
+              <a:t>    &lt;</a:t>
+            </a:r>
+            <a:r>
+              <a:rPr lang="en-US" sz="1600" b="1" dirty="0"/>
+              <a:t>fs</a:t>
+            </a:r>
+            <a:r>
+              <a:rPr lang="en-US" sz="1600" dirty="0"/>
+              <a:t>&gt;${</a:t>
+            </a:r>
+            <a:r>
+              <a:rPr lang="en-US" sz="1600" dirty="0" err="1"/>
+              <a:t>file.separator</a:t>
+            </a:r>
+            <a:r>
+              <a:rPr lang="en-US" sz="1600" dirty="0"/>
+              <a:t>}&lt;/</a:t>
+            </a:r>
+            <a:r>
+              <a:rPr lang="en-US" sz="1600" b="1" dirty="0"/>
+              <a:t>fs</a:t>
+            </a:r>
+            <a:r>
+              <a:rPr lang="en-US" sz="1600" dirty="0"/>
+              <a:t>&gt;</a:t>
+            </a:r>
+            <a:br>
+              <a:rPr lang="en-US" sz="1600" dirty="0"/>
+            </a:br>
+            <a:r>
+              <a:rPr lang="en-US" sz="1600" dirty="0"/>
+              <a:t>    &lt;</a:t>
+            </a:r>
+            <a:r>
+              <a:rPr lang="en-US" sz="1600" b="1" dirty="0" err="1"/>
+              <a:t>version.java</a:t>
+            </a:r>
+            <a:r>
+              <a:rPr lang="en-US" sz="1600" dirty="0"/>
+              <a:t>&gt;1.8&lt;/</a:t>
+            </a:r>
+            <a:r>
+              <a:rPr lang="en-US" sz="1600" b="1" dirty="0" err="1"/>
+              <a:t>version.java</a:t>
+            </a:r>
+            <a:r>
+              <a:rPr lang="en-US" sz="1600" dirty="0"/>
+              <a:t>&gt;</a:t>
+            </a:r>
+            <a:br>
+              <a:rPr lang="en-US" sz="1600" dirty="0"/>
+            </a:br>
+            <a:r>
+              <a:rPr lang="en-US" sz="1600" dirty="0"/>
+              <a:t>    &lt;</a:t>
+            </a:r>
+            <a:r>
+              <a:rPr lang="en-US" sz="1600" b="1" dirty="0" err="1"/>
+              <a:t>version.jacoco</a:t>
+            </a:r>
+            <a:r>
+              <a:rPr lang="en-US" sz="1600" dirty="0"/>
+              <a:t>&gt;0.7.9&lt;/</a:t>
+            </a:r>
+            <a:r>
+              <a:rPr lang="en-US" sz="1600" b="1" dirty="0" err="1"/>
+              <a:t>version.jacoco</a:t>
+            </a:r>
+            <a:r>
+              <a:rPr lang="en-US" sz="1600" dirty="0"/>
+              <a:t>&gt;</a:t>
+            </a:r>
+            <a:br>
+              <a:rPr lang="en-US" sz="1600" dirty="0"/>
+            </a:br>
+            <a:r>
+              <a:rPr lang="en-US" sz="1600" dirty="0"/>
+              <a:t>    &lt;</a:t>
+            </a:r>
+            <a:r>
+              <a:rPr lang="en-US" sz="1600" b="1" dirty="0" err="1"/>
+              <a:t>version.javax.el</a:t>
+            </a:r>
+            <a:r>
+              <a:rPr lang="en-US" sz="1600" dirty="0"/>
+              <a:t>&gt;2.2.4&lt;/</a:t>
+            </a:r>
+            <a:r>
+              <a:rPr lang="en-US" sz="1600" b="1" dirty="0" err="1"/>
+              <a:t>version.javax.el</a:t>
+            </a:r>
+            <a:r>
+              <a:rPr lang="en-US" sz="1600" dirty="0"/>
+              <a:t>&gt;</a:t>
+            </a:r>
+            <a:br>
+              <a:rPr lang="en-US" sz="1600" dirty="0"/>
+            </a:br>
+            <a:r>
+              <a:rPr lang="en-US" sz="1600" dirty="0"/>
+              <a:t>    &lt;</a:t>
+            </a:r>
+            <a:r>
+              <a:rPr lang="en-US" sz="1600" b="1" dirty="0" err="1"/>
+              <a:t>version.hibernate.jpa</a:t>
+            </a:r>
+            <a:r>
+              <a:rPr lang="en-US" sz="1600" dirty="0"/>
+              <a:t>&gt;1.0.0.Final&lt;/</a:t>
+            </a:r>
+            <a:r>
+              <a:rPr lang="en-US" sz="1600" b="1" dirty="0" err="1"/>
+              <a:t>version.hibernate.jpa</a:t>
+            </a:r>
+            <a:r>
+              <a:rPr lang="en-US" sz="1600" dirty="0"/>
+              <a:t>&gt;</a:t>
+            </a:r>
+            <a:br>
+              <a:rPr lang="en-US" sz="1600" dirty="0"/>
+            </a:br>
+            <a:r>
+              <a:rPr lang="en-US" sz="1600" dirty="0"/>
+              <a:t>    &lt;</a:t>
+            </a:r>
+            <a:r>
+              <a:rPr lang="en-US" sz="1600" b="1" dirty="0" err="1"/>
+              <a:t>version.hibernate.core</a:t>
+            </a:r>
+            <a:r>
+              <a:rPr lang="en-US" sz="1600" dirty="0"/>
+              <a:t>&gt;5.2.9.Final&lt;/</a:t>
+            </a:r>
+            <a:r>
+              <a:rPr lang="en-US" sz="1600" b="1" dirty="0" err="1"/>
+              <a:t>version.hibernate.core</a:t>
+            </a:r>
+            <a:r>
+              <a:rPr lang="en-US" sz="1600" dirty="0"/>
+              <a:t>&gt;</a:t>
+            </a:r>
+            <a:br>
+              <a:rPr lang="en-US" sz="1600" dirty="0"/>
+            </a:br>
+            <a:r>
+              <a:rPr lang="en-US" sz="1600" dirty="0"/>
+              <a:t>    &lt;</a:t>
+            </a:r>
+            <a:r>
+              <a:rPr lang="en-US" sz="1600" b="1" dirty="0" err="1"/>
+              <a:t>version.hibernate.validator</a:t>
+            </a:r>
+            <a:r>
+              <a:rPr lang="en-US" sz="1600" dirty="0"/>
+              <a:t>&gt;5.3.4.Final&lt;/</a:t>
+            </a:r>
+            <a:r>
+              <a:rPr lang="en-US" sz="1600" b="1" dirty="0" err="1"/>
+              <a:t>version.hibernate.validator</a:t>
+            </a:r>
+            <a:r>
+              <a:rPr lang="en-US" sz="1600" dirty="0"/>
+              <a:t>&gt;</a:t>
+            </a:r>
+            <a:br>
+              <a:rPr lang="en-US" sz="1600" dirty="0"/>
+            </a:br>
+            <a:r>
+              <a:rPr lang="en-US" sz="1600" dirty="0"/>
+              <a:t>    &lt;</a:t>
+            </a:r>
+            <a:r>
+              <a:rPr lang="en-US" sz="1600" b="1" dirty="0"/>
+              <a:t>version.h2</a:t>
+            </a:r>
+            <a:r>
+              <a:rPr lang="en-US" sz="1600" dirty="0"/>
+              <a:t>&gt;1.4.194&lt;/</a:t>
+            </a:r>
+            <a:r>
+              <a:rPr lang="en-US" sz="1600" b="1" dirty="0"/>
+              <a:t>version.h2</a:t>
+            </a:r>
+            <a:r>
+              <a:rPr lang="en-US" sz="1600" dirty="0"/>
+              <a:t>&gt;</a:t>
+            </a:r>
+            <a:br>
+              <a:rPr lang="en-US" sz="1600" dirty="0"/>
+            </a:br>
+            <a:r>
+              <a:rPr lang="en-US" sz="1600" dirty="0"/>
+              <a:t>    &lt;</a:t>
+            </a:r>
+            <a:r>
+              <a:rPr lang="en-US" sz="1600" b="1" dirty="0" err="1"/>
+              <a:t>version.postgres</a:t>
+            </a:r>
+            <a:r>
+              <a:rPr lang="en-US" sz="1600" dirty="0"/>
+              <a:t>&gt;42.1.4&lt;/</a:t>
+            </a:r>
+            <a:r>
+              <a:rPr lang="en-US" sz="1600" b="1" dirty="0" err="1"/>
+              <a:t>version.postgres</a:t>
+            </a:r>
+            <a:r>
+              <a:rPr lang="en-US" sz="1600" dirty="0"/>
+              <a:t>&gt;</a:t>
+            </a:r>
+            <a:br>
+              <a:rPr lang="en-US" sz="1600" dirty="0"/>
+            </a:br>
+            <a:r>
+              <a:rPr lang="en-US" sz="1600" dirty="0"/>
+              <a:t>    &lt;</a:t>
+            </a:r>
+            <a:r>
+              <a:rPr lang="en-US" sz="1600" b="1" dirty="0" err="1"/>
+              <a:t>version.resteasy</a:t>
+            </a:r>
+            <a:r>
+              <a:rPr lang="en-US" sz="1600" dirty="0"/>
+              <a:t>&gt;3.1.3.Final&lt;/</a:t>
+            </a:r>
+            <a:r>
+              <a:rPr lang="en-US" sz="1600" b="1" dirty="0" err="1"/>
+              <a:t>version.resteasy</a:t>
+            </a:r>
+            <a:r>
+              <a:rPr lang="en-US" sz="1600" dirty="0"/>
+              <a:t>&gt;</a:t>
+            </a:r>
+            <a:br>
+              <a:rPr lang="en-US" sz="1600" dirty="0"/>
+            </a:br>
+            <a:r>
+              <a:rPr lang="en-US" sz="1600" dirty="0"/>
+              <a:t>    &lt;</a:t>
+            </a:r>
+            <a:r>
+              <a:rPr lang="en-US" sz="1600" b="1" dirty="0" err="1"/>
+              <a:t>version.testcontainers</a:t>
+            </a:r>
+            <a:r>
+              <a:rPr lang="en-US" sz="1600" dirty="0"/>
+              <a:t>&gt;1.4.3&lt;/</a:t>
+            </a:r>
+            <a:r>
+              <a:rPr lang="en-US" sz="1600" b="1" dirty="0" err="1"/>
+              <a:t>version.testcontainers</a:t>
+            </a:r>
+            <a:r>
+              <a:rPr lang="en-US" sz="1600" dirty="0"/>
+              <a:t>&gt;</a:t>
+            </a:r>
+            <a:br>
+              <a:rPr lang="en-US" sz="1600" dirty="0"/>
+            </a:br>
+            <a:r>
+              <a:rPr lang="en-US" sz="1600" dirty="0"/>
+              <a:t>&lt;/</a:t>
+            </a:r>
+            <a:r>
+              <a:rPr lang="en-US" sz="1600" b="1" dirty="0"/>
+              <a:t>properties</a:t>
+            </a:r>
+            <a:r>
+              <a:rPr lang="en-US" sz="1600" dirty="0"/>
+              <a:t>&gt;</a:t>
+            </a:r>
+          </a:p>
+        </p:txBody>
+      </p:sp>
+      <p:sp>
+        <p:nvSpPr>
+          <p:cNvPr id="6" name="TextBox 5"/>
+          <p:cNvSpPr txBox="1"/>
+          <p:nvPr/>
+        </p:nvSpPr>
+        <p:spPr>
+          <a:xfrm>
+            <a:off x="7545788" y="1948069"/>
+            <a:ext cx="4471737" cy="3170099"/>
+          </a:xfrm>
+          <a:prstGeom prst="rect">
+            <a:avLst/>
+          </a:prstGeom>
+          <a:noFill/>
+        </p:spPr>
+        <p:txBody>
+          <a:bodyPr wrap="none" rtlCol="0">
+            <a:spAutoFit/>
+          </a:bodyPr>
+          <a:lstStyle/>
+          <a:p>
+            <a:r>
+              <a:rPr lang="en-US" sz="2000" dirty="0"/>
+              <a:t>&lt;</a:t>
+            </a:r>
+            <a:r>
+              <a:rPr lang="en-US" sz="2000" b="1" dirty="0"/>
+              <a:t>dependency</a:t>
+            </a:r>
+            <a:r>
+              <a:rPr lang="en-US" sz="2000" dirty="0"/>
+              <a:t>&gt;</a:t>
+            </a:r>
+            <a:br>
+              <a:rPr lang="en-US" sz="2000" dirty="0"/>
+            </a:br>
+            <a:r>
+              <a:rPr lang="en-US" sz="2000" dirty="0"/>
+              <a:t>    &lt;</a:t>
+            </a:r>
+            <a:r>
+              <a:rPr lang="en-US" sz="2000" b="1" dirty="0" err="1"/>
+              <a:t>groupId</a:t>
+            </a:r>
+            <a:r>
+              <a:rPr lang="en-US" sz="2000" dirty="0"/>
+              <a:t>&gt;</a:t>
+            </a:r>
+            <a:r>
+              <a:rPr lang="en-US" sz="2000" dirty="0" err="1"/>
+              <a:t>javax.el</a:t>
+            </a:r>
+            <a:r>
+              <a:rPr lang="en-US" sz="2000" dirty="0"/>
+              <a:t>&lt;/</a:t>
+            </a:r>
+            <a:r>
+              <a:rPr lang="en-US" sz="2000" b="1" dirty="0" err="1"/>
+              <a:t>groupId</a:t>
+            </a:r>
+            <a:r>
+              <a:rPr lang="en-US" sz="2000" dirty="0"/>
+              <a:t>&gt;</a:t>
+            </a:r>
+            <a:br>
+              <a:rPr lang="en-US" sz="2000" dirty="0"/>
+            </a:br>
+            <a:r>
+              <a:rPr lang="en-US" sz="2000" dirty="0"/>
+              <a:t>    &lt;</a:t>
+            </a:r>
+            <a:r>
+              <a:rPr lang="en-US" sz="2000" b="1" dirty="0" err="1"/>
+              <a:t>artifactId</a:t>
+            </a:r>
+            <a:r>
+              <a:rPr lang="en-US" sz="2000" dirty="0"/>
+              <a:t>&gt;</a:t>
+            </a:r>
+            <a:r>
+              <a:rPr lang="en-US" sz="2000" dirty="0" err="1"/>
+              <a:t>javax.el-api</a:t>
+            </a:r>
+            <a:r>
+              <a:rPr lang="en-US" sz="2000" dirty="0"/>
+              <a:t>&lt;/</a:t>
+            </a:r>
+            <a:r>
+              <a:rPr lang="en-US" sz="2000" b="1" dirty="0" err="1"/>
+              <a:t>artifactId</a:t>
+            </a:r>
+            <a:r>
+              <a:rPr lang="en-US" sz="2000" dirty="0"/>
+              <a:t>&gt;</a:t>
+            </a:r>
+            <a:br>
+              <a:rPr lang="en-US" sz="2000" dirty="0"/>
+            </a:br>
+            <a:r>
+              <a:rPr lang="en-US" sz="2000" dirty="0"/>
+              <a:t>    &lt;</a:t>
+            </a:r>
+            <a:r>
+              <a:rPr lang="en-US" sz="2000" b="1" dirty="0"/>
+              <a:t>version</a:t>
+            </a:r>
+            <a:r>
+              <a:rPr lang="en-US" sz="2000" dirty="0"/>
+              <a:t>&gt;${</a:t>
+            </a:r>
+            <a:r>
+              <a:rPr lang="en-US" sz="2000" dirty="0" err="1"/>
+              <a:t>version.javax.el</a:t>
+            </a:r>
+            <a:r>
+              <a:rPr lang="en-US" sz="2000" dirty="0"/>
+              <a:t>}&lt;/</a:t>
+            </a:r>
+            <a:r>
+              <a:rPr lang="en-US" sz="2000" b="1" dirty="0"/>
+              <a:t>version</a:t>
+            </a:r>
+            <a:r>
+              <a:rPr lang="en-US" sz="2000" dirty="0"/>
+              <a:t>&gt;</a:t>
+            </a:r>
+            <a:br>
+              <a:rPr lang="en-US" sz="2000" dirty="0"/>
+            </a:br>
+            <a:r>
+              <a:rPr lang="en-US" sz="2000" dirty="0"/>
+              <a:t>&lt;/</a:t>
+            </a:r>
+            <a:r>
+              <a:rPr lang="en-US" sz="2000" b="1" dirty="0"/>
+              <a:t>dependency</a:t>
+            </a:r>
+            <a:r>
+              <a:rPr lang="en-US" sz="2000" dirty="0"/>
+              <a:t>&gt;</a:t>
+            </a:r>
+            <a:br>
+              <a:rPr lang="en-US" sz="2000" dirty="0"/>
+            </a:br>
+            <a:r>
+              <a:rPr lang="en-US" sz="2000" dirty="0"/>
+              <a:t>&lt;</a:t>
+            </a:r>
+            <a:r>
+              <a:rPr lang="en-US" sz="2000" b="1" dirty="0"/>
+              <a:t>dependency</a:t>
+            </a:r>
+            <a:r>
+              <a:rPr lang="en-US" sz="2000" dirty="0"/>
+              <a:t>&gt;</a:t>
+            </a:r>
+            <a:br>
+              <a:rPr lang="en-US" sz="2000" dirty="0"/>
+            </a:br>
+            <a:r>
+              <a:rPr lang="en-US" sz="2000" dirty="0"/>
+              <a:t>    &lt;</a:t>
+            </a:r>
+            <a:r>
+              <a:rPr lang="en-US" sz="2000" b="1" dirty="0" err="1"/>
+              <a:t>groupId</a:t>
+            </a:r>
+            <a:r>
+              <a:rPr lang="en-US" sz="2000" dirty="0"/>
+              <a:t>&gt;</a:t>
+            </a:r>
+            <a:r>
+              <a:rPr lang="en-US" sz="2000" dirty="0" err="1"/>
+              <a:t>org.glassfish.web</a:t>
+            </a:r>
+            <a:r>
+              <a:rPr lang="en-US" sz="2000" dirty="0"/>
+              <a:t>&lt;/</a:t>
+            </a:r>
+            <a:r>
+              <a:rPr lang="en-US" sz="2000" b="1" dirty="0" err="1"/>
+              <a:t>groupId</a:t>
+            </a:r>
+            <a:r>
+              <a:rPr lang="en-US" sz="2000" dirty="0"/>
+              <a:t>&gt;</a:t>
+            </a:r>
+            <a:br>
+              <a:rPr lang="en-US" sz="2000" dirty="0"/>
+            </a:br>
+            <a:r>
+              <a:rPr lang="en-US" sz="2000" dirty="0"/>
+              <a:t>    &lt;</a:t>
+            </a:r>
+            <a:r>
+              <a:rPr lang="en-US" sz="2000" b="1" dirty="0" err="1"/>
+              <a:t>artifactId</a:t>
+            </a:r>
+            <a:r>
+              <a:rPr lang="en-US" sz="2000" dirty="0"/>
+              <a:t>&gt;</a:t>
+            </a:r>
+            <a:r>
+              <a:rPr lang="en-US" sz="2000" dirty="0" err="1"/>
+              <a:t>javax.el</a:t>
+            </a:r>
+            <a:r>
+              <a:rPr lang="en-US" sz="2000" dirty="0"/>
+              <a:t>&lt;/</a:t>
+            </a:r>
+            <a:r>
+              <a:rPr lang="en-US" sz="2000" b="1" dirty="0" err="1"/>
+              <a:t>artifactId</a:t>
+            </a:r>
+            <a:r>
+              <a:rPr lang="en-US" sz="2000" dirty="0"/>
+              <a:t>&gt;</a:t>
+            </a:r>
+            <a:br>
+              <a:rPr lang="en-US" sz="2000" dirty="0"/>
+            </a:br>
+            <a:r>
+              <a:rPr lang="en-US" sz="2000" dirty="0"/>
+              <a:t>    &lt;</a:t>
+            </a:r>
+            <a:r>
+              <a:rPr lang="en-US" sz="2000" b="1" dirty="0"/>
+              <a:t>version</a:t>
+            </a:r>
+            <a:r>
+              <a:rPr lang="en-US" sz="2000" dirty="0"/>
+              <a:t>&gt;${</a:t>
+            </a:r>
+            <a:r>
+              <a:rPr lang="en-US" sz="2000" dirty="0" err="1"/>
+              <a:t>version.javax.el</a:t>
+            </a:r>
+            <a:r>
+              <a:rPr lang="en-US" sz="2000" dirty="0"/>
+              <a:t>}&lt;/</a:t>
+            </a:r>
+            <a:r>
+              <a:rPr lang="en-US" sz="2000" b="1" dirty="0"/>
+              <a:t>version</a:t>
+            </a:r>
+            <a:r>
+              <a:rPr lang="en-US" sz="2000" dirty="0"/>
+              <a:t>&gt;</a:t>
+            </a:r>
+            <a:br>
+              <a:rPr lang="en-US" sz="2000" dirty="0"/>
+            </a:br>
+            <a:r>
+              <a:rPr lang="en-US" sz="2000" dirty="0"/>
+              <a:t>&lt;/</a:t>
+            </a:r>
+            <a:r>
+              <a:rPr lang="en-US" sz="2000" b="1" dirty="0"/>
+              <a:t>dependency</a:t>
+            </a:r>
+            <a:r>
+              <a:rPr lang="en-US" sz="2000" dirty="0"/>
+              <a:t>&gt;</a:t>
+            </a:r>
           </a:p>
         </p:txBody>
       </p:sp>
     </p:spTree>
     <p:extLst>
       <p:ext uri="{BB962C8B-B14F-4D97-AF65-F5344CB8AC3E}">
-        <p14:creationId xmlns:p14="http://schemas.microsoft.com/office/powerpoint/2010/main" val="1211123220"/>
+        <p14:creationId xmlns:p14="http://schemas.microsoft.com/office/powerpoint/2010/main" val="999469944"/>
       </p:ext>
     </p:extLst>
   </p:cSld>
@@ -11080,15 +11756,7 @@
           <a:p>
             <a:r>
               <a:rPr lang="en-US" dirty="0" smtClean="0"/>
-              <a:t>Build Course </a:t>
-            </a:r>
-            <a:r>
-              <a:rPr lang="en-US" dirty="0" err="1" smtClean="0"/>
-              <a:t>Git</a:t>
-            </a:r>
-            <a:r>
-              <a:rPr lang="en-US" dirty="0" smtClean="0"/>
-              <a:t> for First Time</a:t>
+              <a:t>Plugins</a:t>
             </a:r>
             <a:endParaRPr lang="en-US" dirty="0"/>
           </a:p>
@@ -11106,102 +11774,321 @@
         </p:nvSpPr>
         <p:spPr>
           <a:xfrm>
-            <a:off x="838200" y="1825625"/>
-            <a:ext cx="10515600" cy="4790328"/>
+            <a:off x="361122" y="1777917"/>
+            <a:ext cx="6516756" cy="4885276"/>
           </a:xfrm>
         </p:spPr>
         <p:txBody>
-          <a:bodyPr/>
-          <a:lstStyle/>
-          <a:p>
-            <a:r>
-              <a:rPr lang="en-US" dirty="0" smtClean="0"/>
-              <a:t>From root folder: “</a:t>
-            </a:r>
-            <a:r>
-              <a:rPr lang="en-US" b="1" dirty="0" err="1" smtClean="0"/>
-              <a:t>mvn</a:t>
+          <a:bodyPr>
+            <a:normAutofit/>
+          </a:bodyPr>
+          <a:lstStyle/>
+          <a:p>
+            <a:r>
+              <a:rPr lang="en-US" dirty="0" smtClean="0"/>
+              <a:t>Used to extend the functionalities of Maven</a:t>
+            </a:r>
+          </a:p>
+          <a:p>
+            <a:r>
+              <a:rPr lang="en-US" dirty="0" smtClean="0"/>
+              <a:t>Plugins are downloaded and configured like any third-party library</a:t>
+            </a:r>
+          </a:p>
+          <a:p>
+            <a:r>
+              <a:rPr lang="en-US" dirty="0" smtClean="0"/>
+              <a:t>Many of the base functionalities of Maven are themselves represented as plugins</a:t>
+            </a:r>
+          </a:p>
+          <a:p>
+            <a:pPr lvl="1"/>
+            <a:r>
+              <a:rPr lang="en-US" dirty="0" err="1" smtClean="0"/>
+              <a:t>Eg</a:t>
+            </a:r>
+            <a:r>
+              <a:rPr lang="en-US" dirty="0" smtClean="0"/>
+              <a:t>, compile Java code</a:t>
+            </a:r>
+            <a:endParaRPr lang="en-US" dirty="0"/>
+          </a:p>
+        </p:txBody>
+      </p:sp>
+      <p:sp>
+        <p:nvSpPr>
+          <p:cNvPr id="4" name="TextBox 3"/>
+          <p:cNvSpPr txBox="1"/>
+          <p:nvPr/>
+        </p:nvSpPr>
+        <p:spPr>
+          <a:xfrm>
+            <a:off x="6875993" y="1777917"/>
+            <a:ext cx="5316007" cy="3693319"/>
+          </a:xfrm>
+          <a:prstGeom prst="rect">
+            <a:avLst/>
+          </a:prstGeom>
+          <a:noFill/>
+        </p:spPr>
+        <p:txBody>
+          <a:bodyPr wrap="none" rtlCol="0">
+            <a:spAutoFit/>
+          </a:bodyPr>
+          <a:lstStyle/>
+          <a:p>
+            <a:r>
+              <a:rPr lang="en-US" dirty="0"/>
+              <a:t>&lt;</a:t>
+            </a:r>
+            <a:r>
+              <a:rPr lang="en-US" b="1" dirty="0" err="1"/>
+              <a:t>pluginManagement</a:t>
+            </a:r>
+            <a:r>
+              <a:rPr lang="en-US" dirty="0"/>
+              <a:t>&gt;</a:t>
+            </a:r>
+            <a:br>
+              <a:rPr lang="en-US" dirty="0"/>
+            </a:br>
+            <a:r>
+              <a:rPr lang="en-US" dirty="0"/>
+              <a:t>    &lt;</a:t>
+            </a:r>
+            <a:r>
+              <a:rPr lang="en-US" b="1" dirty="0"/>
+              <a:t>plugins</a:t>
+            </a:r>
+            <a:r>
+              <a:rPr lang="en-US" dirty="0"/>
+              <a:t>&gt;</a:t>
+            </a:r>
+            <a:br>
+              <a:rPr lang="en-US" dirty="0"/>
+            </a:br>
+            <a:r>
+              <a:rPr lang="en-US" dirty="0"/>
+              <a:t>        &lt;</a:t>
+            </a:r>
+            <a:r>
+              <a:rPr lang="en-US" b="1" dirty="0"/>
+              <a:t>plugin</a:t>
+            </a:r>
+            <a:r>
+              <a:rPr lang="en-US" dirty="0"/>
+              <a:t>&gt;</a:t>
+            </a:r>
+            <a:br>
+              <a:rPr lang="en-US" dirty="0"/>
+            </a:br>
+            <a:r>
+              <a:rPr lang="en-US" dirty="0"/>
+              <a:t>            &lt;</a:t>
+            </a:r>
+            <a:r>
+              <a:rPr lang="en-US" b="1" dirty="0" err="1"/>
+              <a:t>groupId</a:t>
+            </a:r>
+            <a:r>
+              <a:rPr lang="en-US" dirty="0"/>
+              <a:t>&gt;</a:t>
+            </a:r>
+            <a:r>
+              <a:rPr lang="en-US" dirty="0" err="1"/>
+              <a:t>org.apache.maven.plugins</a:t>
+            </a:r>
+            <a:r>
+              <a:rPr lang="en-US" dirty="0"/>
+              <a:t>&lt;/</a:t>
+            </a:r>
+            <a:r>
+              <a:rPr lang="en-US" b="1" dirty="0" err="1"/>
+              <a:t>groupId</a:t>
+            </a:r>
+            <a:r>
+              <a:rPr lang="en-US" dirty="0"/>
+              <a:t>&gt;</a:t>
+            </a:r>
+            <a:br>
+              <a:rPr lang="en-US" dirty="0"/>
+            </a:br>
+            <a:r>
+              <a:rPr lang="en-US" dirty="0"/>
+              <a:t>            &lt;</a:t>
+            </a:r>
+            <a:r>
+              <a:rPr lang="en-US" b="1" dirty="0" err="1"/>
+              <a:t>artifactId</a:t>
+            </a:r>
+            <a:r>
+              <a:rPr lang="en-US" dirty="0"/>
+              <a:t>&gt;maven-compiler-plugin&lt;/</a:t>
+            </a:r>
+            <a:r>
+              <a:rPr lang="en-US" b="1" dirty="0" err="1"/>
+              <a:t>artifactId</a:t>
+            </a:r>
+            <a:r>
+              <a:rPr lang="en-US" dirty="0"/>
+              <a:t>&gt;</a:t>
+            </a:r>
+            <a:br>
+              <a:rPr lang="en-US" dirty="0"/>
+            </a:br>
+            <a:r>
+              <a:rPr lang="en-US" dirty="0"/>
+              <a:t>            &lt;</a:t>
+            </a:r>
+            <a:r>
+              <a:rPr lang="en-US" b="1" dirty="0"/>
+              <a:t>version</a:t>
+            </a:r>
+            <a:r>
+              <a:rPr lang="en-US" dirty="0"/>
+              <a:t>&gt;3.1&lt;/</a:t>
+            </a:r>
+            <a:r>
+              <a:rPr lang="en-US" b="1" dirty="0"/>
+              <a:t>version</a:t>
+            </a:r>
+            <a:r>
+              <a:rPr lang="en-US" dirty="0"/>
+              <a:t>&gt;</a:t>
+            </a:r>
+            <a:br>
+              <a:rPr lang="en-US" dirty="0"/>
+            </a:br>
+            <a:r>
+              <a:rPr lang="en-US" dirty="0"/>
+              <a:t>            &lt;</a:t>
+            </a:r>
+            <a:r>
+              <a:rPr lang="en-US" b="1" dirty="0"/>
+              <a:t>inherited</a:t>
+            </a:r>
+            <a:r>
+              <a:rPr lang="en-US" dirty="0"/>
+              <a:t>&gt;true&lt;/</a:t>
+            </a:r>
+            <a:r>
+              <a:rPr lang="en-US" b="1" dirty="0"/>
+              <a:t>inherited</a:t>
+            </a:r>
+            <a:r>
+              <a:rPr lang="en-US" dirty="0"/>
+              <a:t>&gt;</a:t>
+            </a:r>
+            <a:br>
+              <a:rPr lang="en-US" dirty="0"/>
+            </a:br>
+            <a:r>
+              <a:rPr lang="en-US" dirty="0"/>
+              <a:t>            &lt;</a:t>
+            </a:r>
+            <a:r>
+              <a:rPr lang="en-US" b="1" dirty="0"/>
+              <a:t>configuration</a:t>
+            </a:r>
+            <a:r>
+              <a:rPr lang="en-US" dirty="0"/>
+              <a:t>&gt;</a:t>
+            </a:r>
+            <a:br>
+              <a:rPr lang="en-US" dirty="0"/>
+            </a:br>
+            <a:r>
+              <a:rPr lang="en-US" dirty="0"/>
+              <a:t>                &lt;</a:t>
             </a:r>
             <a:r>
               <a:rPr lang="en-US" b="1" dirty="0" smtClean="0"/>
-              <a:t> clean install -</a:t>
-            </a:r>
-            <a:r>
-              <a:rPr lang="en-US" b="1" dirty="0" err="1" smtClean="0"/>
-              <a:t>DskipTests</a:t>
-            </a:r>
-            <a:r>
-              <a:rPr lang="en-US" dirty="0" smtClean="0"/>
-              <a:t>”</a:t>
-            </a:r>
-          </a:p>
-          <a:p>
-            <a:r>
-              <a:rPr lang="en-US" dirty="0" smtClean="0"/>
-              <a:t>It will recursively build all the modules</a:t>
-            </a:r>
-          </a:p>
-          <a:p>
+              <a:t>source</a:t>
+            </a:r>
+            <a:r>
+              <a:rPr lang="en-US" dirty="0"/>
+              <a:t>&gt; ${</a:t>
+            </a:r>
+            <a:r>
+              <a:rPr lang="en-US" dirty="0" err="1"/>
+              <a:t>version.java</a:t>
+            </a:r>
+            <a:r>
+              <a:rPr lang="en-US" dirty="0"/>
+              <a:t>} &lt;/</a:t>
+            </a:r>
             <a:r>
               <a:rPr lang="en-US" b="1" dirty="0"/>
-              <a:t>c</a:t>
+              <a:t>source</a:t>
+            </a:r>
+            <a:r>
+              <a:rPr lang="en-US" dirty="0"/>
+              <a:t>&gt;</a:t>
+            </a:r>
+            <a:br>
+              <a:rPr lang="en-US" dirty="0"/>
+            </a:br>
+            <a:r>
+              <a:rPr lang="en-US" dirty="0"/>
+              <a:t>                &lt;</a:t>
             </a:r>
             <a:r>
               <a:rPr lang="en-US" b="1" dirty="0" smtClean="0"/>
-              <a:t>lean</a:t>
-            </a:r>
-            <a:r>
-              <a:rPr lang="en-US" dirty="0" smtClean="0"/>
-              <a:t>: just make sure you start from a clean state</a:t>
-            </a:r>
-          </a:p>
-          <a:p>
+              <a:t>target</a:t>
+            </a:r>
+            <a:r>
+              <a:rPr lang="en-US" dirty="0"/>
+              <a:t>&gt; ${</a:t>
+            </a:r>
+            <a:r>
+              <a:rPr lang="en-US" dirty="0" err="1"/>
+              <a:t>version.java</a:t>
+            </a:r>
+            <a:r>
+              <a:rPr lang="en-US" dirty="0"/>
+              <a:t>} &lt;/</a:t>
+            </a:r>
             <a:r>
               <a:rPr lang="en-US" b="1" dirty="0"/>
-              <a:t>i</a:t>
-            </a:r>
-            <a:r>
-              <a:rPr lang="en-US" b="1" dirty="0" smtClean="0"/>
-              <a:t>nstall</a:t>
-            </a:r>
-            <a:r>
-              <a:rPr lang="en-US" dirty="0" smtClean="0"/>
-              <a:t>: it executes all previous phases, including </a:t>
-            </a:r>
-            <a:r>
-              <a:rPr lang="en-US" b="1" dirty="0" smtClean="0"/>
-              <a:t>compile</a:t>
-            </a:r>
-            <a:r>
-              <a:rPr lang="en-US" dirty="0" smtClean="0"/>
-              <a:t> and </a:t>
-            </a:r>
-            <a:r>
-              <a:rPr lang="en-US" b="1" dirty="0" smtClean="0"/>
-              <a:t>package</a:t>
-            </a:r>
-          </a:p>
-          <a:p>
+              <a:t>target</a:t>
+            </a:r>
+            <a:r>
+              <a:rPr lang="en-US" dirty="0"/>
+              <a:t>&gt;</a:t>
+            </a:r>
+            <a:br>
+              <a:rPr lang="en-US" dirty="0"/>
+            </a:br>
+            <a:r>
+              <a:rPr lang="en-US" dirty="0"/>
+              <a:t>            &lt;/</a:t>
+            </a:r>
             <a:r>
               <a:rPr lang="en-US" b="1" dirty="0"/>
-              <a:t>-</a:t>
-            </a:r>
-            <a:r>
-              <a:rPr lang="en-US" b="1" dirty="0" err="1" smtClean="0"/>
-              <a:t>DskipTests</a:t>
-            </a:r>
-            <a:r>
-              <a:rPr lang="en-US" dirty="0" smtClean="0"/>
-              <a:t>: avoid running tests</a:t>
-            </a:r>
-          </a:p>
-          <a:p>
-            <a:r>
-              <a:rPr lang="en-US" dirty="0" smtClean="0"/>
-              <a:t>WARNING: first time, it will take a long while, as many libraries will need to be downloaded</a:t>
-            </a:r>
-          </a:p>
-          <a:p>
+              <a:t>configuration</a:t>
+            </a:r>
+            <a:r>
+              <a:rPr lang="en-US" dirty="0"/>
+              <a:t>&gt;</a:t>
+            </a:r>
+            <a:br>
+              <a:rPr lang="en-US" dirty="0"/>
+            </a:br>
+            <a:r>
+              <a:rPr lang="en-US" dirty="0"/>
+              <a:t>        &lt;/</a:t>
+            </a:r>
+            <a:r>
+              <a:rPr lang="en-US" b="1" dirty="0"/>
+              <a:t>plugin</a:t>
+            </a:r>
+            <a:r>
+              <a:rPr lang="en-US" dirty="0"/>
+              <a:t>&gt;</a:t>
+            </a:r>
+            <a:br>
+              <a:rPr lang="en-US" dirty="0"/>
+            </a:br>
             <a:endParaRPr lang="en-US" dirty="0"/>
           </a:p>
         </p:txBody>
@@ -11209,7 +12096,7 @@
     </p:spTree>
     <p:extLst>
       <p:ext uri="{BB962C8B-B14F-4D97-AF65-F5344CB8AC3E}">
-        <p14:creationId xmlns:p14="http://schemas.microsoft.com/office/powerpoint/2010/main" val="465377794"/>
+        <p14:creationId xmlns:p14="http://schemas.microsoft.com/office/powerpoint/2010/main" val="1735413327"/>
       </p:ext>
     </p:extLst>
   </p:cSld>
@@ -11253,7 +12140,7 @@
           <a:p>
             <a:r>
               <a:rPr lang="en-US" dirty="0" smtClean="0"/>
-              <a:t>JPA: Java Persistence API</a:t>
+              <a:t>Surefire and Failsafe</a:t>
             </a:r>
             <a:endParaRPr lang="en-US" dirty="0"/>
           </a:p>
@@ -11261,27 +12148,199 @@
       </p:sp>
       <p:sp>
         <p:nvSpPr>
-          <p:cNvPr id="3" name="Text Placeholder 2"/>
-          <p:cNvSpPr>
-            <a:spLocks noGrp="1"/>
-          </p:cNvSpPr>
-          <p:nvPr>
-            <p:ph type="body" idx="1"/>
-          </p:nvPr>
-        </p:nvSpPr>
-        <p:spPr/>
-        <p:txBody>
-          <a:bodyPr/>
-          <a:lstStyle/>
-          <a:p>
-            <a:endParaRPr lang="en-US"/>
+          <p:cNvPr id="3" name="Content Placeholder 2"/>
+          <p:cNvSpPr>
+            <a:spLocks noGrp="1"/>
+          </p:cNvSpPr>
+          <p:nvPr>
+            <p:ph idx="1"/>
+          </p:nvPr>
+        </p:nvSpPr>
+        <p:spPr>
+          <a:xfrm>
+            <a:off x="329513" y="1825625"/>
+            <a:ext cx="11631827" cy="4813714"/>
+          </a:xfrm>
+        </p:spPr>
+        <p:txBody>
+          <a:bodyPr>
+            <a:normAutofit lnSpcReduction="10000"/>
+          </a:bodyPr>
+          <a:lstStyle/>
+          <a:p>
+            <a:r>
+              <a:rPr lang="en-US" i="1" dirty="0" smtClean="0"/>
+              <a:t>Surefire</a:t>
+            </a:r>
+            <a:r>
+              <a:rPr lang="en-US" dirty="0" smtClean="0"/>
+              <a:t>: plugin to run </a:t>
+            </a:r>
+            <a:r>
+              <a:rPr lang="en-US" i="1" dirty="0" smtClean="0"/>
+              <a:t>unit</a:t>
+            </a:r>
+            <a:r>
+              <a:rPr lang="en-US" dirty="0" smtClean="0"/>
+              <a:t> tests</a:t>
+            </a:r>
+          </a:p>
+          <a:p>
+            <a:pPr lvl="1"/>
+            <a:r>
+              <a:rPr lang="en-US" dirty="0" smtClean="0"/>
+              <a:t>By default, all files in </a:t>
+            </a:r>
+            <a:r>
+              <a:rPr lang="en-US" i="1" dirty="0" err="1" smtClean="0"/>
+              <a:t>src</a:t>
+            </a:r>
+            <a:r>
+              <a:rPr lang="en-US" i="1" dirty="0" smtClean="0"/>
+              <a:t>/main/test</a:t>
+            </a:r>
+            <a:r>
+              <a:rPr lang="en-US" dirty="0" smtClean="0"/>
+              <a:t> with name pattern *</a:t>
+            </a:r>
+            <a:r>
+              <a:rPr lang="en-US" dirty="0" err="1" smtClean="0"/>
+              <a:t>Test.java</a:t>
+            </a:r>
+            <a:endParaRPr lang="en-US" dirty="0" smtClean="0"/>
+          </a:p>
+          <a:p>
+            <a:pPr lvl="1"/>
+            <a:r>
+              <a:rPr lang="en-US" dirty="0" smtClean="0"/>
+              <a:t>Unit tests are run before the </a:t>
+            </a:r>
+            <a:r>
+              <a:rPr lang="en-US" b="1" dirty="0" smtClean="0"/>
+              <a:t>package</a:t>
+            </a:r>
+            <a:r>
+              <a:rPr lang="en-US" dirty="0" smtClean="0"/>
+              <a:t> phase</a:t>
+            </a:r>
+          </a:p>
+          <a:p>
+            <a:r>
+              <a:rPr lang="en-US" i="1" dirty="0" smtClean="0"/>
+              <a:t>Failsafe</a:t>
+            </a:r>
+            <a:r>
+              <a:rPr lang="en-US" dirty="0"/>
+              <a:t>: plugin to run </a:t>
+            </a:r>
+            <a:r>
+              <a:rPr lang="en-US" i="1" dirty="0" smtClean="0"/>
+              <a:t>integration </a:t>
+            </a:r>
+            <a:r>
+              <a:rPr lang="en-US" dirty="0" smtClean="0"/>
+              <a:t>tests</a:t>
+            </a:r>
+            <a:endParaRPr lang="en-US" dirty="0"/>
+          </a:p>
+          <a:p>
+            <a:pPr lvl="1"/>
+            <a:r>
+              <a:rPr lang="en-US" dirty="0"/>
+              <a:t>By default, all files in </a:t>
+            </a:r>
+            <a:r>
+              <a:rPr lang="en-US" i="1" dirty="0" err="1"/>
+              <a:t>src</a:t>
+            </a:r>
+            <a:r>
+              <a:rPr lang="en-US" i="1" dirty="0"/>
+              <a:t>/main/test</a:t>
+            </a:r>
+            <a:r>
+              <a:rPr lang="en-US" dirty="0"/>
+              <a:t> with name pattern </a:t>
+            </a:r>
+            <a:r>
+              <a:rPr lang="en-US" dirty="0" smtClean="0"/>
+              <a:t>*</a:t>
+            </a:r>
+            <a:r>
+              <a:rPr lang="en-US" dirty="0" err="1" smtClean="0"/>
+              <a:t>IT.java</a:t>
+            </a:r>
+            <a:endParaRPr lang="en-US" dirty="0"/>
+          </a:p>
+          <a:p>
+            <a:pPr lvl="1"/>
+            <a:r>
+              <a:rPr lang="en-US" dirty="0" smtClean="0"/>
+              <a:t>Integration </a:t>
+            </a:r>
+            <a:r>
+              <a:rPr lang="en-US" dirty="0"/>
+              <a:t>tests are run </a:t>
+            </a:r>
+            <a:r>
+              <a:rPr lang="en-US" dirty="0" smtClean="0"/>
+              <a:t>after </a:t>
+            </a:r>
+            <a:r>
+              <a:rPr lang="en-US" dirty="0"/>
+              <a:t>the </a:t>
+            </a:r>
+            <a:r>
+              <a:rPr lang="en-US" b="1" dirty="0"/>
+              <a:t>package</a:t>
+            </a:r>
+            <a:r>
+              <a:rPr lang="en-US" dirty="0"/>
+              <a:t> </a:t>
+            </a:r>
+            <a:r>
+              <a:rPr lang="en-US" dirty="0" smtClean="0"/>
+              <a:t>phase, so can use the packaged JAR/WAR files</a:t>
+            </a:r>
+          </a:p>
+          <a:p>
+            <a:r>
+              <a:rPr lang="en-US" dirty="0" smtClean="0"/>
+              <a:t>Note: in both cases, still writing them with JUnit</a:t>
+            </a:r>
+          </a:p>
+          <a:p>
+            <a:r>
+              <a:rPr lang="en-US" b="1" dirty="0" smtClean="0"/>
+              <a:t>WARNING</a:t>
+            </a:r>
+            <a:r>
+              <a:rPr lang="en-US" dirty="0" smtClean="0"/>
+              <a:t>: If you misspell *</a:t>
+            </a:r>
+            <a:r>
+              <a:rPr lang="en-US" dirty="0" err="1" smtClean="0"/>
+              <a:t>Test.java</a:t>
+            </a:r>
+            <a:r>
+              <a:rPr lang="en-US" dirty="0" smtClean="0"/>
+              <a:t>/*</a:t>
+            </a:r>
+            <a:r>
+              <a:rPr lang="en-US" dirty="0" err="1" smtClean="0"/>
+              <a:t>IT.java</a:t>
+            </a:r>
+            <a:r>
+              <a:rPr lang="en-US" dirty="0" smtClean="0"/>
+              <a:t>, tests will not run from Maven</a:t>
+            </a:r>
+            <a:endParaRPr lang="en-US" dirty="0"/>
           </a:p>
         </p:txBody>
       </p:sp>
     </p:spTree>
     <p:extLst>
       <p:ext uri="{BB962C8B-B14F-4D97-AF65-F5344CB8AC3E}">
-        <p14:creationId xmlns:p14="http://schemas.microsoft.com/office/powerpoint/2010/main" val="126704957"/>
+        <p14:creationId xmlns:p14="http://schemas.microsoft.com/office/powerpoint/2010/main" val="1211123220"/>
       </p:ext>
     </p:extLst>
   </p:cSld>
@@ -11318,122 +12377,135 @@
             <p:ph type="title"/>
           </p:nvPr>
         </p:nvSpPr>
+        <p:spPr/>
+        <p:txBody>
+          <a:bodyPr/>
+          <a:lstStyle/>
+          <a:p>
+            <a:r>
+              <a:rPr lang="en-US" dirty="0" smtClean="0"/>
+              <a:t>Build Course </a:t>
+            </a:r>
+            <a:r>
+              <a:rPr lang="en-US" dirty="0" err="1" smtClean="0"/>
+              <a:t>Git</a:t>
+            </a:r>
+            <a:r>
+              <a:rPr lang="en-US" dirty="0" smtClean="0"/>
+              <a:t> for First Time</a:t>
+            </a:r>
+            <a:endParaRPr lang="en-US" dirty="0"/>
+          </a:p>
+        </p:txBody>
+      </p:sp>
+      <p:sp>
+        <p:nvSpPr>
+          <p:cNvPr id="3" name="Content Placeholder 2"/>
+          <p:cNvSpPr>
+            <a:spLocks noGrp="1"/>
+          </p:cNvSpPr>
+          <p:nvPr>
+            <p:ph idx="1"/>
+          </p:nvPr>
+        </p:nvSpPr>
         <p:spPr>
           <a:xfrm>
-            <a:off x="344031" y="365125"/>
-            <a:ext cx="11497901" cy="1325563"/>
+            <a:off x="354227" y="1825625"/>
+            <a:ext cx="10999573" cy="4790328"/>
           </a:xfrm>
         </p:spPr>
         <p:txBody>
-          <a:bodyPr>
-            <a:normAutofit fontScale="90000"/>
-          </a:bodyPr>
-          <a:lstStyle/>
-          <a:p>
-            <a:r>
-              <a:rPr lang="en-US" smtClean="0"/>
-              <a:t>Object-Relational </a:t>
-            </a:r>
-            <a:r>
-              <a:rPr lang="en-US" dirty="0" smtClean="0"/>
-              <a:t>M</a:t>
-            </a:r>
-            <a:r>
-              <a:rPr lang="en-US" smtClean="0"/>
-              <a:t>apping</a:t>
-            </a:r>
-            <a:r>
-              <a:rPr lang="en-US"/>
-              <a:t> </a:t>
-            </a:r>
-            <a:r>
-              <a:rPr lang="en-US" smtClean="0"/>
-              <a:t>(ORM)</a:t>
-            </a:r>
-            <a:endParaRPr lang="en-US" dirty="0"/>
-          </a:p>
-        </p:txBody>
-      </p:sp>
-      <p:sp>
-        <p:nvSpPr>
-          <p:cNvPr id="3" name="Content Placeholder 2"/>
-          <p:cNvSpPr>
-            <a:spLocks noGrp="1"/>
-          </p:cNvSpPr>
-          <p:nvPr>
-            <p:ph idx="1"/>
-          </p:nvPr>
-        </p:nvSpPr>
-        <p:spPr>
-          <a:xfrm>
-            <a:off x="838200" y="1825625"/>
-            <a:ext cx="10515600" cy="4702396"/>
-          </a:xfrm>
-        </p:spPr>
-        <p:txBody>
-          <a:bodyPr>
-            <a:normAutofit fontScale="92500"/>
-          </a:bodyPr>
-          <a:lstStyle/>
-          <a:p>
-            <a:r>
-              <a:rPr lang="en-US" dirty="0" smtClean="0"/>
-              <a:t>Mapping data from SQL Databases (DB)</a:t>
-            </a:r>
-          </a:p>
-          <a:p>
-            <a:r>
-              <a:rPr lang="en-US" dirty="0" smtClean="0"/>
-              <a:t>In your programs, using Java classes to represent data from DB</a:t>
-            </a:r>
-          </a:p>
-          <a:p>
-            <a:r>
-              <a:rPr lang="en-US" dirty="0" smtClean="0"/>
-              <a:t>Idea of JPA: define </a:t>
-            </a:r>
-            <a:r>
-              <a:rPr lang="en-US" i="1" dirty="0" smtClean="0"/>
-              <a:t>@Entity</a:t>
-            </a:r>
-            <a:r>
-              <a:rPr lang="en-US" dirty="0" smtClean="0"/>
-              <a:t> classes for each table in the DB, and let the JPA framework do all the work to read/write to/from DB when modify the </a:t>
-            </a:r>
-            <a:r>
-              <a:rPr lang="en-US" i="1" dirty="0" smtClean="0"/>
-              <a:t>@Entity </a:t>
-            </a:r>
-            <a:r>
-              <a:rPr lang="en-US" dirty="0" smtClean="0"/>
-              <a:t>classes</a:t>
-            </a:r>
-          </a:p>
-          <a:p>
-            <a:r>
-              <a:rPr lang="en-US" dirty="0" smtClean="0"/>
-              <a:t>In theory, no need of SQL. But still might want to use in some cases (</a:t>
-            </a:r>
-            <a:r>
-              <a:rPr lang="en-US" dirty="0" err="1" smtClean="0"/>
-              <a:t>eg</a:t>
-            </a:r>
-            <a:r>
-              <a:rPr lang="en-US" dirty="0" smtClean="0"/>
-              <a:t>, for complex queries), or when the JPA implementation gives </a:t>
-            </a:r>
-            <a:r>
-              <a:rPr lang="en-US" i="1" dirty="0" smtClean="0"/>
-              <a:t>weird</a:t>
-            </a:r>
-            <a:r>
-              <a:rPr lang="en-US" dirty="0" smtClean="0"/>
-              <a:t> results</a:t>
-            </a:r>
-            <a:r>
-              <a:rPr lang="mr-IN" dirty="0" smtClean="0"/>
-              <a:t>…</a:t>
-            </a:r>
+          <a:bodyPr/>
+          <a:lstStyle/>
+          <a:p>
+            <a:r>
+              <a:rPr lang="en-US" dirty="0" smtClean="0"/>
+              <a:t>From root folder: “</a:t>
+            </a:r>
+            <a:r>
+              <a:rPr lang="en-US" b="1" dirty="0" err="1" smtClean="0"/>
+              <a:t>mvn</a:t>
+            </a:r>
+            <a:r>
+              <a:rPr lang="en-US" b="1" dirty="0" smtClean="0"/>
+              <a:t> clean install -</a:t>
+            </a:r>
+            <a:r>
+              <a:rPr lang="en-US" b="1" dirty="0" err="1" smtClean="0"/>
+              <a:t>DskipTests</a:t>
+            </a:r>
+            <a:r>
+              <a:rPr lang="en-US" dirty="0" smtClean="0"/>
+              <a:t>”</a:t>
+            </a:r>
+          </a:p>
+          <a:p>
+            <a:r>
+              <a:rPr lang="en-US" dirty="0" smtClean="0"/>
+              <a:t>It will recursively build all the modules</a:t>
+            </a:r>
+          </a:p>
+          <a:p>
+            <a:r>
+              <a:rPr lang="en-US" b="1" dirty="0"/>
+              <a:t>c</a:t>
+            </a:r>
+            <a:r>
+              <a:rPr lang="en-US" b="1" dirty="0" smtClean="0"/>
+              <a:t>lean</a:t>
+            </a:r>
+            <a:r>
+              <a:rPr lang="en-US" dirty="0" smtClean="0"/>
+              <a:t>: just make sure you start from a clean state</a:t>
+            </a:r>
+          </a:p>
+          <a:p>
+            <a:r>
+              <a:rPr lang="en-US" b="1" dirty="0"/>
+              <a:t>i</a:t>
+            </a:r>
+            <a:r>
+              <a:rPr lang="en-US" b="1" dirty="0" smtClean="0"/>
+              <a:t>nstall</a:t>
+            </a:r>
+            <a:r>
+              <a:rPr lang="en-US" dirty="0" smtClean="0"/>
+              <a:t>: it executes all previous phases, including </a:t>
+            </a:r>
+            <a:r>
+              <a:rPr lang="en-US" b="1" dirty="0" smtClean="0"/>
+              <a:t>compile</a:t>
+            </a:r>
+            <a:r>
+              <a:rPr lang="en-US" dirty="0" smtClean="0"/>
+              <a:t> and </a:t>
+            </a:r>
+            <a:r>
+              <a:rPr lang="en-US" b="1" dirty="0" smtClean="0"/>
+              <a:t>package</a:t>
+            </a:r>
+          </a:p>
+          <a:p>
+            <a:r>
+              <a:rPr lang="en-US" b="1" dirty="0"/>
+              <a:t>-</a:t>
+            </a:r>
+            <a:r>
+              <a:rPr lang="en-US" b="1" dirty="0" err="1" smtClean="0"/>
+              <a:t>DskipTests</a:t>
+            </a:r>
+            <a:r>
+              <a:rPr lang="en-US" dirty="0" smtClean="0"/>
+              <a:t>: avoid running tests</a:t>
+            </a:r>
+          </a:p>
+          <a:p>
+            <a:r>
+              <a:rPr lang="en-US" dirty="0" smtClean="0"/>
+              <a:t>WARNING: first time, it will take a long while, as many libraries will need to be downloaded</a:t>
+            </a:r>
+          </a:p>
+          <a:p>
             <a:endParaRPr lang="en-US" dirty="0"/>
           </a:p>
         </p:txBody>
@@ -11441,7 +12513,7 @@
     </p:spTree>
     <p:extLst>
       <p:ext uri="{BB962C8B-B14F-4D97-AF65-F5344CB8AC3E}">
-        <p14:creationId xmlns:p14="http://schemas.microsoft.com/office/powerpoint/2010/main" val="1062118139"/>
+        <p14:creationId xmlns:p14="http://schemas.microsoft.com/office/powerpoint/2010/main" val="465377794"/>
       </p:ext>
     </p:extLst>
   </p:cSld>
@@ -11485,114 +12557,16 @@
           <a:p>
             <a:r>
               <a:rPr lang="en-US" dirty="0" smtClean="0"/>
-              <a:t>Hibernate</a:t>
+              <a:t>JPA: Java Persistence API</a:t>
             </a:r>
             <a:endParaRPr lang="en-US" dirty="0"/>
-          </a:p>
-        </p:txBody>
-      </p:sp>
-      <p:sp>
-        <p:nvSpPr>
-          <p:cNvPr id="3" name="Content Placeholder 2"/>
-          <p:cNvSpPr>
-            <a:spLocks noGrp="1"/>
-          </p:cNvSpPr>
-          <p:nvPr>
-            <p:ph idx="1"/>
-          </p:nvPr>
-        </p:nvSpPr>
-        <p:spPr/>
-        <p:txBody>
-          <a:bodyPr/>
-          <a:lstStyle/>
-          <a:p>
-            <a:r>
-              <a:rPr lang="en-US" dirty="0" smtClean="0"/>
-              <a:t>A JPA implementation</a:t>
-            </a:r>
-          </a:p>
-          <a:p>
-            <a:r>
-              <a:rPr lang="en-US" dirty="0" smtClean="0"/>
-              <a:t>Most popular in Java</a:t>
-            </a:r>
-          </a:p>
-          <a:p>
-            <a:pPr lvl="1"/>
-            <a:r>
-              <a:rPr lang="en-US" dirty="0" smtClean="0"/>
-              <a:t>Default in Java EE containers like </a:t>
-            </a:r>
-            <a:r>
-              <a:rPr lang="en-US" dirty="0" err="1" smtClean="0"/>
-              <a:t>Wildfly</a:t>
-            </a:r>
-            <a:endParaRPr lang="en-US" dirty="0" smtClean="0"/>
-          </a:p>
-          <a:p>
-            <a:pPr lvl="1"/>
-            <a:r>
-              <a:rPr lang="en-US" dirty="0" smtClean="0"/>
-              <a:t>Default in </a:t>
-            </a:r>
-            <a:r>
-              <a:rPr lang="en-US" dirty="0" err="1" smtClean="0"/>
-              <a:t>SpringBoot</a:t>
-            </a:r>
-            <a:endParaRPr lang="en-US" dirty="0" smtClean="0"/>
-          </a:p>
-          <a:p>
-            <a:r>
-              <a:rPr lang="en-US" dirty="0" smtClean="0"/>
-              <a:t>As a library, can be used in any Java program </a:t>
-            </a:r>
-          </a:p>
-          <a:p>
-            <a:pPr lvl="1"/>
-            <a:r>
-              <a:rPr lang="en-US" dirty="0" err="1"/>
-              <a:t>i</a:t>
-            </a:r>
-            <a:r>
-              <a:rPr lang="en-US" dirty="0" err="1" smtClean="0"/>
-              <a:t>e</a:t>
-            </a:r>
-            <a:r>
-              <a:rPr lang="en-US" dirty="0" smtClean="0"/>
-              <a:t>, not necessarily in EE or Spring</a:t>
-            </a:r>
-          </a:p>
-          <a:p>
-            <a:r>
-              <a:rPr lang="en-US" b="1" dirty="0" err="1" smtClean="0"/>
-              <a:t>src</a:t>
-            </a:r>
-            <a:r>
-              <a:rPr lang="en-US" b="1" dirty="0" smtClean="0"/>
-              <a:t>/main/resources/META-INF/</a:t>
-            </a:r>
-            <a:r>
-              <a:rPr lang="en-US" b="1" dirty="0" err="1" smtClean="0"/>
-              <a:t>persistence.xml</a:t>
-            </a:r>
-            <a:endParaRPr lang="en-US" b="1" dirty="0" smtClean="0"/>
-          </a:p>
-          <a:p>
-            <a:pPr lvl="1"/>
-            <a:r>
-              <a:rPr lang="en-US" dirty="0" smtClean="0"/>
-              <a:t>Configuration file for JPA </a:t>
-            </a:r>
-          </a:p>
-          <a:p>
-            <a:endParaRPr lang="en-US" dirty="0" smtClean="0"/>
           </a:p>
         </p:txBody>
       </p:sp>
     </p:spTree>
     <p:extLst>
       <p:ext uri="{BB962C8B-B14F-4D97-AF65-F5344CB8AC3E}">
-        <p14:creationId xmlns:p14="http://schemas.microsoft.com/office/powerpoint/2010/main" val="851986526"/>
+        <p14:creationId xmlns:p14="http://schemas.microsoft.com/office/powerpoint/2010/main" val="126704957"/>
       </p:ext>
     </p:extLst>
   </p:cSld>
@@ -11629,14 +12603,37 @@
             <p:ph type="title"/>
           </p:nvPr>
         </p:nvSpPr>
-        <p:spPr/>
-        <p:txBody>
-          <a:bodyPr/>
-          <a:lstStyle/>
-          <a:p>
-            <a:r>
-              <a:rPr lang="en-US" dirty="0" smtClean="0"/>
-              <a:t>Database Schema</a:t>
+        <p:spPr>
+          <a:xfrm>
+            <a:off x="344031" y="365125"/>
+            <a:ext cx="11497901" cy="1325563"/>
+          </a:xfrm>
+        </p:spPr>
+        <p:txBody>
+          <a:bodyPr>
+            <a:normAutofit fontScale="90000"/>
+          </a:bodyPr>
+          <a:lstStyle/>
+          <a:p>
+            <a:r>
+              <a:rPr lang="en-US" smtClean="0"/>
+              <a:t>Object-Relational </a:t>
+            </a:r>
+            <a:r>
+              <a:rPr lang="en-US" dirty="0" smtClean="0"/>
+              <a:t>M</a:t>
+            </a:r>
+            <a:r>
+              <a:rPr lang="en-US" smtClean="0"/>
+              <a:t>apping</a:t>
+            </a:r>
+            <a:r>
+              <a:rPr lang="en-US"/>
+              <a:t> </a:t>
+            </a:r>
+            <a:r>
+              <a:rPr lang="en-US" smtClean="0"/>
+              <a:t>(ORM)</a:t>
             </a:r>
             <a:endParaRPr lang="en-US" dirty="0"/>
           </a:p>
@@ -11652,14 +12649,33 @@
             <p:ph idx="1"/>
           </p:nvPr>
         </p:nvSpPr>
-        <p:spPr/>
-        <p:txBody>
-          <a:bodyPr/>
-          <a:lstStyle/>
-          <a:p>
-            <a:r>
-              <a:rPr lang="en-US" dirty="0" smtClean="0"/>
-              <a:t>Given an existing DB, need to write </a:t>
+        <p:spPr>
+          <a:xfrm>
+            <a:off x="344031" y="1825625"/>
+            <a:ext cx="11757353" cy="4702396"/>
+          </a:xfrm>
+        </p:spPr>
+        <p:txBody>
+          <a:bodyPr>
+            <a:normAutofit lnSpcReduction="10000"/>
+          </a:bodyPr>
+          <a:lstStyle/>
+          <a:p>
+            <a:r>
+              <a:rPr lang="en-US" dirty="0" smtClean="0"/>
+              <a:t>Mapping data from SQL Databases (DB)</a:t>
+            </a:r>
+          </a:p>
+          <a:p>
+            <a:r>
+              <a:rPr lang="en-US" dirty="0" smtClean="0"/>
+              <a:t>In your programs, using Java classes to represent data from DB</a:t>
+            </a:r>
+          </a:p>
+          <a:p>
+            <a:r>
+              <a:rPr lang="en-US" dirty="0" smtClean="0"/>
+              <a:t>Idea of JPA: define </a:t>
             </a:r>
             <a:r>
               <a:rPr lang="en-US" i="1" dirty="0" smtClean="0"/>
@@ -11667,39 +12683,41 @@
             </a:r>
             <a:r>
               <a:rPr lang="en-US" dirty="0" smtClean="0"/>
-              <a:t> classes for each table</a:t>
-            </a:r>
-          </a:p>
-          <a:p>
-            <a:r>
-              <a:rPr lang="en-US" dirty="0" smtClean="0"/>
-              <a:t>Other option: write the </a:t>
-            </a:r>
-            <a:r>
-              <a:rPr lang="en-US" i="1" dirty="0"/>
-              <a:t>@Entity</a:t>
-            </a:r>
-            <a:r>
-              <a:rPr lang="en-US" dirty="0"/>
-              <a:t> </a:t>
-            </a:r>
-            <a:r>
-              <a:rPr lang="en-US" dirty="0" smtClean="0"/>
-              <a:t>classes first, and generate the schemas automatically afterwards</a:t>
-            </a:r>
-          </a:p>
-          <a:p>
-            <a:pPr lvl="1"/>
-            <a:r>
-              <a:rPr lang="en-US" dirty="0" smtClean="0"/>
-              <a:t>Easier when you are more familiar with Java than SQL</a:t>
-            </a:r>
-          </a:p>
-          <a:p>
-            <a:pPr lvl="1"/>
-            <a:r>
-              <a:rPr lang="en-US" dirty="0" smtClean="0"/>
-              <a:t>Good for prototyping </a:t>
+              <a:t> classes for each table in the DB, and let the JPA framework do all the work to read/write to/from DB when modify the </a:t>
+            </a:r>
+            <a:r>
+              <a:rPr lang="en-US" i="1" dirty="0" smtClean="0"/>
+              <a:t>@Entity </a:t>
+            </a:r>
+            <a:r>
+              <a:rPr lang="en-US" dirty="0" smtClean="0"/>
+              <a:t>classes</a:t>
+            </a:r>
+          </a:p>
+          <a:p>
+            <a:r>
+              <a:rPr lang="en-US" dirty="0" smtClean="0"/>
+              <a:t>In theory, no need of SQL. But still might want to use in some cases (</a:t>
+            </a:r>
+            <a:r>
+              <a:rPr lang="en-US" dirty="0" err="1" smtClean="0"/>
+              <a:t>eg</a:t>
+            </a:r>
+            <a:r>
+              <a:rPr lang="en-US" dirty="0" smtClean="0"/>
+              <a:t>, for complex queries), or when the JPA implementation gives </a:t>
+            </a:r>
+            <a:r>
+              <a:rPr lang="en-US" i="1" dirty="0" smtClean="0"/>
+              <a:t>weird</a:t>
+            </a:r>
+            <a:r>
+              <a:rPr lang="en-US" dirty="0" smtClean="0"/>
+              <a:t> results</a:t>
+            </a:r>
+            <a:r>
+              <a:rPr lang="mr-IN" dirty="0" smtClean="0"/>
+              <a:t>…</a:t>
             </a:r>
             <a:endParaRPr lang="en-US" dirty="0"/>
           </a:p>
@@ -11708,7 +12726,7 @@
     </p:spTree>
     <p:extLst>
       <p:ext uri="{BB962C8B-B14F-4D97-AF65-F5344CB8AC3E}">
-        <p14:creationId xmlns:p14="http://schemas.microsoft.com/office/powerpoint/2010/main" val="1360850773"/>
+        <p14:creationId xmlns:p14="http://schemas.microsoft.com/office/powerpoint/2010/main" val="1062118139"/>
       </p:ext>
     </p:extLst>
   </p:cSld>
@@ -11737,6 +12755,286 @@
       </p:grpSpPr>
       <p:sp>
         <p:nvSpPr>
+          <p:cNvPr id="2" name="Title 1"/>
+          <p:cNvSpPr>
+            <a:spLocks noGrp="1"/>
+          </p:cNvSpPr>
+          <p:nvPr>
+            <p:ph type="title"/>
+          </p:nvPr>
+        </p:nvSpPr>
+        <p:spPr/>
+        <p:txBody>
+          <a:bodyPr/>
+          <a:lstStyle/>
+          <a:p>
+            <a:r>
+              <a:rPr lang="en-US" dirty="0" smtClean="0"/>
+              <a:t>Hibernate</a:t>
+            </a:r>
+            <a:endParaRPr lang="en-US" dirty="0"/>
+          </a:p>
+        </p:txBody>
+      </p:sp>
+      <p:sp>
+        <p:nvSpPr>
+          <p:cNvPr id="3" name="Content Placeholder 2"/>
+          <p:cNvSpPr>
+            <a:spLocks noGrp="1"/>
+          </p:cNvSpPr>
+          <p:nvPr>
+            <p:ph idx="1"/>
+          </p:nvPr>
+        </p:nvSpPr>
+        <p:spPr/>
+        <p:txBody>
+          <a:bodyPr/>
+          <a:lstStyle/>
+          <a:p>
+            <a:r>
+              <a:rPr lang="en-US" dirty="0" smtClean="0"/>
+              <a:t>A JPA implementation</a:t>
+            </a:r>
+          </a:p>
+          <a:p>
+            <a:r>
+              <a:rPr lang="en-US" dirty="0" smtClean="0"/>
+              <a:t>Most popular in Java</a:t>
+            </a:r>
+          </a:p>
+          <a:p>
+            <a:pPr lvl="1"/>
+            <a:r>
+              <a:rPr lang="en-US" dirty="0" smtClean="0"/>
+              <a:t>Default in </a:t>
+            </a:r>
+            <a:r>
+              <a:rPr lang="en-US" dirty="0" smtClean="0"/>
+              <a:t>JEE </a:t>
+            </a:r>
+            <a:r>
+              <a:rPr lang="en-US" dirty="0" smtClean="0"/>
+              <a:t>containers like </a:t>
+            </a:r>
+            <a:r>
+              <a:rPr lang="en-US" dirty="0" err="1" smtClean="0"/>
+              <a:t>WildFly</a:t>
+            </a:r>
+            <a:endParaRPr lang="en-US" dirty="0" smtClean="0"/>
+          </a:p>
+          <a:p>
+            <a:pPr lvl="1"/>
+            <a:r>
+              <a:rPr lang="en-US" dirty="0" smtClean="0"/>
+              <a:t>Default in </a:t>
+            </a:r>
+            <a:r>
+              <a:rPr lang="en-US" dirty="0" err="1" smtClean="0"/>
+              <a:t>SpringBoot</a:t>
+            </a:r>
+            <a:endParaRPr lang="en-US" dirty="0" smtClean="0"/>
+          </a:p>
+          <a:p>
+            <a:r>
+              <a:rPr lang="en-US" dirty="0" smtClean="0"/>
+              <a:t>As a library, can be used in any Java program </a:t>
+            </a:r>
+          </a:p>
+          <a:p>
+            <a:pPr lvl="1"/>
+            <a:r>
+              <a:rPr lang="en-US" dirty="0" err="1"/>
+              <a:t>i</a:t>
+            </a:r>
+            <a:r>
+              <a:rPr lang="en-US" dirty="0" err="1" smtClean="0"/>
+              <a:t>e</a:t>
+            </a:r>
+            <a:r>
+              <a:rPr lang="en-US" dirty="0" smtClean="0"/>
+              <a:t>, not necessarily in EE or Spring</a:t>
+            </a:r>
+          </a:p>
+          <a:p>
+            <a:r>
+              <a:rPr lang="en-US" b="1" dirty="0" err="1" smtClean="0"/>
+              <a:t>src</a:t>
+            </a:r>
+            <a:r>
+              <a:rPr lang="en-US" b="1" dirty="0" smtClean="0"/>
+              <a:t>/main/resources/META-INF/</a:t>
+            </a:r>
+            <a:r>
+              <a:rPr lang="en-US" b="1" dirty="0" err="1" smtClean="0"/>
+              <a:t>persistence.xml</a:t>
+            </a:r>
+            <a:endParaRPr lang="en-US" b="1" dirty="0" smtClean="0"/>
+          </a:p>
+          <a:p>
+            <a:pPr lvl="1"/>
+            <a:r>
+              <a:rPr lang="en-US" dirty="0" smtClean="0"/>
+              <a:t>Configuration file for JPA </a:t>
+            </a:r>
+          </a:p>
+          <a:p>
+            <a:endParaRPr lang="en-US" dirty="0" smtClean="0"/>
+          </a:p>
+        </p:txBody>
+      </p:sp>
+    </p:spTree>
+    <p:extLst>
+      <p:ext uri="{BB962C8B-B14F-4D97-AF65-F5344CB8AC3E}">
+        <p14:creationId xmlns:p14="http://schemas.microsoft.com/office/powerpoint/2010/main" val="851986526"/>
+      </p:ext>
+    </p:extLst>
+  </p:cSld>
+  <p:clrMapOvr>
+    <a:masterClrMapping/>
+  </p:clrMapOvr>
+</p:sld>
+</file>
+
+<file path=ppt/slides/slide48.xml><?xml version="1.0" encoding="utf-8"?>
+<p:sld xmlns:a="http://schemas.openxmlformats.org/drawingml/2006/main" xmlns:r="http://schemas.openxmlformats.org/officeDocument/2006/relationships" xmlns:p="http://schemas.openxmlformats.org/presentationml/2006/main">
+  <p:cSld>
+    <p:spTree>
+      <p:nvGrpSpPr>
+        <p:cNvPr id="1" name=""/>
+        <p:cNvGrpSpPr/>
+        <p:nvPr/>
+      </p:nvGrpSpPr>
+      <p:grpSpPr>
+        <a:xfrm>
+          <a:off x="0" y="0"/>
+          <a:ext cx="0" cy="0"/>
+          <a:chOff x="0" y="0"/>
+          <a:chExt cx="0" cy="0"/>
+        </a:xfrm>
+      </p:grpSpPr>
+      <p:sp>
+        <p:nvSpPr>
+          <p:cNvPr id="2" name="Title 1"/>
+          <p:cNvSpPr>
+            <a:spLocks noGrp="1"/>
+          </p:cNvSpPr>
+          <p:nvPr>
+            <p:ph type="title"/>
+          </p:nvPr>
+        </p:nvSpPr>
+        <p:spPr/>
+        <p:txBody>
+          <a:bodyPr/>
+          <a:lstStyle/>
+          <a:p>
+            <a:r>
+              <a:rPr lang="en-US" dirty="0" smtClean="0"/>
+              <a:t>Database Schema</a:t>
+            </a:r>
+            <a:endParaRPr lang="en-US" dirty="0"/>
+          </a:p>
+        </p:txBody>
+      </p:sp>
+      <p:sp>
+        <p:nvSpPr>
+          <p:cNvPr id="3" name="Content Placeholder 2"/>
+          <p:cNvSpPr>
+            <a:spLocks noGrp="1"/>
+          </p:cNvSpPr>
+          <p:nvPr>
+            <p:ph idx="1"/>
+          </p:nvPr>
+        </p:nvSpPr>
+        <p:spPr>
+          <a:xfrm>
+            <a:off x="337751" y="1825624"/>
+            <a:ext cx="11491784" cy="4772883"/>
+          </a:xfrm>
+        </p:spPr>
+        <p:txBody>
+          <a:bodyPr/>
+          <a:lstStyle/>
+          <a:p>
+            <a:r>
+              <a:rPr lang="en-US" dirty="0" smtClean="0"/>
+              <a:t>Given an existing DB, need to write </a:t>
+            </a:r>
+            <a:r>
+              <a:rPr lang="en-US" i="1" dirty="0" smtClean="0"/>
+              <a:t>@Entity</a:t>
+            </a:r>
+            <a:r>
+              <a:rPr lang="en-US" dirty="0" smtClean="0"/>
+              <a:t> classes for each table</a:t>
+            </a:r>
+          </a:p>
+          <a:p>
+            <a:r>
+              <a:rPr lang="en-US" dirty="0" smtClean="0"/>
+              <a:t>Other option: write the </a:t>
+            </a:r>
+            <a:r>
+              <a:rPr lang="en-US" i="1" dirty="0"/>
+              <a:t>@Entity</a:t>
+            </a:r>
+            <a:r>
+              <a:rPr lang="en-US" dirty="0"/>
+              <a:t> </a:t>
+            </a:r>
+            <a:r>
+              <a:rPr lang="en-US" dirty="0" smtClean="0"/>
+              <a:t>classes first, and generate the schemas automatically afterwards</a:t>
+            </a:r>
+          </a:p>
+          <a:p>
+            <a:pPr lvl="1"/>
+            <a:r>
+              <a:rPr lang="en-US" dirty="0" smtClean="0"/>
+              <a:t>Easier when you are more familiar with Java than SQL</a:t>
+            </a:r>
+          </a:p>
+          <a:p>
+            <a:pPr lvl="1"/>
+            <a:r>
+              <a:rPr lang="en-US" dirty="0" smtClean="0"/>
+              <a:t>Good for prototyping </a:t>
+            </a:r>
+            <a:endParaRPr lang="en-US" dirty="0"/>
+          </a:p>
+        </p:txBody>
+      </p:sp>
+    </p:spTree>
+    <p:extLst>
+      <p:ext uri="{BB962C8B-B14F-4D97-AF65-F5344CB8AC3E}">
+        <p14:creationId xmlns:p14="http://schemas.microsoft.com/office/powerpoint/2010/main" val="1360850773"/>
+      </p:ext>
+    </p:extLst>
+  </p:cSld>
+  <p:clrMapOvr>
+    <a:masterClrMapping/>
+  </p:clrMapOvr>
+</p:sld>
+</file>
+
+<file path=ppt/slides/slide49.xml><?xml version="1.0" encoding="utf-8"?>
+<p:sld xmlns:a="http://schemas.openxmlformats.org/drawingml/2006/main" xmlns:r="http://schemas.openxmlformats.org/officeDocument/2006/relationships" xmlns:p="http://schemas.openxmlformats.org/presentationml/2006/main">
+  <p:cSld>
+    <p:spTree>
+      <p:nvGrpSpPr>
+        <p:cNvPr id="1" name=""/>
+        <p:cNvGrpSpPr/>
+        <p:nvPr/>
+      </p:nvGrpSpPr>
+      <p:grpSpPr>
+        <a:xfrm>
+          <a:off x="0" y="0"/>
+          <a:ext cx="0" cy="0"/>
+          <a:chOff x="0" y="0"/>
+          <a:chExt cx="0" cy="0"/>
+        </a:xfrm>
+      </p:grpSpPr>
+      <p:sp>
+        <p:nvSpPr>
           <p:cNvPr id="4" name="Title 3"/>
           <p:cNvSpPr>
             <a:spLocks noGrp="1"/>
@@ -11780,7 +13078,7 @@
         </p:spPr>
         <p:txBody>
           <a:bodyPr>
-            <a:normAutofit fontScale="92500" lnSpcReduction="20000"/>
+            <a:normAutofit/>
           </a:bodyPr>
           <a:lstStyle/>
           <a:p>
@@ -11791,6 +13089,20 @@
           </a:p>
           <a:p>
             <a:r>
+              <a:rPr lang="en-US" b="1" dirty="0"/>
+              <a:t>intro/</a:t>
+            </a:r>
+            <a:r>
+              <a:rPr lang="en-US" b="1" dirty="0" err="1"/>
+              <a:t>jee</a:t>
+            </a:r>
+            <a:r>
+              <a:rPr lang="en-US" b="1" dirty="0"/>
+              <a:t>-provided-dependencies</a:t>
+            </a:r>
+          </a:p>
+          <a:p>
+            <a:r>
               <a:rPr lang="en-US" b="1" dirty="0" smtClean="0"/>
               <a:t>intro/</a:t>
             </a:r>
@@ -11810,38 +13122,7 @@
               <a:rPr lang="en-US" b="1" dirty="0" smtClean="0"/>
               <a:t>/entity</a:t>
             </a:r>
-          </a:p>
-          <a:p>
-            <a:pPr lvl="1"/>
-            <a:r>
-              <a:rPr lang="en-US" dirty="0" smtClean="0"/>
-              <a:t>@Entity</a:t>
-            </a:r>
-            <a:r>
-              <a:rPr lang="en-US" dirty="0"/>
-              <a:t>, @</a:t>
-            </a:r>
-            <a:r>
-              <a:rPr lang="en-US" dirty="0" smtClean="0"/>
-              <a:t>Id, </a:t>
-            </a:r>
-            <a:r>
-              <a:rPr lang="en-US" dirty="0"/>
-              <a:t>@</a:t>
-            </a:r>
-            <a:r>
-              <a:rPr lang="en-US" dirty="0" err="1" smtClean="0"/>
-              <a:t>GeneratedValue</a:t>
-            </a:r>
-            <a:r>
-              <a:rPr lang="en-US" dirty="0" smtClean="0"/>
-              <a:t>, </a:t>
-            </a:r>
-            <a:r>
-              <a:rPr lang="en-US" dirty="0" err="1" smtClean="0"/>
-              <a:t>etc</a:t>
-            </a:r>
-            <a:endParaRPr lang="en-US" dirty="0" smtClean="0"/>
+            <a:endParaRPr lang="en-US" b="1" dirty="0" smtClean="0"/>
           </a:p>
           <a:p>
             <a:r>
@@ -11864,18 +13145,7 @@
               <a:rPr lang="en-US" b="1" dirty="0" smtClean="0"/>
               <a:t>/table</a:t>
             </a:r>
-          </a:p>
-          <a:p>
-            <a:pPr lvl="1"/>
-            <a:r>
-              <a:rPr lang="en-US" dirty="0"/>
-              <a:t>@</a:t>
-            </a:r>
-            <a:r>
-              <a:rPr lang="en-US" dirty="0" smtClean="0"/>
-              <a:t>Table, @Column, etc.</a:t>
-            </a:r>
-            <a:endParaRPr lang="en-US" dirty="0"/>
+            <a:endParaRPr lang="en-US" b="1" dirty="0" smtClean="0"/>
           </a:p>
           <a:p>
             <a:r>
@@ -11898,30 +13168,7 @@
               <a:rPr lang="en-US" b="1" dirty="0" smtClean="0"/>
               <a:t>/embedded</a:t>
             </a:r>
-          </a:p>
-          <a:p>
-            <a:pPr lvl="1"/>
-            <a:r>
-              <a:rPr lang="en-US" dirty="0"/>
-              <a:t>@Embeddable, @</a:t>
-            </a:r>
-            <a:r>
-              <a:rPr lang="en-US" dirty="0" smtClean="0"/>
-              <a:t>Embedded</a:t>
-            </a:r>
-            <a:r>
-              <a:rPr lang="en-US" dirty="0"/>
-              <a:t>, @</a:t>
-            </a:r>
-            <a:r>
-              <a:rPr lang="en-US" dirty="0" err="1" smtClean="0"/>
-              <a:t>EmbeddedId</a:t>
-            </a:r>
-            <a:r>
-              <a:rPr lang="en-US" dirty="0" smtClean="0"/>
-              <a:t>, etc.</a:t>
-            </a:r>
-            <a:endParaRPr lang="en-US" dirty="0"/>
+            <a:endParaRPr lang="en-US" b="1" dirty="0" smtClean="0"/>
           </a:p>
           <a:p>
             <a:r>
@@ -11944,50 +13191,16 @@
               <a:rPr lang="en-US" b="1" dirty="0" smtClean="0"/>
               <a:t>/attribute</a:t>
             </a:r>
-          </a:p>
-          <a:p>
-            <a:pPr lvl="1"/>
-            <a:r>
-              <a:rPr lang="en-US" dirty="0"/>
-              <a:t>@</a:t>
-            </a:r>
-            <a:r>
-              <a:rPr lang="en-US" dirty="0" smtClean="0"/>
-              <a:t>Lob, </a:t>
-            </a:r>
-            <a:r>
-              <a:rPr lang="en-US" dirty="0"/>
-              <a:t>@</a:t>
-            </a:r>
-            <a:r>
-              <a:rPr lang="en-US" dirty="0" smtClean="0"/>
-              <a:t>Enumerated, </a:t>
-            </a:r>
-            <a:r>
-              <a:rPr lang="en-US" dirty="0"/>
-              <a:t>@</a:t>
-            </a:r>
-            <a:r>
-              <a:rPr lang="en-US" dirty="0" smtClean="0"/>
-              <a:t>Temporal, </a:t>
-            </a:r>
-            <a:r>
-              <a:rPr lang="en-US" dirty="0"/>
-              <a:t>@</a:t>
-            </a:r>
-            <a:r>
-              <a:rPr lang="en-US" dirty="0" smtClean="0"/>
-              <a:t>Transient, etc.</a:t>
-            </a:r>
-          </a:p>
-          <a:p>
-            <a:r>
-              <a:rPr lang="en-US" dirty="0" smtClean="0"/>
-              <a:t>Exercises for Lesson 01 (</a:t>
-            </a:r>
-            <a:r>
-              <a:rPr lang="en-US" smtClean="0"/>
-              <a:t>see documentation)</a:t>
+            <a:endParaRPr lang="en-US" b="1" dirty="0" smtClean="0"/>
+          </a:p>
+          <a:p>
+            <a:r>
+              <a:rPr lang="en-US" dirty="0" smtClean="0"/>
+              <a:t>Exercises </a:t>
+            </a:r>
+            <a:r>
+              <a:rPr lang="en-US" dirty="0" smtClean="0"/>
+              <a:t>for Lesson 01 (see documentation)</a:t>
             </a:r>
             <a:endParaRPr lang="en-US" dirty="0"/>
           </a:p>
@@ -12056,7 +13269,12 @@
             <p:ph idx="1"/>
           </p:nvPr>
         </p:nvSpPr>
-        <p:spPr/>
+        <p:spPr>
+          <a:xfrm>
+            <a:off x="327454" y="1825625"/>
+            <a:ext cx="11460892" cy="4351338"/>
+          </a:xfrm>
+        </p:spPr>
         <p:txBody>
           <a:bodyPr/>
           <a:lstStyle/>
@@ -12100,8 +13318,16 @@
           </a:p>
           <a:p>
             <a:r>
-              <a:rPr lang="en-US" dirty="0" smtClean="0"/>
-              <a:t>Server side rendering with HTML templates</a:t>
+              <a:rPr lang="en-US" i="1" dirty="0" smtClean="0"/>
+              <a:t>Server-side</a:t>
+            </a:r>
+            <a:r>
+              <a:rPr lang="en-US" dirty="0" smtClean="0"/>
+              <a:t> </a:t>
+            </a:r>
+            <a:r>
+              <a:rPr lang="en-US" dirty="0" smtClean="0"/>
+              <a:t>rendering with HTML templates</a:t>
             </a:r>
           </a:p>
           <a:p>
@@ -12182,8 +13408,8 @@
         </p:nvSpPr>
         <p:spPr>
           <a:xfrm>
-            <a:off x="838200" y="1825625"/>
-            <a:ext cx="10083394" cy="4351338"/>
+            <a:off x="255373" y="1825625"/>
+            <a:ext cx="11631827" cy="4855261"/>
           </a:xfrm>
         </p:spPr>
         <p:txBody>
@@ -12348,7 +13574,12 @@
             <p:ph idx="1"/>
           </p:nvPr>
         </p:nvSpPr>
-        <p:spPr/>
+        <p:spPr>
+          <a:xfrm>
+            <a:off x="428368" y="1825624"/>
+            <a:ext cx="11475308" cy="4847025"/>
+          </a:xfrm>
+        </p:spPr>
         <p:txBody>
           <a:bodyPr/>
           <a:lstStyle/>
@@ -12361,13 +13592,21 @@
           <a:p>
             <a:r>
               <a:rPr lang="en-US" dirty="0" smtClean="0"/>
-              <a:t>In E2 next semester, we will look more into the backend, with RESTful APIs and </a:t>
-            </a:r>
-            <a:r>
-              <a:rPr lang="en-US" dirty="0" err="1" smtClean="0"/>
+              <a:t>In E2 next semester, we will look more into the backend, with </a:t>
+            </a:r>
+            <a:r>
+              <a:rPr lang="en-US" i="1" dirty="0" smtClean="0"/>
+              <a:t>RESTful</a:t>
+            </a:r>
+            <a:r>
+              <a:rPr lang="en-US" dirty="0" smtClean="0"/>
+              <a:t> APIs and </a:t>
+            </a:r>
+            <a:r>
+              <a:rPr lang="en-US" i="1" dirty="0" err="1" smtClean="0"/>
               <a:t>microservices</a:t>
             </a:r>
-            <a:endParaRPr lang="en-US" dirty="0" smtClean="0"/>
+            <a:endParaRPr lang="en-US" i="1" dirty="0" smtClean="0"/>
           </a:p>
           <a:p>
             <a:r>
@@ -12420,97 +13659,114 @@
         </p:nvSpPr>
         <p:spPr/>
         <p:txBody>
+          <a:bodyPr>
+            <a:normAutofit fontScale="90000"/>
+          </a:bodyPr>
+          <a:lstStyle/>
+          <a:p>
+            <a:r>
+              <a:rPr lang="en-US" dirty="0" smtClean="0"/>
+              <a:t>Enterprise 1 vs Web Development </a:t>
+            </a:r>
+            <a:endParaRPr lang="en-US" dirty="0"/>
+          </a:p>
+        </p:txBody>
+      </p:sp>
+      <p:sp>
+        <p:nvSpPr>
+          <p:cNvPr id="3" name="Content Placeholder 2"/>
+          <p:cNvSpPr>
+            <a:spLocks noGrp="1"/>
+          </p:cNvSpPr>
+          <p:nvPr>
+            <p:ph idx="1"/>
+          </p:nvPr>
+        </p:nvSpPr>
+        <p:spPr>
+          <a:xfrm>
+            <a:off x="205946" y="1825624"/>
+            <a:ext cx="11763632" cy="4904689"/>
+          </a:xfrm>
+        </p:spPr>
+        <p:txBody>
           <a:bodyPr/>
           <a:lstStyle/>
           <a:p>
             <a:r>
               <a:rPr lang="en-US" dirty="0" smtClean="0"/>
-              <a:t>Technologies</a:t>
-            </a:r>
-            <a:endParaRPr lang="en-US" dirty="0"/>
-          </a:p>
-        </p:txBody>
-      </p:sp>
-      <p:sp>
-        <p:nvSpPr>
-          <p:cNvPr id="3" name="Content Placeholder 2"/>
-          <p:cNvSpPr>
-            <a:spLocks noGrp="1"/>
-          </p:cNvSpPr>
-          <p:nvPr>
-            <p:ph idx="1"/>
-          </p:nvPr>
-        </p:nvSpPr>
-        <p:spPr/>
-        <p:txBody>
-          <a:bodyPr/>
-          <a:lstStyle/>
-          <a:p>
-            <a:r>
-              <a:rPr lang="en-US" dirty="0" smtClean="0"/>
-              <a:t>Java Enterprise Edition (</a:t>
-            </a:r>
-            <a:r>
-              <a:rPr lang="en-US" b="1" dirty="0" smtClean="0"/>
-              <a:t>Java EE</a:t>
-            </a:r>
-            <a:r>
-              <a:rPr lang="en-US" dirty="0" smtClean="0"/>
-              <a:t>) 7 </a:t>
+              <a:t>In “</a:t>
+            </a:r>
+            <a:r>
+              <a:rPr lang="en-US" i="1" dirty="0" smtClean="0"/>
+              <a:t>Web Development and API Design</a:t>
+            </a:r>
+            <a:r>
+              <a:rPr lang="en-US" dirty="0" smtClean="0"/>
+              <a:t>” (WDAD) we focus on modern frontend with </a:t>
+            </a:r>
+            <a:r>
+              <a:rPr lang="en-US" i="1" dirty="0" smtClean="0"/>
+              <a:t>client-side</a:t>
+            </a:r>
+            <a:r>
+              <a:rPr lang="en-US" dirty="0" smtClean="0"/>
+              <a:t> rendering using Single-Page-Applications (SPA), written in JavaScript</a:t>
             </a:r>
           </a:p>
           <a:p>
             <a:pPr lvl="1"/>
             <a:r>
               <a:rPr lang="en-US" dirty="0" smtClean="0"/>
-              <a:t>Data layer (JPA/JTA)</a:t>
+              <a:t>plus intro to </a:t>
+            </a:r>
+            <a:r>
+              <a:rPr lang="en-US" i="1" dirty="0" smtClean="0"/>
+              <a:t>REST</a:t>
+            </a:r>
+            <a:r>
+              <a:rPr lang="en-US" dirty="0" smtClean="0"/>
+              <a:t> and </a:t>
+            </a:r>
+            <a:r>
+              <a:rPr lang="en-US" i="1" dirty="0" err="1" smtClean="0"/>
+              <a:t>GraphQL</a:t>
+            </a:r>
+            <a:endParaRPr lang="en-US" i="1" dirty="0" smtClean="0"/>
+          </a:p>
+          <a:p>
+            <a:r>
+              <a:rPr lang="en-US" dirty="0" smtClean="0"/>
+              <a:t>E1 looks at the more </a:t>
+            </a:r>
+            <a:r>
+              <a:rPr lang="en-US" i="1" dirty="0" smtClean="0"/>
+              <a:t>historical</a:t>
+            </a:r>
+            <a:r>
+              <a:rPr lang="en-US" dirty="0" smtClean="0"/>
+              <a:t> perspective of </a:t>
+            </a:r>
+            <a:r>
+              <a:rPr lang="en-US" i="1" dirty="0" smtClean="0"/>
+              <a:t>server-side</a:t>
+            </a:r>
+            <a:r>
+              <a:rPr lang="en-US" dirty="0" smtClean="0"/>
+              <a:t> rendering with no JS (just HTML/CSS) </a:t>
+            </a:r>
+          </a:p>
+          <a:p>
+            <a:r>
+              <a:rPr lang="en-US" dirty="0" smtClean="0"/>
+              <a:t>WDAD can be seen as a course between E1 and E2</a:t>
             </a:r>
           </a:p>
           <a:p>
             <a:pPr lvl="1"/>
             <a:r>
               <a:rPr lang="en-US" dirty="0" smtClean="0"/>
-              <a:t>Business logic layer (EJB)</a:t>
-            </a:r>
-          </a:p>
-          <a:p>
-            <a:pPr lvl="1"/>
-            <a:r>
-              <a:rPr lang="en-US" dirty="0" smtClean="0"/>
-              <a:t>Front-end layer (JSF)</a:t>
-            </a:r>
-          </a:p>
-          <a:p>
-            <a:r>
-              <a:rPr lang="en-US" b="1" dirty="0" err="1" smtClean="0"/>
-              <a:t>SpringBoot</a:t>
-            </a:r>
-            <a:r>
-              <a:rPr lang="en-US" dirty="0" smtClean="0"/>
-              <a:t> Framework</a:t>
-            </a:r>
-          </a:p>
-          <a:p>
-            <a:r>
-              <a:rPr lang="en-US" dirty="0" smtClean="0"/>
-              <a:t>Testing: </a:t>
-            </a:r>
-            <a:r>
-              <a:rPr lang="en-US" b="1" dirty="0" smtClean="0"/>
-              <a:t>Selenium</a:t>
-            </a:r>
-          </a:p>
-          <a:p>
-            <a:r>
-              <a:rPr lang="en-US" dirty="0" smtClean="0"/>
-              <a:t>Deployment: </a:t>
-            </a:r>
-            <a:r>
-              <a:rPr lang="en-US" b="1" dirty="0" smtClean="0"/>
-              <a:t>Docker</a:t>
-            </a:r>
-          </a:p>
-          <a:p>
+              <a:t>although most you are taking it in parallel with E1</a:t>
+            </a:r>
             <a:endParaRPr lang="en-US" dirty="0"/>
           </a:p>
         </p:txBody>
@@ -12518,7 +13774,7 @@
     </p:spTree>
     <p:extLst>
       <p:ext uri="{BB962C8B-B14F-4D97-AF65-F5344CB8AC3E}">
-        <p14:creationId xmlns:p14="http://schemas.microsoft.com/office/powerpoint/2010/main" val="375687519"/>
+        <p14:creationId xmlns:p14="http://schemas.microsoft.com/office/powerpoint/2010/main" val="1367670910"/>
       </p:ext>
     </p:extLst>
   </p:cSld>
@@ -12562,7 +13818,7 @@
           <a:p>
             <a:r>
               <a:rPr lang="en-US" dirty="0" smtClean="0"/>
-              <a:t>Spring vs Java EE</a:t>
+              <a:t>Technologies</a:t>
             </a:r>
             <a:endParaRPr lang="en-US" dirty="0"/>
           </a:p>
@@ -12578,91 +13834,74 @@
             <p:ph idx="1"/>
           </p:nvPr>
         </p:nvSpPr>
-        <p:spPr>
-          <a:xfrm>
-            <a:off x="838200" y="1825625"/>
-            <a:ext cx="10515600" cy="4844116"/>
-          </a:xfrm>
-        </p:spPr>
-        <p:txBody>
-          <a:bodyPr>
-            <a:normAutofit fontScale="92500"/>
-          </a:bodyPr>
-          <a:lstStyle/>
-          <a:p>
+        <p:spPr/>
+        <p:txBody>
+          <a:bodyPr/>
+          <a:lstStyle/>
+          <a:p>
+            <a:r>
+              <a:rPr lang="en-US" dirty="0" smtClean="0"/>
+              <a:t>Java Enterprise Edition (</a:t>
+            </a:r>
             <a:r>
               <a:rPr lang="en-US" b="1" dirty="0" smtClean="0"/>
-              <a:t>Java EE</a:t>
-            </a:r>
-            <a:r>
-              <a:rPr lang="en-US" dirty="0" smtClean="0"/>
-              <a:t> was/is the “official” framework for building Java enterprise applications</a:t>
-            </a:r>
-          </a:p>
-          <a:p>
+              <a:t>JEE</a:t>
+            </a:r>
+            <a:r>
+              <a:rPr lang="en-US" dirty="0" smtClean="0"/>
+              <a:t>) </a:t>
+            </a:r>
+            <a:endParaRPr lang="en-US" dirty="0" smtClean="0"/>
+          </a:p>
+          <a:p>
+            <a:pPr lvl="1"/>
+            <a:r>
+              <a:rPr lang="en-US" dirty="0" smtClean="0"/>
+              <a:t>Data layer (JPA/JTA)</a:t>
+            </a:r>
+          </a:p>
+          <a:p>
+            <a:pPr lvl="1"/>
+            <a:r>
+              <a:rPr lang="en-US" dirty="0" smtClean="0"/>
+              <a:t>Business logic layer (EJB)</a:t>
+            </a:r>
+          </a:p>
+          <a:p>
+            <a:pPr lvl="1"/>
+            <a:r>
+              <a:rPr lang="en-US" dirty="0" smtClean="0"/>
+              <a:t>Front-end layer (JSF)</a:t>
+            </a:r>
+          </a:p>
+          <a:p>
+            <a:r>
+              <a:rPr lang="en-US" b="1" dirty="0" err="1" smtClean="0"/>
+              <a:t>SpringBoot</a:t>
+            </a:r>
+            <a:r>
+              <a:rPr lang="en-US" dirty="0" smtClean="0"/>
+              <a:t> Framework</a:t>
+            </a:r>
+          </a:p>
+          <a:p>
+            <a:r>
+              <a:rPr lang="en-US" dirty="0" smtClean="0"/>
+              <a:t>Testing: </a:t>
+            </a:r>
             <a:r>
               <a:rPr lang="en-US" b="1" dirty="0" smtClean="0"/>
-              <a:t>Spring</a:t>
-            </a:r>
-            <a:r>
-              <a:rPr lang="en-US" dirty="0" smtClean="0"/>
-              <a:t> is a different framework made by Pivotal that builds on top the foundations of Java EE</a:t>
-            </a:r>
-          </a:p>
-          <a:p>
-            <a:r>
-              <a:rPr lang="en-US" dirty="0" smtClean="0"/>
-              <a:t>As of now, Spring is more </a:t>
-            </a:r>
-            <a:r>
-              <a:rPr lang="en-US" i="1" dirty="0" smtClean="0"/>
-              <a:t>widely</a:t>
-            </a:r>
-            <a:r>
-              <a:rPr lang="en-US" dirty="0" smtClean="0"/>
-              <a:t> used, and also a </a:t>
-            </a:r>
-            <a:r>
-              <a:rPr lang="en-US" i="1" dirty="0" smtClean="0"/>
-              <a:t>much more pleasant framework to work with</a:t>
-            </a:r>
-          </a:p>
-          <a:p>
-            <a:r>
-              <a:rPr lang="en-US" dirty="0" smtClean="0"/>
-              <a:t>But you cannot really appreciate </a:t>
-            </a:r>
-            <a:r>
-              <a:rPr lang="en-US" dirty="0" err="1" smtClean="0"/>
-              <a:t>SpringBoot</a:t>
-            </a:r>
-            <a:r>
-              <a:rPr lang="en-US" dirty="0" smtClean="0"/>
-              <a:t> until you have gone through the blood, sweat and tears of debugging an EJB test using </a:t>
-            </a:r>
-            <a:r>
-              <a:rPr lang="en-US" dirty="0" err="1" smtClean="0"/>
-              <a:t>Arquillian</a:t>
-            </a:r>
-            <a:r>
-              <a:rPr lang="en-US" dirty="0" smtClean="0"/>
-              <a:t> to deploy to a </a:t>
-            </a:r>
-            <a:r>
-              <a:rPr lang="en-US" dirty="0" err="1" smtClean="0"/>
-              <a:t>Wildfly</a:t>
-            </a:r>
-            <a:r>
-              <a:rPr lang="en-US" dirty="0" smtClean="0"/>
-              <a:t> container</a:t>
-            </a:r>
-            <a:r>
-              <a:rPr lang="mr-IN" dirty="0" smtClean="0"/>
-              <a:t>…</a:t>
-            </a:r>
-            <a:r>
-              <a:rPr lang="en-US" dirty="0" smtClean="0"/>
-              <a:t> </a:t>
+              <a:t>Selenium</a:t>
+            </a:r>
+          </a:p>
+          <a:p>
+            <a:r>
+              <a:rPr lang="en-US" dirty="0" smtClean="0"/>
+              <a:t>Deployment: </a:t>
+            </a:r>
+            <a:r>
+              <a:rPr lang="en-US" b="1" dirty="0" smtClean="0"/>
+              <a:t>Docker</a:t>
             </a:r>
           </a:p>
           <a:p>
@@ -12673,7 +13912,7 @@
     </p:spTree>
     <p:extLst>
       <p:ext uri="{BB962C8B-B14F-4D97-AF65-F5344CB8AC3E}">
-        <p14:creationId xmlns:p14="http://schemas.microsoft.com/office/powerpoint/2010/main" val="275589496"/>
+        <p14:creationId xmlns:p14="http://schemas.microsoft.com/office/powerpoint/2010/main" val="375687519"/>
       </p:ext>
     </p:extLst>
   </p:cSld>
